--- a/Data_Mining.pptx
+++ b/Data_Mining.pptx
@@ -17,6 +17,7 @@
     <p:sldId id="264" r:id="rId11"/>
     <p:sldId id="265" r:id="rId12"/>
     <p:sldId id="266" r:id="rId13"/>
+    <p:sldId id="269" r:id="rId14"/>
   </p:sldIdLst>
   <p:sldSz cx="12192000" cy="6858000"/>
   <p:notesSz cx="6858000" cy="9144000"/>
@@ -115,6 +116,11 @@
       </a:defRPr>
     </a:lvl9pPr>
   </p:defaultTextStyle>
+  <p:extLst>
+    <p:ext uri="{EFAFB233-063F-42B5-8137-9DF3F51BA10A}">
+      <p15:sldGuideLst xmlns:p15="http://schemas.microsoft.com/office/powerpoint/2012/main"/>
+    </p:ext>
+  </p:extLst>
 </p:presentation>
 </file>
 
@@ -2681,7 +2687,7 @@
 <dgm:dataModel xmlns:dgm="http://schemas.openxmlformats.org/drawingml/2006/diagram" xmlns:a="http://schemas.openxmlformats.org/drawingml/2006/main">
   <dgm:ptLst>
     <dgm:pt modelId="{09950DAC-56CD-4A2D-BD10-7B54B10BF829}" type="doc">
-      <dgm:prSet loTypeId="urn:microsoft.com/office/officeart/2005/8/layout/matrix2" loCatId="matrix" qsTypeId="urn:microsoft.com/office/officeart/2005/8/quickstyle/simple4" qsCatId="simple" csTypeId="urn:microsoft.com/office/officeart/2005/8/colors/colorful5" csCatId="colorful"/>
+      <dgm:prSet loTypeId="urn:microsoft.com/office/officeart/2005/8/layout/matrix2" loCatId="matrix" qsTypeId="urn:microsoft.com/office/officeart/2005/8/quickstyle/simple4" qsCatId="simple" csTypeId="urn:microsoft.com/office/officeart/2005/8/colors/colorful5" csCatId="colorful" phldr="1"/>
       <dgm:spPr/>
       <dgm:t>
         <a:bodyPr/>
@@ -2773,10 +2779,14 @@
         <a:lstStyle/>
         <a:p>
           <a:r>
-            <a:rPr lang="es-EC"/>
-            <a:t>Ridge Regression</a:t>
+            <a:rPr lang="es-EC" dirty="0"/>
+            <a:t>Ridge </a:t>
           </a:r>
-          <a:endParaRPr lang="en-US"/>
+          <a:r>
+            <a:rPr lang="es-EC" dirty="0" err="1"/>
+            <a:t>Regression</a:t>
+          </a:r>
+          <a:endParaRPr lang="en-US" dirty="0"/>
         </a:p>
       </dgm:t>
     </dgm:pt>
@@ -2810,10 +2820,14 @@
         <a:lstStyle/>
         <a:p>
           <a:r>
-            <a:rPr lang="es-EC"/>
-            <a:t>Random Forest</a:t>
+            <a:rPr lang="es-EC" dirty="0" err="1"/>
+            <a:t>Random</a:t>
           </a:r>
-          <a:endParaRPr lang="en-US"/>
+          <a:r>
+            <a:rPr lang="es-EC" dirty="0"/>
+            <a:t> Forest</a:t>
+          </a:r>
+          <a:endParaRPr lang="en-US" dirty="0"/>
         </a:p>
       </dgm:t>
     </dgm:pt>
@@ -2838,6 +2852,50 @@
           <a:endParaRPr lang="en-US"/>
         </a:p>
       </dgm:t>
+    </dgm:pt>
+    <dgm:pt modelId="{F5EF9AE9-C8B2-4A9F-8EC0-966679418933}">
+      <dgm:prSet/>
+      <dgm:spPr/>
+      <dgm:t>
+        <a:bodyPr/>
+        <a:lstStyle/>
+        <a:p>
+          <a:r>
+            <a:rPr lang="en-US" dirty="0"/>
+            <a:t>Ensemble Algorithms</a:t>
+          </a:r>
+        </a:p>
+      </dgm:t>
+    </dgm:pt>
+    <dgm:pt modelId="{945AEB05-5E40-4592-9AB6-6B95025500A7}" type="parTrans" cxnId="{C46F0A14-270F-4BA1-AA1D-F78077FC307D}">
+      <dgm:prSet/>
+      <dgm:spPr/>
+    </dgm:pt>
+    <dgm:pt modelId="{81D3326D-E121-4608-BB54-0C7C7315F751}" type="sibTrans" cxnId="{C46F0A14-270F-4BA1-AA1D-F78077FC307D}">
+      <dgm:prSet/>
+      <dgm:spPr/>
+    </dgm:pt>
+    <dgm:pt modelId="{03E0F1C5-43E0-443D-948E-0791400BEAA9}">
+      <dgm:prSet/>
+      <dgm:spPr/>
+      <dgm:t>
+        <a:bodyPr/>
+        <a:lstStyle/>
+        <a:p>
+          <a:r>
+            <a:rPr lang="en-US" dirty="0"/>
+            <a:t>Gradient Boost</a:t>
+          </a:r>
+        </a:p>
+      </dgm:t>
+    </dgm:pt>
+    <dgm:pt modelId="{D73FE059-5672-4E8F-A66D-9EB47BA62DBC}" type="parTrans" cxnId="{55A3C8C1-E4F7-4DF1-AC22-E65AB7A6266B}">
+      <dgm:prSet/>
+      <dgm:spPr/>
+    </dgm:pt>
+    <dgm:pt modelId="{90D9F2DC-6BE7-47A1-9E58-22FBD41A597F}" type="sibTrans" cxnId="{55A3C8C1-E4F7-4DF1-AC22-E65AB7A6266B}">
+      <dgm:prSet/>
+      <dgm:spPr/>
     </dgm:pt>
     <dgm:pt modelId="{1D34B2E3-678E-4D84-BB67-038B4FEB5F8C}" type="pres">
       <dgm:prSet presAssocID="{09950DAC-56CD-4A2D-BD10-7B54B10BF829}" presName="matrix" presStyleCnt="0">
@@ -2895,15 +2953,19 @@
     </dgm:pt>
   </dgm:ptLst>
   <dgm:cxnLst>
+    <dgm:cxn modelId="{2FAB8908-2194-4A3E-A1B0-849F511EB9FF}" type="presOf" srcId="{03E0F1C5-43E0-443D-948E-0791400BEAA9}" destId="{FDDF90B1-E10C-42E4-BBF9-830853B753A1}" srcOrd="0" destOrd="2" presId="urn:microsoft.com/office/officeart/2005/8/layout/matrix2"/>
+    <dgm:cxn modelId="{C46F0A14-270F-4BA1-AA1D-F78077FC307D}" srcId="{09950DAC-56CD-4A2D-BD10-7B54B10BF829}" destId="{F5EF9AE9-C8B2-4A9F-8EC0-966679418933}" srcOrd="3" destOrd="0" parTransId="{945AEB05-5E40-4592-9AB6-6B95025500A7}" sibTransId="{81D3326D-E121-4608-BB54-0C7C7315F751}"/>
     <dgm:cxn modelId="{7C9C7D22-F70E-443E-A894-0C20DCF9BC74}" type="presOf" srcId="{F25F8684-C691-4C28-A5EA-B43FB1A52EDB}" destId="{AA36DF13-2785-49C0-BD9A-6AAF3131B296}" srcOrd="0" destOrd="0" presId="urn:microsoft.com/office/officeart/2005/8/layout/matrix2"/>
+    <dgm:cxn modelId="{C19E0339-2C81-42DE-80A3-4CB653731BCF}" type="presOf" srcId="{F5EF9AE9-C8B2-4A9F-8EC0-966679418933}" destId="{FDDF90B1-E10C-42E4-BBF9-830853B753A1}" srcOrd="0" destOrd="0" presId="urn:microsoft.com/office/officeart/2005/8/layout/matrix2"/>
     <dgm:cxn modelId="{C9879549-48C3-4E0F-A3C1-52A166191D70}" srcId="{09950DAC-56CD-4A2D-BD10-7B54B10BF829}" destId="{F25F8684-C691-4C28-A5EA-B43FB1A52EDB}" srcOrd="2" destOrd="0" parTransId="{3FFD8664-AB2C-454F-A8C6-B03CEC81ACDD}" sibTransId="{60B05513-5D66-4CF4-B5E5-9A2A08498F0F}"/>
     <dgm:cxn modelId="{759BC36E-30E8-4D2A-9EFF-4F8365197A01}" type="presOf" srcId="{4FABAB07-435B-467D-923E-FCACE2109EA5}" destId="{96122406-FE11-4025-9BC5-4FF80D6124F2}" srcOrd="0" destOrd="0" presId="urn:microsoft.com/office/officeart/2005/8/layout/matrix2"/>
     <dgm:cxn modelId="{AF1E3450-9007-472A-981E-5AB5D1AE331F}" type="presOf" srcId="{6292C131-E5E5-4C9A-81BE-B9D312C0C450}" destId="{B04E7A05-117F-45CD-9958-8D5D6A8721E6}" srcOrd="0" destOrd="0" presId="urn:microsoft.com/office/officeart/2005/8/layout/matrix2"/>
     <dgm:cxn modelId="{383BBD53-1DE5-410E-A895-23973A59F116}" type="presOf" srcId="{09950DAC-56CD-4A2D-BD10-7B54B10BF829}" destId="{1D34B2E3-678E-4D84-BB67-038B4FEB5F8C}" srcOrd="0" destOrd="0" presId="urn:microsoft.com/office/officeart/2005/8/layout/matrix2"/>
     <dgm:cxn modelId="{CF53948D-201E-464A-B667-53764565157C}" srcId="{09950DAC-56CD-4A2D-BD10-7B54B10BF829}" destId="{6292C131-E5E5-4C9A-81BE-B9D312C0C450}" srcOrd="1" destOrd="0" parTransId="{842F4E5E-F267-46C7-9DAD-2E60B8B4CE12}" sibTransId="{71A474F5-1C61-4D39-93DD-133EBE4051D2}"/>
-    <dgm:cxn modelId="{A1EDEC98-A3B5-402F-BB4C-BF54569F1FA7}" type="presOf" srcId="{3D41DB0A-C920-486C-9206-6FE450251810}" destId="{FDDF90B1-E10C-42E4-BBF9-830853B753A1}" srcOrd="0" destOrd="0" presId="urn:microsoft.com/office/officeart/2005/8/layout/matrix2"/>
     <dgm:cxn modelId="{21D537C1-86F0-4800-95E2-835FBF0894C3}" srcId="{09950DAC-56CD-4A2D-BD10-7B54B10BF829}" destId="{4FABAB07-435B-467D-923E-FCACE2109EA5}" srcOrd="0" destOrd="0" parTransId="{E37E3AD2-FC4D-4216-9282-8D93855A3F80}" sibTransId="{592AA0D0-F966-40DF-B8F7-104F999EB77B}"/>
-    <dgm:cxn modelId="{7D9FB7DF-B6A1-4ABE-9311-60EF1367821C}" srcId="{09950DAC-56CD-4A2D-BD10-7B54B10BF829}" destId="{3D41DB0A-C920-486C-9206-6FE450251810}" srcOrd="3" destOrd="0" parTransId="{DC86ECBD-3829-4150-8939-D831ACF1BDB6}" sibTransId="{EA9C1DBF-56D8-4831-B30D-C590D68F2610}"/>
+    <dgm:cxn modelId="{7F2A5DC1-299B-4409-BA81-BC073FBD71F9}" type="presOf" srcId="{3D41DB0A-C920-486C-9206-6FE450251810}" destId="{FDDF90B1-E10C-42E4-BBF9-830853B753A1}" srcOrd="0" destOrd="1" presId="urn:microsoft.com/office/officeart/2005/8/layout/matrix2"/>
+    <dgm:cxn modelId="{55A3C8C1-E4F7-4DF1-AC22-E65AB7A6266B}" srcId="{F5EF9AE9-C8B2-4A9F-8EC0-966679418933}" destId="{03E0F1C5-43E0-443D-948E-0791400BEAA9}" srcOrd="1" destOrd="0" parTransId="{D73FE059-5672-4E8F-A66D-9EB47BA62DBC}" sibTransId="{90D9F2DC-6BE7-47A1-9E58-22FBD41A597F}"/>
+    <dgm:cxn modelId="{7D9FB7DF-B6A1-4ABE-9311-60EF1367821C}" srcId="{F5EF9AE9-C8B2-4A9F-8EC0-966679418933}" destId="{3D41DB0A-C920-486C-9206-6FE450251810}" srcOrd="0" destOrd="0" parTransId="{DC86ECBD-3829-4150-8939-D831ACF1BDB6}" sibTransId="{EA9C1DBF-56D8-4831-B30D-C590D68F2610}"/>
     <dgm:cxn modelId="{3BE288CC-BC4B-4F4E-8FE5-6BDD347316EC}" type="presParOf" srcId="{1D34B2E3-678E-4D84-BB67-038B4FEB5F8C}" destId="{EA0BEAAB-2B48-4018-9720-2AD5E0AAA17E}" srcOrd="0" destOrd="0" presId="urn:microsoft.com/office/officeart/2005/8/layout/matrix2"/>
     <dgm:cxn modelId="{A4F8D39F-80BD-4933-BCB7-099CC777B8DB}" type="presParOf" srcId="{1D34B2E3-678E-4D84-BB67-038B4FEB5F8C}" destId="{96122406-FE11-4025-9BC5-4FF80D6124F2}" srcOrd="1" destOrd="0" presId="urn:microsoft.com/office/officeart/2005/8/layout/matrix2"/>
     <dgm:cxn modelId="{A5366FCB-6435-419D-9D45-622E7737E89D}" type="presParOf" srcId="{1D34B2E3-678E-4D84-BB67-038B4FEB5F8C}" destId="{B04E7A05-117F-45CD-9958-8D5D6A8721E6}" srcOrd="2" destOrd="0" presId="urn:microsoft.com/office/officeart/2005/8/layout/matrix2"/>
@@ -2924,7 +2986,7 @@
 <dgm:dataModel xmlns:dgm="http://schemas.openxmlformats.org/drawingml/2006/diagram" xmlns:a="http://schemas.openxmlformats.org/drawingml/2006/main">
   <dgm:ptLst>
     <dgm:pt modelId="{C6275379-EE9C-4DE8-9EC6-076566B001ED}" type="doc">
-      <dgm:prSet loTypeId="urn:microsoft.com/office/officeart/2005/8/layout/vList2" loCatId="list" qsTypeId="urn:microsoft.com/office/officeart/2005/8/quickstyle/simple2" qsCatId="simple" csTypeId="urn:microsoft.com/office/officeart/2005/8/colors/colorful5" csCatId="colorful"/>
+      <dgm:prSet loTypeId="urn:microsoft.com/office/officeart/2005/8/layout/vList2" loCatId="list" qsTypeId="urn:microsoft.com/office/officeart/2005/8/quickstyle/simple2" qsCatId="simple" csTypeId="urn:microsoft.com/office/officeart/2005/8/colors/colorful5" csCatId="colorful" phldr="1"/>
       <dgm:spPr/>
       <dgm:t>
         <a:bodyPr/>
@@ -3381,14 +3443,14 @@
         <a:lstStyle/>
         <a:p>
           <a:r>
-            <a:rPr lang="es-EC"/>
+            <a:rPr lang="es-EC" dirty="0"/>
             <a:t>Test: </a:t>
           </a:r>
           <a:r>
-            <a:rPr lang="es-ES"/>
+            <a:rPr lang="es-ES" dirty="0"/>
             <a:t>0.8</a:t>
           </a:r>
-          <a:endParaRPr lang="en-US"/>
+          <a:endParaRPr lang="en-US" dirty="0"/>
         </a:p>
       </dgm:t>
     </dgm:pt>
@@ -3414,6 +3476,128 @@
         </a:p>
       </dgm:t>
     </dgm:pt>
+    <dgm:pt modelId="{7859DCD8-9BBB-49EB-A6BC-D2915DFC86A4}">
+      <dgm:prSet/>
+      <dgm:spPr/>
+      <dgm:t>
+        <a:bodyPr/>
+        <a:lstStyle/>
+        <a:p>
+          <a:r>
+            <a:rPr lang="en-US" dirty="0"/>
+            <a:t>Gradient Boost</a:t>
+          </a:r>
+        </a:p>
+      </dgm:t>
+    </dgm:pt>
+    <dgm:pt modelId="{C5327E43-F170-41A0-B7D0-6612AC841761}" type="parTrans" cxnId="{64963BDC-68C4-439D-A684-290F69187CC3}">
+      <dgm:prSet/>
+      <dgm:spPr/>
+      <dgm:t>
+        <a:bodyPr/>
+        <a:lstStyle/>
+        <a:p>
+          <a:endParaRPr lang="es-EC"/>
+        </a:p>
+      </dgm:t>
+    </dgm:pt>
+    <dgm:pt modelId="{37AA20C8-2120-43DD-9C2B-030856CAF290}" type="sibTrans" cxnId="{64963BDC-68C4-439D-A684-290F69187CC3}">
+      <dgm:prSet/>
+      <dgm:spPr/>
+      <dgm:t>
+        <a:bodyPr/>
+        <a:lstStyle/>
+        <a:p>
+          <a:endParaRPr lang="es-EC"/>
+        </a:p>
+      </dgm:t>
+    </dgm:pt>
+    <dgm:pt modelId="{AC83BD21-B24B-41BA-9720-8AA1141370C2}">
+      <dgm:prSet/>
+      <dgm:spPr/>
+      <dgm:t>
+        <a:bodyPr/>
+        <a:lstStyle/>
+        <a:p>
+          <a:r>
+            <a:rPr lang="en-US" dirty="0"/>
+            <a:t>Training: </a:t>
+          </a:r>
+          <a:r>
+            <a:rPr lang="es-EC" dirty="0">
+              <a:effectLst/>
+            </a:rPr>
+            <a:t>0.823809523809524</a:t>
+          </a:r>
+          <a:endParaRPr lang="en-US" dirty="0"/>
+        </a:p>
+      </dgm:t>
+    </dgm:pt>
+    <dgm:pt modelId="{9A7D78DD-72A2-4A3D-A783-DC66CB09DA95}" type="parTrans" cxnId="{3D3BD8F3-4526-4D85-BFED-6F17C97D00EC}">
+      <dgm:prSet/>
+      <dgm:spPr/>
+      <dgm:t>
+        <a:bodyPr/>
+        <a:lstStyle/>
+        <a:p>
+          <a:endParaRPr lang="es-EC"/>
+        </a:p>
+      </dgm:t>
+    </dgm:pt>
+    <dgm:pt modelId="{06EEBEF6-B959-4815-8D5B-5BDEEF7D2858}" type="sibTrans" cxnId="{3D3BD8F3-4526-4D85-BFED-6F17C97D00EC}">
+      <dgm:prSet/>
+      <dgm:spPr/>
+      <dgm:t>
+        <a:bodyPr/>
+        <a:lstStyle/>
+        <a:p>
+          <a:endParaRPr lang="es-EC"/>
+        </a:p>
+      </dgm:t>
+    </dgm:pt>
+    <dgm:pt modelId="{D8CE8E59-FD9C-4EA6-8F3F-74AFE649BA2C}">
+      <dgm:prSet/>
+      <dgm:spPr/>
+      <dgm:t>
+        <a:bodyPr/>
+        <a:lstStyle/>
+        <a:p>
+          <a:r>
+            <a:rPr lang="en-US" dirty="0"/>
+            <a:t>Test: </a:t>
+          </a:r>
+          <a:r>
+            <a:rPr lang="es-EC" dirty="0">
+              <a:effectLst/>
+            </a:rPr>
+            <a:t>0.783333333333333</a:t>
+          </a:r>
+          <a:endParaRPr lang="en-US" dirty="0"/>
+        </a:p>
+      </dgm:t>
+    </dgm:pt>
+    <dgm:pt modelId="{522C6A39-4B7B-407A-A599-55991556C4D4}" type="parTrans" cxnId="{69BB745F-227A-48FD-99CF-7689CF8AAF92}">
+      <dgm:prSet/>
+      <dgm:spPr/>
+      <dgm:t>
+        <a:bodyPr/>
+        <a:lstStyle/>
+        <a:p>
+          <a:endParaRPr lang="es-EC"/>
+        </a:p>
+      </dgm:t>
+    </dgm:pt>
+    <dgm:pt modelId="{73887F2E-F304-45A9-837E-2F8F0972B4D1}" type="sibTrans" cxnId="{69BB745F-227A-48FD-99CF-7689CF8AAF92}">
+      <dgm:prSet/>
+      <dgm:spPr/>
+      <dgm:t>
+        <a:bodyPr/>
+        <a:lstStyle/>
+        <a:p>
+          <a:endParaRPr lang="es-EC"/>
+        </a:p>
+      </dgm:t>
+    </dgm:pt>
     <dgm:pt modelId="{601AFD20-A078-49E4-B20A-53DE7E450E21}" type="pres">
       <dgm:prSet presAssocID="{C6275379-EE9C-4DE8-9EC6-076566B001ED}" presName="linear" presStyleCnt="0">
         <dgm:presLayoutVars>
@@ -3424,7 +3608,7 @@
       <dgm:spPr/>
     </dgm:pt>
     <dgm:pt modelId="{9745CFB2-3913-4134-9415-746AF8C93722}" type="pres">
-      <dgm:prSet presAssocID="{E383FC6B-5403-481A-A4AA-D8B0198F43F1}" presName="parentText" presStyleLbl="node1" presStyleIdx="0" presStyleCnt="4">
+      <dgm:prSet presAssocID="{E383FC6B-5403-481A-A4AA-D8B0198F43F1}" presName="parentText" presStyleLbl="node1" presStyleIdx="0" presStyleCnt="5">
         <dgm:presLayoutVars>
           <dgm:chMax val="0"/>
           <dgm:bulletEnabled val="1"/>
@@ -3433,7 +3617,7 @@
       <dgm:spPr/>
     </dgm:pt>
     <dgm:pt modelId="{C4DFD3C5-312A-4589-8285-412C86C73C6E}" type="pres">
-      <dgm:prSet presAssocID="{E383FC6B-5403-481A-A4AA-D8B0198F43F1}" presName="childText" presStyleLbl="revTx" presStyleIdx="0" presStyleCnt="4">
+      <dgm:prSet presAssocID="{E383FC6B-5403-481A-A4AA-D8B0198F43F1}" presName="childText" presStyleLbl="revTx" presStyleIdx="0" presStyleCnt="5">
         <dgm:presLayoutVars>
           <dgm:bulletEnabled val="1"/>
         </dgm:presLayoutVars>
@@ -3441,7 +3625,7 @@
       <dgm:spPr/>
     </dgm:pt>
     <dgm:pt modelId="{A50FE496-705D-409F-A541-F4602DAF4AF1}" type="pres">
-      <dgm:prSet presAssocID="{D240271B-2F5E-4660-A2BA-77B032D7AD20}" presName="parentText" presStyleLbl="node1" presStyleIdx="1" presStyleCnt="4">
+      <dgm:prSet presAssocID="{D240271B-2F5E-4660-A2BA-77B032D7AD20}" presName="parentText" presStyleLbl="node1" presStyleIdx="1" presStyleCnt="5">
         <dgm:presLayoutVars>
           <dgm:chMax val="0"/>
           <dgm:bulletEnabled val="1"/>
@@ -3450,7 +3634,7 @@
       <dgm:spPr/>
     </dgm:pt>
     <dgm:pt modelId="{C0192D08-C55A-43A7-A4CF-9C7AD8427FF2}" type="pres">
-      <dgm:prSet presAssocID="{D240271B-2F5E-4660-A2BA-77B032D7AD20}" presName="childText" presStyleLbl="revTx" presStyleIdx="1" presStyleCnt="4">
+      <dgm:prSet presAssocID="{D240271B-2F5E-4660-A2BA-77B032D7AD20}" presName="childText" presStyleLbl="revTx" presStyleIdx="1" presStyleCnt="5">
         <dgm:presLayoutVars>
           <dgm:bulletEnabled val="1"/>
         </dgm:presLayoutVars>
@@ -3458,7 +3642,7 @@
       <dgm:spPr/>
     </dgm:pt>
     <dgm:pt modelId="{1CFB7155-92CA-4B0D-8CB1-5FE74A6FD99A}" type="pres">
-      <dgm:prSet presAssocID="{E0DF67F9-FE34-4ED1-8925-F09C6241E397}" presName="parentText" presStyleLbl="node1" presStyleIdx="2" presStyleCnt="4">
+      <dgm:prSet presAssocID="{E0DF67F9-FE34-4ED1-8925-F09C6241E397}" presName="parentText" presStyleLbl="node1" presStyleIdx="2" presStyleCnt="5">
         <dgm:presLayoutVars>
           <dgm:chMax val="0"/>
           <dgm:bulletEnabled val="1"/>
@@ -3467,7 +3651,7 @@
       <dgm:spPr/>
     </dgm:pt>
     <dgm:pt modelId="{40C9563D-5013-4EA5-B7DE-60878DCC8052}" type="pres">
-      <dgm:prSet presAssocID="{E0DF67F9-FE34-4ED1-8925-F09C6241E397}" presName="childText" presStyleLbl="revTx" presStyleIdx="2" presStyleCnt="4">
+      <dgm:prSet presAssocID="{E0DF67F9-FE34-4ED1-8925-F09C6241E397}" presName="childText" presStyleLbl="revTx" presStyleIdx="2" presStyleCnt="5">
         <dgm:presLayoutVars>
           <dgm:bulletEnabled val="1"/>
         </dgm:presLayoutVars>
@@ -3475,7 +3659,7 @@
       <dgm:spPr/>
     </dgm:pt>
     <dgm:pt modelId="{7F9190FB-913C-48EE-B8A8-0551C69AA14A}" type="pres">
-      <dgm:prSet presAssocID="{FF9A3F28-9EB2-482A-91FF-9A04FC444AF7}" presName="parentText" presStyleLbl="node1" presStyleIdx="3" presStyleCnt="4">
+      <dgm:prSet presAssocID="{FF9A3F28-9EB2-482A-91FF-9A04FC444AF7}" presName="parentText" presStyleLbl="node1" presStyleIdx="3" presStyleCnt="5">
         <dgm:presLayoutVars>
           <dgm:chMax val="0"/>
           <dgm:bulletEnabled val="1"/>
@@ -3484,7 +3668,24 @@
       <dgm:spPr/>
     </dgm:pt>
     <dgm:pt modelId="{D65FADB4-159F-4229-AAF8-33026A54354A}" type="pres">
-      <dgm:prSet presAssocID="{FF9A3F28-9EB2-482A-91FF-9A04FC444AF7}" presName="childText" presStyleLbl="revTx" presStyleIdx="3" presStyleCnt="4">
+      <dgm:prSet presAssocID="{FF9A3F28-9EB2-482A-91FF-9A04FC444AF7}" presName="childText" presStyleLbl="revTx" presStyleIdx="3" presStyleCnt="5">
+        <dgm:presLayoutVars>
+          <dgm:bulletEnabled val="1"/>
+        </dgm:presLayoutVars>
+      </dgm:prSet>
+      <dgm:spPr/>
+    </dgm:pt>
+    <dgm:pt modelId="{302FA4A1-2B1C-4A58-9189-CFB117B85584}" type="pres">
+      <dgm:prSet presAssocID="{7859DCD8-9BBB-49EB-A6BC-D2915DFC86A4}" presName="parentText" presStyleLbl="node1" presStyleIdx="4" presStyleCnt="5">
+        <dgm:presLayoutVars>
+          <dgm:chMax val="0"/>
+          <dgm:bulletEnabled val="1"/>
+        </dgm:presLayoutVars>
+      </dgm:prSet>
+      <dgm:spPr/>
+    </dgm:pt>
+    <dgm:pt modelId="{2CB7EDD1-635D-42FE-8184-6DDB9775137A}" type="pres">
+      <dgm:prSet presAssocID="{7859DCD8-9BBB-49EB-A6BC-D2915DFC86A4}" presName="childText" presStyleLbl="revTx" presStyleIdx="4" presStyleCnt="5">
         <dgm:presLayoutVars>
           <dgm:bulletEnabled val="1"/>
         </dgm:presLayoutVars>
@@ -3496,7 +3697,9 @@
     <dgm:cxn modelId="{AFA86309-8B36-401A-8FDE-4C97035B1B5D}" type="presOf" srcId="{15FF3761-24DF-4276-9482-34753322EB13}" destId="{C4DFD3C5-312A-4589-8285-412C86C73C6E}" srcOrd="0" destOrd="0" presId="urn:microsoft.com/office/officeart/2005/8/layout/vList2"/>
     <dgm:cxn modelId="{4F32CA28-466B-4949-B054-BC1456A1EF27}" type="presOf" srcId="{C6275379-EE9C-4DE8-9EC6-076566B001ED}" destId="{601AFD20-A078-49E4-B20A-53DE7E450E21}" srcOrd="0" destOrd="0" presId="urn:microsoft.com/office/officeart/2005/8/layout/vList2"/>
     <dgm:cxn modelId="{45BEB635-BCC1-4C30-BDA5-368F58FA8FB6}" srcId="{E0DF67F9-FE34-4ED1-8925-F09C6241E397}" destId="{F41D10B0-F5B1-49FC-BB4C-EC8090CBC898}" srcOrd="1" destOrd="0" parTransId="{B5959ACF-DE99-4715-9394-86B994D487BD}" sibTransId="{FEE3CADB-656E-4F12-97A2-BC8641B9872F}"/>
+    <dgm:cxn modelId="{F67EE736-6837-42C3-955E-84647BB29D3A}" type="presOf" srcId="{AC83BD21-B24B-41BA-9720-8AA1141370C2}" destId="{2CB7EDD1-635D-42FE-8184-6DDB9775137A}" srcOrd="0" destOrd="0" presId="urn:microsoft.com/office/officeart/2005/8/layout/vList2"/>
     <dgm:cxn modelId="{26FDD23D-A219-4615-9CAD-9AB394BA589D}" srcId="{FF9A3F28-9EB2-482A-91FF-9A04FC444AF7}" destId="{57AB11AD-C438-48B5-A716-A9CA9093C80D}" srcOrd="0" destOrd="0" parTransId="{14EF5556-49E6-4E80-BD07-165C07209B92}" sibTransId="{2E8BAFB1-FD74-4BD2-9DA5-93677A522971}"/>
+    <dgm:cxn modelId="{69BB745F-227A-48FD-99CF-7689CF8AAF92}" srcId="{7859DCD8-9BBB-49EB-A6BC-D2915DFC86A4}" destId="{D8CE8E59-FD9C-4EA6-8F3F-74AFE649BA2C}" srcOrd="1" destOrd="0" parTransId="{522C6A39-4B7B-407A-A599-55991556C4D4}" sibTransId="{73887F2E-F304-45A9-837E-2F8F0972B4D1}"/>
     <dgm:cxn modelId="{E6975E64-2678-4CA5-9A23-B977DDCA883E}" srcId="{E383FC6B-5403-481A-A4AA-D8B0198F43F1}" destId="{15FF3761-24DF-4276-9482-34753322EB13}" srcOrd="0" destOrd="0" parTransId="{E0134A48-B75B-473F-A574-B5FE256FA891}" sibTransId="{AEBF6939-C372-4480-9B41-9DF11C9BA680}"/>
     <dgm:cxn modelId="{03E2A445-AC4F-4989-A2B8-9A2D7C8998C3}" srcId="{D240271B-2F5E-4660-A2BA-77B032D7AD20}" destId="{CFCFB29A-504F-43A0-A947-DFF014A3AA01}" srcOrd="0" destOrd="0" parTransId="{E2DEFA9F-2F13-469E-9C3F-A2E3184D1F5F}" sibTransId="{D301B748-B569-4C16-9232-8EA602194C54}"/>
     <dgm:cxn modelId="{EFB9384C-6234-4532-BC31-81FC6FEB1E6A}" type="presOf" srcId="{CFCFB29A-504F-43A0-A947-DFF014A3AA01}" destId="{C0192D08-C55A-43A7-A4CF-9C7AD8427FF2}" srcOrd="0" destOrd="0" presId="urn:microsoft.com/office/officeart/2005/8/layout/vList2"/>
@@ -3508,6 +3711,7 @@
     <dgm:cxn modelId="{F289078A-DBE6-438E-9E95-EF27F4FAB3DC}" srcId="{C6275379-EE9C-4DE8-9EC6-076566B001ED}" destId="{E0DF67F9-FE34-4ED1-8925-F09C6241E397}" srcOrd="2" destOrd="0" parTransId="{9D178FE6-137A-4437-9240-B5A4BA956F26}" sibTransId="{66C6683E-CFB8-4C7F-98CB-2BE8D1808DC4}"/>
     <dgm:cxn modelId="{4D5DB48F-1D01-4896-903D-C6C64F7C91D8}" type="presOf" srcId="{D240271B-2F5E-4660-A2BA-77B032D7AD20}" destId="{A50FE496-705D-409F-A541-F4602DAF4AF1}" srcOrd="0" destOrd="0" presId="urn:microsoft.com/office/officeart/2005/8/layout/vList2"/>
     <dgm:cxn modelId="{59B193A5-67C1-4DD7-AC2E-2304E4FEBEE4}" srcId="{E0DF67F9-FE34-4ED1-8925-F09C6241E397}" destId="{F7557897-FD0B-4BC9-B1DD-DC8A1AC09B17}" srcOrd="0" destOrd="0" parTransId="{3AF808B7-0E8B-4CD0-88A9-BE76328BDF2B}" sibTransId="{0693508E-FC7F-405A-A5F2-39E25AC130C5}"/>
+    <dgm:cxn modelId="{35E4FEA5-B358-4B5E-BB94-15C0DBD1B3E8}" type="presOf" srcId="{D8CE8E59-FD9C-4EA6-8F3F-74AFE649BA2C}" destId="{2CB7EDD1-635D-42FE-8184-6DDB9775137A}" srcOrd="0" destOrd="1" presId="urn:microsoft.com/office/officeart/2005/8/layout/vList2"/>
     <dgm:cxn modelId="{18AD72AA-6CCD-4FFF-A04C-1109FB2AF74E}" srcId="{D240271B-2F5E-4660-A2BA-77B032D7AD20}" destId="{6A50F96E-AE3D-436A-945F-97D1591C7122}" srcOrd="1" destOrd="0" parTransId="{D96D7CA1-E2BF-4AFB-AF73-29663110A825}" sibTransId="{25CA9482-EB9E-432E-8810-CB19FC31E06D}"/>
     <dgm:cxn modelId="{7754B5AD-E678-48D6-BCBC-40BC9FFD2B2E}" srcId="{FF9A3F28-9EB2-482A-91FF-9A04FC444AF7}" destId="{BDDBBECB-40A7-478E-A260-722BD4AE93A4}" srcOrd="1" destOrd="0" parTransId="{33BDB16C-8944-499E-8D06-24978D9228F0}" sibTransId="{0C0A626F-99B6-4760-9A79-FCC5E9B04185}"/>
     <dgm:cxn modelId="{BD86A0B4-8B5D-4AC5-988D-0F74B5F6172F}" type="presOf" srcId="{6A50F96E-AE3D-436A-945F-97D1591C7122}" destId="{C0192D08-C55A-43A7-A4CF-9C7AD8427FF2}" srcOrd="0" destOrd="1" presId="urn:microsoft.com/office/officeart/2005/8/layout/vList2"/>
@@ -3517,6 +3721,9 @@
     <dgm:cxn modelId="{B07AB1C9-35A4-454E-A6F2-34C709EF7CC5}" type="presOf" srcId="{BDDBBECB-40A7-478E-A260-722BD4AE93A4}" destId="{D65FADB4-159F-4229-AAF8-33026A54354A}" srcOrd="0" destOrd="1" presId="urn:microsoft.com/office/officeart/2005/8/layout/vList2"/>
     <dgm:cxn modelId="{F69A21CA-D48F-444A-A21D-9ADB4DFE18A0}" srcId="{E383FC6B-5403-481A-A4AA-D8B0198F43F1}" destId="{95A05FFA-95D7-409E-93B0-20AD5784DCB3}" srcOrd="1" destOrd="0" parTransId="{5DBE7A8A-717C-4EE3-9DED-B507159CBBAC}" sibTransId="{524E3371-11DE-463E-83EC-8303411F4F2C}"/>
     <dgm:cxn modelId="{830790CB-5CEB-430A-B114-3F5ADE789165}" srcId="{C6275379-EE9C-4DE8-9EC6-076566B001ED}" destId="{FF9A3F28-9EB2-482A-91FF-9A04FC444AF7}" srcOrd="3" destOrd="0" parTransId="{1C962592-2AF4-4A5A-B21E-CCC86278060C}" sibTransId="{B3420562-099B-490E-BB6E-5FAE57F7C912}"/>
+    <dgm:cxn modelId="{53D3BFD5-C683-4269-9A8E-B40358B0DBB0}" type="presOf" srcId="{7859DCD8-9BBB-49EB-A6BC-D2915DFC86A4}" destId="{302FA4A1-2B1C-4A58-9189-CFB117B85584}" srcOrd="0" destOrd="0" presId="urn:microsoft.com/office/officeart/2005/8/layout/vList2"/>
+    <dgm:cxn modelId="{64963BDC-68C4-439D-A684-290F69187CC3}" srcId="{C6275379-EE9C-4DE8-9EC6-076566B001ED}" destId="{7859DCD8-9BBB-49EB-A6BC-D2915DFC86A4}" srcOrd="4" destOrd="0" parTransId="{C5327E43-F170-41A0-B7D0-6612AC841761}" sibTransId="{37AA20C8-2120-43DD-9C2B-030856CAF290}"/>
+    <dgm:cxn modelId="{3D3BD8F3-4526-4D85-BFED-6F17C97D00EC}" srcId="{7859DCD8-9BBB-49EB-A6BC-D2915DFC86A4}" destId="{AC83BD21-B24B-41BA-9720-8AA1141370C2}" srcOrd="0" destOrd="0" parTransId="{9A7D78DD-72A2-4A3D-A783-DC66CB09DA95}" sibTransId="{06EEBEF6-B959-4815-8D5B-5BDEEF7D2858}"/>
     <dgm:cxn modelId="{FF85CDF4-D760-40DE-A95D-B27ACC79DFAB}" srcId="{C6275379-EE9C-4DE8-9EC6-076566B001ED}" destId="{D240271B-2F5E-4660-A2BA-77B032D7AD20}" srcOrd="1" destOrd="0" parTransId="{92A7E070-981C-41BA-A9F9-C02FC8C76220}" sibTransId="{9D2E0223-692F-4560-886C-9CAB82BBF411}"/>
     <dgm:cxn modelId="{9694E2A3-349C-4B3C-B304-2AADC33C6D1F}" type="presParOf" srcId="{601AFD20-A078-49E4-B20A-53DE7E450E21}" destId="{9745CFB2-3913-4134-9415-746AF8C93722}" srcOrd="0" destOrd="0" presId="urn:microsoft.com/office/officeart/2005/8/layout/vList2"/>
     <dgm:cxn modelId="{22927DB5-3D3B-4BBA-ABC2-70971E8FA956}" type="presParOf" srcId="{601AFD20-A078-49E4-B20A-53DE7E450E21}" destId="{C4DFD3C5-312A-4589-8285-412C86C73C6E}" srcOrd="1" destOrd="0" presId="urn:microsoft.com/office/officeart/2005/8/layout/vList2"/>
@@ -3526,6 +3733,8 @@
     <dgm:cxn modelId="{13E15727-2647-40F7-A1D4-B8441085B909}" type="presParOf" srcId="{601AFD20-A078-49E4-B20A-53DE7E450E21}" destId="{40C9563D-5013-4EA5-B7DE-60878DCC8052}" srcOrd="5" destOrd="0" presId="urn:microsoft.com/office/officeart/2005/8/layout/vList2"/>
     <dgm:cxn modelId="{3AB4DC8B-9C96-4662-9318-B5C1A72F26C2}" type="presParOf" srcId="{601AFD20-A078-49E4-B20A-53DE7E450E21}" destId="{7F9190FB-913C-48EE-B8A8-0551C69AA14A}" srcOrd="6" destOrd="0" presId="urn:microsoft.com/office/officeart/2005/8/layout/vList2"/>
     <dgm:cxn modelId="{DA9794D9-84E1-4519-9C1A-2E88464D4B0C}" type="presParOf" srcId="{601AFD20-A078-49E4-B20A-53DE7E450E21}" destId="{D65FADB4-159F-4229-AAF8-33026A54354A}" srcOrd="7" destOrd="0" presId="urn:microsoft.com/office/officeart/2005/8/layout/vList2"/>
+    <dgm:cxn modelId="{F189635C-34AE-40D9-8954-E5F93B893C49}" type="presParOf" srcId="{601AFD20-A078-49E4-B20A-53DE7E450E21}" destId="{302FA4A1-2B1C-4A58-9189-CFB117B85584}" srcOrd="8" destOrd="0" presId="urn:microsoft.com/office/officeart/2005/8/layout/vList2"/>
+    <dgm:cxn modelId="{9CBDD41D-A0F6-430B-A204-1C7284DB200D}" type="presParOf" srcId="{601AFD20-A078-49E4-B20A-53DE7E450E21}" destId="{2CB7EDD1-635D-42FE-8184-6DDB9775137A}" srcOrd="9" destOrd="0" presId="urn:microsoft.com/office/officeart/2005/8/layout/vList2"/>
   </dgm:cxnLst>
   <dgm:bg/>
   <dgm:whole/>
@@ -4131,12 +4340,12 @@
         </a:fontRef>
       </dsp:style>
       <dsp:txBody>
-        <a:bodyPr spcFirstLastPara="0" vert="horz" wrap="square" lIns="125730" tIns="125730" rIns="125730" bIns="125730" numCol="1" spcCol="1270" anchor="ctr" anchorCtr="0">
+        <a:bodyPr spcFirstLastPara="0" vert="horz" wrap="square" lIns="102870" tIns="102870" rIns="102870" bIns="102870" numCol="1" spcCol="1270" anchor="ctr" anchorCtr="0">
           <a:noAutofit/>
         </a:bodyPr>
         <a:lstStyle/>
         <a:p>
-          <a:pPr marL="0" lvl="0" indent="0" algn="ctr" defTabSz="1466850">
+          <a:pPr marL="0" lvl="0" indent="0" algn="ctr" defTabSz="1200150">
             <a:lnSpc>
               <a:spcPct val="90000"/>
             </a:lnSpc>
@@ -4149,10 +4358,10 @@
             <a:buNone/>
           </a:pPr>
           <a:r>
-            <a:rPr lang="es-EC" sz="3300" kern="1200"/>
+            <a:rPr lang="es-EC" sz="2700" kern="1200"/>
             <a:t>Logistic Regression</a:t>
           </a:r>
-          <a:endParaRPr lang="en-US" sz="3300" kern="1200"/>
+          <a:endParaRPr lang="en-US" sz="2700" kern="1200"/>
         </a:p>
       </dsp:txBody>
       <dsp:txXfrm>
@@ -4231,12 +4440,12 @@
         </a:fontRef>
       </dsp:style>
       <dsp:txBody>
-        <a:bodyPr spcFirstLastPara="0" vert="horz" wrap="square" lIns="125730" tIns="125730" rIns="125730" bIns="125730" numCol="1" spcCol="1270" anchor="ctr" anchorCtr="0">
+        <a:bodyPr spcFirstLastPara="0" vert="horz" wrap="square" lIns="102870" tIns="102870" rIns="102870" bIns="102870" numCol="1" spcCol="1270" anchor="ctr" anchorCtr="0">
           <a:noAutofit/>
         </a:bodyPr>
         <a:lstStyle/>
         <a:p>
-          <a:pPr marL="0" lvl="0" indent="0" algn="ctr" defTabSz="1466850">
+          <a:pPr marL="0" lvl="0" indent="0" algn="ctr" defTabSz="1200150">
             <a:lnSpc>
               <a:spcPct val="90000"/>
             </a:lnSpc>
@@ -4249,10 +4458,10 @@
             <a:buNone/>
           </a:pPr>
           <a:r>
-            <a:rPr lang="es-EC" sz="3300" kern="1200"/>
+            <a:rPr lang="es-EC" sz="2700" kern="1200"/>
             <a:t>Linear Regression</a:t>
           </a:r>
-          <a:endParaRPr lang="en-US" sz="3300" kern="1200"/>
+          <a:endParaRPr lang="en-US" sz="2700" kern="1200"/>
         </a:p>
       </dsp:txBody>
       <dsp:txXfrm>
@@ -4331,12 +4540,12 @@
         </a:fontRef>
       </dsp:style>
       <dsp:txBody>
-        <a:bodyPr spcFirstLastPara="0" vert="horz" wrap="square" lIns="125730" tIns="125730" rIns="125730" bIns="125730" numCol="1" spcCol="1270" anchor="ctr" anchorCtr="0">
+        <a:bodyPr spcFirstLastPara="0" vert="horz" wrap="square" lIns="102870" tIns="102870" rIns="102870" bIns="102870" numCol="1" spcCol="1270" anchor="ctr" anchorCtr="0">
           <a:noAutofit/>
         </a:bodyPr>
         <a:lstStyle/>
         <a:p>
-          <a:pPr marL="0" lvl="0" indent="0" algn="ctr" defTabSz="1466850">
+          <a:pPr marL="0" lvl="0" indent="0" algn="ctr" defTabSz="1200150">
             <a:lnSpc>
               <a:spcPct val="90000"/>
             </a:lnSpc>
@@ -4349,10 +4558,14 @@
             <a:buNone/>
           </a:pPr>
           <a:r>
-            <a:rPr lang="es-EC" sz="3300" kern="1200"/>
-            <a:t>Ridge Regression</a:t>
+            <a:rPr lang="es-EC" sz="2700" kern="1200" dirty="0"/>
+            <a:t>Ridge </a:t>
           </a:r>
-          <a:endParaRPr lang="en-US" sz="3300" kern="1200"/>
+          <a:r>
+            <a:rPr lang="es-EC" sz="2700" kern="1200" dirty="0" err="1"/>
+            <a:t>Regression</a:t>
+          </a:r>
+          <a:endParaRPr lang="en-US" sz="2700" kern="1200" dirty="0"/>
         </a:p>
       </dsp:txBody>
       <dsp:txXfrm>
@@ -4431,12 +4644,12 @@
         </a:fontRef>
       </dsp:style>
       <dsp:txBody>
-        <a:bodyPr spcFirstLastPara="0" vert="horz" wrap="square" lIns="125730" tIns="125730" rIns="125730" bIns="125730" numCol="1" spcCol="1270" anchor="ctr" anchorCtr="0">
+        <a:bodyPr spcFirstLastPara="0" vert="horz" wrap="square" lIns="102870" tIns="102870" rIns="102870" bIns="102870" numCol="1" spcCol="1270" anchor="t" anchorCtr="0">
           <a:noAutofit/>
         </a:bodyPr>
         <a:lstStyle/>
         <a:p>
-          <a:pPr marL="0" lvl="0" indent="0" algn="ctr" defTabSz="1466850">
+          <a:pPr marL="0" lvl="0" indent="0" algn="l" defTabSz="1200150">
             <a:lnSpc>
               <a:spcPct val="90000"/>
             </a:lnSpc>
@@ -4449,10 +4662,50 @@
             <a:buNone/>
           </a:pPr>
           <a:r>
-            <a:rPr lang="es-EC" sz="3300" kern="1200"/>
-            <a:t>Random Forest</a:t>
+            <a:rPr lang="en-US" sz="2700" kern="1200" dirty="0"/>
+            <a:t>Ensemble Algorithms</a:t>
           </a:r>
-          <a:endParaRPr lang="en-US" sz="3300" kern="1200"/>
+        </a:p>
+        <a:p>
+          <a:pPr marL="228600" lvl="1" indent="-228600" algn="l" defTabSz="933450">
+            <a:lnSpc>
+              <a:spcPct val="90000"/>
+            </a:lnSpc>
+            <a:spcBef>
+              <a:spcPct val="0"/>
+            </a:spcBef>
+            <a:spcAft>
+              <a:spcPct val="15000"/>
+            </a:spcAft>
+            <a:buChar char="•"/>
+          </a:pPr>
+          <a:r>
+            <a:rPr lang="es-EC" sz="2100" kern="1200" dirty="0" err="1"/>
+            <a:t>Random</a:t>
+          </a:r>
+          <a:r>
+            <a:rPr lang="es-EC" sz="2100" kern="1200" dirty="0"/>
+            <a:t> Forest</a:t>
+          </a:r>
+          <a:endParaRPr lang="en-US" sz="2100" kern="1200" dirty="0"/>
+        </a:p>
+        <a:p>
+          <a:pPr marL="228600" lvl="1" indent="-228600" algn="l" defTabSz="933450">
+            <a:lnSpc>
+              <a:spcPct val="90000"/>
+            </a:lnSpc>
+            <a:spcBef>
+              <a:spcPct val="0"/>
+            </a:spcBef>
+            <a:spcAft>
+              <a:spcPct val="15000"/>
+            </a:spcAft>
+            <a:buChar char="•"/>
+          </a:pPr>
+          <a:r>
+            <a:rPr lang="en-US" sz="2100" kern="1200" dirty="0"/>
+            <a:t>Gradient Boost</a:t>
+          </a:r>
         </a:p>
       </dsp:txBody>
       <dsp:txXfrm>
@@ -4479,8 +4732,8 @@
       </dsp:nvSpPr>
       <dsp:spPr>
         <a:xfrm>
-          <a:off x="0" y="84899"/>
-          <a:ext cx="6492875" cy="575639"/>
+          <a:off x="0" y="110606"/>
+          <a:ext cx="6492875" cy="455715"/>
         </a:xfrm>
         <a:prstGeom prst="roundRect">
           <a:avLst/>
@@ -4522,12 +4775,12 @@
         </a:fontRef>
       </dsp:style>
       <dsp:txBody>
-        <a:bodyPr spcFirstLastPara="0" vert="horz" wrap="square" lIns="91440" tIns="91440" rIns="91440" bIns="91440" numCol="1" spcCol="1270" anchor="ctr" anchorCtr="0">
+        <a:bodyPr spcFirstLastPara="0" vert="horz" wrap="square" lIns="72390" tIns="72390" rIns="72390" bIns="72390" numCol="1" spcCol="1270" anchor="ctr" anchorCtr="0">
           <a:noAutofit/>
         </a:bodyPr>
         <a:lstStyle/>
         <a:p>
-          <a:pPr marL="0" lvl="0" indent="0" algn="l" defTabSz="1066800">
+          <a:pPr marL="0" lvl="0" indent="0" algn="l" defTabSz="844550">
             <a:lnSpc>
               <a:spcPct val="90000"/>
             </a:lnSpc>
@@ -4540,15 +4793,15 @@
             <a:buNone/>
           </a:pPr>
           <a:r>
-            <a:rPr lang="es-EC" sz="2400" kern="1200"/>
+            <a:rPr lang="es-EC" sz="1900" kern="1200"/>
             <a:t>Logistic Regression</a:t>
           </a:r>
-          <a:endParaRPr lang="en-US" sz="2400" kern="1200"/>
+          <a:endParaRPr lang="en-US" sz="1900" kern="1200"/>
         </a:p>
       </dsp:txBody>
       <dsp:txXfrm>
-        <a:off x="28100" y="112999"/>
-        <a:ext cx="6436675" cy="519439"/>
+        <a:off x="22246" y="132852"/>
+        <a:ext cx="6448383" cy="411223"/>
       </dsp:txXfrm>
     </dsp:sp>
     <dsp:sp modelId="{C4DFD3C5-312A-4589-8285-412C86C73C6E}">
@@ -4558,8 +4811,8 @@
       </dsp:nvSpPr>
       <dsp:spPr>
         <a:xfrm>
-          <a:off x="0" y="660539"/>
-          <a:ext cx="6492875" cy="658260"/>
+          <a:off x="0" y="566321"/>
+          <a:ext cx="6492875" cy="521122"/>
         </a:xfrm>
         <a:prstGeom prst="rect">
           <a:avLst/>
@@ -4583,12 +4836,12 @@
         <a:fontRef idx="minor"/>
       </dsp:style>
       <dsp:txBody>
-        <a:bodyPr spcFirstLastPara="0" vert="horz" wrap="square" lIns="206149" tIns="30480" rIns="170688" bIns="30480" numCol="1" spcCol="1270" anchor="t" anchorCtr="0">
+        <a:bodyPr spcFirstLastPara="0" vert="horz" wrap="square" lIns="206149" tIns="24130" rIns="135128" bIns="24130" numCol="1" spcCol="1270" anchor="t" anchorCtr="0">
           <a:noAutofit/>
         </a:bodyPr>
         <a:lstStyle/>
         <a:p>
-          <a:pPr marL="171450" lvl="1" indent="-171450" algn="l" defTabSz="844550">
+          <a:pPr marL="114300" lvl="1" indent="-114300" algn="l" defTabSz="666750">
             <a:lnSpc>
               <a:spcPct val="90000"/>
             </a:lnSpc>
@@ -4601,17 +4854,17 @@
             <a:buChar char="•"/>
           </a:pPr>
           <a:r>
-            <a:rPr lang="es-EC" sz="1900" kern="1200"/>
+            <a:rPr lang="es-EC" sz="1500" kern="1200"/>
             <a:t>Training: </a:t>
           </a:r>
           <a:r>
-            <a:rPr lang="es-ES" sz="1900" kern="1200"/>
+            <a:rPr lang="es-ES" sz="1500" kern="1200"/>
             <a:t>0.783333333333333</a:t>
           </a:r>
-          <a:endParaRPr lang="en-US" sz="1900" kern="1200"/>
+          <a:endParaRPr lang="en-US" sz="1500" kern="1200"/>
         </a:p>
         <a:p>
-          <a:pPr marL="171450" lvl="1" indent="-171450" algn="l" defTabSz="844550">
+          <a:pPr marL="114300" lvl="1" indent="-114300" algn="l" defTabSz="666750">
             <a:lnSpc>
               <a:spcPct val="90000"/>
             </a:lnSpc>
@@ -4624,19 +4877,19 @@
             <a:buChar char="•"/>
           </a:pPr>
           <a:r>
-            <a:rPr lang="es-EC" sz="1900" kern="1200"/>
+            <a:rPr lang="es-EC" sz="1500" kern="1200"/>
             <a:t>T</a:t>
           </a:r>
           <a:r>
-            <a:rPr lang="es-ES" sz="1900" kern="1200"/>
+            <a:rPr lang="es-ES" sz="1500" kern="1200"/>
             <a:t>est: 0.783333333333333</a:t>
           </a:r>
-          <a:endParaRPr lang="en-US" sz="1900" kern="1200"/>
+          <a:endParaRPr lang="en-US" sz="1500" kern="1200"/>
         </a:p>
       </dsp:txBody>
       <dsp:txXfrm>
-        <a:off x="0" y="660539"/>
-        <a:ext cx="6492875" cy="658260"/>
+        <a:off x="0" y="566321"/>
+        <a:ext cx="6492875" cy="521122"/>
       </dsp:txXfrm>
     </dsp:sp>
     <dsp:sp modelId="{A50FE496-705D-409F-A541-F4602DAF4AF1}">
@@ -4646,17 +4899,17 @@
       </dsp:nvSpPr>
       <dsp:spPr>
         <a:xfrm>
-          <a:off x="0" y="1318799"/>
-          <a:ext cx="6492875" cy="575639"/>
+          <a:off x="0" y="1087443"/>
+          <a:ext cx="6492875" cy="455715"/>
         </a:xfrm>
         <a:prstGeom prst="roundRect">
           <a:avLst/>
         </a:prstGeom>
         <a:solidFill>
           <a:schemeClr val="accent5">
-            <a:hueOff val="-2252848"/>
-            <a:satOff val="-5806"/>
-            <a:lumOff val="-3922"/>
+            <a:hueOff val="-1689636"/>
+            <a:satOff val="-4355"/>
+            <a:lumOff val="-2941"/>
             <a:alphaOff val="0"/>
           </a:schemeClr>
         </a:solidFill>
@@ -4689,12 +4942,12 @@
         </a:fontRef>
       </dsp:style>
       <dsp:txBody>
-        <a:bodyPr spcFirstLastPara="0" vert="horz" wrap="square" lIns="91440" tIns="91440" rIns="91440" bIns="91440" numCol="1" spcCol="1270" anchor="ctr" anchorCtr="0">
+        <a:bodyPr spcFirstLastPara="0" vert="horz" wrap="square" lIns="72390" tIns="72390" rIns="72390" bIns="72390" numCol="1" spcCol="1270" anchor="ctr" anchorCtr="0">
           <a:noAutofit/>
         </a:bodyPr>
         <a:lstStyle/>
         <a:p>
-          <a:pPr marL="0" lvl="0" indent="0" algn="l" defTabSz="1066800">
+          <a:pPr marL="0" lvl="0" indent="0" algn="l" defTabSz="844550">
             <a:lnSpc>
               <a:spcPct val="90000"/>
             </a:lnSpc>
@@ -4707,15 +4960,15 @@
             <a:buNone/>
           </a:pPr>
           <a:r>
-            <a:rPr lang="es-EC" sz="2400" kern="1200"/>
+            <a:rPr lang="es-EC" sz="1900" kern="1200"/>
             <a:t>Linear Regression</a:t>
           </a:r>
-          <a:endParaRPr lang="en-US" sz="2400" kern="1200"/>
+          <a:endParaRPr lang="en-US" sz="1900" kern="1200"/>
         </a:p>
       </dsp:txBody>
       <dsp:txXfrm>
-        <a:off x="28100" y="1346899"/>
-        <a:ext cx="6436675" cy="519439"/>
+        <a:off x="22246" y="1109689"/>
+        <a:ext cx="6448383" cy="411223"/>
       </dsp:txXfrm>
     </dsp:sp>
     <dsp:sp modelId="{C0192D08-C55A-43A7-A4CF-9C7AD8427FF2}">
@@ -4725,8 +4978,8 @@
       </dsp:nvSpPr>
       <dsp:spPr>
         <a:xfrm>
-          <a:off x="0" y="1894439"/>
-          <a:ext cx="6492875" cy="658260"/>
+          <a:off x="0" y="1543158"/>
+          <a:ext cx="6492875" cy="521122"/>
         </a:xfrm>
         <a:prstGeom prst="rect">
           <a:avLst/>
@@ -4750,12 +5003,12 @@
         <a:fontRef idx="minor"/>
       </dsp:style>
       <dsp:txBody>
-        <a:bodyPr spcFirstLastPara="0" vert="horz" wrap="square" lIns="206149" tIns="30480" rIns="170688" bIns="30480" numCol="1" spcCol="1270" anchor="t" anchorCtr="0">
+        <a:bodyPr spcFirstLastPara="0" vert="horz" wrap="square" lIns="206149" tIns="24130" rIns="135128" bIns="24130" numCol="1" spcCol="1270" anchor="t" anchorCtr="0">
           <a:noAutofit/>
         </a:bodyPr>
         <a:lstStyle/>
         <a:p>
-          <a:pPr marL="171450" lvl="1" indent="-171450" algn="l" defTabSz="844550">
+          <a:pPr marL="114300" lvl="1" indent="-114300" algn="l" defTabSz="666750">
             <a:lnSpc>
               <a:spcPct val="90000"/>
             </a:lnSpc>
@@ -4768,17 +5021,17 @@
             <a:buChar char="•"/>
           </a:pPr>
           <a:r>
-            <a:rPr lang="es-EC" sz="1900" kern="1200"/>
+            <a:rPr lang="es-EC" sz="1500" kern="1200"/>
             <a:t>Training: </a:t>
           </a:r>
           <a:r>
-            <a:rPr lang="es-ES" sz="1900" kern="1200"/>
+            <a:rPr lang="es-ES" sz="1500" kern="1200"/>
             <a:t>0.757142857142857</a:t>
           </a:r>
-          <a:endParaRPr lang="en-US" sz="1900" kern="1200"/>
+          <a:endParaRPr lang="en-US" sz="1500" kern="1200"/>
         </a:p>
         <a:p>
-          <a:pPr marL="171450" lvl="1" indent="-171450" algn="l" defTabSz="844550">
+          <a:pPr marL="114300" lvl="1" indent="-114300" algn="l" defTabSz="666750">
             <a:lnSpc>
               <a:spcPct val="90000"/>
             </a:lnSpc>
@@ -4791,19 +5044,19 @@
             <a:buChar char="•"/>
           </a:pPr>
           <a:r>
-            <a:rPr lang="es-EC" sz="1900" kern="1200"/>
+            <a:rPr lang="es-EC" sz="1500" kern="1200"/>
             <a:t>T</a:t>
           </a:r>
           <a:r>
-            <a:rPr lang="es-ES" sz="1900" kern="1200"/>
+            <a:rPr lang="es-ES" sz="1500" kern="1200"/>
             <a:t>est:0.766666666666667</a:t>
           </a:r>
-          <a:endParaRPr lang="en-US" sz="1900" kern="1200"/>
+          <a:endParaRPr lang="en-US" sz="1500" kern="1200"/>
         </a:p>
       </dsp:txBody>
       <dsp:txXfrm>
-        <a:off x="0" y="1894439"/>
-        <a:ext cx="6492875" cy="658260"/>
+        <a:off x="0" y="1543158"/>
+        <a:ext cx="6492875" cy="521122"/>
       </dsp:txXfrm>
     </dsp:sp>
     <dsp:sp modelId="{1CFB7155-92CA-4B0D-8CB1-5FE74A6FD99A}">
@@ -4813,17 +5066,17 @@
       </dsp:nvSpPr>
       <dsp:spPr>
         <a:xfrm>
-          <a:off x="0" y="2552700"/>
-          <a:ext cx="6492875" cy="575639"/>
+          <a:off x="0" y="2064281"/>
+          <a:ext cx="6492875" cy="455715"/>
         </a:xfrm>
         <a:prstGeom prst="roundRect">
           <a:avLst/>
         </a:prstGeom>
         <a:solidFill>
           <a:schemeClr val="accent5">
-            <a:hueOff val="-4505695"/>
-            <a:satOff val="-11613"/>
-            <a:lumOff val="-7843"/>
+            <a:hueOff val="-3379271"/>
+            <a:satOff val="-8710"/>
+            <a:lumOff val="-5883"/>
             <a:alphaOff val="0"/>
           </a:schemeClr>
         </a:solidFill>
@@ -4856,12 +5109,12 @@
         </a:fontRef>
       </dsp:style>
       <dsp:txBody>
-        <a:bodyPr spcFirstLastPara="0" vert="horz" wrap="square" lIns="91440" tIns="91440" rIns="91440" bIns="91440" numCol="1" spcCol="1270" anchor="ctr" anchorCtr="0">
+        <a:bodyPr spcFirstLastPara="0" vert="horz" wrap="square" lIns="72390" tIns="72390" rIns="72390" bIns="72390" numCol="1" spcCol="1270" anchor="ctr" anchorCtr="0">
           <a:noAutofit/>
         </a:bodyPr>
         <a:lstStyle/>
         <a:p>
-          <a:pPr marL="0" lvl="0" indent="0" algn="l" defTabSz="1066800">
+          <a:pPr marL="0" lvl="0" indent="0" algn="l" defTabSz="844550">
             <a:lnSpc>
               <a:spcPct val="90000"/>
             </a:lnSpc>
@@ -4874,19 +5127,19 @@
             <a:buNone/>
           </a:pPr>
           <a:r>
-            <a:rPr lang="es-EC" sz="2400" kern="1200"/>
+            <a:rPr lang="es-EC" sz="1900" kern="1200"/>
             <a:t>R</a:t>
           </a:r>
           <a:r>
-            <a:rPr lang="es-ES" sz="2400" kern="1200"/>
+            <a:rPr lang="es-ES" sz="1900" kern="1200"/>
             <a:t>idge Regression</a:t>
           </a:r>
-          <a:endParaRPr lang="en-US" sz="2400" kern="1200"/>
+          <a:endParaRPr lang="en-US" sz="1900" kern="1200"/>
         </a:p>
       </dsp:txBody>
       <dsp:txXfrm>
-        <a:off x="28100" y="2580800"/>
-        <a:ext cx="6436675" cy="519439"/>
+        <a:off x="22246" y="2086527"/>
+        <a:ext cx="6448383" cy="411223"/>
       </dsp:txXfrm>
     </dsp:sp>
     <dsp:sp modelId="{40C9563D-5013-4EA5-B7DE-60878DCC8052}">
@@ -4896,8 +5149,8 @@
       </dsp:nvSpPr>
       <dsp:spPr>
         <a:xfrm>
-          <a:off x="0" y="3128339"/>
-          <a:ext cx="6492875" cy="658260"/>
+          <a:off x="0" y="2519996"/>
+          <a:ext cx="6492875" cy="521122"/>
         </a:xfrm>
         <a:prstGeom prst="rect">
           <a:avLst/>
@@ -4921,12 +5174,12 @@
         <a:fontRef idx="minor"/>
       </dsp:style>
       <dsp:txBody>
-        <a:bodyPr spcFirstLastPara="0" vert="horz" wrap="square" lIns="206149" tIns="30480" rIns="170688" bIns="30480" numCol="1" spcCol="1270" anchor="t" anchorCtr="0">
+        <a:bodyPr spcFirstLastPara="0" vert="horz" wrap="square" lIns="206149" tIns="24130" rIns="135128" bIns="24130" numCol="1" spcCol="1270" anchor="t" anchorCtr="0">
           <a:noAutofit/>
         </a:bodyPr>
         <a:lstStyle/>
         <a:p>
-          <a:pPr marL="171450" lvl="1" indent="-171450" algn="l" defTabSz="844550">
+          <a:pPr marL="114300" lvl="1" indent="-114300" algn="l" defTabSz="666750">
             <a:lnSpc>
               <a:spcPct val="90000"/>
             </a:lnSpc>
@@ -4939,17 +5192,17 @@
             <a:buChar char="•"/>
           </a:pPr>
           <a:r>
-            <a:rPr lang="es-EC" sz="1900" kern="1200"/>
+            <a:rPr lang="es-EC" sz="1500" kern="1200"/>
             <a:t>T</a:t>
           </a:r>
           <a:r>
-            <a:rPr lang="es-ES" sz="1900" kern="1200"/>
+            <a:rPr lang="es-ES" sz="1500" kern="1200"/>
             <a:t>raining: 0.792857142857143</a:t>
           </a:r>
-          <a:endParaRPr lang="en-US" sz="1900" kern="1200"/>
+          <a:endParaRPr lang="en-US" sz="1500" kern="1200"/>
         </a:p>
         <a:p>
-          <a:pPr marL="171450" lvl="1" indent="-171450" algn="l" defTabSz="844550">
+          <a:pPr marL="114300" lvl="1" indent="-114300" algn="l" defTabSz="666750">
             <a:lnSpc>
               <a:spcPct val="90000"/>
             </a:lnSpc>
@@ -4962,19 +5215,19 @@
             <a:buChar char="•"/>
           </a:pPr>
           <a:r>
-            <a:rPr lang="es-EC" sz="1900" kern="1200"/>
+            <a:rPr lang="es-EC" sz="1500" kern="1200"/>
             <a:t>T</a:t>
           </a:r>
           <a:r>
-            <a:rPr lang="es-ES" sz="1900" kern="1200"/>
+            <a:rPr lang="es-ES" sz="1500" kern="1200"/>
             <a:t>est: 0.805555555555556</a:t>
           </a:r>
-          <a:endParaRPr lang="en-US" sz="1900" kern="1200"/>
+          <a:endParaRPr lang="en-US" sz="1500" kern="1200"/>
         </a:p>
       </dsp:txBody>
       <dsp:txXfrm>
-        <a:off x="0" y="3128339"/>
-        <a:ext cx="6492875" cy="658260"/>
+        <a:off x="0" y="2519996"/>
+        <a:ext cx="6492875" cy="521122"/>
       </dsp:txXfrm>
     </dsp:sp>
     <dsp:sp modelId="{7F9190FB-913C-48EE-B8A8-0551C69AA14A}">
@@ -4984,8 +5237,175 @@
       </dsp:nvSpPr>
       <dsp:spPr>
         <a:xfrm>
-          <a:off x="0" y="3786600"/>
-          <a:ext cx="6492875" cy="575639"/>
+          <a:off x="0" y="3041118"/>
+          <a:ext cx="6492875" cy="455715"/>
+        </a:xfrm>
+        <a:prstGeom prst="roundRect">
+          <a:avLst/>
+        </a:prstGeom>
+        <a:solidFill>
+          <a:schemeClr val="accent5">
+            <a:hueOff val="-5068907"/>
+            <a:satOff val="-13064"/>
+            <a:lumOff val="-8824"/>
+            <a:alphaOff val="0"/>
+          </a:schemeClr>
+        </a:solidFill>
+        <a:ln w="19050" cap="flat" cmpd="sng" algn="ctr">
+          <a:solidFill>
+            <a:schemeClr val="lt1">
+              <a:hueOff val="0"/>
+              <a:satOff val="0"/>
+              <a:lumOff val="0"/>
+              <a:alphaOff val="0"/>
+            </a:schemeClr>
+          </a:solidFill>
+          <a:prstDash val="solid"/>
+          <a:miter lim="800000"/>
+        </a:ln>
+        <a:effectLst/>
+      </dsp:spPr>
+      <dsp:style>
+        <a:lnRef idx="3">
+          <a:scrgbClr r="0" g="0" b="0"/>
+        </a:lnRef>
+        <a:fillRef idx="1">
+          <a:scrgbClr r="0" g="0" b="0"/>
+        </a:fillRef>
+        <a:effectRef idx="1">
+          <a:scrgbClr r="0" g="0" b="0"/>
+        </a:effectRef>
+        <a:fontRef idx="minor">
+          <a:schemeClr val="lt1"/>
+        </a:fontRef>
+      </dsp:style>
+      <dsp:txBody>
+        <a:bodyPr spcFirstLastPara="0" vert="horz" wrap="square" lIns="72390" tIns="72390" rIns="72390" bIns="72390" numCol="1" spcCol="1270" anchor="ctr" anchorCtr="0">
+          <a:noAutofit/>
+        </a:bodyPr>
+        <a:lstStyle/>
+        <a:p>
+          <a:pPr marL="0" lvl="0" indent="0" algn="l" defTabSz="844550">
+            <a:lnSpc>
+              <a:spcPct val="90000"/>
+            </a:lnSpc>
+            <a:spcBef>
+              <a:spcPct val="0"/>
+            </a:spcBef>
+            <a:spcAft>
+              <a:spcPct val="35000"/>
+            </a:spcAft>
+            <a:buNone/>
+          </a:pPr>
+          <a:r>
+            <a:rPr lang="es-EC" sz="1900" kern="1200"/>
+            <a:t>Random Forest</a:t>
+          </a:r>
+          <a:endParaRPr lang="en-US" sz="1900" kern="1200"/>
+        </a:p>
+      </dsp:txBody>
+      <dsp:txXfrm>
+        <a:off x="22246" y="3063364"/>
+        <a:ext cx="6448383" cy="411223"/>
+      </dsp:txXfrm>
+    </dsp:sp>
+    <dsp:sp modelId="{D65FADB4-159F-4229-AAF8-33026A54354A}">
+      <dsp:nvSpPr>
+        <dsp:cNvPr id="0" name=""/>
+        <dsp:cNvSpPr/>
+      </dsp:nvSpPr>
+      <dsp:spPr>
+        <a:xfrm>
+          <a:off x="0" y="3496833"/>
+          <a:ext cx="6492875" cy="521122"/>
+        </a:xfrm>
+        <a:prstGeom prst="rect">
+          <a:avLst/>
+        </a:prstGeom>
+        <a:noFill/>
+        <a:ln>
+          <a:noFill/>
+        </a:ln>
+        <a:effectLst/>
+      </dsp:spPr>
+      <dsp:style>
+        <a:lnRef idx="0">
+          <a:scrgbClr r="0" g="0" b="0"/>
+        </a:lnRef>
+        <a:fillRef idx="0">
+          <a:scrgbClr r="0" g="0" b="0"/>
+        </a:fillRef>
+        <a:effectRef idx="0">
+          <a:scrgbClr r="0" g="0" b="0"/>
+        </a:effectRef>
+        <a:fontRef idx="minor"/>
+      </dsp:style>
+      <dsp:txBody>
+        <a:bodyPr spcFirstLastPara="0" vert="horz" wrap="square" lIns="206149" tIns="24130" rIns="135128" bIns="24130" numCol="1" spcCol="1270" anchor="t" anchorCtr="0">
+          <a:noAutofit/>
+        </a:bodyPr>
+        <a:lstStyle/>
+        <a:p>
+          <a:pPr marL="114300" lvl="1" indent="-114300" algn="l" defTabSz="666750">
+            <a:lnSpc>
+              <a:spcPct val="90000"/>
+            </a:lnSpc>
+            <a:spcBef>
+              <a:spcPct val="0"/>
+            </a:spcBef>
+            <a:spcAft>
+              <a:spcPct val="20000"/>
+            </a:spcAft>
+            <a:buChar char="•"/>
+          </a:pPr>
+          <a:r>
+            <a:rPr lang="es-EC" sz="1500" kern="1200"/>
+            <a:t>Training: </a:t>
+          </a:r>
+          <a:r>
+            <a:rPr lang="es-ES" sz="1500" kern="1200"/>
+            <a:t>0.857142857142857</a:t>
+          </a:r>
+          <a:endParaRPr lang="en-US" sz="1500" kern="1200"/>
+        </a:p>
+        <a:p>
+          <a:pPr marL="114300" lvl="1" indent="-114300" algn="l" defTabSz="666750">
+            <a:lnSpc>
+              <a:spcPct val="90000"/>
+            </a:lnSpc>
+            <a:spcBef>
+              <a:spcPct val="0"/>
+            </a:spcBef>
+            <a:spcAft>
+              <a:spcPct val="20000"/>
+            </a:spcAft>
+            <a:buChar char="•"/>
+          </a:pPr>
+          <a:r>
+            <a:rPr lang="es-EC" sz="1500" kern="1200" dirty="0"/>
+            <a:t>Test: </a:t>
+          </a:r>
+          <a:r>
+            <a:rPr lang="es-ES" sz="1500" kern="1200" dirty="0"/>
+            <a:t>0.8</a:t>
+          </a:r>
+          <a:endParaRPr lang="en-US" sz="1500" kern="1200" dirty="0"/>
+        </a:p>
+      </dsp:txBody>
+      <dsp:txXfrm>
+        <a:off x="0" y="3496833"/>
+        <a:ext cx="6492875" cy="521122"/>
+      </dsp:txXfrm>
+    </dsp:sp>
+    <dsp:sp modelId="{302FA4A1-2B1C-4A58-9189-CFB117B85584}">
+      <dsp:nvSpPr>
+        <dsp:cNvPr id="0" name=""/>
+        <dsp:cNvSpPr/>
+      </dsp:nvSpPr>
+      <dsp:spPr>
+        <a:xfrm>
+          <a:off x="0" y="4017956"/>
+          <a:ext cx="6492875" cy="455715"/>
         </a:xfrm>
         <a:prstGeom prst="roundRect">
           <a:avLst/>
@@ -5027,12 +5447,12 @@
         </a:fontRef>
       </dsp:style>
       <dsp:txBody>
-        <a:bodyPr spcFirstLastPara="0" vert="horz" wrap="square" lIns="91440" tIns="91440" rIns="91440" bIns="91440" numCol="1" spcCol="1270" anchor="ctr" anchorCtr="0">
+        <a:bodyPr spcFirstLastPara="0" vert="horz" wrap="square" lIns="72390" tIns="72390" rIns="72390" bIns="72390" numCol="1" spcCol="1270" anchor="ctr" anchorCtr="0">
           <a:noAutofit/>
         </a:bodyPr>
         <a:lstStyle/>
         <a:p>
-          <a:pPr marL="0" lvl="0" indent="0" algn="l" defTabSz="1066800">
+          <a:pPr marL="0" lvl="0" indent="0" algn="l" defTabSz="844550">
             <a:lnSpc>
               <a:spcPct val="90000"/>
             </a:lnSpc>
@@ -5045,26 +5465,25 @@
             <a:buNone/>
           </a:pPr>
           <a:r>
-            <a:rPr lang="es-EC" sz="2400" kern="1200"/>
-            <a:t>Random Forest</a:t>
+            <a:rPr lang="en-US" sz="1900" kern="1200" dirty="0"/>
+            <a:t>Gradient Boost</a:t>
           </a:r>
-          <a:endParaRPr lang="en-US" sz="2400" kern="1200"/>
         </a:p>
       </dsp:txBody>
       <dsp:txXfrm>
-        <a:off x="28100" y="3814700"/>
-        <a:ext cx="6436675" cy="519439"/>
+        <a:off x="22246" y="4040202"/>
+        <a:ext cx="6448383" cy="411223"/>
       </dsp:txXfrm>
     </dsp:sp>
-    <dsp:sp modelId="{D65FADB4-159F-4229-AAF8-33026A54354A}">
+    <dsp:sp modelId="{2CB7EDD1-635D-42FE-8184-6DDB9775137A}">
       <dsp:nvSpPr>
         <dsp:cNvPr id="0" name=""/>
         <dsp:cNvSpPr/>
       </dsp:nvSpPr>
       <dsp:spPr>
         <a:xfrm>
-          <a:off x="0" y="4362240"/>
-          <a:ext cx="6492875" cy="658260"/>
+          <a:off x="0" y="4473671"/>
+          <a:ext cx="6492875" cy="521122"/>
         </a:xfrm>
         <a:prstGeom prst="rect">
           <a:avLst/>
@@ -5088,12 +5507,12 @@
         <a:fontRef idx="minor"/>
       </dsp:style>
       <dsp:txBody>
-        <a:bodyPr spcFirstLastPara="0" vert="horz" wrap="square" lIns="206149" tIns="30480" rIns="170688" bIns="30480" numCol="1" spcCol="1270" anchor="t" anchorCtr="0">
+        <a:bodyPr spcFirstLastPara="0" vert="horz" wrap="square" lIns="206149" tIns="24130" rIns="135128" bIns="24130" numCol="1" spcCol="1270" anchor="t" anchorCtr="0">
           <a:noAutofit/>
         </a:bodyPr>
         <a:lstStyle/>
         <a:p>
-          <a:pPr marL="171450" lvl="1" indent="-171450" algn="l" defTabSz="844550">
+          <a:pPr marL="114300" lvl="1" indent="-114300" algn="l" defTabSz="666750">
             <a:lnSpc>
               <a:spcPct val="90000"/>
             </a:lnSpc>
@@ -5106,17 +5525,19 @@
             <a:buChar char="•"/>
           </a:pPr>
           <a:r>
-            <a:rPr lang="es-EC" sz="1900" kern="1200"/>
+            <a:rPr lang="en-US" sz="1500" kern="1200" dirty="0"/>
             <a:t>Training: </a:t>
           </a:r>
           <a:r>
-            <a:rPr lang="es-ES" sz="1900" kern="1200"/>
-            <a:t>0.857142857142857</a:t>
+            <a:rPr lang="es-EC" sz="1500" kern="1200" dirty="0">
+              <a:effectLst/>
+            </a:rPr>
+            <a:t>0.823809523809524</a:t>
           </a:r>
-          <a:endParaRPr lang="en-US" sz="1900" kern="1200"/>
+          <a:endParaRPr lang="en-US" sz="1500" kern="1200" dirty="0"/>
         </a:p>
         <a:p>
-          <a:pPr marL="171450" lvl="1" indent="-171450" algn="l" defTabSz="844550">
+          <a:pPr marL="114300" lvl="1" indent="-114300" algn="l" defTabSz="666750">
             <a:lnSpc>
               <a:spcPct val="90000"/>
             </a:lnSpc>
@@ -5129,19 +5550,21 @@
             <a:buChar char="•"/>
           </a:pPr>
           <a:r>
-            <a:rPr lang="es-EC" sz="1900" kern="1200"/>
+            <a:rPr lang="en-US" sz="1500" kern="1200" dirty="0"/>
             <a:t>Test: </a:t>
           </a:r>
           <a:r>
-            <a:rPr lang="es-ES" sz="1900" kern="1200"/>
-            <a:t>0.8</a:t>
+            <a:rPr lang="es-EC" sz="1500" kern="1200" dirty="0">
+              <a:effectLst/>
+            </a:rPr>
+            <a:t>0.783333333333333</a:t>
           </a:r>
-          <a:endParaRPr lang="en-US" sz="1900" kern="1200"/>
+          <a:endParaRPr lang="en-US" sz="1500" kern="1200" dirty="0"/>
         </a:p>
       </dsp:txBody>
       <dsp:txXfrm>
-        <a:off x="0" y="4362240"/>
-        <a:ext cx="6492875" cy="658260"/>
+        <a:off x="0" y="4473671"/>
+        <a:ext cx="6492875" cy="521122"/>
       </dsp:txXfrm>
     </dsp:sp>
   </dsp:spTree>
@@ -9343,7 +9766,7 @@
           <a:p>
             <a:fld id="{FBECE9C9-D874-4E87-A9C2-613A89DA3774}" type="datetimeFigureOut">
               <a:rPr lang="es-ES" smtClean="0"/>
-              <a:t>25/01/2019</a:t>
+              <a:t>07/02/2019</a:t>
             </a:fld>
             <a:endParaRPr lang="es-ES"/>
           </a:p>
@@ -9397,7 +9820,7 @@
           <a:p>
             <a:fld id="{8967A806-F23D-45A9-9035-27B86F863D70}" type="slidenum">
               <a:rPr lang="es-ES" smtClean="0"/>
-              <a:t>‹Nº›</a:t>
+              <a:t>‹#›</a:t>
             </a:fld>
             <a:endParaRPr lang="es-ES"/>
           </a:p>
@@ -9541,7 +9964,7 @@
           <a:p>
             <a:fld id="{FBECE9C9-D874-4E87-A9C2-613A89DA3774}" type="datetimeFigureOut">
               <a:rPr lang="es-ES" smtClean="0"/>
-              <a:t>25/01/2019</a:t>
+              <a:t>07/02/2019</a:t>
             </a:fld>
             <a:endParaRPr lang="es-ES"/>
           </a:p>
@@ -9595,7 +10018,7 @@
           <a:p>
             <a:fld id="{8967A806-F23D-45A9-9035-27B86F863D70}" type="slidenum">
               <a:rPr lang="es-ES" smtClean="0"/>
-              <a:t>‹Nº›</a:t>
+              <a:t>‹#›</a:t>
             </a:fld>
             <a:endParaRPr lang="es-ES"/>
           </a:p>
@@ -9749,7 +10172,7 @@
           <a:p>
             <a:fld id="{FBECE9C9-D874-4E87-A9C2-613A89DA3774}" type="datetimeFigureOut">
               <a:rPr lang="es-ES" smtClean="0"/>
-              <a:t>25/01/2019</a:t>
+              <a:t>07/02/2019</a:t>
             </a:fld>
             <a:endParaRPr lang="es-ES"/>
           </a:p>
@@ -9803,7 +10226,7 @@
           <a:p>
             <a:fld id="{8967A806-F23D-45A9-9035-27B86F863D70}" type="slidenum">
               <a:rPr lang="es-ES" smtClean="0"/>
-              <a:t>‹Nº›</a:t>
+              <a:t>‹#›</a:t>
             </a:fld>
             <a:endParaRPr lang="es-ES"/>
           </a:p>
@@ -9947,7 +10370,7 @@
           <a:p>
             <a:fld id="{FBECE9C9-D874-4E87-A9C2-613A89DA3774}" type="datetimeFigureOut">
               <a:rPr lang="es-ES" smtClean="0"/>
-              <a:t>25/01/2019</a:t>
+              <a:t>07/02/2019</a:t>
             </a:fld>
             <a:endParaRPr lang="es-ES"/>
           </a:p>
@@ -10001,7 +10424,7 @@
           <a:p>
             <a:fld id="{8967A806-F23D-45A9-9035-27B86F863D70}" type="slidenum">
               <a:rPr lang="es-ES" smtClean="0"/>
-              <a:t>‹Nº›</a:t>
+              <a:t>‹#›</a:t>
             </a:fld>
             <a:endParaRPr lang="es-ES"/>
           </a:p>
@@ -10222,7 +10645,7 @@
           <a:p>
             <a:fld id="{FBECE9C9-D874-4E87-A9C2-613A89DA3774}" type="datetimeFigureOut">
               <a:rPr lang="es-ES" smtClean="0"/>
-              <a:t>25/01/2019</a:t>
+              <a:t>07/02/2019</a:t>
             </a:fld>
             <a:endParaRPr lang="es-ES"/>
           </a:p>
@@ -10276,7 +10699,7 @@
           <a:p>
             <a:fld id="{8967A806-F23D-45A9-9035-27B86F863D70}" type="slidenum">
               <a:rPr lang="es-ES" smtClean="0"/>
-              <a:t>‹Nº›</a:t>
+              <a:t>‹#›</a:t>
             </a:fld>
             <a:endParaRPr lang="es-ES"/>
           </a:p>
@@ -10487,7 +10910,7 @@
           <a:p>
             <a:fld id="{FBECE9C9-D874-4E87-A9C2-613A89DA3774}" type="datetimeFigureOut">
               <a:rPr lang="es-ES" smtClean="0"/>
-              <a:t>25/01/2019</a:t>
+              <a:t>07/02/2019</a:t>
             </a:fld>
             <a:endParaRPr lang="es-ES"/>
           </a:p>
@@ -10541,7 +10964,7 @@
           <a:p>
             <a:fld id="{8967A806-F23D-45A9-9035-27B86F863D70}" type="slidenum">
               <a:rPr lang="es-ES" smtClean="0"/>
-              <a:t>‹Nº›</a:t>
+              <a:t>‹#›</a:t>
             </a:fld>
             <a:endParaRPr lang="es-ES"/>
           </a:p>
@@ -10899,7 +11322,7 @@
           <a:p>
             <a:fld id="{FBECE9C9-D874-4E87-A9C2-613A89DA3774}" type="datetimeFigureOut">
               <a:rPr lang="es-ES" smtClean="0"/>
-              <a:t>25/01/2019</a:t>
+              <a:t>07/02/2019</a:t>
             </a:fld>
             <a:endParaRPr lang="es-ES"/>
           </a:p>
@@ -10953,7 +11376,7 @@
           <a:p>
             <a:fld id="{8967A806-F23D-45A9-9035-27B86F863D70}" type="slidenum">
               <a:rPr lang="es-ES" smtClean="0"/>
-              <a:t>‹Nº›</a:t>
+              <a:t>‹#›</a:t>
             </a:fld>
             <a:endParaRPr lang="es-ES"/>
           </a:p>
@@ -11040,7 +11463,7 @@
           <a:p>
             <a:fld id="{FBECE9C9-D874-4E87-A9C2-613A89DA3774}" type="datetimeFigureOut">
               <a:rPr lang="es-ES" smtClean="0"/>
-              <a:t>25/01/2019</a:t>
+              <a:t>07/02/2019</a:t>
             </a:fld>
             <a:endParaRPr lang="es-ES"/>
           </a:p>
@@ -11094,7 +11517,7 @@
           <a:p>
             <a:fld id="{8967A806-F23D-45A9-9035-27B86F863D70}" type="slidenum">
               <a:rPr lang="es-ES" smtClean="0"/>
-              <a:t>‹Nº›</a:t>
+              <a:t>‹#›</a:t>
             </a:fld>
             <a:endParaRPr lang="es-ES"/>
           </a:p>
@@ -11153,7 +11576,7 @@
           <a:p>
             <a:fld id="{FBECE9C9-D874-4E87-A9C2-613A89DA3774}" type="datetimeFigureOut">
               <a:rPr lang="es-ES" smtClean="0"/>
-              <a:t>25/01/2019</a:t>
+              <a:t>07/02/2019</a:t>
             </a:fld>
             <a:endParaRPr lang="es-ES"/>
           </a:p>
@@ -11207,7 +11630,7 @@
           <a:p>
             <a:fld id="{8967A806-F23D-45A9-9035-27B86F863D70}" type="slidenum">
               <a:rPr lang="es-ES" smtClean="0"/>
-              <a:t>‹Nº›</a:t>
+              <a:t>‹#›</a:t>
             </a:fld>
             <a:endParaRPr lang="es-ES"/>
           </a:p>
@@ -11464,7 +11887,7 @@
           <a:p>
             <a:fld id="{FBECE9C9-D874-4E87-A9C2-613A89DA3774}" type="datetimeFigureOut">
               <a:rPr lang="es-ES" smtClean="0"/>
-              <a:t>25/01/2019</a:t>
+              <a:t>07/02/2019</a:t>
             </a:fld>
             <a:endParaRPr lang="es-ES"/>
           </a:p>
@@ -11518,7 +11941,7 @@
           <a:p>
             <a:fld id="{8967A806-F23D-45A9-9035-27B86F863D70}" type="slidenum">
               <a:rPr lang="es-ES" smtClean="0"/>
-              <a:t>‹Nº›</a:t>
+              <a:t>‹#›</a:t>
             </a:fld>
             <a:endParaRPr lang="es-ES"/>
           </a:p>
@@ -11752,7 +12175,7 @@
           <a:p>
             <a:fld id="{FBECE9C9-D874-4E87-A9C2-613A89DA3774}" type="datetimeFigureOut">
               <a:rPr lang="es-ES" smtClean="0"/>
-              <a:t>25/01/2019</a:t>
+              <a:t>07/02/2019</a:t>
             </a:fld>
             <a:endParaRPr lang="es-ES"/>
           </a:p>
@@ -11806,7 +12229,7 @@
           <a:p>
             <a:fld id="{8967A806-F23D-45A9-9035-27B86F863D70}" type="slidenum">
               <a:rPr lang="es-ES" smtClean="0"/>
-              <a:t>‹Nº›</a:t>
+              <a:t>‹#›</a:t>
             </a:fld>
             <a:endParaRPr lang="es-ES"/>
           </a:p>
@@ -11993,7 +12416,7 @@
           <a:p>
             <a:fld id="{FBECE9C9-D874-4E87-A9C2-613A89DA3774}" type="datetimeFigureOut">
               <a:rPr lang="es-ES" smtClean="0"/>
-              <a:t>25/01/2019</a:t>
+              <a:t>07/02/2019</a:t>
             </a:fld>
             <a:endParaRPr lang="es-ES"/>
           </a:p>
@@ -12083,7 +12506,7 @@
           <a:p>
             <a:fld id="{8967A806-F23D-45A9-9035-27B86F863D70}" type="slidenum">
               <a:rPr lang="es-ES" smtClean="0"/>
-              <a:t>‹Nº›</a:t>
+              <a:t>‹#›</a:t>
             </a:fld>
             <a:endParaRPr lang="es-ES"/>
           </a:p>
@@ -13638,7 +14061,7 @@
             <p:ph idx="1"/>
             <p:extLst>
               <p:ext uri="{D42A27DB-BD31-4B8C-83A1-F6EECF244321}">
-                <p14:modId xmlns:p14="http://schemas.microsoft.com/office/powerpoint/2010/main" val="631110662"/>
+                <p14:modId xmlns:p14="http://schemas.microsoft.com/office/powerpoint/2010/main" val="327663263"/>
               </p:ext>
             </p:extLst>
           </p:nvPr>
@@ -14345,7 +14768,7 @@
             <p:ph idx="1"/>
             <p:extLst>
               <p:ext uri="{D42A27DB-BD31-4B8C-83A1-F6EECF244321}">
-                <p14:modId xmlns:p14="http://schemas.microsoft.com/office/powerpoint/2010/main" val="3601298510"/>
+                <p14:modId xmlns:p14="http://schemas.microsoft.com/office/powerpoint/2010/main" val="1007747252"/>
               </p:ext>
             </p:extLst>
           </p:nvPr>
@@ -14364,6 +14787,190 @@
     <p:extLst>
       <p:ext uri="{BB962C8B-B14F-4D97-AF65-F5344CB8AC3E}">
         <p14:creationId xmlns:p14="http://schemas.microsoft.com/office/powerpoint/2010/main" val="3150686332"/>
+      </p:ext>
+    </p:extLst>
+  </p:cSld>
+  <p:clrMapOvr>
+    <a:masterClrMapping/>
+  </p:clrMapOvr>
+</p:sld>
+</file>
+
+<file path=ppt/slides/slide13.xml><?xml version="1.0" encoding="utf-8"?>
+<p:sld xmlns:a="http://schemas.openxmlformats.org/drawingml/2006/main" xmlns:r="http://schemas.openxmlformats.org/officeDocument/2006/relationships" xmlns:p="http://schemas.openxmlformats.org/presentationml/2006/main">
+  <p:cSld>
+    <p:bg>
+      <p:bgPr>
+        <a:solidFill>
+          <a:schemeClr val="bg1"/>
+        </a:solidFill>
+        <a:effectLst/>
+      </p:bgPr>
+    </p:bg>
+    <p:spTree>
+      <p:nvGrpSpPr>
+        <p:cNvPr id="1" name=""/>
+        <p:cNvGrpSpPr/>
+        <p:nvPr/>
+      </p:nvGrpSpPr>
+      <p:grpSpPr>
+        <a:xfrm>
+          <a:off x="0" y="0"/>
+          <a:ext cx="0" cy="0"/>
+          <a:chOff x="0" y="0"/>
+          <a:chExt cx="0" cy="0"/>
+        </a:xfrm>
+      </p:grpSpPr>
+      <p:sp>
+        <p:nvSpPr>
+          <p:cNvPr id="87" name="Rectangle 86">
+            <a:extLst>
+              <a:ext uri="{FF2B5EF4-FFF2-40B4-BE49-F238E27FC236}">
+                <a16:creationId xmlns:a16="http://schemas.microsoft.com/office/drawing/2014/main" id="{1707FC24-6981-43D9-B525-C7832BA22463}"/>
+              </a:ext>
+              <a:ext uri="{C183D7F6-B498-43B3-948B-1728B52AA6E4}">
+                <adec:decorative xmlns:adec="http://schemas.microsoft.com/office/drawing/2017/decorative" val="1"/>
+              </a:ext>
+            </a:extLst>
+          </p:cNvPr>
+          <p:cNvSpPr>
+            <a:spLocks noGrp="1" noRot="1" noChangeAspect="1" noMove="1" noResize="1" noEditPoints="1" noAdjustHandles="1" noChangeArrowheads="1" noChangeShapeType="1" noTextEdit="1"/>
+          </p:cNvSpPr>
+          <p:nvPr>
+            <p:extLst>
+              <p:ext uri="{386F3935-93C4-4BCD-93E2-E3B085C9AB24}">
+                <p16:designElem xmlns:p16="http://schemas.microsoft.com/office/powerpoint/2015/main" val="1"/>
+              </p:ext>
+            </p:extLst>
+          </p:nvPr>
+        </p:nvSpPr>
+        <p:spPr bwMode="ltGray">
+          <a:xfrm>
+            <a:off x="336884" y="311449"/>
+            <a:ext cx="4332307" cy="6179552"/>
+          </a:xfrm>
+          <a:prstGeom prst="rect">
+            <a:avLst/>
+          </a:prstGeom>
+          <a:solidFill>
+            <a:srgbClr val="404040"/>
+          </a:solidFill>
+          <a:ln w="127000" cap="sq" cmpd="thinThick">
+            <a:solidFill>
+              <a:srgbClr val="404040"/>
+            </a:solidFill>
+          </a:ln>
+        </p:spPr>
+        <p:style>
+          <a:lnRef idx="2">
+            <a:schemeClr val="accent1">
+              <a:shade val="50000"/>
+            </a:schemeClr>
+          </a:lnRef>
+          <a:fillRef idx="1">
+            <a:schemeClr val="accent1"/>
+          </a:fillRef>
+          <a:effectRef idx="0">
+            <a:schemeClr val="accent1"/>
+          </a:effectRef>
+          <a:fontRef idx="minor">
+            <a:schemeClr val="lt1"/>
+          </a:fontRef>
+        </p:style>
+        <p:txBody>
+          <a:bodyPr rtlCol="0" anchor="ctr"/>
+          <a:lstStyle/>
+          <a:p>
+            <a:pPr algn="ctr"/>
+            <a:endParaRPr lang="en-US"/>
+          </a:p>
+        </p:txBody>
+      </p:sp>
+      <p:sp>
+        <p:nvSpPr>
+          <p:cNvPr id="2" name="Título 1">
+            <a:extLst>
+              <a:ext uri="{FF2B5EF4-FFF2-40B4-BE49-F238E27FC236}">
+                <a16:creationId xmlns:a16="http://schemas.microsoft.com/office/drawing/2014/main" id="{ED757065-3E53-45C8-9E5A-41A33C9E8912}"/>
+              </a:ext>
+            </a:extLst>
+          </p:cNvPr>
+          <p:cNvSpPr>
+            <a:spLocks noGrp="1"/>
+          </p:cNvSpPr>
+          <p:nvPr>
+            <p:ph type="title"/>
+          </p:nvPr>
+        </p:nvSpPr>
+        <p:spPr>
+          <a:xfrm>
+            <a:off x="742950" y="742951"/>
+            <a:ext cx="3476625" cy="4962524"/>
+          </a:xfrm>
+        </p:spPr>
+        <p:txBody>
+          <a:bodyPr vert="horz" lIns="91440" tIns="45720" rIns="91440" bIns="45720" rtlCol="0" anchor="ctr">
+            <a:normAutofit/>
+          </a:bodyPr>
+          <a:lstStyle/>
+          <a:p>
+            <a:pPr algn="ctr"/>
+            <a:r>
+              <a:rPr lang="en-US" sz="4800" kern="1200" dirty="0">
+                <a:solidFill>
+                  <a:srgbClr val="FFFFFF"/>
+                </a:solidFill>
+                <a:latin typeface="+mj-lt"/>
+                <a:ea typeface="+mj-ea"/>
+                <a:cs typeface="+mj-cs"/>
+              </a:rPr>
+              <a:t>ROC Curves Comparison</a:t>
+            </a:r>
+          </a:p>
+        </p:txBody>
+      </p:sp>
+      <p:pic>
+        <p:nvPicPr>
+          <p:cNvPr id="6" name="Content Placeholder 4" descr="A close up of a logo&#10;&#10;Description automatically generated">
+            <a:extLst>
+              <a:ext uri="{FF2B5EF4-FFF2-40B4-BE49-F238E27FC236}">
+                <a16:creationId xmlns:a16="http://schemas.microsoft.com/office/drawing/2014/main" id="{6E1C4760-25BD-4CC4-A259-A3CF9D99FCE6}"/>
+              </a:ext>
+            </a:extLst>
+          </p:cNvPr>
+          <p:cNvPicPr>
+            <a:picLocks noGrp="1" noChangeAspect="1"/>
+          </p:cNvPicPr>
+          <p:nvPr>
+            <p:ph idx="1"/>
+          </p:nvPr>
+        </p:nvPicPr>
+        <p:blipFill>
+          <a:blip r:embed="rId2">
+            <a:extLst>
+              <a:ext uri="{28A0092B-C50C-407E-A947-70E740481C1C}">
+                <a14:useLocalDpi xmlns:a14="http://schemas.microsoft.com/office/drawing/2010/main" val="0"/>
+              </a:ext>
+            </a:extLst>
+          </a:blip>
+          <a:stretch>
+            <a:fillRect/>
+          </a:stretch>
+        </p:blipFill>
+        <p:spPr>
+          <a:xfrm>
+            <a:off x="5490196" y="492573"/>
+            <a:ext cx="5880796" cy="5880796"/>
+          </a:xfrm>
+          <a:prstGeom prst="rect">
+            <a:avLst/>
+          </a:prstGeom>
+        </p:spPr>
+      </p:pic>
+    </p:spTree>
+    <p:extLst>
+      <p:ext uri="{BB962C8B-B14F-4D97-AF65-F5344CB8AC3E}">
+        <p14:creationId xmlns:p14="http://schemas.microsoft.com/office/powerpoint/2010/main" val="1268449560"/>
       </p:ext>
     </p:extLst>
   </p:cSld>

--- a/Data_Mining.pptx
+++ b/Data_Mining.pptx
@@ -18,6 +18,7 @@
     <p:sldId id="265" r:id="rId12"/>
     <p:sldId id="266" r:id="rId13"/>
     <p:sldId id="269" r:id="rId14"/>
+    <p:sldId id="270" r:id="rId15"/>
   </p:sldIdLst>
   <p:sldSz cx="12192000" cy="6858000"/>
   <p:notesSz cx="6858000" cy="9144000"/>
@@ -2405,6 +2406,927 @@
   <dgm:styleLbl name="fgShp">
     <dgm:fillClrLst meth="repeat">
       <a:schemeClr val="accent5">
+        <a:tint val="40000"/>
+      </a:schemeClr>
+    </dgm:fillClrLst>
+    <dgm:linClrLst meth="repeat">
+      <a:schemeClr val="lt1"/>
+    </dgm:linClrLst>
+    <dgm:effectClrLst/>
+    <dgm:txLinClrLst/>
+    <dgm:txFillClrLst meth="repeat">
+      <a:schemeClr val="dk1"/>
+    </dgm:txFillClrLst>
+    <dgm:txEffectClrLst/>
+  </dgm:styleLbl>
+  <dgm:styleLbl name="revTx">
+    <dgm:fillClrLst meth="repeat">
+      <a:schemeClr val="lt1">
+        <a:alpha val="0"/>
+      </a:schemeClr>
+    </dgm:fillClrLst>
+    <dgm:linClrLst meth="repeat">
+      <a:schemeClr val="dk1">
+        <a:alpha val="0"/>
+      </a:schemeClr>
+    </dgm:linClrLst>
+    <dgm:effectClrLst/>
+    <dgm:txLinClrLst/>
+    <dgm:txFillClrLst meth="repeat">
+      <a:schemeClr val="tx1"/>
+    </dgm:txFillClrLst>
+    <dgm:txEffectClrLst/>
+  </dgm:styleLbl>
+</dgm:colorsDef>
+</file>
+
+<file path=ppt/diagrams/colors4.xml><?xml version="1.0" encoding="utf-8"?>
+<dgm:colorsDef xmlns:dgm="http://schemas.openxmlformats.org/drawingml/2006/diagram" xmlns:a="http://schemas.openxmlformats.org/drawingml/2006/main" uniqueId="urn:microsoft.com/office/officeart/2018/5/colors/Iconchunking_neutralbg_colorful1">
+  <dgm:title val=""/>
+  <dgm:desc val=""/>
+  <dgm:catLst>
+    <dgm:cat type="colorful" pri="10100"/>
+  </dgm:catLst>
+  <dgm:styleLbl name="node0">
+    <dgm:fillClrLst meth="repeat">
+      <a:schemeClr val="accent1"/>
+    </dgm:fillClrLst>
+    <dgm:linClrLst meth="repeat">
+      <a:schemeClr val="lt1"/>
+    </dgm:linClrLst>
+    <dgm:effectClrLst/>
+    <dgm:txLinClrLst/>
+    <dgm:txFillClrLst/>
+    <dgm:txEffectClrLst/>
+  </dgm:styleLbl>
+  <dgm:styleLbl name="node1">
+    <dgm:fillClrLst meth="repeat">
+      <a:schemeClr val="accent2"/>
+      <a:schemeClr val="accent3"/>
+      <a:schemeClr val="accent4"/>
+      <a:schemeClr val="accent5"/>
+      <a:schemeClr val="accent6"/>
+    </dgm:fillClrLst>
+    <dgm:linClrLst meth="repeat">
+      <a:schemeClr val="lt1">
+        <a:alpha val="0"/>
+      </a:schemeClr>
+    </dgm:linClrLst>
+    <dgm:effectClrLst/>
+    <dgm:txLinClrLst/>
+    <dgm:txFillClrLst/>
+    <dgm:txEffectClrLst/>
+  </dgm:styleLbl>
+  <dgm:styleLbl name="alignNode1">
+    <dgm:fillClrLst meth="repeat">
+      <a:schemeClr val="accent2"/>
+      <a:schemeClr val="accent3"/>
+      <a:schemeClr val="accent4"/>
+      <a:schemeClr val="accent5"/>
+      <a:schemeClr val="accent6"/>
+    </dgm:fillClrLst>
+    <dgm:linClrLst meth="repeat">
+      <a:schemeClr val="accent2"/>
+      <a:schemeClr val="accent3"/>
+      <a:schemeClr val="accent4"/>
+      <a:schemeClr val="accent5"/>
+      <a:schemeClr val="accent6"/>
+    </dgm:linClrLst>
+    <dgm:effectClrLst/>
+    <dgm:txLinClrLst/>
+    <dgm:txFillClrLst/>
+    <dgm:txEffectClrLst/>
+  </dgm:styleLbl>
+  <dgm:styleLbl name="lnNode1">
+    <dgm:fillClrLst meth="repeat">
+      <a:schemeClr val="accent2"/>
+      <a:schemeClr val="accent3"/>
+      <a:schemeClr val="accent4"/>
+      <a:schemeClr val="accent5"/>
+      <a:schemeClr val="accent6"/>
+    </dgm:fillClrLst>
+    <dgm:linClrLst meth="repeat">
+      <a:schemeClr val="lt1"/>
+    </dgm:linClrLst>
+    <dgm:effectClrLst/>
+    <dgm:txLinClrLst/>
+    <dgm:txFillClrLst/>
+    <dgm:txEffectClrLst/>
+  </dgm:styleLbl>
+  <dgm:styleLbl name="vennNode1">
+    <dgm:fillClrLst meth="repeat">
+      <a:schemeClr val="accent2">
+        <a:alpha val="50000"/>
+      </a:schemeClr>
+      <a:schemeClr val="accent3">
+        <a:alpha val="50000"/>
+      </a:schemeClr>
+      <a:schemeClr val="accent4">
+        <a:alpha val="50000"/>
+      </a:schemeClr>
+      <a:schemeClr val="accent5">
+        <a:alpha val="50000"/>
+      </a:schemeClr>
+      <a:schemeClr val="accent6">
+        <a:alpha val="50000"/>
+      </a:schemeClr>
+    </dgm:fillClrLst>
+    <dgm:linClrLst meth="repeat">
+      <a:schemeClr val="lt1"/>
+    </dgm:linClrLst>
+    <dgm:effectClrLst/>
+    <dgm:txLinClrLst/>
+    <dgm:txFillClrLst/>
+    <dgm:txEffectClrLst/>
+  </dgm:styleLbl>
+  <dgm:styleLbl name="node2">
+    <dgm:fillClrLst>
+      <a:schemeClr val="accent2"/>
+    </dgm:fillClrLst>
+    <dgm:linClrLst meth="repeat">
+      <a:schemeClr val="lt1"/>
+    </dgm:linClrLst>
+    <dgm:effectClrLst/>
+    <dgm:txLinClrLst/>
+    <dgm:txFillClrLst/>
+    <dgm:txEffectClrLst/>
+  </dgm:styleLbl>
+  <dgm:styleLbl name="node3">
+    <dgm:fillClrLst>
+      <a:schemeClr val="accent3"/>
+    </dgm:fillClrLst>
+    <dgm:linClrLst meth="repeat">
+      <a:schemeClr val="lt1"/>
+    </dgm:linClrLst>
+    <dgm:effectClrLst/>
+    <dgm:txLinClrLst/>
+    <dgm:txFillClrLst/>
+    <dgm:txEffectClrLst/>
+  </dgm:styleLbl>
+  <dgm:styleLbl name="node4">
+    <dgm:fillClrLst>
+      <a:schemeClr val="accent4"/>
+    </dgm:fillClrLst>
+    <dgm:linClrLst meth="repeat">
+      <a:schemeClr val="lt1"/>
+    </dgm:linClrLst>
+    <dgm:effectClrLst/>
+    <dgm:txLinClrLst/>
+    <dgm:txFillClrLst/>
+    <dgm:txEffectClrLst/>
+  </dgm:styleLbl>
+  <dgm:styleLbl name="fgImgPlace1">
+    <dgm:fillClrLst meth="repeat">
+      <a:schemeClr val="accent2">
+        <a:tint val="50000"/>
+      </a:schemeClr>
+      <a:schemeClr val="accent3">
+        <a:tint val="50000"/>
+      </a:schemeClr>
+      <a:schemeClr val="accent4">
+        <a:tint val="50000"/>
+      </a:schemeClr>
+      <a:schemeClr val="accent5">
+        <a:tint val="50000"/>
+      </a:schemeClr>
+      <a:schemeClr val="accent6">
+        <a:tint val="50000"/>
+      </a:schemeClr>
+    </dgm:fillClrLst>
+    <dgm:linClrLst meth="repeat">
+      <a:schemeClr val="lt1"/>
+    </dgm:linClrLst>
+    <dgm:effectClrLst/>
+    <dgm:txLinClrLst/>
+    <dgm:txFillClrLst meth="repeat">
+      <a:schemeClr val="lt1"/>
+    </dgm:txFillClrLst>
+    <dgm:txEffectClrLst/>
+  </dgm:styleLbl>
+  <dgm:styleLbl name="alignImgPlace1">
+    <dgm:fillClrLst>
+      <a:schemeClr val="accent1">
+        <a:tint val="50000"/>
+      </a:schemeClr>
+      <a:schemeClr val="accent2">
+        <a:tint val="20000"/>
+      </a:schemeClr>
+    </dgm:fillClrLst>
+    <dgm:linClrLst meth="repeat">
+      <a:schemeClr val="lt1"/>
+    </dgm:linClrLst>
+    <dgm:effectClrLst/>
+    <dgm:txLinClrLst/>
+    <dgm:txFillClrLst meth="repeat">
+      <a:schemeClr val="lt1"/>
+    </dgm:txFillClrLst>
+    <dgm:txEffectClrLst/>
+  </dgm:styleLbl>
+  <dgm:styleLbl name="bgImgPlace1">
+    <dgm:fillClrLst>
+      <a:schemeClr val="accent1">
+        <a:tint val="50000"/>
+      </a:schemeClr>
+      <a:schemeClr val="accent2">
+        <a:tint val="20000"/>
+      </a:schemeClr>
+    </dgm:fillClrLst>
+    <dgm:linClrLst meth="repeat">
+      <a:schemeClr val="lt1"/>
+    </dgm:linClrLst>
+    <dgm:effectClrLst/>
+    <dgm:txLinClrLst/>
+    <dgm:txFillClrLst meth="repeat">
+      <a:schemeClr val="lt1"/>
+    </dgm:txFillClrLst>
+    <dgm:txEffectClrLst/>
+  </dgm:styleLbl>
+  <dgm:styleLbl name="sibTrans2D1">
+    <dgm:fillClrLst meth="repeat">
+      <a:schemeClr val="accent2"/>
+      <a:schemeClr val="accent3"/>
+      <a:schemeClr val="accent4"/>
+      <a:schemeClr val="accent5"/>
+      <a:schemeClr val="accent6"/>
+    </dgm:fillClrLst>
+    <dgm:linClrLst meth="cycle">
+      <a:schemeClr val="lt1"/>
+    </dgm:linClrLst>
+    <dgm:effectClrLst/>
+    <dgm:txLinClrLst/>
+    <dgm:txFillClrLst/>
+    <dgm:txEffectClrLst/>
+  </dgm:styleLbl>
+  <dgm:styleLbl name="fgSibTrans2D1">
+    <dgm:fillClrLst meth="repeat">
+      <a:schemeClr val="accent2"/>
+      <a:schemeClr val="accent3"/>
+      <a:schemeClr val="accent4"/>
+      <a:schemeClr val="accent5"/>
+      <a:schemeClr val="accent6"/>
+    </dgm:fillClrLst>
+    <dgm:linClrLst meth="cycle">
+      <a:schemeClr val="lt1"/>
+    </dgm:linClrLst>
+    <dgm:effectClrLst/>
+    <dgm:txLinClrLst/>
+    <dgm:txFillClrLst meth="repeat">
+      <a:schemeClr val="lt1"/>
+    </dgm:txFillClrLst>
+    <dgm:txEffectClrLst/>
+  </dgm:styleLbl>
+  <dgm:styleLbl name="bgSibTrans2D1">
+    <dgm:fillClrLst meth="repeat">
+      <a:schemeClr val="accent2"/>
+      <a:schemeClr val="accent3"/>
+      <a:schemeClr val="accent4"/>
+      <a:schemeClr val="accent5"/>
+      <a:schemeClr val="accent6"/>
+    </dgm:fillClrLst>
+    <dgm:linClrLst meth="cycle">
+      <a:schemeClr val="lt1"/>
+    </dgm:linClrLst>
+    <dgm:effectClrLst/>
+    <dgm:txLinClrLst/>
+    <dgm:txFillClrLst meth="repeat">
+      <a:schemeClr val="lt1"/>
+    </dgm:txFillClrLst>
+    <dgm:txEffectClrLst/>
+  </dgm:styleLbl>
+  <dgm:styleLbl name="sibTrans1D1">
+    <dgm:fillClrLst meth="repeat">
+      <a:schemeClr val="accent2"/>
+      <a:schemeClr val="accent3"/>
+      <a:schemeClr val="accent4"/>
+      <a:schemeClr val="accent5"/>
+      <a:schemeClr val="accent6"/>
+    </dgm:fillClrLst>
+    <dgm:linClrLst meth="repeat">
+      <a:schemeClr val="accent2"/>
+      <a:schemeClr val="accent3"/>
+      <a:schemeClr val="accent4"/>
+      <a:schemeClr val="accent5"/>
+      <a:schemeClr val="accent6"/>
+    </dgm:linClrLst>
+    <dgm:effectClrLst/>
+    <dgm:txLinClrLst/>
+    <dgm:txFillClrLst meth="repeat">
+      <a:schemeClr val="tx1"/>
+    </dgm:txFillClrLst>
+    <dgm:txEffectClrLst/>
+  </dgm:styleLbl>
+  <dgm:styleLbl name="callout">
+    <dgm:fillClrLst meth="repeat">
+      <a:schemeClr val="accent2"/>
+    </dgm:fillClrLst>
+    <dgm:linClrLst meth="repeat">
+      <a:schemeClr val="accent2">
+        <a:tint val="50000"/>
+      </a:schemeClr>
+    </dgm:linClrLst>
+    <dgm:effectClrLst/>
+    <dgm:txLinClrLst/>
+    <dgm:txFillClrLst meth="repeat">
+      <a:schemeClr val="tx1"/>
+    </dgm:txFillClrLst>
+    <dgm:txEffectClrLst/>
+  </dgm:styleLbl>
+  <dgm:styleLbl name="asst0">
+    <dgm:fillClrLst meth="repeat">
+      <a:schemeClr val="accent1"/>
+    </dgm:fillClrLst>
+    <dgm:linClrLst meth="repeat">
+      <a:schemeClr val="lt1"/>
+    </dgm:linClrLst>
+    <dgm:effectClrLst/>
+    <dgm:txLinClrLst/>
+    <dgm:txFillClrLst/>
+    <dgm:txEffectClrLst/>
+  </dgm:styleLbl>
+  <dgm:styleLbl name="asst1">
+    <dgm:fillClrLst meth="repeat">
+      <a:schemeClr val="accent2"/>
+    </dgm:fillClrLst>
+    <dgm:linClrLst meth="repeat">
+      <a:schemeClr val="lt1"/>
+    </dgm:linClrLst>
+    <dgm:effectClrLst/>
+    <dgm:txLinClrLst/>
+    <dgm:txFillClrLst/>
+    <dgm:txEffectClrLst/>
+  </dgm:styleLbl>
+  <dgm:styleLbl name="asst2">
+    <dgm:fillClrLst>
+      <a:schemeClr val="accent3"/>
+    </dgm:fillClrLst>
+    <dgm:linClrLst meth="repeat">
+      <a:schemeClr val="lt1"/>
+    </dgm:linClrLst>
+    <dgm:effectClrLst/>
+    <dgm:txLinClrLst/>
+    <dgm:txFillClrLst/>
+    <dgm:txEffectClrLst/>
+  </dgm:styleLbl>
+  <dgm:styleLbl name="asst3">
+    <dgm:fillClrLst>
+      <a:schemeClr val="accent4"/>
+    </dgm:fillClrLst>
+    <dgm:linClrLst meth="repeat">
+      <a:schemeClr val="lt1"/>
+    </dgm:linClrLst>
+    <dgm:effectClrLst/>
+    <dgm:txLinClrLst/>
+    <dgm:txFillClrLst/>
+    <dgm:txEffectClrLst/>
+  </dgm:styleLbl>
+  <dgm:styleLbl name="asst4">
+    <dgm:fillClrLst>
+      <a:schemeClr val="accent5"/>
+    </dgm:fillClrLst>
+    <dgm:linClrLst meth="repeat">
+      <a:schemeClr val="lt1"/>
+    </dgm:linClrLst>
+    <dgm:effectClrLst/>
+    <dgm:txLinClrLst/>
+    <dgm:txFillClrLst/>
+    <dgm:txEffectClrLst/>
+  </dgm:styleLbl>
+  <dgm:styleLbl name="parChTrans2D1">
+    <dgm:fillClrLst meth="repeat">
+      <a:schemeClr val="accent2"/>
+    </dgm:fillClrLst>
+    <dgm:linClrLst meth="repeat">
+      <a:schemeClr val="lt1"/>
+    </dgm:linClrLst>
+    <dgm:effectClrLst/>
+    <dgm:txLinClrLst/>
+    <dgm:txFillClrLst meth="repeat">
+      <a:schemeClr val="lt1"/>
+    </dgm:txFillClrLst>
+    <dgm:txEffectClrLst/>
+  </dgm:styleLbl>
+  <dgm:styleLbl name="parChTrans2D2">
+    <dgm:fillClrLst meth="repeat">
+      <a:schemeClr val="accent3"/>
+    </dgm:fillClrLst>
+    <dgm:linClrLst meth="repeat">
+      <a:schemeClr val="lt1"/>
+    </dgm:linClrLst>
+    <dgm:effectClrLst/>
+    <dgm:txLinClrLst/>
+    <dgm:txFillClrLst/>
+    <dgm:txEffectClrLst/>
+  </dgm:styleLbl>
+  <dgm:styleLbl name="parChTrans2D3">
+    <dgm:fillClrLst meth="repeat">
+      <a:schemeClr val="accent4"/>
+    </dgm:fillClrLst>
+    <dgm:linClrLst meth="repeat">
+      <a:schemeClr val="lt1"/>
+    </dgm:linClrLst>
+    <dgm:effectClrLst/>
+    <dgm:txLinClrLst/>
+    <dgm:txFillClrLst/>
+    <dgm:txEffectClrLst/>
+  </dgm:styleLbl>
+  <dgm:styleLbl name="parChTrans2D4">
+    <dgm:fillClrLst meth="repeat">
+      <a:schemeClr val="accent5"/>
+    </dgm:fillClrLst>
+    <dgm:linClrLst meth="repeat">
+      <a:schemeClr val="lt1"/>
+    </dgm:linClrLst>
+    <dgm:effectClrLst/>
+    <dgm:txLinClrLst/>
+    <dgm:txFillClrLst meth="repeat">
+      <a:schemeClr val="lt1"/>
+    </dgm:txFillClrLst>
+    <dgm:txEffectClrLst/>
+  </dgm:styleLbl>
+  <dgm:styleLbl name="parChTrans1D1">
+    <dgm:fillClrLst meth="repeat">
+      <a:schemeClr val="accent2"/>
+    </dgm:fillClrLst>
+    <dgm:linClrLst meth="repeat">
+      <a:schemeClr val="accent1"/>
+    </dgm:linClrLst>
+    <dgm:effectClrLst/>
+    <dgm:txLinClrLst/>
+    <dgm:txFillClrLst meth="repeat">
+      <a:schemeClr val="tx1"/>
+    </dgm:txFillClrLst>
+    <dgm:txEffectClrLst/>
+  </dgm:styleLbl>
+  <dgm:styleLbl name="parChTrans1D2">
+    <dgm:fillClrLst meth="repeat">
+      <a:schemeClr val="accent3">
+        <a:tint val="90000"/>
+      </a:schemeClr>
+    </dgm:fillClrLst>
+    <dgm:linClrLst meth="repeat">
+      <a:schemeClr val="accent2"/>
+    </dgm:linClrLst>
+    <dgm:effectClrLst/>
+    <dgm:txLinClrLst/>
+    <dgm:txFillClrLst meth="repeat">
+      <a:schemeClr val="tx1"/>
+    </dgm:txFillClrLst>
+    <dgm:txEffectClrLst/>
+  </dgm:styleLbl>
+  <dgm:styleLbl name="parChTrans1D3">
+    <dgm:fillClrLst meth="repeat">
+      <a:schemeClr val="accent4">
+        <a:tint val="70000"/>
+      </a:schemeClr>
+    </dgm:fillClrLst>
+    <dgm:linClrLst meth="repeat">
+      <a:schemeClr val="accent3"/>
+    </dgm:linClrLst>
+    <dgm:effectClrLst/>
+    <dgm:txLinClrLst/>
+    <dgm:txFillClrLst meth="repeat">
+      <a:schemeClr val="tx1"/>
+    </dgm:txFillClrLst>
+    <dgm:txEffectClrLst/>
+  </dgm:styleLbl>
+  <dgm:styleLbl name="parChTrans1D4">
+    <dgm:fillClrLst meth="repeat">
+      <a:schemeClr val="accent5">
+        <a:tint val="50000"/>
+      </a:schemeClr>
+    </dgm:fillClrLst>
+    <dgm:linClrLst meth="repeat">
+      <a:schemeClr val="accent4"/>
+    </dgm:linClrLst>
+    <dgm:effectClrLst/>
+    <dgm:txLinClrLst/>
+    <dgm:txFillClrLst meth="repeat">
+      <a:schemeClr val="tx1"/>
+    </dgm:txFillClrLst>
+    <dgm:txEffectClrLst/>
+  </dgm:styleLbl>
+  <dgm:styleLbl name="fgAcc1">
+    <dgm:fillClrLst meth="repeat">
+      <a:schemeClr val="lt1">
+        <a:alpha val="90000"/>
+      </a:schemeClr>
+    </dgm:fillClrLst>
+    <dgm:linClrLst meth="repeat">
+      <a:schemeClr val="accent2"/>
+      <a:schemeClr val="accent3"/>
+      <a:schemeClr val="accent4"/>
+      <a:schemeClr val="accent5"/>
+      <a:schemeClr val="accent6"/>
+    </dgm:linClrLst>
+    <dgm:effectClrLst/>
+    <dgm:txLinClrLst/>
+    <dgm:txFillClrLst meth="repeat">
+      <a:schemeClr val="dk1"/>
+    </dgm:txFillClrLst>
+    <dgm:txEffectClrLst/>
+  </dgm:styleLbl>
+  <dgm:styleLbl name="conFgAcc1">
+    <dgm:fillClrLst meth="repeat">
+      <a:schemeClr val="lt1">
+        <a:alpha val="90000"/>
+      </a:schemeClr>
+    </dgm:fillClrLst>
+    <dgm:linClrLst meth="repeat">
+      <a:schemeClr val="accent2"/>
+      <a:schemeClr val="accent3"/>
+      <a:schemeClr val="accent4"/>
+      <a:schemeClr val="accent5"/>
+      <a:schemeClr val="accent6"/>
+    </dgm:linClrLst>
+    <dgm:effectClrLst/>
+    <dgm:txLinClrLst/>
+    <dgm:txFillClrLst meth="repeat">
+      <a:schemeClr val="dk1"/>
+    </dgm:txFillClrLst>
+    <dgm:txEffectClrLst/>
+  </dgm:styleLbl>
+  <dgm:styleLbl name="alignAcc1">
+    <dgm:fillClrLst meth="repeat">
+      <a:schemeClr val="lt1">
+        <a:alpha val="90000"/>
+      </a:schemeClr>
+    </dgm:fillClrLst>
+    <dgm:linClrLst meth="repeat">
+      <a:schemeClr val="accent2"/>
+      <a:schemeClr val="accent3"/>
+      <a:schemeClr val="accent4"/>
+      <a:schemeClr val="accent5"/>
+      <a:schemeClr val="accent6"/>
+    </dgm:linClrLst>
+    <dgm:effectClrLst/>
+    <dgm:txLinClrLst/>
+    <dgm:txFillClrLst meth="repeat">
+      <a:schemeClr val="dk1"/>
+    </dgm:txFillClrLst>
+    <dgm:txEffectClrLst/>
+  </dgm:styleLbl>
+  <dgm:styleLbl name="trAlignAcc1">
+    <dgm:fillClrLst meth="repeat">
+      <a:schemeClr val="lt1">
+        <a:alpha val="40000"/>
+      </a:schemeClr>
+    </dgm:fillClrLst>
+    <dgm:linClrLst meth="repeat">
+      <a:schemeClr val="accent1"/>
+    </dgm:linClrLst>
+    <dgm:effectClrLst/>
+    <dgm:txLinClrLst/>
+    <dgm:txFillClrLst meth="repeat">
+      <a:schemeClr val="dk1"/>
+    </dgm:txFillClrLst>
+    <dgm:txEffectClrLst/>
+  </dgm:styleLbl>
+  <dgm:styleLbl name="bgAcc1">
+    <dgm:fillClrLst meth="repeat">
+      <a:schemeClr val="lt1">
+        <a:alpha val="90000"/>
+      </a:schemeClr>
+    </dgm:fillClrLst>
+    <dgm:linClrLst meth="repeat">
+      <a:schemeClr val="accent2"/>
+      <a:schemeClr val="accent3"/>
+      <a:schemeClr val="accent4"/>
+      <a:schemeClr val="accent5"/>
+      <a:schemeClr val="accent6"/>
+    </dgm:linClrLst>
+    <dgm:effectClrLst/>
+    <dgm:txLinClrLst/>
+    <dgm:txFillClrLst meth="repeat">
+      <a:schemeClr val="dk1"/>
+    </dgm:txFillClrLst>
+    <dgm:txEffectClrLst/>
+  </dgm:styleLbl>
+  <dgm:styleLbl name="solidFgAcc1">
+    <dgm:fillClrLst meth="repeat">
+      <a:schemeClr val="lt1"/>
+    </dgm:fillClrLst>
+    <dgm:linClrLst meth="repeat">
+      <a:schemeClr val="accent2"/>
+      <a:schemeClr val="accent3"/>
+      <a:schemeClr val="accent4"/>
+      <a:schemeClr val="accent5"/>
+      <a:schemeClr val="accent6"/>
+    </dgm:linClrLst>
+    <dgm:effectClrLst/>
+    <dgm:txLinClrLst/>
+    <dgm:txFillClrLst meth="repeat">
+      <a:schemeClr val="dk1"/>
+    </dgm:txFillClrLst>
+    <dgm:txEffectClrLst/>
+  </dgm:styleLbl>
+  <dgm:styleLbl name="solidAlignAcc1">
+    <dgm:fillClrLst meth="repeat">
+      <a:schemeClr val="lt1"/>
+    </dgm:fillClrLst>
+    <dgm:linClrLst meth="repeat">
+      <a:schemeClr val="accent2"/>
+      <a:schemeClr val="accent3"/>
+      <a:schemeClr val="accent4"/>
+      <a:schemeClr val="accent5"/>
+      <a:schemeClr val="accent6"/>
+    </dgm:linClrLst>
+    <dgm:effectClrLst/>
+    <dgm:txLinClrLst/>
+    <dgm:txFillClrLst meth="repeat">
+      <a:schemeClr val="dk1"/>
+    </dgm:txFillClrLst>
+    <dgm:txEffectClrLst/>
+  </dgm:styleLbl>
+  <dgm:styleLbl name="solidBgAcc1">
+    <dgm:fillClrLst meth="repeat">
+      <a:schemeClr val="lt1"/>
+    </dgm:fillClrLst>
+    <dgm:linClrLst meth="repeat">
+      <a:schemeClr val="accent2"/>
+      <a:schemeClr val="accent3"/>
+      <a:schemeClr val="accent4"/>
+      <a:schemeClr val="accent5"/>
+      <a:schemeClr val="accent6"/>
+    </dgm:linClrLst>
+    <dgm:effectClrLst/>
+    <dgm:txLinClrLst/>
+    <dgm:txFillClrLst meth="repeat">
+      <a:schemeClr val="dk1"/>
+    </dgm:txFillClrLst>
+    <dgm:txEffectClrLst/>
+  </dgm:styleLbl>
+  <dgm:styleLbl name="fgAccFollowNode1">
+    <dgm:fillClrLst meth="repeat">
+      <a:schemeClr val="accent2">
+        <a:tint val="40000"/>
+        <a:alpha val="90000"/>
+      </a:schemeClr>
+      <a:schemeClr val="accent3">
+        <a:tint val="40000"/>
+        <a:alpha val="90000"/>
+      </a:schemeClr>
+      <a:schemeClr val="accent4">
+        <a:tint val="40000"/>
+        <a:alpha val="90000"/>
+      </a:schemeClr>
+      <a:schemeClr val="accent5">
+        <a:tint val="40000"/>
+        <a:alpha val="90000"/>
+      </a:schemeClr>
+      <a:schemeClr val="accent6">
+        <a:tint val="40000"/>
+        <a:alpha val="90000"/>
+      </a:schemeClr>
+    </dgm:fillClrLst>
+    <dgm:linClrLst meth="repeat">
+      <a:schemeClr val="accent2">
+        <a:tint val="40000"/>
+        <a:alpha val="90000"/>
+      </a:schemeClr>
+      <a:schemeClr val="accent3">
+        <a:tint val="40000"/>
+        <a:alpha val="90000"/>
+      </a:schemeClr>
+      <a:schemeClr val="accent4">
+        <a:tint val="40000"/>
+        <a:alpha val="90000"/>
+      </a:schemeClr>
+      <a:schemeClr val="accent5">
+        <a:tint val="40000"/>
+        <a:alpha val="90000"/>
+      </a:schemeClr>
+      <a:schemeClr val="accent6">
+        <a:tint val="40000"/>
+        <a:alpha val="90000"/>
+      </a:schemeClr>
+    </dgm:linClrLst>
+    <dgm:effectClrLst/>
+    <dgm:txLinClrLst/>
+    <dgm:txFillClrLst meth="repeat">
+      <a:schemeClr val="dk1"/>
+    </dgm:txFillClrLst>
+    <dgm:txEffectClrLst/>
+  </dgm:styleLbl>
+  <dgm:styleLbl name="alignAccFollowNode1">
+    <dgm:fillClrLst meth="repeat">
+      <a:schemeClr val="accent2">
+        <a:tint val="40000"/>
+        <a:alpha val="90000"/>
+      </a:schemeClr>
+      <a:schemeClr val="accent3">
+        <a:tint val="40000"/>
+        <a:alpha val="90000"/>
+      </a:schemeClr>
+      <a:schemeClr val="accent4">
+        <a:tint val="40000"/>
+        <a:alpha val="90000"/>
+      </a:schemeClr>
+      <a:schemeClr val="accent5">
+        <a:tint val="40000"/>
+        <a:alpha val="90000"/>
+      </a:schemeClr>
+      <a:schemeClr val="accent6">
+        <a:tint val="40000"/>
+        <a:alpha val="90000"/>
+      </a:schemeClr>
+    </dgm:fillClrLst>
+    <dgm:linClrLst meth="repeat">
+      <a:schemeClr val="accent2">
+        <a:tint val="40000"/>
+        <a:alpha val="90000"/>
+      </a:schemeClr>
+      <a:schemeClr val="accent3">
+        <a:tint val="40000"/>
+        <a:alpha val="90000"/>
+      </a:schemeClr>
+      <a:schemeClr val="accent4">
+        <a:tint val="40000"/>
+        <a:alpha val="90000"/>
+      </a:schemeClr>
+      <a:schemeClr val="accent5">
+        <a:tint val="40000"/>
+        <a:alpha val="90000"/>
+      </a:schemeClr>
+      <a:schemeClr val="accent6">
+        <a:tint val="40000"/>
+        <a:alpha val="90000"/>
+      </a:schemeClr>
+    </dgm:linClrLst>
+    <dgm:effectClrLst/>
+    <dgm:txLinClrLst/>
+    <dgm:txFillClrLst meth="repeat">
+      <a:schemeClr val="dk1"/>
+    </dgm:txFillClrLst>
+    <dgm:txEffectClrLst/>
+  </dgm:styleLbl>
+  <dgm:styleLbl name="bgAccFollowNode1">
+    <dgm:fillClrLst meth="repeat">
+      <a:schemeClr val="accent2">
+        <a:tint val="40000"/>
+        <a:alpha val="90000"/>
+      </a:schemeClr>
+      <a:schemeClr val="accent3">
+        <a:tint val="40000"/>
+        <a:alpha val="90000"/>
+      </a:schemeClr>
+      <a:schemeClr val="accent4">
+        <a:tint val="40000"/>
+        <a:alpha val="90000"/>
+      </a:schemeClr>
+      <a:schemeClr val="accent5">
+        <a:tint val="40000"/>
+        <a:alpha val="90000"/>
+      </a:schemeClr>
+      <a:schemeClr val="accent6">
+        <a:tint val="40000"/>
+        <a:alpha val="90000"/>
+      </a:schemeClr>
+    </dgm:fillClrLst>
+    <dgm:linClrLst meth="repeat">
+      <a:schemeClr val="accent2">
+        <a:tint val="40000"/>
+        <a:alpha val="90000"/>
+      </a:schemeClr>
+      <a:schemeClr val="accent3">
+        <a:tint val="40000"/>
+        <a:alpha val="90000"/>
+      </a:schemeClr>
+      <a:schemeClr val="accent4">
+        <a:tint val="40000"/>
+        <a:alpha val="90000"/>
+      </a:schemeClr>
+      <a:schemeClr val="accent5">
+        <a:tint val="40000"/>
+        <a:alpha val="90000"/>
+      </a:schemeClr>
+      <a:schemeClr val="accent6">
+        <a:tint val="40000"/>
+        <a:alpha val="90000"/>
+      </a:schemeClr>
+    </dgm:linClrLst>
+    <dgm:effectClrLst/>
+    <dgm:txLinClrLst/>
+    <dgm:txFillClrLst meth="repeat">
+      <a:schemeClr val="dk1"/>
+    </dgm:txFillClrLst>
+    <dgm:txEffectClrLst/>
+  </dgm:styleLbl>
+  <dgm:styleLbl name="fgAcc0">
+    <dgm:fillClrLst meth="repeat">
+      <a:schemeClr val="lt1">
+        <a:alpha val="90000"/>
+      </a:schemeClr>
+    </dgm:fillClrLst>
+    <dgm:linClrLst>
+      <a:schemeClr val="accent1"/>
+    </dgm:linClrLst>
+    <dgm:effectClrLst/>
+    <dgm:txLinClrLst/>
+    <dgm:txFillClrLst meth="repeat">
+      <a:schemeClr val="dk1"/>
+    </dgm:txFillClrLst>
+    <dgm:txEffectClrLst/>
+  </dgm:styleLbl>
+  <dgm:styleLbl name="fgAcc2">
+    <dgm:fillClrLst meth="repeat">
+      <a:schemeClr val="lt1">
+        <a:alpha val="90000"/>
+      </a:schemeClr>
+    </dgm:fillClrLst>
+    <dgm:linClrLst>
+      <a:schemeClr val="accent2"/>
+    </dgm:linClrLst>
+    <dgm:effectClrLst/>
+    <dgm:txLinClrLst/>
+    <dgm:txFillClrLst meth="repeat">
+      <a:schemeClr val="dk1"/>
+    </dgm:txFillClrLst>
+    <dgm:txEffectClrLst/>
+  </dgm:styleLbl>
+  <dgm:styleLbl name="fgAcc3">
+    <dgm:fillClrLst meth="repeat">
+      <a:schemeClr val="lt1">
+        <a:alpha val="90000"/>
+      </a:schemeClr>
+    </dgm:fillClrLst>
+    <dgm:linClrLst>
+      <a:schemeClr val="accent3"/>
+    </dgm:linClrLst>
+    <dgm:effectClrLst/>
+    <dgm:txLinClrLst/>
+    <dgm:txFillClrLst meth="repeat">
+      <a:schemeClr val="dk1"/>
+    </dgm:txFillClrLst>
+    <dgm:txEffectClrLst/>
+  </dgm:styleLbl>
+  <dgm:styleLbl name="fgAcc4">
+    <dgm:fillClrLst meth="repeat">
+      <a:schemeClr val="lt1">
+        <a:alpha val="90000"/>
+      </a:schemeClr>
+    </dgm:fillClrLst>
+    <dgm:linClrLst>
+      <a:schemeClr val="accent4"/>
+    </dgm:linClrLst>
+    <dgm:effectClrLst/>
+    <dgm:txLinClrLst/>
+    <dgm:txFillClrLst meth="repeat">
+      <a:schemeClr val="dk1"/>
+    </dgm:txFillClrLst>
+    <dgm:txEffectClrLst/>
+  </dgm:styleLbl>
+  <dgm:styleLbl name="bgShp">
+    <dgm:fillClrLst meth="repeat">
+      <a:schemeClr val="bg1">
+        <a:lumMod val="95000"/>
+      </a:schemeClr>
+    </dgm:fillClrLst>
+    <dgm:linClrLst meth="repeat">
+      <a:schemeClr val="dk1"/>
+    </dgm:linClrLst>
+    <dgm:effectClrLst/>
+    <dgm:txLinClrLst/>
+    <dgm:txFillClrLst meth="repeat">
+      <a:schemeClr val="dk1"/>
+    </dgm:txFillClrLst>
+    <dgm:txEffectClrLst/>
+  </dgm:styleLbl>
+  <dgm:styleLbl name="dkBgShp">
+    <dgm:fillClrLst meth="repeat">
+      <a:schemeClr val="accent2">
+        <a:shade val="90000"/>
+      </a:schemeClr>
+    </dgm:fillClrLst>
+    <dgm:linClrLst meth="repeat">
+      <a:schemeClr val="dk1"/>
+    </dgm:linClrLst>
+    <dgm:effectClrLst/>
+    <dgm:txLinClrLst/>
+    <dgm:txFillClrLst meth="repeat">
+      <a:schemeClr val="lt1"/>
+    </dgm:txFillClrLst>
+    <dgm:txEffectClrLst/>
+  </dgm:styleLbl>
+  <dgm:styleLbl name="trBgShp">
+    <dgm:fillClrLst meth="repeat">
+      <a:schemeClr val="accent1">
+        <a:tint val="50000"/>
+        <a:alpha val="40000"/>
+      </a:schemeClr>
+    </dgm:fillClrLst>
+    <dgm:linClrLst meth="repeat">
+      <a:schemeClr val="accent2"/>
+    </dgm:linClrLst>
+    <dgm:effectClrLst/>
+    <dgm:txLinClrLst/>
+    <dgm:txFillClrLst meth="repeat">
+      <a:schemeClr val="lt1"/>
+    </dgm:txFillClrLst>
+    <dgm:txEffectClrLst/>
+  </dgm:styleLbl>
+  <dgm:styleLbl name="fgShp">
+    <dgm:fillClrLst meth="repeat">
+      <a:schemeClr val="accent2">
         <a:tint val="40000"/>
       </a:schemeClr>
     </dgm:fillClrLst>
@@ -3735,6 +4657,352 @@
     <dgm:cxn modelId="{DA9794D9-84E1-4519-9C1A-2E88464D4B0C}" type="presParOf" srcId="{601AFD20-A078-49E4-B20A-53DE7E450E21}" destId="{D65FADB4-159F-4229-AAF8-33026A54354A}" srcOrd="7" destOrd="0" presId="urn:microsoft.com/office/officeart/2005/8/layout/vList2"/>
     <dgm:cxn modelId="{F189635C-34AE-40D9-8954-E5F93B893C49}" type="presParOf" srcId="{601AFD20-A078-49E4-B20A-53DE7E450E21}" destId="{302FA4A1-2B1C-4A58-9189-CFB117B85584}" srcOrd="8" destOrd="0" presId="urn:microsoft.com/office/officeart/2005/8/layout/vList2"/>
     <dgm:cxn modelId="{9CBDD41D-A0F6-430B-A204-1C7284DB200D}" type="presParOf" srcId="{601AFD20-A078-49E4-B20A-53DE7E450E21}" destId="{2CB7EDD1-635D-42FE-8184-6DDB9775137A}" srcOrd="9" destOrd="0" presId="urn:microsoft.com/office/officeart/2005/8/layout/vList2"/>
+  </dgm:cxnLst>
+  <dgm:bg/>
+  <dgm:whole/>
+  <dgm:extLst>
+    <a:ext uri="http://schemas.microsoft.com/office/drawing/2008/diagram">
+      <dsp:dataModelExt xmlns:dsp="http://schemas.microsoft.com/office/drawing/2008/diagram" relId="rId6" minVer="http://schemas.openxmlformats.org/drawingml/2006/diagram"/>
+    </a:ext>
+  </dgm:extLst>
+</dgm:dataModel>
+</file>
+
+<file path=ppt/diagrams/data4.xml><?xml version="1.0" encoding="utf-8"?>
+<dgm:dataModel xmlns:dgm="http://schemas.openxmlformats.org/drawingml/2006/diagram" xmlns:a="http://schemas.openxmlformats.org/drawingml/2006/main">
+  <dgm:ptLst>
+    <dgm:pt modelId="{37CF7D4D-60D1-4689-B1A2-86BF9B03E90B}" type="doc">
+      <dgm:prSet loTypeId="urn:microsoft.com/office/officeart/2018/2/layout/IconVerticalSolidList" loCatId="icon" qsTypeId="urn:microsoft.com/office/officeart/2005/8/quickstyle/simple4" qsCatId="simple" csTypeId="urn:microsoft.com/office/officeart/2018/5/colors/Iconchunking_neutralbg_colorful1" csCatId="colorful" phldr="1"/>
+      <dgm:spPr/>
+      <dgm:t>
+        <a:bodyPr/>
+        <a:lstStyle/>
+        <a:p>
+          <a:endParaRPr lang="en-US"/>
+        </a:p>
+      </dgm:t>
+    </dgm:pt>
+    <dgm:pt modelId="{7BCDCA34-1C72-4BB0-8C2E-5BE0F63ABE55}">
+      <dgm:prSet/>
+      <dgm:spPr/>
+      <dgm:t>
+        <a:bodyPr/>
+        <a:lstStyle/>
+        <a:p>
+          <a:r>
+            <a:rPr lang="es-EC"/>
+            <a:t>Neutral Sentiment</a:t>
+          </a:r>
+          <a:endParaRPr lang="en-US"/>
+        </a:p>
+      </dgm:t>
+    </dgm:pt>
+    <dgm:pt modelId="{0EB5424D-0A75-4E52-912C-C91DCE11EF80}" type="parTrans" cxnId="{76981FB3-BCCF-4EE7-99D4-E7F745BDACD8}">
+      <dgm:prSet/>
+      <dgm:spPr/>
+      <dgm:t>
+        <a:bodyPr/>
+        <a:lstStyle/>
+        <a:p>
+          <a:endParaRPr lang="en-US"/>
+        </a:p>
+      </dgm:t>
+    </dgm:pt>
+    <dgm:pt modelId="{7D30E4CF-2672-40F0-A7A3-4619D1F0CA52}" type="sibTrans" cxnId="{76981FB3-BCCF-4EE7-99D4-E7F745BDACD8}">
+      <dgm:prSet/>
+      <dgm:spPr/>
+      <dgm:t>
+        <a:bodyPr/>
+        <a:lstStyle/>
+        <a:p>
+          <a:endParaRPr lang="en-US"/>
+        </a:p>
+      </dgm:t>
+    </dgm:pt>
+    <dgm:pt modelId="{D6C9B47E-B007-4E4C-A68F-A162CCC82CF1}">
+      <dgm:prSet/>
+      <dgm:spPr/>
+      <dgm:t>
+        <a:bodyPr/>
+        <a:lstStyle/>
+        <a:p>
+          <a:r>
+            <a:rPr lang="es-EC"/>
+            <a:t>Regression Models </a:t>
+          </a:r>
+          <a:r>
+            <a:rPr lang="es-EC">
+              <a:sym typeface="Wingdings" panose="05000000000000000000" pitchFamily="2" charset="2"/>
+            </a:rPr>
+            <a:t></a:t>
+          </a:r>
+          <a:r>
+            <a:rPr lang="es-EC"/>
+            <a:t> Logistic better performance</a:t>
+          </a:r>
+          <a:endParaRPr lang="en-US"/>
+        </a:p>
+      </dgm:t>
+    </dgm:pt>
+    <dgm:pt modelId="{A9D55DFD-99AD-49D9-AD4F-D0E94B153C0C}" type="parTrans" cxnId="{C9A01674-EADF-4C34-AE17-2C2C2D2E7B0E}">
+      <dgm:prSet/>
+      <dgm:spPr/>
+      <dgm:t>
+        <a:bodyPr/>
+        <a:lstStyle/>
+        <a:p>
+          <a:endParaRPr lang="en-US"/>
+        </a:p>
+      </dgm:t>
+    </dgm:pt>
+    <dgm:pt modelId="{45883792-3109-46A8-B550-B736A3B1B0B0}" type="sibTrans" cxnId="{C9A01674-EADF-4C34-AE17-2C2C2D2E7B0E}">
+      <dgm:prSet/>
+      <dgm:spPr/>
+      <dgm:t>
+        <a:bodyPr/>
+        <a:lstStyle/>
+        <a:p>
+          <a:endParaRPr lang="en-US"/>
+        </a:p>
+      </dgm:t>
+    </dgm:pt>
+    <dgm:pt modelId="{AB47D366-5094-481E-81D2-323D474B22D0}">
+      <dgm:prSet/>
+      <dgm:spPr/>
+      <dgm:t>
+        <a:bodyPr/>
+        <a:lstStyle/>
+        <a:p>
+          <a:r>
+            <a:rPr lang="es-EC"/>
+            <a:t>Ensemble Models </a:t>
+          </a:r>
+          <a:r>
+            <a:rPr lang="es-EC">
+              <a:sym typeface="Wingdings" panose="05000000000000000000" pitchFamily="2" charset="2"/>
+            </a:rPr>
+            <a:t></a:t>
+          </a:r>
+          <a:r>
+            <a:rPr lang="es-EC"/>
+            <a:t> Random Forest better peformance</a:t>
+          </a:r>
+          <a:endParaRPr lang="en-US"/>
+        </a:p>
+      </dgm:t>
+    </dgm:pt>
+    <dgm:pt modelId="{1B6AE5B9-508B-4ACF-895A-541CC2CAD295}" type="parTrans" cxnId="{7AE98E1F-64E8-42CD-A6AF-52C736A417D7}">
+      <dgm:prSet/>
+      <dgm:spPr/>
+      <dgm:t>
+        <a:bodyPr/>
+        <a:lstStyle/>
+        <a:p>
+          <a:endParaRPr lang="en-US"/>
+        </a:p>
+      </dgm:t>
+    </dgm:pt>
+    <dgm:pt modelId="{A52D5B8B-A0A7-411D-88D3-BFE8B281B74A}" type="sibTrans" cxnId="{7AE98E1F-64E8-42CD-A6AF-52C736A417D7}">
+      <dgm:prSet/>
+      <dgm:spPr/>
+      <dgm:t>
+        <a:bodyPr/>
+        <a:lstStyle/>
+        <a:p>
+          <a:endParaRPr lang="en-US"/>
+        </a:p>
+      </dgm:t>
+    </dgm:pt>
+    <dgm:pt modelId="{34090AA6-056E-4063-A27E-ECC8EA28B48F}" type="pres">
+      <dgm:prSet presAssocID="{37CF7D4D-60D1-4689-B1A2-86BF9B03E90B}" presName="root" presStyleCnt="0">
+        <dgm:presLayoutVars>
+          <dgm:dir/>
+          <dgm:resizeHandles val="exact"/>
+        </dgm:presLayoutVars>
+      </dgm:prSet>
+      <dgm:spPr/>
+    </dgm:pt>
+    <dgm:pt modelId="{720F4308-5DE5-4A32-AD17-1CE9B205B713}" type="pres">
+      <dgm:prSet presAssocID="{7BCDCA34-1C72-4BB0-8C2E-5BE0F63ABE55}" presName="compNode" presStyleCnt="0"/>
+      <dgm:spPr/>
+    </dgm:pt>
+    <dgm:pt modelId="{226328AB-65C3-4FE1-8A37-BDB0FB32295A}" type="pres">
+      <dgm:prSet presAssocID="{7BCDCA34-1C72-4BB0-8C2E-5BE0F63ABE55}" presName="bgRect" presStyleLbl="bgShp" presStyleIdx="0" presStyleCnt="3"/>
+      <dgm:spPr/>
+    </dgm:pt>
+    <dgm:pt modelId="{B965B416-2EA6-425C-8214-76293D27BC8F}" type="pres">
+      <dgm:prSet presAssocID="{7BCDCA34-1C72-4BB0-8C2E-5BE0F63ABE55}" presName="iconRect" presStyleLbl="node1" presStyleIdx="0" presStyleCnt="3"/>
+      <dgm:spPr>
+        <a:blipFill>
+          <a:blip xmlns:r="http://schemas.openxmlformats.org/officeDocument/2006/relationships" r:embed="rId1">
+            <a:extLst>
+              <a:ext uri="{28A0092B-C50C-407E-A947-70E740481C1C}">
+                <a14:useLocalDpi xmlns:a14="http://schemas.microsoft.com/office/drawing/2010/main" val="0"/>
+              </a:ext>
+              <a:ext uri="{96DAC541-7B7A-43D3-8B79-37D633B846F1}">
+                <asvg:svgBlip xmlns:asvg="http://schemas.microsoft.com/office/drawing/2016/SVG/main" r:embed="rId2"/>
+              </a:ext>
+            </a:extLst>
+          </a:blip>
+          <a:stretch>
+            <a:fillRect/>
+          </a:stretch>
+        </a:blipFill>
+        <a:ln>
+          <a:noFill/>
+        </a:ln>
+      </dgm:spPr>
+      <dgm:extLst>
+        <a:ext uri="{E40237B7-FDA0-4F09-8148-C483321AD2D9}">
+          <dgm14:cNvPr xmlns:dgm14="http://schemas.microsoft.com/office/drawing/2010/diagram" id="0" name="" descr="Smiling Face with No Fill"/>
+        </a:ext>
+      </dgm:extLst>
+    </dgm:pt>
+    <dgm:pt modelId="{C9BB25F5-DFCC-4C36-B7D6-A949EB49CAAB}" type="pres">
+      <dgm:prSet presAssocID="{7BCDCA34-1C72-4BB0-8C2E-5BE0F63ABE55}" presName="spaceRect" presStyleCnt="0"/>
+      <dgm:spPr/>
+    </dgm:pt>
+    <dgm:pt modelId="{2608056B-D552-4D0E-8866-0C69BB0D7F8C}" type="pres">
+      <dgm:prSet presAssocID="{7BCDCA34-1C72-4BB0-8C2E-5BE0F63ABE55}" presName="parTx" presStyleLbl="revTx" presStyleIdx="0" presStyleCnt="3">
+        <dgm:presLayoutVars>
+          <dgm:chMax val="0"/>
+          <dgm:chPref val="0"/>
+        </dgm:presLayoutVars>
+      </dgm:prSet>
+      <dgm:spPr/>
+    </dgm:pt>
+    <dgm:pt modelId="{43FDB845-9F5E-4E94-BADA-4E1E0B17BD69}" type="pres">
+      <dgm:prSet presAssocID="{7D30E4CF-2672-40F0-A7A3-4619D1F0CA52}" presName="sibTrans" presStyleCnt="0"/>
+      <dgm:spPr/>
+    </dgm:pt>
+    <dgm:pt modelId="{68BD354A-1D28-4891-8413-5CBED039D1B6}" type="pres">
+      <dgm:prSet presAssocID="{D6C9B47E-B007-4E4C-A68F-A162CCC82CF1}" presName="compNode" presStyleCnt="0"/>
+      <dgm:spPr/>
+    </dgm:pt>
+    <dgm:pt modelId="{2F8EC7A2-38C6-47C0-B899-9548221F3FA1}" type="pres">
+      <dgm:prSet presAssocID="{D6C9B47E-B007-4E4C-A68F-A162CCC82CF1}" presName="bgRect" presStyleLbl="bgShp" presStyleIdx="1" presStyleCnt="3"/>
+      <dgm:spPr/>
+    </dgm:pt>
+    <dgm:pt modelId="{D4B71354-0999-41EA-9581-35DA0182C2C5}" type="pres">
+      <dgm:prSet presAssocID="{D6C9B47E-B007-4E4C-A68F-A162CCC82CF1}" presName="iconRect" presStyleLbl="node1" presStyleIdx="1" presStyleCnt="3"/>
+      <dgm:spPr>
+        <a:blipFill>
+          <a:blip xmlns:r="http://schemas.openxmlformats.org/officeDocument/2006/relationships" r:embed="rId3">
+            <a:extLst>
+              <a:ext uri="{28A0092B-C50C-407E-A947-70E740481C1C}">
+                <a14:useLocalDpi xmlns:a14="http://schemas.microsoft.com/office/drawing/2010/main" val="0"/>
+              </a:ext>
+              <a:ext uri="{96DAC541-7B7A-43D3-8B79-37D633B846F1}">
+                <asvg:svgBlip xmlns:asvg="http://schemas.microsoft.com/office/drawing/2016/SVG/main" r:embed="rId4"/>
+              </a:ext>
+            </a:extLst>
+          </a:blip>
+          <a:stretch>
+            <a:fillRect/>
+          </a:stretch>
+        </a:blipFill>
+        <a:ln>
+          <a:noFill/>
+        </a:ln>
+      </dgm:spPr>
+      <dgm:extLst>
+        <a:ext uri="{E40237B7-FDA0-4F09-8148-C483321AD2D9}">
+          <dgm14:cNvPr xmlns:dgm14="http://schemas.microsoft.com/office/drawing/2010/diagram" id="0" name="" descr="Bar chart"/>
+        </a:ext>
+      </dgm:extLst>
+    </dgm:pt>
+    <dgm:pt modelId="{53B00F6C-099B-4453-9BBE-FFE5E756117B}" type="pres">
+      <dgm:prSet presAssocID="{D6C9B47E-B007-4E4C-A68F-A162CCC82CF1}" presName="spaceRect" presStyleCnt="0"/>
+      <dgm:spPr/>
+    </dgm:pt>
+    <dgm:pt modelId="{41812333-4A2B-46F3-84BB-E94F6CEC636E}" type="pres">
+      <dgm:prSet presAssocID="{D6C9B47E-B007-4E4C-A68F-A162CCC82CF1}" presName="parTx" presStyleLbl="revTx" presStyleIdx="1" presStyleCnt="3">
+        <dgm:presLayoutVars>
+          <dgm:chMax val="0"/>
+          <dgm:chPref val="0"/>
+        </dgm:presLayoutVars>
+      </dgm:prSet>
+      <dgm:spPr/>
+    </dgm:pt>
+    <dgm:pt modelId="{06F496C0-0B72-4C38-B243-313DA9026B32}" type="pres">
+      <dgm:prSet presAssocID="{45883792-3109-46A8-B550-B736A3B1B0B0}" presName="sibTrans" presStyleCnt="0"/>
+      <dgm:spPr/>
+    </dgm:pt>
+    <dgm:pt modelId="{905CB88E-A4A6-450F-8D44-EB5CEEEC2C39}" type="pres">
+      <dgm:prSet presAssocID="{AB47D366-5094-481E-81D2-323D474B22D0}" presName="compNode" presStyleCnt="0"/>
+      <dgm:spPr/>
+    </dgm:pt>
+    <dgm:pt modelId="{0D24C18C-F6A0-46BD-881A-86DB096BC586}" type="pres">
+      <dgm:prSet presAssocID="{AB47D366-5094-481E-81D2-323D474B22D0}" presName="bgRect" presStyleLbl="bgShp" presStyleIdx="2" presStyleCnt="3"/>
+      <dgm:spPr/>
+    </dgm:pt>
+    <dgm:pt modelId="{1CD9778F-9EAD-4547-845B-DD095A433312}" type="pres">
+      <dgm:prSet presAssocID="{AB47D366-5094-481E-81D2-323D474B22D0}" presName="iconRect" presStyleLbl="node1" presStyleIdx="2" presStyleCnt="3"/>
+      <dgm:spPr>
+        <a:blipFill>
+          <a:blip xmlns:r="http://schemas.openxmlformats.org/officeDocument/2006/relationships" r:embed="rId5">
+            <a:extLst>
+              <a:ext uri="{28A0092B-C50C-407E-A947-70E740481C1C}">
+                <a14:useLocalDpi xmlns:a14="http://schemas.microsoft.com/office/drawing/2010/main" val="0"/>
+              </a:ext>
+              <a:ext uri="{96DAC541-7B7A-43D3-8B79-37D633B846F1}">
+                <asvg:svgBlip xmlns:asvg="http://schemas.microsoft.com/office/drawing/2016/SVG/main" r:embed="rId6"/>
+              </a:ext>
+            </a:extLst>
+          </a:blip>
+          <a:stretch>
+            <a:fillRect/>
+          </a:stretch>
+        </a:blipFill>
+        <a:ln>
+          <a:noFill/>
+        </a:ln>
+      </dgm:spPr>
+      <dgm:extLst>
+        <a:ext uri="{E40237B7-FDA0-4F09-8148-C483321AD2D9}">
+          <dgm14:cNvPr xmlns:dgm14="http://schemas.microsoft.com/office/drawing/2010/diagram" id="0" name="" descr="Deciduous tree"/>
+        </a:ext>
+      </dgm:extLst>
+    </dgm:pt>
+    <dgm:pt modelId="{F1CAF4E3-2B91-4397-9059-7FB628C3B5C6}" type="pres">
+      <dgm:prSet presAssocID="{AB47D366-5094-481E-81D2-323D474B22D0}" presName="spaceRect" presStyleCnt="0"/>
+      <dgm:spPr/>
+    </dgm:pt>
+    <dgm:pt modelId="{0082AF0F-5415-4D4C-9822-BE39B4EB095D}" type="pres">
+      <dgm:prSet presAssocID="{AB47D366-5094-481E-81D2-323D474B22D0}" presName="parTx" presStyleLbl="revTx" presStyleIdx="2" presStyleCnt="3">
+        <dgm:presLayoutVars>
+          <dgm:chMax val="0"/>
+          <dgm:chPref val="0"/>
+        </dgm:presLayoutVars>
+      </dgm:prSet>
+      <dgm:spPr/>
+    </dgm:pt>
+  </dgm:ptLst>
+  <dgm:cxnLst>
+    <dgm:cxn modelId="{7AE98E1F-64E8-42CD-A6AF-52C736A417D7}" srcId="{37CF7D4D-60D1-4689-B1A2-86BF9B03E90B}" destId="{AB47D366-5094-481E-81D2-323D474B22D0}" srcOrd="2" destOrd="0" parTransId="{1B6AE5B9-508B-4ACF-895A-541CC2CAD295}" sibTransId="{A52D5B8B-A0A7-411D-88D3-BFE8B281B74A}"/>
+    <dgm:cxn modelId="{80983837-9F56-498C-A8F0-BEC19596F8B7}" type="presOf" srcId="{D6C9B47E-B007-4E4C-A68F-A162CCC82CF1}" destId="{41812333-4A2B-46F3-84BB-E94F6CEC636E}" srcOrd="0" destOrd="0" presId="urn:microsoft.com/office/officeart/2018/2/layout/IconVerticalSolidList"/>
+    <dgm:cxn modelId="{03378740-7F92-4AA5-BCB6-43EBA0E2137F}" type="presOf" srcId="{AB47D366-5094-481E-81D2-323D474B22D0}" destId="{0082AF0F-5415-4D4C-9822-BE39B4EB095D}" srcOrd="0" destOrd="0" presId="urn:microsoft.com/office/officeart/2018/2/layout/IconVerticalSolidList"/>
+    <dgm:cxn modelId="{C9A01674-EADF-4C34-AE17-2C2C2D2E7B0E}" srcId="{37CF7D4D-60D1-4689-B1A2-86BF9B03E90B}" destId="{D6C9B47E-B007-4E4C-A68F-A162CCC82CF1}" srcOrd="1" destOrd="0" parTransId="{A9D55DFD-99AD-49D9-AD4F-D0E94B153C0C}" sibTransId="{45883792-3109-46A8-B550-B736A3B1B0B0}"/>
+    <dgm:cxn modelId="{76981FB3-BCCF-4EE7-99D4-E7F745BDACD8}" srcId="{37CF7D4D-60D1-4689-B1A2-86BF9B03E90B}" destId="{7BCDCA34-1C72-4BB0-8C2E-5BE0F63ABE55}" srcOrd="0" destOrd="0" parTransId="{0EB5424D-0A75-4E52-912C-C91DCE11EF80}" sibTransId="{7D30E4CF-2672-40F0-A7A3-4619D1F0CA52}"/>
+    <dgm:cxn modelId="{5F432CC6-4645-464F-B690-941531964925}" type="presOf" srcId="{37CF7D4D-60D1-4689-B1A2-86BF9B03E90B}" destId="{34090AA6-056E-4063-A27E-ECC8EA28B48F}" srcOrd="0" destOrd="0" presId="urn:microsoft.com/office/officeart/2018/2/layout/IconVerticalSolidList"/>
+    <dgm:cxn modelId="{1880BFE6-34DD-4630-913F-A22EA8870AEB}" type="presOf" srcId="{7BCDCA34-1C72-4BB0-8C2E-5BE0F63ABE55}" destId="{2608056B-D552-4D0E-8866-0C69BB0D7F8C}" srcOrd="0" destOrd="0" presId="urn:microsoft.com/office/officeart/2018/2/layout/IconVerticalSolidList"/>
+    <dgm:cxn modelId="{9FFD36DE-CD60-464E-9E57-390599F66B1C}" type="presParOf" srcId="{34090AA6-056E-4063-A27E-ECC8EA28B48F}" destId="{720F4308-5DE5-4A32-AD17-1CE9B205B713}" srcOrd="0" destOrd="0" presId="urn:microsoft.com/office/officeart/2018/2/layout/IconVerticalSolidList"/>
+    <dgm:cxn modelId="{3C60E1E6-7304-4881-8C6F-699BB3D6981F}" type="presParOf" srcId="{720F4308-5DE5-4A32-AD17-1CE9B205B713}" destId="{226328AB-65C3-4FE1-8A37-BDB0FB32295A}" srcOrd="0" destOrd="0" presId="urn:microsoft.com/office/officeart/2018/2/layout/IconVerticalSolidList"/>
+    <dgm:cxn modelId="{5688B986-23B4-428C-87CE-C45912DBE1C4}" type="presParOf" srcId="{720F4308-5DE5-4A32-AD17-1CE9B205B713}" destId="{B965B416-2EA6-425C-8214-76293D27BC8F}" srcOrd="1" destOrd="0" presId="urn:microsoft.com/office/officeart/2018/2/layout/IconVerticalSolidList"/>
+    <dgm:cxn modelId="{F92D053B-B18C-465A-B944-F09E16AE8CCA}" type="presParOf" srcId="{720F4308-5DE5-4A32-AD17-1CE9B205B713}" destId="{C9BB25F5-DFCC-4C36-B7D6-A949EB49CAAB}" srcOrd="2" destOrd="0" presId="urn:microsoft.com/office/officeart/2018/2/layout/IconVerticalSolidList"/>
+    <dgm:cxn modelId="{27E075EC-4A5D-420A-A767-8A2288AF039F}" type="presParOf" srcId="{720F4308-5DE5-4A32-AD17-1CE9B205B713}" destId="{2608056B-D552-4D0E-8866-0C69BB0D7F8C}" srcOrd="3" destOrd="0" presId="urn:microsoft.com/office/officeart/2018/2/layout/IconVerticalSolidList"/>
+    <dgm:cxn modelId="{8242736D-7133-423A-8A91-724AB6F761BE}" type="presParOf" srcId="{34090AA6-056E-4063-A27E-ECC8EA28B48F}" destId="{43FDB845-9F5E-4E94-BADA-4E1E0B17BD69}" srcOrd="1" destOrd="0" presId="urn:microsoft.com/office/officeart/2018/2/layout/IconVerticalSolidList"/>
+    <dgm:cxn modelId="{9E66CE0A-5304-4110-9BA5-9C52456C6B6C}" type="presParOf" srcId="{34090AA6-056E-4063-A27E-ECC8EA28B48F}" destId="{68BD354A-1D28-4891-8413-5CBED039D1B6}" srcOrd="2" destOrd="0" presId="urn:microsoft.com/office/officeart/2018/2/layout/IconVerticalSolidList"/>
+    <dgm:cxn modelId="{600CD1CC-2FAF-4673-9AED-64D7973030C7}" type="presParOf" srcId="{68BD354A-1D28-4891-8413-5CBED039D1B6}" destId="{2F8EC7A2-38C6-47C0-B899-9548221F3FA1}" srcOrd="0" destOrd="0" presId="urn:microsoft.com/office/officeart/2018/2/layout/IconVerticalSolidList"/>
+    <dgm:cxn modelId="{044268E9-4682-4816-B042-F0F88147C9AE}" type="presParOf" srcId="{68BD354A-1D28-4891-8413-5CBED039D1B6}" destId="{D4B71354-0999-41EA-9581-35DA0182C2C5}" srcOrd="1" destOrd="0" presId="urn:microsoft.com/office/officeart/2018/2/layout/IconVerticalSolidList"/>
+    <dgm:cxn modelId="{3696082A-7604-4478-B0C8-CF564D1F5B91}" type="presParOf" srcId="{68BD354A-1D28-4891-8413-5CBED039D1B6}" destId="{53B00F6C-099B-4453-9BBE-FFE5E756117B}" srcOrd="2" destOrd="0" presId="urn:microsoft.com/office/officeart/2018/2/layout/IconVerticalSolidList"/>
+    <dgm:cxn modelId="{B569E906-F60C-4ED4-9D13-57D6743C42AB}" type="presParOf" srcId="{68BD354A-1D28-4891-8413-5CBED039D1B6}" destId="{41812333-4A2B-46F3-84BB-E94F6CEC636E}" srcOrd="3" destOrd="0" presId="urn:microsoft.com/office/officeart/2018/2/layout/IconVerticalSolidList"/>
+    <dgm:cxn modelId="{0A4632E3-8FA9-4940-B7C7-335A135BA481}" type="presParOf" srcId="{34090AA6-056E-4063-A27E-ECC8EA28B48F}" destId="{06F496C0-0B72-4C38-B243-313DA9026B32}" srcOrd="3" destOrd="0" presId="urn:microsoft.com/office/officeart/2018/2/layout/IconVerticalSolidList"/>
+    <dgm:cxn modelId="{A696106F-CB21-4997-92ED-7A5128FF91BB}" type="presParOf" srcId="{34090AA6-056E-4063-A27E-ECC8EA28B48F}" destId="{905CB88E-A4A6-450F-8D44-EB5CEEEC2C39}" srcOrd="4" destOrd="0" presId="urn:microsoft.com/office/officeart/2018/2/layout/IconVerticalSolidList"/>
+    <dgm:cxn modelId="{6BD3431D-C780-4281-A018-9B60FB688C60}" type="presParOf" srcId="{905CB88E-A4A6-450F-8D44-EB5CEEEC2C39}" destId="{0D24C18C-F6A0-46BD-881A-86DB096BC586}" srcOrd="0" destOrd="0" presId="urn:microsoft.com/office/officeart/2018/2/layout/IconVerticalSolidList"/>
+    <dgm:cxn modelId="{7E85F1F7-1948-4EF6-BAD3-B34903F7B97E}" type="presParOf" srcId="{905CB88E-A4A6-450F-8D44-EB5CEEEC2C39}" destId="{1CD9778F-9EAD-4547-845B-DD095A433312}" srcOrd="1" destOrd="0" presId="urn:microsoft.com/office/officeart/2018/2/layout/IconVerticalSolidList"/>
+    <dgm:cxn modelId="{6BA29085-AA3D-4609-8D8A-EC5F53852CC1}" type="presParOf" srcId="{905CB88E-A4A6-450F-8D44-EB5CEEEC2C39}" destId="{F1CAF4E3-2B91-4397-9059-7FB628C3B5C6}" srcOrd="2" destOrd="0" presId="urn:microsoft.com/office/officeart/2018/2/layout/IconVerticalSolidList"/>
+    <dgm:cxn modelId="{A438E43A-9B26-40AA-9616-7804D80CA294}" type="presParOf" srcId="{905CB88E-A4A6-450F-8D44-EB5CEEEC2C39}" destId="{0082AF0F-5415-4D4C-9822-BE39B4EB095D}" srcOrd="3" destOrd="0" presId="urn:microsoft.com/office/officeart/2018/2/layout/IconVerticalSolidList"/>
   </dgm:cxnLst>
   <dgm:bg/>
   <dgm:whole/>
@@ -5571,6 +6839,491 @@
 </dsp:drawing>
 </file>
 
+<file path=ppt/diagrams/drawing4.xml><?xml version="1.0" encoding="utf-8"?>
+<dsp:drawing xmlns:dgm="http://schemas.openxmlformats.org/drawingml/2006/diagram" xmlns:dsp="http://schemas.microsoft.com/office/drawing/2008/diagram" xmlns:a="http://schemas.openxmlformats.org/drawingml/2006/main">
+  <dsp:spTree>
+    <dsp:nvGrpSpPr>
+      <dsp:cNvPr id="0" name=""/>
+      <dsp:cNvGrpSpPr/>
+    </dsp:nvGrpSpPr>
+    <dsp:grpSpPr/>
+    <dsp:sp modelId="{226328AB-65C3-4FE1-8A37-BDB0FB32295A}">
+      <dsp:nvSpPr>
+        <dsp:cNvPr id="0" name=""/>
+        <dsp:cNvSpPr/>
+      </dsp:nvSpPr>
+      <dsp:spPr>
+        <a:xfrm>
+          <a:off x="0" y="718"/>
+          <a:ext cx="6513603" cy="1681139"/>
+        </a:xfrm>
+        <a:prstGeom prst="roundRect">
+          <a:avLst>
+            <a:gd name="adj" fmla="val 10000"/>
+          </a:avLst>
+        </a:prstGeom>
+        <a:solidFill>
+          <a:schemeClr val="bg1">
+            <a:lumMod val="95000"/>
+            <a:hueOff val="0"/>
+            <a:satOff val="0"/>
+            <a:lumOff val="0"/>
+            <a:alphaOff val="0"/>
+          </a:schemeClr>
+        </a:solidFill>
+        <a:ln>
+          <a:noFill/>
+        </a:ln>
+        <a:effectLst/>
+      </dsp:spPr>
+      <dsp:style>
+        <a:lnRef idx="0">
+          <a:scrgbClr r="0" g="0" b="0"/>
+        </a:lnRef>
+        <a:fillRef idx="1">
+          <a:scrgbClr r="0" g="0" b="0"/>
+        </a:fillRef>
+        <a:effectRef idx="2">
+          <a:scrgbClr r="0" g="0" b="0"/>
+        </a:effectRef>
+        <a:fontRef idx="minor"/>
+      </dsp:style>
+    </dsp:sp>
+    <dsp:sp modelId="{B965B416-2EA6-425C-8214-76293D27BC8F}">
+      <dsp:nvSpPr>
+        <dsp:cNvPr id="0" name=""/>
+        <dsp:cNvSpPr/>
+      </dsp:nvSpPr>
+      <dsp:spPr>
+        <a:xfrm>
+          <a:off x="508544" y="378974"/>
+          <a:ext cx="924626" cy="924626"/>
+        </a:xfrm>
+        <a:prstGeom prst="rect">
+          <a:avLst/>
+        </a:prstGeom>
+        <a:blipFill>
+          <a:blip xmlns:r="http://schemas.openxmlformats.org/officeDocument/2006/relationships" r:embed="rId1">
+            <a:extLst>
+              <a:ext uri="{28A0092B-C50C-407E-A947-70E740481C1C}">
+                <a14:useLocalDpi xmlns:a14="http://schemas.microsoft.com/office/drawing/2010/main" val="0"/>
+              </a:ext>
+              <a:ext uri="{96DAC541-7B7A-43D3-8B79-37D633B846F1}">
+                <asvg:svgBlip xmlns:asvg="http://schemas.microsoft.com/office/drawing/2016/SVG/main" r:embed="rId2"/>
+              </a:ext>
+            </a:extLst>
+          </a:blip>
+          <a:stretch>
+            <a:fillRect/>
+          </a:stretch>
+        </a:blipFill>
+        <a:ln>
+          <a:noFill/>
+        </a:ln>
+        <a:effectLst/>
+      </dsp:spPr>
+      <dsp:style>
+        <a:lnRef idx="0">
+          <a:scrgbClr r="0" g="0" b="0"/>
+        </a:lnRef>
+        <a:fillRef idx="3">
+          <a:scrgbClr r="0" g="0" b="0"/>
+        </a:fillRef>
+        <a:effectRef idx="2">
+          <a:scrgbClr r="0" g="0" b="0"/>
+        </a:effectRef>
+        <a:fontRef idx="minor">
+          <a:schemeClr val="lt1"/>
+        </a:fontRef>
+      </dsp:style>
+    </dsp:sp>
+    <dsp:sp modelId="{2608056B-D552-4D0E-8866-0C69BB0D7F8C}">
+      <dsp:nvSpPr>
+        <dsp:cNvPr id="0" name=""/>
+        <dsp:cNvSpPr/>
+      </dsp:nvSpPr>
+      <dsp:spPr>
+        <a:xfrm>
+          <a:off x="1941716" y="718"/>
+          <a:ext cx="4571887" cy="1681139"/>
+        </a:xfrm>
+        <a:prstGeom prst="rect">
+          <a:avLst/>
+        </a:prstGeom>
+        <a:noFill/>
+        <a:ln>
+          <a:noFill/>
+        </a:ln>
+        <a:effectLst/>
+      </dsp:spPr>
+      <dsp:style>
+        <a:lnRef idx="0">
+          <a:scrgbClr r="0" g="0" b="0"/>
+        </a:lnRef>
+        <a:fillRef idx="0">
+          <a:scrgbClr r="0" g="0" b="0"/>
+        </a:fillRef>
+        <a:effectRef idx="0">
+          <a:scrgbClr r="0" g="0" b="0"/>
+        </a:effectRef>
+        <a:fontRef idx="minor"/>
+      </dsp:style>
+      <dsp:txBody>
+        <a:bodyPr spcFirstLastPara="0" vert="horz" wrap="square" lIns="177921" tIns="177921" rIns="177921" bIns="177921" numCol="1" spcCol="1270" anchor="ctr" anchorCtr="0">
+          <a:noAutofit/>
+        </a:bodyPr>
+        <a:lstStyle/>
+        <a:p>
+          <a:pPr marL="0" lvl="0" indent="0" algn="l" defTabSz="1111250">
+            <a:lnSpc>
+              <a:spcPct val="90000"/>
+            </a:lnSpc>
+            <a:spcBef>
+              <a:spcPct val="0"/>
+            </a:spcBef>
+            <a:spcAft>
+              <a:spcPct val="35000"/>
+            </a:spcAft>
+            <a:buNone/>
+          </a:pPr>
+          <a:r>
+            <a:rPr lang="es-EC" sz="2500" kern="1200"/>
+            <a:t>Neutral Sentiment</a:t>
+          </a:r>
+          <a:endParaRPr lang="en-US" sz="2500" kern="1200"/>
+        </a:p>
+      </dsp:txBody>
+      <dsp:txXfrm>
+        <a:off x="1941716" y="718"/>
+        <a:ext cx="4571887" cy="1681139"/>
+      </dsp:txXfrm>
+    </dsp:sp>
+    <dsp:sp modelId="{2F8EC7A2-38C6-47C0-B899-9548221F3FA1}">
+      <dsp:nvSpPr>
+        <dsp:cNvPr id="0" name=""/>
+        <dsp:cNvSpPr/>
+      </dsp:nvSpPr>
+      <dsp:spPr>
+        <a:xfrm>
+          <a:off x="0" y="2102143"/>
+          <a:ext cx="6513603" cy="1681139"/>
+        </a:xfrm>
+        <a:prstGeom prst="roundRect">
+          <a:avLst>
+            <a:gd name="adj" fmla="val 10000"/>
+          </a:avLst>
+        </a:prstGeom>
+        <a:solidFill>
+          <a:schemeClr val="bg1">
+            <a:lumMod val="95000"/>
+            <a:hueOff val="0"/>
+            <a:satOff val="0"/>
+            <a:lumOff val="0"/>
+            <a:alphaOff val="0"/>
+          </a:schemeClr>
+        </a:solidFill>
+        <a:ln>
+          <a:noFill/>
+        </a:ln>
+        <a:effectLst/>
+      </dsp:spPr>
+      <dsp:style>
+        <a:lnRef idx="0">
+          <a:scrgbClr r="0" g="0" b="0"/>
+        </a:lnRef>
+        <a:fillRef idx="1">
+          <a:scrgbClr r="0" g="0" b="0"/>
+        </a:fillRef>
+        <a:effectRef idx="2">
+          <a:scrgbClr r="0" g="0" b="0"/>
+        </a:effectRef>
+        <a:fontRef idx="minor"/>
+      </dsp:style>
+    </dsp:sp>
+    <dsp:sp modelId="{D4B71354-0999-41EA-9581-35DA0182C2C5}">
+      <dsp:nvSpPr>
+        <dsp:cNvPr id="0" name=""/>
+        <dsp:cNvSpPr/>
+      </dsp:nvSpPr>
+      <dsp:spPr>
+        <a:xfrm>
+          <a:off x="508544" y="2480399"/>
+          <a:ext cx="924626" cy="924626"/>
+        </a:xfrm>
+        <a:prstGeom prst="rect">
+          <a:avLst/>
+        </a:prstGeom>
+        <a:blipFill>
+          <a:blip xmlns:r="http://schemas.openxmlformats.org/officeDocument/2006/relationships" r:embed="rId3">
+            <a:extLst>
+              <a:ext uri="{28A0092B-C50C-407E-A947-70E740481C1C}">
+                <a14:useLocalDpi xmlns:a14="http://schemas.microsoft.com/office/drawing/2010/main" val="0"/>
+              </a:ext>
+              <a:ext uri="{96DAC541-7B7A-43D3-8B79-37D633B846F1}">
+                <asvg:svgBlip xmlns:asvg="http://schemas.microsoft.com/office/drawing/2016/SVG/main" r:embed="rId4"/>
+              </a:ext>
+            </a:extLst>
+          </a:blip>
+          <a:stretch>
+            <a:fillRect/>
+          </a:stretch>
+        </a:blipFill>
+        <a:ln>
+          <a:noFill/>
+        </a:ln>
+        <a:effectLst/>
+      </dsp:spPr>
+      <dsp:style>
+        <a:lnRef idx="0">
+          <a:scrgbClr r="0" g="0" b="0"/>
+        </a:lnRef>
+        <a:fillRef idx="3">
+          <a:scrgbClr r="0" g="0" b="0"/>
+        </a:fillRef>
+        <a:effectRef idx="2">
+          <a:scrgbClr r="0" g="0" b="0"/>
+        </a:effectRef>
+        <a:fontRef idx="minor">
+          <a:schemeClr val="lt1"/>
+        </a:fontRef>
+      </dsp:style>
+    </dsp:sp>
+    <dsp:sp modelId="{41812333-4A2B-46F3-84BB-E94F6CEC636E}">
+      <dsp:nvSpPr>
+        <dsp:cNvPr id="0" name=""/>
+        <dsp:cNvSpPr/>
+      </dsp:nvSpPr>
+      <dsp:spPr>
+        <a:xfrm>
+          <a:off x="1941716" y="2102143"/>
+          <a:ext cx="4571887" cy="1681139"/>
+        </a:xfrm>
+        <a:prstGeom prst="rect">
+          <a:avLst/>
+        </a:prstGeom>
+        <a:noFill/>
+        <a:ln>
+          <a:noFill/>
+        </a:ln>
+        <a:effectLst/>
+      </dsp:spPr>
+      <dsp:style>
+        <a:lnRef idx="0">
+          <a:scrgbClr r="0" g="0" b="0"/>
+        </a:lnRef>
+        <a:fillRef idx="0">
+          <a:scrgbClr r="0" g="0" b="0"/>
+        </a:fillRef>
+        <a:effectRef idx="0">
+          <a:scrgbClr r="0" g="0" b="0"/>
+        </a:effectRef>
+        <a:fontRef idx="minor"/>
+      </dsp:style>
+      <dsp:txBody>
+        <a:bodyPr spcFirstLastPara="0" vert="horz" wrap="square" lIns="177921" tIns="177921" rIns="177921" bIns="177921" numCol="1" spcCol="1270" anchor="ctr" anchorCtr="0">
+          <a:noAutofit/>
+        </a:bodyPr>
+        <a:lstStyle/>
+        <a:p>
+          <a:pPr marL="0" lvl="0" indent="0" algn="l" defTabSz="1111250">
+            <a:lnSpc>
+              <a:spcPct val="90000"/>
+            </a:lnSpc>
+            <a:spcBef>
+              <a:spcPct val="0"/>
+            </a:spcBef>
+            <a:spcAft>
+              <a:spcPct val="35000"/>
+            </a:spcAft>
+            <a:buNone/>
+          </a:pPr>
+          <a:r>
+            <a:rPr lang="es-EC" sz="2500" kern="1200"/>
+            <a:t>Regression Models </a:t>
+          </a:r>
+          <a:r>
+            <a:rPr lang="es-EC" sz="2500" kern="1200">
+              <a:sym typeface="Wingdings" panose="05000000000000000000" pitchFamily="2" charset="2"/>
+            </a:rPr>
+            <a:t></a:t>
+          </a:r>
+          <a:r>
+            <a:rPr lang="es-EC" sz="2500" kern="1200"/>
+            <a:t> Logistic better performance</a:t>
+          </a:r>
+          <a:endParaRPr lang="en-US" sz="2500" kern="1200"/>
+        </a:p>
+      </dsp:txBody>
+      <dsp:txXfrm>
+        <a:off x="1941716" y="2102143"/>
+        <a:ext cx="4571887" cy="1681139"/>
+      </dsp:txXfrm>
+    </dsp:sp>
+    <dsp:sp modelId="{0D24C18C-F6A0-46BD-881A-86DB096BC586}">
+      <dsp:nvSpPr>
+        <dsp:cNvPr id="0" name=""/>
+        <dsp:cNvSpPr/>
+      </dsp:nvSpPr>
+      <dsp:spPr>
+        <a:xfrm>
+          <a:off x="0" y="4203567"/>
+          <a:ext cx="6513603" cy="1681139"/>
+        </a:xfrm>
+        <a:prstGeom prst="roundRect">
+          <a:avLst>
+            <a:gd name="adj" fmla="val 10000"/>
+          </a:avLst>
+        </a:prstGeom>
+        <a:solidFill>
+          <a:schemeClr val="bg1">
+            <a:lumMod val="95000"/>
+            <a:hueOff val="0"/>
+            <a:satOff val="0"/>
+            <a:lumOff val="0"/>
+            <a:alphaOff val="0"/>
+          </a:schemeClr>
+        </a:solidFill>
+        <a:ln>
+          <a:noFill/>
+        </a:ln>
+        <a:effectLst/>
+      </dsp:spPr>
+      <dsp:style>
+        <a:lnRef idx="0">
+          <a:scrgbClr r="0" g="0" b="0"/>
+        </a:lnRef>
+        <a:fillRef idx="1">
+          <a:scrgbClr r="0" g="0" b="0"/>
+        </a:fillRef>
+        <a:effectRef idx="2">
+          <a:scrgbClr r="0" g="0" b="0"/>
+        </a:effectRef>
+        <a:fontRef idx="minor"/>
+      </dsp:style>
+    </dsp:sp>
+    <dsp:sp modelId="{1CD9778F-9EAD-4547-845B-DD095A433312}">
+      <dsp:nvSpPr>
+        <dsp:cNvPr id="0" name=""/>
+        <dsp:cNvSpPr/>
+      </dsp:nvSpPr>
+      <dsp:spPr>
+        <a:xfrm>
+          <a:off x="508544" y="4581824"/>
+          <a:ext cx="924626" cy="924626"/>
+        </a:xfrm>
+        <a:prstGeom prst="rect">
+          <a:avLst/>
+        </a:prstGeom>
+        <a:blipFill>
+          <a:blip xmlns:r="http://schemas.openxmlformats.org/officeDocument/2006/relationships" r:embed="rId5">
+            <a:extLst>
+              <a:ext uri="{28A0092B-C50C-407E-A947-70E740481C1C}">
+                <a14:useLocalDpi xmlns:a14="http://schemas.microsoft.com/office/drawing/2010/main" val="0"/>
+              </a:ext>
+              <a:ext uri="{96DAC541-7B7A-43D3-8B79-37D633B846F1}">
+                <asvg:svgBlip xmlns:asvg="http://schemas.microsoft.com/office/drawing/2016/SVG/main" r:embed="rId6"/>
+              </a:ext>
+            </a:extLst>
+          </a:blip>
+          <a:stretch>
+            <a:fillRect/>
+          </a:stretch>
+        </a:blipFill>
+        <a:ln>
+          <a:noFill/>
+        </a:ln>
+        <a:effectLst/>
+      </dsp:spPr>
+      <dsp:style>
+        <a:lnRef idx="0">
+          <a:scrgbClr r="0" g="0" b="0"/>
+        </a:lnRef>
+        <a:fillRef idx="3">
+          <a:scrgbClr r="0" g="0" b="0"/>
+        </a:fillRef>
+        <a:effectRef idx="2">
+          <a:scrgbClr r="0" g="0" b="0"/>
+        </a:effectRef>
+        <a:fontRef idx="minor">
+          <a:schemeClr val="lt1"/>
+        </a:fontRef>
+      </dsp:style>
+    </dsp:sp>
+    <dsp:sp modelId="{0082AF0F-5415-4D4C-9822-BE39B4EB095D}">
+      <dsp:nvSpPr>
+        <dsp:cNvPr id="0" name=""/>
+        <dsp:cNvSpPr/>
+      </dsp:nvSpPr>
+      <dsp:spPr>
+        <a:xfrm>
+          <a:off x="1941716" y="4203567"/>
+          <a:ext cx="4571887" cy="1681139"/>
+        </a:xfrm>
+        <a:prstGeom prst="rect">
+          <a:avLst/>
+        </a:prstGeom>
+        <a:noFill/>
+        <a:ln>
+          <a:noFill/>
+        </a:ln>
+        <a:effectLst/>
+      </dsp:spPr>
+      <dsp:style>
+        <a:lnRef idx="0">
+          <a:scrgbClr r="0" g="0" b="0"/>
+        </a:lnRef>
+        <a:fillRef idx="0">
+          <a:scrgbClr r="0" g="0" b="0"/>
+        </a:fillRef>
+        <a:effectRef idx="0">
+          <a:scrgbClr r="0" g="0" b="0"/>
+        </a:effectRef>
+        <a:fontRef idx="minor"/>
+      </dsp:style>
+      <dsp:txBody>
+        <a:bodyPr spcFirstLastPara="0" vert="horz" wrap="square" lIns="177921" tIns="177921" rIns="177921" bIns="177921" numCol="1" spcCol="1270" anchor="ctr" anchorCtr="0">
+          <a:noAutofit/>
+        </a:bodyPr>
+        <a:lstStyle/>
+        <a:p>
+          <a:pPr marL="0" lvl="0" indent="0" algn="l" defTabSz="1111250">
+            <a:lnSpc>
+              <a:spcPct val="90000"/>
+            </a:lnSpc>
+            <a:spcBef>
+              <a:spcPct val="0"/>
+            </a:spcBef>
+            <a:spcAft>
+              <a:spcPct val="35000"/>
+            </a:spcAft>
+            <a:buNone/>
+          </a:pPr>
+          <a:r>
+            <a:rPr lang="es-EC" sz="2500" kern="1200"/>
+            <a:t>Ensemble Models </a:t>
+          </a:r>
+          <a:r>
+            <a:rPr lang="es-EC" sz="2500" kern="1200">
+              <a:sym typeface="Wingdings" panose="05000000000000000000" pitchFamily="2" charset="2"/>
+            </a:rPr>
+            <a:t></a:t>
+          </a:r>
+          <a:r>
+            <a:rPr lang="es-EC" sz="2500" kern="1200"/>
+            <a:t> Random Forest better peformance</a:t>
+          </a:r>
+          <a:endParaRPr lang="en-US" sz="2500" kern="1200"/>
+        </a:p>
+      </dsp:txBody>
+      <dsp:txXfrm>
+        <a:off x="1941716" y="4203567"/>
+        <a:ext cx="4571887" cy="1681139"/>
+      </dsp:txXfrm>
+    </dsp:sp>
+  </dsp:spTree>
+</dsp:drawing>
+</file>
+
 <file path=ppt/diagrams/layout1.xml><?xml version="1.0" encoding="utf-8"?>
 <dgm:layoutDef xmlns:dgm="http://schemas.openxmlformats.org/drawingml/2006/diagram" xmlns:a="http://schemas.openxmlformats.org/drawingml/2006/main" uniqueId="urn:microsoft.com/office/officeart/2005/8/layout/hierarchy1">
   <dgm:title val=""/>
@@ -6517,6 +8270,300 @@
 </dgm:layoutDef>
 </file>
 
+<file path=ppt/diagrams/layout4.xml><?xml version="1.0" encoding="utf-8"?>
+<dgm:layoutDef xmlns:dgm="http://schemas.openxmlformats.org/drawingml/2006/diagram" xmlns:a="http://schemas.openxmlformats.org/drawingml/2006/main" uniqueId="urn:microsoft.com/office/officeart/2018/2/layout/IconVerticalSolidList">
+  <dgm:title val="Icon Vertical Solid List"/>
+  <dgm:desc val="Use to show a series of visuals from top to bottom with Level 1 or Level 1 and Level 2 text grouped in a shape. Works best with icons or small pictures with lengthier descriptions."/>
+  <dgm:catLst>
+    <dgm:cat type="icon" pri="500"/>
+  </dgm:catLst>
+  <dgm:sampData useDef="1">
+    <dgm:dataModel>
+      <dgm:ptLst/>
+      <dgm:bg/>
+      <dgm:whole/>
+    </dgm:dataModel>
+  </dgm:sampData>
+  <dgm:styleData useDef="1">
+    <dgm:dataModel>
+      <dgm:ptLst/>
+      <dgm:bg/>
+      <dgm:whole/>
+    </dgm:dataModel>
+  </dgm:styleData>
+  <dgm:clrData useDef="1">
+    <dgm:dataModel>
+      <dgm:ptLst/>
+      <dgm:bg/>
+      <dgm:whole/>
+    </dgm:dataModel>
+  </dgm:clrData>
+  <dgm:layoutNode name="root">
+    <dgm:varLst>
+      <dgm:dir/>
+      <dgm:resizeHandles val="exact"/>
+    </dgm:varLst>
+    <dgm:choose name="Name0">
+      <dgm:if name="Name1" axis="self" func="var" arg="dir" op="equ" val="norm">
+        <dgm:alg type="lin">
+          <dgm:param type="linDir" val="fromT"/>
+          <dgm:param type="nodeHorzAlign" val="l"/>
+        </dgm:alg>
+      </dgm:if>
+      <dgm:else name="Name2">
+        <dgm:alg type="lin">
+          <dgm:param type="linDir" val="fromT"/>
+          <dgm:param type="nodeHorzAlign" val="r"/>
+        </dgm:alg>
+      </dgm:else>
+    </dgm:choose>
+    <dgm:shape xmlns:r="http://schemas.openxmlformats.org/officeDocument/2006/relationships" r:blip="">
+      <dgm:adjLst/>
+    </dgm:shape>
+    <dgm:presOf/>
+    <dgm:choose name="Name3">
+      <dgm:if name="Name4" axis="ch" ptType="node" func="cnt" op="lte" val="3">
+        <dgm:constrLst>
+          <dgm:constr type="h" for="ch" forName="compNode" refType="h" fact="0.3"/>
+          <dgm:constr type="w" for="ch" forName="compNode" refType="w"/>
+          <dgm:constr type="h" for="ch" forName="sibTrans" refType="h" refFor="ch" refForName="compNode" fact="0.25"/>
+          <dgm:constr type="primFontSz" for="des" forName="parTx" val="25"/>
+          <dgm:constr type="primFontSz" for="des" forName="desTx" refType="primFontSz" refFor="des" refForName="parTx" op="lte" fact="0.75"/>
+          <dgm:constr type="h" for="des" forName="compNode" op="equ"/>
+          <dgm:constr type="h" for="des" forName="bgRect" op="equ"/>
+          <dgm:constr type="h" for="des" forName="iconRect" op="equ"/>
+          <dgm:constr type="w" for="des" forName="iconRect" op="equ"/>
+          <dgm:constr type="h" for="des" forName="spaceRect" op="equ"/>
+          <dgm:constr type="h" for="des" forName="parTx" op="equ"/>
+          <dgm:constr type="h" for="des" forName="desTx" op="equ"/>
+        </dgm:constrLst>
+      </dgm:if>
+      <dgm:if name="Name5" axis="ch" ptType="node" func="cnt" op="lte" val="4">
+        <dgm:constrLst>
+          <dgm:constr type="h" for="ch" forName="compNode" refType="h" fact="0.3"/>
+          <dgm:constr type="w" for="ch" forName="compNode" refType="w"/>
+          <dgm:constr type="h" for="ch" forName="sibTrans" refType="h" refFor="ch" refForName="compNode" fact="0.25"/>
+          <dgm:constr type="primFontSz" for="des" forName="parTx" val="22"/>
+          <dgm:constr type="primFontSz" for="des" forName="desTx" refType="primFontSz" refFor="des" refForName="parTx" op="lte" fact="0.75"/>
+          <dgm:constr type="h" for="des" forName="compNode" op="equ"/>
+          <dgm:constr type="h" for="des" forName="bgRect" op="equ"/>
+          <dgm:constr type="h" for="des" forName="iconRect" op="equ"/>
+          <dgm:constr type="w" for="des" forName="iconRect" op="equ"/>
+          <dgm:constr type="h" for="des" forName="spaceRect" op="equ"/>
+          <dgm:constr type="h" for="des" forName="parTx" op="equ"/>
+          <dgm:constr type="h" for="des" forName="desTx" op="equ"/>
+        </dgm:constrLst>
+      </dgm:if>
+      <dgm:if name="Name6" axis="ch" ptType="node" func="cnt" op="lte" val="6">
+        <dgm:constrLst>
+          <dgm:constr type="h" for="ch" forName="compNode" refType="h" fact="0.3"/>
+          <dgm:constr type="w" for="ch" forName="compNode" refType="w"/>
+          <dgm:constr type="h" for="ch" forName="sibTrans" refType="h" refFor="ch" refForName="compNode" fact="0.25"/>
+          <dgm:constr type="primFontSz" for="des" forName="parTx" val="19"/>
+          <dgm:constr type="primFontSz" for="des" forName="desTx" refType="primFontSz" refFor="des" refForName="parTx" op="lte" fact="0.75"/>
+          <dgm:constr type="h" for="des" forName="compNode" op="equ"/>
+          <dgm:constr type="h" for="des" forName="bgRect" op="equ"/>
+          <dgm:constr type="h" for="des" forName="iconRect" op="equ"/>
+          <dgm:constr type="w" for="des" forName="iconRect" op="equ"/>
+          <dgm:constr type="h" for="des" forName="spaceRect" op="equ"/>
+          <dgm:constr type="h" for="des" forName="parTx" op="equ"/>
+          <dgm:constr type="h" for="des" forName="desTx" op="equ"/>
+        </dgm:constrLst>
+      </dgm:if>
+      <dgm:else name="Name7">
+        <dgm:constrLst>
+          <dgm:constr type="h" for="ch" forName="compNode" refType="h" fact="0.3"/>
+          <dgm:constr type="w" for="ch" forName="compNode" refType="w"/>
+          <dgm:constr type="h" for="ch" forName="sibTrans" refType="h" refFor="ch" refForName="compNode" fact="0.25"/>
+          <dgm:constr type="primFontSz" for="des" forName="parTx" val="16"/>
+          <dgm:constr type="primFontSz" for="des" forName="desTx" refType="primFontSz" refFor="des" refForName="parTx" op="lte" fact="0.75"/>
+          <dgm:constr type="h" for="des" forName="compNode" op="equ"/>
+          <dgm:constr type="h" for="des" forName="bgRect" op="equ"/>
+          <dgm:constr type="h" for="des" forName="iconRect" op="equ"/>
+          <dgm:constr type="w" for="des" forName="iconRect" op="equ"/>
+          <dgm:constr type="h" for="des" forName="spaceRect" op="equ"/>
+          <dgm:constr type="h" for="des" forName="parTx" op="equ"/>
+          <dgm:constr type="h" for="des" forName="desTx" op="equ"/>
+        </dgm:constrLst>
+      </dgm:else>
+    </dgm:choose>
+    <dgm:ruleLst>
+      <dgm:rule type="h" for="ch" forName="compNode" val="0" fact="NaN" max="NaN"/>
+    </dgm:ruleLst>
+    <dgm:forEach name="Name8" axis="ch" ptType="node">
+      <dgm:layoutNode name="compNode">
+        <dgm:alg type="composite"/>
+        <dgm:shape xmlns:r="http://schemas.openxmlformats.org/officeDocument/2006/relationships" r:blip="">
+          <dgm:adjLst/>
+        </dgm:shape>
+        <dgm:presOf axis="self"/>
+        <dgm:choose name="Name9">
+          <dgm:if name="Name10" axis="ch" ptType="node" func="cnt" op="gte" val="1">
+            <dgm:constrLst>
+              <dgm:constr type="w" for="ch" forName="bgRect" refType="w"/>
+              <dgm:constr type="h" for="ch" forName="bgRect" refType="h"/>
+              <dgm:constr type="l" for="ch" forName="bgRect"/>
+              <dgm:constr type="t" for="ch" forName="bgRect"/>
+              <dgm:constr type="h" for="ch" forName="iconRect" refType="h" fact="0.55"/>
+              <dgm:constr type="w" for="ch" forName="iconRect" refType="h" refFor="ch" refForName="iconRect"/>
+              <dgm:constr type="l" for="ch" forName="iconRect" refType="h" refFor="ch" refForName="iconRect" fact="0.55"/>
+              <dgm:constr type="ctrY" for="ch" forName="iconRect" refType="ctrY" refFor="ch" refForName="bgRect"/>
+              <dgm:constr type="w" for="ch" forName="spaceRect" refType="l" refFor="ch" refForName="iconRect"/>
+              <dgm:constr type="h" for="ch" forName="spaceRect" refType="h"/>
+              <dgm:constr type="l" for="ch" forName="spaceRect" refType="r" refFor="ch" refForName="iconRect"/>
+              <dgm:constr type="t" for="ch" forName="spaceRect"/>
+              <dgm:constr type="w" for="ch" forName="parTx" refType="w" fact="0.45"/>
+              <dgm:constr type="h" for="ch" forName="parTx" refType="h"/>
+              <dgm:constr type="l" for="ch" forName="parTx" refType="r" refFor="ch" refForName="spaceRect"/>
+              <dgm:constr type="t" for="ch" forName="parTx"/>
+              <dgm:constr type="h" for="ch" forName="desTx" refType="h"/>
+              <dgm:constr type="l" for="ch" forName="desTx" refType="r" refFor="ch" refForName="parTx"/>
+              <dgm:constr type="t" for="ch" forName="desTx"/>
+            </dgm:constrLst>
+          </dgm:if>
+          <dgm:else name="Name11">
+            <dgm:constrLst>
+              <dgm:constr type="w" for="ch" forName="bgRect" refType="w"/>
+              <dgm:constr type="h" for="ch" forName="bgRect" refType="h"/>
+              <dgm:constr type="l" for="ch" forName="bgRect"/>
+              <dgm:constr type="t" for="ch" forName="bgRect"/>
+              <dgm:constr type="h" for="ch" forName="iconRect" refType="h" fact="0.55"/>
+              <dgm:constr type="w" for="ch" forName="iconRect" refType="h" refFor="ch" refForName="iconRect"/>
+              <dgm:constr type="l" for="ch" forName="iconRect" refType="h" refFor="ch" refForName="iconRect" fact="0.55"/>
+              <dgm:constr type="ctrY" for="ch" forName="iconRect" refType="ctrY" refFor="ch" refForName="bgRect"/>
+              <dgm:constr type="w" for="ch" forName="spaceRect" refType="l" refFor="ch" refForName="iconRect"/>
+              <dgm:constr type="h" for="ch" forName="spaceRect" refType="h"/>
+              <dgm:constr type="l" for="ch" forName="spaceRect" refType="r" refFor="ch" refForName="iconRect"/>
+              <dgm:constr type="t" for="ch" forName="spaceRect"/>
+              <dgm:constr type="h" for="ch" forName="parTx" refType="h"/>
+              <dgm:constr type="l" for="ch" forName="parTx" refType="r" refFor="ch" refForName="spaceRect"/>
+              <dgm:constr type="t" for="ch" forName="parTx"/>
+            </dgm:constrLst>
+          </dgm:else>
+        </dgm:choose>
+        <dgm:ruleLst>
+          <dgm:rule type="h" val="INF" fact="NaN" max="NaN"/>
+        </dgm:ruleLst>
+        <dgm:layoutNode name="bgRect" styleLbl="bgShp">
+          <dgm:alg type="sp"/>
+          <dgm:shape xmlns:r="http://schemas.openxmlformats.org/officeDocument/2006/relationships" type="roundRect" r:blip="">
+            <dgm:adjLst>
+              <dgm:adj idx="1" val="0.1"/>
+            </dgm:adjLst>
+          </dgm:shape>
+          <dgm:presOf/>
+          <dgm:constrLst/>
+          <dgm:ruleLst/>
+        </dgm:layoutNode>
+        <dgm:layoutNode name="iconRect" styleLbl="node1">
+          <dgm:alg type="sp"/>
+          <dgm:shape xmlns:r="http://schemas.openxmlformats.org/officeDocument/2006/relationships" type="rect" r:blip="" blipPhldr="1">
+            <dgm:adjLst/>
+          </dgm:shape>
+          <dgm:presOf/>
+          <dgm:constrLst/>
+          <dgm:ruleLst/>
+        </dgm:layoutNode>
+        <dgm:layoutNode name="spaceRect">
+          <dgm:alg type="sp"/>
+          <dgm:shape xmlns:r="http://schemas.openxmlformats.org/officeDocument/2006/relationships" r:blip="">
+            <dgm:adjLst/>
+          </dgm:shape>
+          <dgm:presOf/>
+          <dgm:constrLst/>
+          <dgm:ruleLst/>
+        </dgm:layoutNode>
+        <dgm:layoutNode name="parTx" styleLbl="revTx">
+          <dgm:varLst>
+            <dgm:chMax val="0"/>
+            <dgm:chPref val="0"/>
+          </dgm:varLst>
+          <dgm:alg type="tx">
+            <dgm:param type="txAnchorVert" val="mid"/>
+            <dgm:param type="parTxLTRAlign" val="l"/>
+            <dgm:param type="shpTxLTRAlignCh" val="l"/>
+            <dgm:param type="parTxRTLAlign" val="r"/>
+            <dgm:param type="shpTxRTLAlignCh" val="r"/>
+          </dgm:alg>
+          <dgm:shape xmlns:r="http://schemas.openxmlformats.org/officeDocument/2006/relationships" type="rect" r:blip="">
+            <dgm:adjLst/>
+          </dgm:shape>
+          <dgm:presOf axis="self" ptType="node"/>
+          <dgm:constrLst>
+            <dgm:constr type="lMarg" refType="h" fact="0.3"/>
+            <dgm:constr type="rMarg" refType="h" fact="0.3"/>
+            <dgm:constr type="tMarg" refType="h" fact="0.3"/>
+            <dgm:constr type="bMarg" refType="h" fact="0.3"/>
+          </dgm:constrLst>
+          <dgm:ruleLst>
+            <dgm:rule type="primFontSz" val="14" fact="NaN" max="NaN"/>
+            <dgm:rule type="h" val="INF" fact="NaN" max="NaN"/>
+          </dgm:ruleLst>
+        </dgm:layoutNode>
+        <dgm:choose name="Name12">
+          <dgm:if name="Name13" axis="ch" ptType="node" func="cnt" op="gte" val="1">
+            <dgm:layoutNode name="desTx" styleLbl="revTx">
+              <dgm:varLst/>
+              <dgm:alg type="tx">
+                <dgm:param type="txAnchorVertCh" val="mid"/>
+                <dgm:param type="parTxLTRAlign" val="l"/>
+                <dgm:param type="shpTxLTRAlignCh" val="l"/>
+                <dgm:param type="parTxRTLAlign" val="r"/>
+                <dgm:param type="shpTxRTLAlignCh" val="r"/>
+                <dgm:param type="stBulletLvl" val="0"/>
+              </dgm:alg>
+              <dgm:shape xmlns:r="http://schemas.openxmlformats.org/officeDocument/2006/relationships" type="rect" r:blip="">
+                <dgm:adjLst/>
+              </dgm:shape>
+              <dgm:presOf axis="des" ptType="node"/>
+              <dgm:constrLst>
+                <dgm:constr type="primFontSz" val="18"/>
+                <dgm:constr type="secFontSz" refType="primFontSz"/>
+                <dgm:constr type="lMarg" refType="h" fact="0.3"/>
+                <dgm:constr type="rMarg" refType="h" fact="0.3"/>
+                <dgm:constr type="tMarg" refType="h" fact="0.3"/>
+                <dgm:constr type="bMarg" refType="h" fact="0.3"/>
+              </dgm:constrLst>
+              <dgm:ruleLst>
+                <dgm:rule type="primFontSz" val="11" fact="NaN" max="NaN"/>
+              </dgm:ruleLst>
+            </dgm:layoutNode>
+          </dgm:if>
+          <dgm:else name="Name14"/>
+        </dgm:choose>
+      </dgm:layoutNode>
+      <dgm:forEach name="Name15" axis="followSib" ptType="sibTrans" cnt="1">
+        <dgm:layoutNode name="sibTrans">
+          <dgm:alg type="sp"/>
+          <dgm:shape xmlns:r="http://schemas.openxmlformats.org/officeDocument/2006/relationships" r:blip="">
+            <dgm:adjLst/>
+          </dgm:shape>
+          <dgm:presOf axis="self"/>
+          <dgm:constrLst/>
+          <dgm:ruleLst/>
+        </dgm:layoutNode>
+      </dgm:forEach>
+    </dgm:forEach>
+  </dgm:layoutNode>
+  <dgm:extLst>
+    <a:ext uri="{68A01E43-0DF5-4B5B-8FA6-DAF915123BFB}">
+      <dgm1612:lstStyle xmlns:dgm1612="http://schemas.microsoft.com/office/drawing/2016/12/diagram">
+        <a:lvl1pPr>
+          <a:lnSpc>
+            <a:spcPct val="100000"/>
+          </a:lnSpc>
+        </a:lvl1pPr>
+        <a:lvl2pPr>
+          <a:lnSpc>
+            <a:spcPct val="100000"/>
+          </a:lnSpc>
+        </a:lvl2pPr>
+      </dgm1612:lstStyle>
+    </a:ext>
+  </dgm:extLst>
+</dgm:layoutDef>
+</file>
+
 <file path=ppt/diagrams/quickStyle1.xml><?xml version="1.0" encoding="utf-8"?>
 <dgm:styleDef xmlns:dgm="http://schemas.openxmlformats.org/drawingml/2006/diagram" xmlns:a="http://schemas.openxmlformats.org/drawingml/2006/main" uniqueId="urn:microsoft.com/office/officeart/2005/8/quickstyle/simple4">
   <dgm:title val=""/>
@@ -9591,6 +11638,1040 @@
         <a:scrgbClr r="0" g="0" b="0"/>
       </a:fillRef>
       <a:effectRef idx="1">
+        <a:scrgbClr r="0" g="0" b="0"/>
+      </a:effectRef>
+      <a:fontRef idx="minor"/>
+    </dgm:style>
+  </dgm:styleLbl>
+  <dgm:styleLbl name="revTx">
+    <dgm:scene3d>
+      <a:camera prst="orthographicFront"/>
+      <a:lightRig rig="threePt" dir="t"/>
+    </dgm:scene3d>
+    <dgm:sp3d/>
+    <dgm:txPr/>
+    <dgm:style>
+      <a:lnRef idx="0">
+        <a:scrgbClr r="0" g="0" b="0"/>
+      </a:lnRef>
+      <a:fillRef idx="0">
+        <a:scrgbClr r="0" g="0" b="0"/>
+      </a:fillRef>
+      <a:effectRef idx="0">
+        <a:scrgbClr r="0" g="0" b="0"/>
+      </a:effectRef>
+      <a:fontRef idx="minor"/>
+    </dgm:style>
+  </dgm:styleLbl>
+</dgm:styleDef>
+</file>
+
+<file path=ppt/diagrams/quickStyle4.xml><?xml version="1.0" encoding="utf-8"?>
+<dgm:styleDef xmlns:dgm="http://schemas.openxmlformats.org/drawingml/2006/diagram" xmlns:a="http://schemas.openxmlformats.org/drawingml/2006/main" uniqueId="urn:microsoft.com/office/officeart/2005/8/quickstyle/simple4">
+  <dgm:title val=""/>
+  <dgm:desc val=""/>
+  <dgm:catLst>
+    <dgm:cat type="simple" pri="10400"/>
+  </dgm:catLst>
+  <dgm:scene3d>
+    <a:camera prst="orthographicFront"/>
+    <a:lightRig rig="threePt" dir="t"/>
+  </dgm:scene3d>
+  <dgm:styleLbl name="node0">
+    <dgm:scene3d>
+      <a:camera prst="orthographicFront"/>
+      <a:lightRig rig="threePt" dir="t"/>
+    </dgm:scene3d>
+    <dgm:sp3d/>
+    <dgm:txPr/>
+    <dgm:style>
+      <a:lnRef idx="0">
+        <a:scrgbClr r="0" g="0" b="0"/>
+      </a:lnRef>
+      <a:fillRef idx="3">
+        <a:scrgbClr r="0" g="0" b="0"/>
+      </a:fillRef>
+      <a:effectRef idx="2">
+        <a:scrgbClr r="0" g="0" b="0"/>
+      </a:effectRef>
+      <a:fontRef idx="minor">
+        <a:schemeClr val="lt1"/>
+      </a:fontRef>
+    </dgm:style>
+  </dgm:styleLbl>
+  <dgm:styleLbl name="lnNode1">
+    <dgm:scene3d>
+      <a:camera prst="orthographicFront"/>
+      <a:lightRig rig="threePt" dir="t"/>
+    </dgm:scene3d>
+    <dgm:sp3d/>
+    <dgm:txPr/>
+    <dgm:style>
+      <a:lnRef idx="1">
+        <a:scrgbClr r="0" g="0" b="0"/>
+      </a:lnRef>
+      <a:fillRef idx="3">
+        <a:scrgbClr r="0" g="0" b="0"/>
+      </a:fillRef>
+      <a:effectRef idx="2">
+        <a:scrgbClr r="0" g="0" b="0"/>
+      </a:effectRef>
+      <a:fontRef idx="minor">
+        <a:schemeClr val="lt1"/>
+      </a:fontRef>
+    </dgm:style>
+  </dgm:styleLbl>
+  <dgm:styleLbl name="vennNode1">
+    <dgm:scene3d>
+      <a:camera prst="orthographicFront"/>
+      <a:lightRig rig="threePt" dir="t"/>
+    </dgm:scene3d>
+    <dgm:sp3d/>
+    <dgm:txPr/>
+    <dgm:style>
+      <a:lnRef idx="0">
+        <a:scrgbClr r="0" g="0" b="0"/>
+      </a:lnRef>
+      <a:fillRef idx="3">
+        <a:scrgbClr r="0" g="0" b="0"/>
+      </a:fillRef>
+      <a:effectRef idx="0">
+        <a:scrgbClr r="0" g="0" b="0"/>
+      </a:effectRef>
+      <a:fontRef idx="minor">
+        <a:schemeClr val="tx1"/>
+      </a:fontRef>
+    </dgm:style>
+  </dgm:styleLbl>
+  <dgm:styleLbl name="alignNode1">
+    <dgm:scene3d>
+      <a:camera prst="orthographicFront"/>
+      <a:lightRig rig="threePt" dir="t"/>
+    </dgm:scene3d>
+    <dgm:sp3d/>
+    <dgm:txPr/>
+    <dgm:style>
+      <a:lnRef idx="1">
+        <a:scrgbClr r="0" g="0" b="0"/>
+      </a:lnRef>
+      <a:fillRef idx="3">
+        <a:scrgbClr r="0" g="0" b="0"/>
+      </a:fillRef>
+      <a:effectRef idx="2">
+        <a:scrgbClr r="0" g="0" b="0"/>
+      </a:effectRef>
+      <a:fontRef idx="minor">
+        <a:schemeClr val="lt1"/>
+      </a:fontRef>
+    </dgm:style>
+  </dgm:styleLbl>
+  <dgm:styleLbl name="node1">
+    <dgm:scene3d>
+      <a:camera prst="orthographicFront"/>
+      <a:lightRig rig="threePt" dir="t"/>
+    </dgm:scene3d>
+    <dgm:sp3d/>
+    <dgm:txPr/>
+    <dgm:style>
+      <a:lnRef idx="0">
+        <a:scrgbClr r="0" g="0" b="0"/>
+      </a:lnRef>
+      <a:fillRef idx="3">
+        <a:scrgbClr r="0" g="0" b="0"/>
+      </a:fillRef>
+      <a:effectRef idx="2">
+        <a:scrgbClr r="0" g="0" b="0"/>
+      </a:effectRef>
+      <a:fontRef idx="minor">
+        <a:schemeClr val="lt1"/>
+      </a:fontRef>
+    </dgm:style>
+  </dgm:styleLbl>
+  <dgm:styleLbl name="node2">
+    <dgm:scene3d>
+      <a:camera prst="orthographicFront"/>
+      <a:lightRig rig="threePt" dir="t"/>
+    </dgm:scene3d>
+    <dgm:sp3d/>
+    <dgm:txPr/>
+    <dgm:style>
+      <a:lnRef idx="0">
+        <a:scrgbClr r="0" g="0" b="0"/>
+      </a:lnRef>
+      <a:fillRef idx="3">
+        <a:scrgbClr r="0" g="0" b="0"/>
+      </a:fillRef>
+      <a:effectRef idx="2">
+        <a:scrgbClr r="0" g="0" b="0"/>
+      </a:effectRef>
+      <a:fontRef idx="minor">
+        <a:schemeClr val="lt1"/>
+      </a:fontRef>
+    </dgm:style>
+  </dgm:styleLbl>
+  <dgm:styleLbl name="node3">
+    <dgm:scene3d>
+      <a:camera prst="orthographicFront"/>
+      <a:lightRig rig="threePt" dir="t"/>
+    </dgm:scene3d>
+    <dgm:sp3d/>
+    <dgm:txPr/>
+    <dgm:style>
+      <a:lnRef idx="0">
+        <a:scrgbClr r="0" g="0" b="0"/>
+      </a:lnRef>
+      <a:fillRef idx="3">
+        <a:scrgbClr r="0" g="0" b="0"/>
+      </a:fillRef>
+      <a:effectRef idx="2">
+        <a:scrgbClr r="0" g="0" b="0"/>
+      </a:effectRef>
+      <a:fontRef idx="minor">
+        <a:schemeClr val="lt1"/>
+      </a:fontRef>
+    </dgm:style>
+  </dgm:styleLbl>
+  <dgm:styleLbl name="node4">
+    <dgm:scene3d>
+      <a:camera prst="orthographicFront"/>
+      <a:lightRig rig="threePt" dir="t"/>
+    </dgm:scene3d>
+    <dgm:sp3d/>
+    <dgm:txPr/>
+    <dgm:style>
+      <a:lnRef idx="0">
+        <a:scrgbClr r="0" g="0" b="0"/>
+      </a:lnRef>
+      <a:fillRef idx="3">
+        <a:scrgbClr r="0" g="0" b="0"/>
+      </a:fillRef>
+      <a:effectRef idx="2">
+        <a:scrgbClr r="0" g="0" b="0"/>
+      </a:effectRef>
+      <a:fontRef idx="minor">
+        <a:schemeClr val="lt1"/>
+      </a:fontRef>
+    </dgm:style>
+  </dgm:styleLbl>
+  <dgm:styleLbl name="fgImgPlace1">
+    <dgm:scene3d>
+      <a:camera prst="orthographicFront"/>
+      <a:lightRig rig="threePt" dir="t"/>
+    </dgm:scene3d>
+    <dgm:sp3d/>
+    <dgm:txPr/>
+    <dgm:style>
+      <a:lnRef idx="0">
+        <a:scrgbClr r="0" g="0" b="0"/>
+      </a:lnRef>
+      <a:fillRef idx="1">
+        <a:scrgbClr r="0" g="0" b="0"/>
+      </a:fillRef>
+      <a:effectRef idx="2">
+        <a:scrgbClr r="0" g="0" b="0"/>
+      </a:effectRef>
+      <a:fontRef idx="minor"/>
+    </dgm:style>
+  </dgm:styleLbl>
+  <dgm:styleLbl name="alignImgPlace1">
+    <dgm:scene3d>
+      <a:camera prst="orthographicFront"/>
+      <a:lightRig rig="threePt" dir="t"/>
+    </dgm:scene3d>
+    <dgm:sp3d/>
+    <dgm:txPr/>
+    <dgm:style>
+      <a:lnRef idx="0">
+        <a:scrgbClr r="0" g="0" b="0"/>
+      </a:lnRef>
+      <a:fillRef idx="1">
+        <a:scrgbClr r="0" g="0" b="0"/>
+      </a:fillRef>
+      <a:effectRef idx="2">
+        <a:scrgbClr r="0" g="0" b="0"/>
+      </a:effectRef>
+      <a:fontRef idx="minor"/>
+    </dgm:style>
+  </dgm:styleLbl>
+  <dgm:styleLbl name="bgImgPlace1">
+    <dgm:scene3d>
+      <a:camera prst="orthographicFront"/>
+      <a:lightRig rig="threePt" dir="t"/>
+    </dgm:scene3d>
+    <dgm:sp3d/>
+    <dgm:txPr/>
+    <dgm:style>
+      <a:lnRef idx="0">
+        <a:scrgbClr r="0" g="0" b="0"/>
+      </a:lnRef>
+      <a:fillRef idx="1">
+        <a:scrgbClr r="0" g="0" b="0"/>
+      </a:fillRef>
+      <a:effectRef idx="2">
+        <a:scrgbClr r="0" g="0" b="0"/>
+      </a:effectRef>
+      <a:fontRef idx="minor"/>
+    </dgm:style>
+  </dgm:styleLbl>
+  <dgm:styleLbl name="sibTrans2D1">
+    <dgm:scene3d>
+      <a:camera prst="orthographicFront"/>
+      <a:lightRig rig="threePt" dir="t"/>
+    </dgm:scene3d>
+    <dgm:sp3d/>
+    <dgm:txPr/>
+    <dgm:style>
+      <a:lnRef idx="0">
+        <a:scrgbClr r="0" g="0" b="0"/>
+      </a:lnRef>
+      <a:fillRef idx="3">
+        <a:scrgbClr r="0" g="0" b="0"/>
+      </a:fillRef>
+      <a:effectRef idx="2">
+        <a:scrgbClr r="0" g="0" b="0"/>
+      </a:effectRef>
+      <a:fontRef idx="minor">
+        <a:schemeClr val="lt1"/>
+      </a:fontRef>
+    </dgm:style>
+  </dgm:styleLbl>
+  <dgm:styleLbl name="fgSibTrans2D1">
+    <dgm:scene3d>
+      <a:camera prst="orthographicFront"/>
+      <a:lightRig rig="threePt" dir="t"/>
+    </dgm:scene3d>
+    <dgm:sp3d/>
+    <dgm:txPr/>
+    <dgm:style>
+      <a:lnRef idx="0">
+        <a:scrgbClr r="0" g="0" b="0"/>
+      </a:lnRef>
+      <a:fillRef idx="3">
+        <a:scrgbClr r="0" g="0" b="0"/>
+      </a:fillRef>
+      <a:effectRef idx="2">
+        <a:scrgbClr r="0" g="0" b="0"/>
+      </a:effectRef>
+      <a:fontRef idx="minor">
+        <a:schemeClr val="lt1"/>
+      </a:fontRef>
+    </dgm:style>
+  </dgm:styleLbl>
+  <dgm:styleLbl name="bgSibTrans2D1">
+    <dgm:scene3d>
+      <a:camera prst="orthographicFront"/>
+      <a:lightRig rig="threePt" dir="t"/>
+    </dgm:scene3d>
+    <dgm:sp3d/>
+    <dgm:txPr/>
+    <dgm:style>
+      <a:lnRef idx="0">
+        <a:scrgbClr r="0" g="0" b="0"/>
+      </a:lnRef>
+      <a:fillRef idx="3">
+        <a:scrgbClr r="0" g="0" b="0"/>
+      </a:fillRef>
+      <a:effectRef idx="2">
+        <a:scrgbClr r="0" g="0" b="0"/>
+      </a:effectRef>
+      <a:fontRef idx="minor">
+        <a:schemeClr val="lt1"/>
+      </a:fontRef>
+    </dgm:style>
+  </dgm:styleLbl>
+  <dgm:styleLbl name="sibTrans1D1">
+    <dgm:scene3d>
+      <a:camera prst="orthographicFront"/>
+      <a:lightRig rig="threePt" dir="t"/>
+    </dgm:scene3d>
+    <dgm:sp3d/>
+    <dgm:txPr/>
+    <dgm:style>
+      <a:lnRef idx="1">
+        <a:scrgbClr r="0" g="0" b="0"/>
+      </a:lnRef>
+      <a:fillRef idx="0">
+        <a:scrgbClr r="0" g="0" b="0"/>
+      </a:fillRef>
+      <a:effectRef idx="0">
+        <a:scrgbClr r="0" g="0" b="0"/>
+      </a:effectRef>
+      <a:fontRef idx="minor"/>
+    </dgm:style>
+  </dgm:styleLbl>
+  <dgm:styleLbl name="callout">
+    <dgm:scene3d>
+      <a:camera prst="orthographicFront"/>
+      <a:lightRig rig="threePt" dir="t"/>
+    </dgm:scene3d>
+    <dgm:sp3d/>
+    <dgm:txPr/>
+    <dgm:style>
+      <a:lnRef idx="2">
+        <a:scrgbClr r="0" g="0" b="0"/>
+      </a:lnRef>
+      <a:fillRef idx="1">
+        <a:scrgbClr r="0" g="0" b="0"/>
+      </a:fillRef>
+      <a:effectRef idx="1">
+        <a:scrgbClr r="0" g="0" b="0"/>
+      </a:effectRef>
+      <a:fontRef idx="minor"/>
+    </dgm:style>
+  </dgm:styleLbl>
+  <dgm:styleLbl name="asst0">
+    <dgm:scene3d>
+      <a:camera prst="orthographicFront"/>
+      <a:lightRig rig="threePt" dir="t"/>
+    </dgm:scene3d>
+    <dgm:sp3d/>
+    <dgm:txPr/>
+    <dgm:style>
+      <a:lnRef idx="0">
+        <a:scrgbClr r="0" g="0" b="0"/>
+      </a:lnRef>
+      <a:fillRef idx="3">
+        <a:scrgbClr r="0" g="0" b="0"/>
+      </a:fillRef>
+      <a:effectRef idx="2">
+        <a:scrgbClr r="0" g="0" b="0"/>
+      </a:effectRef>
+      <a:fontRef idx="minor">
+        <a:schemeClr val="lt1"/>
+      </a:fontRef>
+    </dgm:style>
+  </dgm:styleLbl>
+  <dgm:styleLbl name="asst1">
+    <dgm:scene3d>
+      <a:camera prst="orthographicFront"/>
+      <a:lightRig rig="threePt" dir="t"/>
+    </dgm:scene3d>
+    <dgm:sp3d/>
+    <dgm:txPr/>
+    <dgm:style>
+      <a:lnRef idx="0">
+        <a:scrgbClr r="0" g="0" b="0"/>
+      </a:lnRef>
+      <a:fillRef idx="3">
+        <a:scrgbClr r="0" g="0" b="0"/>
+      </a:fillRef>
+      <a:effectRef idx="2">
+        <a:scrgbClr r="0" g="0" b="0"/>
+      </a:effectRef>
+      <a:fontRef idx="minor">
+        <a:schemeClr val="lt1"/>
+      </a:fontRef>
+    </dgm:style>
+  </dgm:styleLbl>
+  <dgm:styleLbl name="asst2">
+    <dgm:scene3d>
+      <a:camera prst="orthographicFront"/>
+      <a:lightRig rig="threePt" dir="t"/>
+    </dgm:scene3d>
+    <dgm:sp3d/>
+    <dgm:txPr/>
+    <dgm:style>
+      <a:lnRef idx="0">
+        <a:scrgbClr r="0" g="0" b="0"/>
+      </a:lnRef>
+      <a:fillRef idx="3">
+        <a:scrgbClr r="0" g="0" b="0"/>
+      </a:fillRef>
+      <a:effectRef idx="2">
+        <a:scrgbClr r="0" g="0" b="0"/>
+      </a:effectRef>
+      <a:fontRef idx="minor">
+        <a:schemeClr val="lt1"/>
+      </a:fontRef>
+    </dgm:style>
+  </dgm:styleLbl>
+  <dgm:styleLbl name="asst3">
+    <dgm:scene3d>
+      <a:camera prst="orthographicFront"/>
+      <a:lightRig rig="threePt" dir="t"/>
+    </dgm:scene3d>
+    <dgm:sp3d/>
+    <dgm:txPr/>
+    <dgm:style>
+      <a:lnRef idx="0">
+        <a:scrgbClr r="0" g="0" b="0"/>
+      </a:lnRef>
+      <a:fillRef idx="3">
+        <a:scrgbClr r="0" g="0" b="0"/>
+      </a:fillRef>
+      <a:effectRef idx="2">
+        <a:scrgbClr r="0" g="0" b="0"/>
+      </a:effectRef>
+      <a:fontRef idx="minor">
+        <a:schemeClr val="lt1"/>
+      </a:fontRef>
+    </dgm:style>
+  </dgm:styleLbl>
+  <dgm:styleLbl name="asst4">
+    <dgm:scene3d>
+      <a:camera prst="orthographicFront"/>
+      <a:lightRig rig="threePt" dir="t"/>
+    </dgm:scene3d>
+    <dgm:sp3d/>
+    <dgm:txPr/>
+    <dgm:style>
+      <a:lnRef idx="0">
+        <a:scrgbClr r="0" g="0" b="0"/>
+      </a:lnRef>
+      <a:fillRef idx="3">
+        <a:scrgbClr r="0" g="0" b="0"/>
+      </a:fillRef>
+      <a:effectRef idx="2">
+        <a:scrgbClr r="0" g="0" b="0"/>
+      </a:effectRef>
+      <a:fontRef idx="minor">
+        <a:schemeClr val="lt1"/>
+      </a:fontRef>
+    </dgm:style>
+  </dgm:styleLbl>
+  <dgm:styleLbl name="parChTrans2D1">
+    <dgm:scene3d>
+      <a:camera prst="orthographicFront"/>
+      <a:lightRig rig="threePt" dir="t"/>
+    </dgm:scene3d>
+    <dgm:sp3d/>
+    <dgm:txPr/>
+    <dgm:style>
+      <a:lnRef idx="0">
+        <a:scrgbClr r="0" g="0" b="0"/>
+      </a:lnRef>
+      <a:fillRef idx="3">
+        <a:scrgbClr r="0" g="0" b="0"/>
+      </a:fillRef>
+      <a:effectRef idx="2">
+        <a:scrgbClr r="0" g="0" b="0"/>
+      </a:effectRef>
+      <a:fontRef idx="minor">
+        <a:schemeClr val="lt1"/>
+      </a:fontRef>
+    </dgm:style>
+  </dgm:styleLbl>
+  <dgm:styleLbl name="parChTrans2D2">
+    <dgm:scene3d>
+      <a:camera prst="orthographicFront"/>
+      <a:lightRig rig="threePt" dir="t"/>
+    </dgm:scene3d>
+    <dgm:sp3d/>
+    <dgm:txPr/>
+    <dgm:style>
+      <a:lnRef idx="0">
+        <a:scrgbClr r="0" g="0" b="0"/>
+      </a:lnRef>
+      <a:fillRef idx="3">
+        <a:scrgbClr r="0" g="0" b="0"/>
+      </a:fillRef>
+      <a:effectRef idx="2">
+        <a:scrgbClr r="0" g="0" b="0"/>
+      </a:effectRef>
+      <a:fontRef idx="minor">
+        <a:schemeClr val="lt1"/>
+      </a:fontRef>
+    </dgm:style>
+  </dgm:styleLbl>
+  <dgm:styleLbl name="parChTrans2D3">
+    <dgm:scene3d>
+      <a:camera prst="orthographicFront"/>
+      <a:lightRig rig="threePt" dir="t"/>
+    </dgm:scene3d>
+    <dgm:sp3d/>
+    <dgm:txPr/>
+    <dgm:style>
+      <a:lnRef idx="1">
+        <a:scrgbClr r="0" g="0" b="0"/>
+      </a:lnRef>
+      <a:fillRef idx="3">
+        <a:scrgbClr r="0" g="0" b="0"/>
+      </a:fillRef>
+      <a:effectRef idx="2">
+        <a:scrgbClr r="0" g="0" b="0"/>
+      </a:effectRef>
+      <a:fontRef idx="minor">
+        <a:schemeClr val="lt1"/>
+      </a:fontRef>
+    </dgm:style>
+  </dgm:styleLbl>
+  <dgm:styleLbl name="parChTrans2D4">
+    <dgm:scene3d>
+      <a:camera prst="orthographicFront"/>
+      <a:lightRig rig="threePt" dir="t"/>
+    </dgm:scene3d>
+    <dgm:sp3d/>
+    <dgm:txPr/>
+    <dgm:style>
+      <a:lnRef idx="1">
+        <a:scrgbClr r="0" g="0" b="0"/>
+      </a:lnRef>
+      <a:fillRef idx="3">
+        <a:scrgbClr r="0" g="0" b="0"/>
+      </a:fillRef>
+      <a:effectRef idx="2">
+        <a:scrgbClr r="0" g="0" b="0"/>
+      </a:effectRef>
+      <a:fontRef idx="minor">
+        <a:schemeClr val="lt1"/>
+      </a:fontRef>
+    </dgm:style>
+  </dgm:styleLbl>
+  <dgm:styleLbl name="parChTrans1D1">
+    <dgm:scene3d>
+      <a:camera prst="orthographicFront"/>
+      <a:lightRig rig="threePt" dir="t"/>
+    </dgm:scene3d>
+    <dgm:sp3d/>
+    <dgm:txPr/>
+    <dgm:style>
+      <a:lnRef idx="1">
+        <a:scrgbClr r="0" g="0" b="0"/>
+      </a:lnRef>
+      <a:fillRef idx="0">
+        <a:scrgbClr r="0" g="0" b="0"/>
+      </a:fillRef>
+      <a:effectRef idx="0">
+        <a:scrgbClr r="0" g="0" b="0"/>
+      </a:effectRef>
+      <a:fontRef idx="minor"/>
+    </dgm:style>
+  </dgm:styleLbl>
+  <dgm:styleLbl name="parChTrans1D2">
+    <dgm:scene3d>
+      <a:camera prst="orthographicFront"/>
+      <a:lightRig rig="threePt" dir="t"/>
+    </dgm:scene3d>
+    <dgm:sp3d/>
+    <dgm:txPr/>
+    <dgm:style>
+      <a:lnRef idx="1">
+        <a:scrgbClr r="0" g="0" b="0"/>
+      </a:lnRef>
+      <a:fillRef idx="0">
+        <a:scrgbClr r="0" g="0" b="0"/>
+      </a:fillRef>
+      <a:effectRef idx="0">
+        <a:scrgbClr r="0" g="0" b="0"/>
+      </a:effectRef>
+      <a:fontRef idx="minor"/>
+    </dgm:style>
+  </dgm:styleLbl>
+  <dgm:styleLbl name="parChTrans1D3">
+    <dgm:scene3d>
+      <a:camera prst="orthographicFront"/>
+      <a:lightRig rig="threePt" dir="t"/>
+    </dgm:scene3d>
+    <dgm:sp3d/>
+    <dgm:txPr/>
+    <dgm:style>
+      <a:lnRef idx="1">
+        <a:scrgbClr r="0" g="0" b="0"/>
+      </a:lnRef>
+      <a:fillRef idx="0">
+        <a:scrgbClr r="0" g="0" b="0"/>
+      </a:fillRef>
+      <a:effectRef idx="0">
+        <a:scrgbClr r="0" g="0" b="0"/>
+      </a:effectRef>
+      <a:fontRef idx="minor"/>
+    </dgm:style>
+  </dgm:styleLbl>
+  <dgm:styleLbl name="parChTrans1D4">
+    <dgm:scene3d>
+      <a:camera prst="orthographicFront"/>
+      <a:lightRig rig="threePt" dir="t"/>
+    </dgm:scene3d>
+    <dgm:sp3d/>
+    <dgm:txPr/>
+    <dgm:style>
+      <a:lnRef idx="1">
+        <a:scrgbClr r="0" g="0" b="0"/>
+      </a:lnRef>
+      <a:fillRef idx="0">
+        <a:scrgbClr r="0" g="0" b="0"/>
+      </a:fillRef>
+      <a:effectRef idx="0">
+        <a:scrgbClr r="0" g="0" b="0"/>
+      </a:effectRef>
+      <a:fontRef idx="minor"/>
+    </dgm:style>
+  </dgm:styleLbl>
+  <dgm:styleLbl name="fgAcc1">
+    <dgm:scene3d>
+      <a:camera prst="orthographicFront"/>
+      <a:lightRig rig="threePt" dir="t"/>
+    </dgm:scene3d>
+    <dgm:sp3d/>
+    <dgm:txPr/>
+    <dgm:style>
+      <a:lnRef idx="1">
+        <a:scrgbClr r="0" g="0" b="0"/>
+      </a:lnRef>
+      <a:fillRef idx="1">
+        <a:scrgbClr r="0" g="0" b="0"/>
+      </a:fillRef>
+      <a:effectRef idx="0">
+        <a:scrgbClr r="0" g="0" b="0"/>
+      </a:effectRef>
+      <a:fontRef idx="minor"/>
+    </dgm:style>
+  </dgm:styleLbl>
+  <dgm:styleLbl name="conFgAcc1">
+    <dgm:scene3d>
+      <a:camera prst="orthographicFront"/>
+      <a:lightRig rig="threePt" dir="t"/>
+    </dgm:scene3d>
+    <dgm:sp3d/>
+    <dgm:txPr/>
+    <dgm:style>
+      <a:lnRef idx="1">
+        <a:scrgbClr r="0" g="0" b="0"/>
+      </a:lnRef>
+      <a:fillRef idx="1">
+        <a:scrgbClr r="0" g="0" b="0"/>
+      </a:fillRef>
+      <a:effectRef idx="0">
+        <a:scrgbClr r="0" g="0" b="0"/>
+      </a:effectRef>
+      <a:fontRef idx="minor"/>
+    </dgm:style>
+  </dgm:styleLbl>
+  <dgm:styleLbl name="alignAcc1">
+    <dgm:scene3d>
+      <a:camera prst="orthographicFront"/>
+      <a:lightRig rig="threePt" dir="t"/>
+    </dgm:scene3d>
+    <dgm:sp3d/>
+    <dgm:txPr/>
+    <dgm:style>
+      <a:lnRef idx="1">
+        <a:scrgbClr r="0" g="0" b="0"/>
+      </a:lnRef>
+      <a:fillRef idx="1">
+        <a:scrgbClr r="0" g="0" b="0"/>
+      </a:fillRef>
+      <a:effectRef idx="0">
+        <a:scrgbClr r="0" g="0" b="0"/>
+      </a:effectRef>
+      <a:fontRef idx="minor"/>
+    </dgm:style>
+  </dgm:styleLbl>
+  <dgm:styleLbl name="trAlignAcc1">
+    <dgm:scene3d>
+      <a:camera prst="orthographicFront"/>
+      <a:lightRig rig="threePt" dir="t"/>
+    </dgm:scene3d>
+    <dgm:sp3d/>
+    <dgm:txPr/>
+    <dgm:style>
+      <a:lnRef idx="1">
+        <a:scrgbClr r="0" g="0" b="0"/>
+      </a:lnRef>
+      <a:fillRef idx="1">
+        <a:scrgbClr r="0" g="0" b="0"/>
+      </a:fillRef>
+      <a:effectRef idx="0">
+        <a:scrgbClr r="0" g="0" b="0"/>
+      </a:effectRef>
+      <a:fontRef idx="minor"/>
+    </dgm:style>
+  </dgm:styleLbl>
+  <dgm:styleLbl name="bgAcc1">
+    <dgm:scene3d>
+      <a:camera prst="orthographicFront"/>
+      <a:lightRig rig="threePt" dir="t"/>
+    </dgm:scene3d>
+    <dgm:sp3d/>
+    <dgm:txPr/>
+    <dgm:style>
+      <a:lnRef idx="1">
+        <a:scrgbClr r="0" g="0" b="0"/>
+      </a:lnRef>
+      <a:fillRef idx="1">
+        <a:scrgbClr r="0" g="0" b="0"/>
+      </a:fillRef>
+      <a:effectRef idx="0">
+        <a:scrgbClr r="0" g="0" b="0"/>
+      </a:effectRef>
+      <a:fontRef idx="minor"/>
+    </dgm:style>
+  </dgm:styleLbl>
+  <dgm:styleLbl name="solidFgAcc1">
+    <dgm:scene3d>
+      <a:camera prst="orthographicFront"/>
+      <a:lightRig rig="threePt" dir="t"/>
+    </dgm:scene3d>
+    <dgm:sp3d/>
+    <dgm:txPr/>
+    <dgm:style>
+      <a:lnRef idx="1">
+        <a:scrgbClr r="0" g="0" b="0"/>
+      </a:lnRef>
+      <a:fillRef idx="1">
+        <a:scrgbClr r="0" g="0" b="0"/>
+      </a:fillRef>
+      <a:effectRef idx="0">
+        <a:scrgbClr r="0" g="0" b="0"/>
+      </a:effectRef>
+      <a:fontRef idx="minor"/>
+    </dgm:style>
+  </dgm:styleLbl>
+  <dgm:styleLbl name="solidAlignAcc1">
+    <dgm:scene3d>
+      <a:camera prst="orthographicFront"/>
+      <a:lightRig rig="threePt" dir="t"/>
+    </dgm:scene3d>
+    <dgm:sp3d/>
+    <dgm:txPr/>
+    <dgm:style>
+      <a:lnRef idx="1">
+        <a:scrgbClr r="0" g="0" b="0"/>
+      </a:lnRef>
+      <a:fillRef idx="1">
+        <a:scrgbClr r="0" g="0" b="0"/>
+      </a:fillRef>
+      <a:effectRef idx="0">
+        <a:scrgbClr r="0" g="0" b="0"/>
+      </a:effectRef>
+      <a:fontRef idx="minor"/>
+    </dgm:style>
+  </dgm:styleLbl>
+  <dgm:styleLbl name="solidBgAcc1">
+    <dgm:scene3d>
+      <a:camera prst="orthographicFront"/>
+      <a:lightRig rig="threePt" dir="t"/>
+    </dgm:scene3d>
+    <dgm:sp3d/>
+    <dgm:txPr/>
+    <dgm:style>
+      <a:lnRef idx="1">
+        <a:scrgbClr r="0" g="0" b="0"/>
+      </a:lnRef>
+      <a:fillRef idx="1">
+        <a:scrgbClr r="0" g="0" b="0"/>
+      </a:fillRef>
+      <a:effectRef idx="0">
+        <a:scrgbClr r="0" g="0" b="0"/>
+      </a:effectRef>
+      <a:fontRef idx="minor"/>
+    </dgm:style>
+  </dgm:styleLbl>
+  <dgm:styleLbl name="fgAccFollowNode1">
+    <dgm:scene3d>
+      <a:camera prst="orthographicFront"/>
+      <a:lightRig rig="threePt" dir="t"/>
+    </dgm:scene3d>
+    <dgm:sp3d/>
+    <dgm:txPr/>
+    <dgm:style>
+      <a:lnRef idx="1">
+        <a:scrgbClr r="0" g="0" b="0"/>
+      </a:lnRef>
+      <a:fillRef idx="1">
+        <a:scrgbClr r="0" g="0" b="0"/>
+      </a:fillRef>
+      <a:effectRef idx="0">
+        <a:scrgbClr r="0" g="0" b="0"/>
+      </a:effectRef>
+      <a:fontRef idx="minor"/>
+    </dgm:style>
+  </dgm:styleLbl>
+  <dgm:styleLbl name="alignAccFollowNode1">
+    <dgm:scene3d>
+      <a:camera prst="orthographicFront"/>
+      <a:lightRig rig="threePt" dir="t"/>
+    </dgm:scene3d>
+    <dgm:sp3d/>
+    <dgm:txPr/>
+    <dgm:style>
+      <a:lnRef idx="1">
+        <a:scrgbClr r="0" g="0" b="0"/>
+      </a:lnRef>
+      <a:fillRef idx="1">
+        <a:scrgbClr r="0" g="0" b="0"/>
+      </a:fillRef>
+      <a:effectRef idx="0">
+        <a:scrgbClr r="0" g="0" b="0"/>
+      </a:effectRef>
+      <a:fontRef idx="minor"/>
+    </dgm:style>
+  </dgm:styleLbl>
+  <dgm:styleLbl name="bgAccFollowNode1">
+    <dgm:scene3d>
+      <a:camera prst="orthographicFront"/>
+      <a:lightRig rig="threePt" dir="t"/>
+    </dgm:scene3d>
+    <dgm:sp3d/>
+    <dgm:txPr/>
+    <dgm:style>
+      <a:lnRef idx="1">
+        <a:scrgbClr r="0" g="0" b="0"/>
+      </a:lnRef>
+      <a:fillRef idx="1">
+        <a:scrgbClr r="0" g="0" b="0"/>
+      </a:fillRef>
+      <a:effectRef idx="0">
+        <a:scrgbClr r="0" g="0" b="0"/>
+      </a:effectRef>
+      <a:fontRef idx="minor"/>
+    </dgm:style>
+  </dgm:styleLbl>
+  <dgm:styleLbl name="fgAcc0">
+    <dgm:scene3d>
+      <a:camera prst="orthographicFront"/>
+      <a:lightRig rig="threePt" dir="t"/>
+    </dgm:scene3d>
+    <dgm:sp3d/>
+    <dgm:txPr/>
+    <dgm:style>
+      <a:lnRef idx="1">
+        <a:scrgbClr r="0" g="0" b="0"/>
+      </a:lnRef>
+      <a:fillRef idx="1">
+        <a:scrgbClr r="0" g="0" b="0"/>
+      </a:fillRef>
+      <a:effectRef idx="0">
+        <a:scrgbClr r="0" g="0" b="0"/>
+      </a:effectRef>
+      <a:fontRef idx="minor"/>
+    </dgm:style>
+  </dgm:styleLbl>
+  <dgm:styleLbl name="fgAcc2">
+    <dgm:scene3d>
+      <a:camera prst="orthographicFront"/>
+      <a:lightRig rig="threePt" dir="t"/>
+    </dgm:scene3d>
+    <dgm:sp3d/>
+    <dgm:txPr/>
+    <dgm:style>
+      <a:lnRef idx="1">
+        <a:scrgbClr r="0" g="0" b="0"/>
+      </a:lnRef>
+      <a:fillRef idx="1">
+        <a:scrgbClr r="0" g="0" b="0"/>
+      </a:fillRef>
+      <a:effectRef idx="0">
+        <a:scrgbClr r="0" g="0" b="0"/>
+      </a:effectRef>
+      <a:fontRef idx="minor"/>
+    </dgm:style>
+  </dgm:styleLbl>
+  <dgm:styleLbl name="fgAcc3">
+    <dgm:scene3d>
+      <a:camera prst="orthographicFront"/>
+      <a:lightRig rig="threePt" dir="t"/>
+    </dgm:scene3d>
+    <dgm:sp3d/>
+    <dgm:txPr/>
+    <dgm:style>
+      <a:lnRef idx="1">
+        <a:scrgbClr r="0" g="0" b="0"/>
+      </a:lnRef>
+      <a:fillRef idx="1">
+        <a:scrgbClr r="0" g="0" b="0"/>
+      </a:fillRef>
+      <a:effectRef idx="0">
+        <a:scrgbClr r="0" g="0" b="0"/>
+      </a:effectRef>
+      <a:fontRef idx="minor"/>
+    </dgm:style>
+  </dgm:styleLbl>
+  <dgm:styleLbl name="fgAcc4">
+    <dgm:scene3d>
+      <a:camera prst="orthographicFront"/>
+      <a:lightRig rig="threePt" dir="t"/>
+    </dgm:scene3d>
+    <dgm:sp3d/>
+    <dgm:txPr/>
+    <dgm:style>
+      <a:lnRef idx="1">
+        <a:scrgbClr r="0" g="0" b="0"/>
+      </a:lnRef>
+      <a:fillRef idx="1">
+        <a:scrgbClr r="0" g="0" b="0"/>
+      </a:fillRef>
+      <a:effectRef idx="0">
+        <a:scrgbClr r="0" g="0" b="0"/>
+      </a:effectRef>
+      <a:fontRef idx="minor"/>
+    </dgm:style>
+  </dgm:styleLbl>
+  <dgm:styleLbl name="bgShp">
+    <dgm:scene3d>
+      <a:camera prst="orthographicFront"/>
+      <a:lightRig rig="threePt" dir="t"/>
+    </dgm:scene3d>
+    <dgm:sp3d/>
+    <dgm:txPr/>
+    <dgm:style>
+      <a:lnRef idx="0">
+        <a:scrgbClr r="0" g="0" b="0"/>
+      </a:lnRef>
+      <a:fillRef idx="1">
+        <a:scrgbClr r="0" g="0" b="0"/>
+      </a:fillRef>
+      <a:effectRef idx="2">
+        <a:scrgbClr r="0" g="0" b="0"/>
+      </a:effectRef>
+      <a:fontRef idx="minor"/>
+    </dgm:style>
+  </dgm:styleLbl>
+  <dgm:styleLbl name="dkBgShp">
+    <dgm:scene3d>
+      <a:camera prst="orthographicFront"/>
+      <a:lightRig rig="threePt" dir="t"/>
+    </dgm:scene3d>
+    <dgm:sp3d/>
+    <dgm:txPr/>
+    <dgm:style>
+      <a:lnRef idx="0">
+        <a:scrgbClr r="0" g="0" b="0"/>
+      </a:lnRef>
+      <a:fillRef idx="1">
+        <a:scrgbClr r="0" g="0" b="0"/>
+      </a:fillRef>
+      <a:effectRef idx="2">
+        <a:scrgbClr r="0" g="0" b="0"/>
+      </a:effectRef>
+      <a:fontRef idx="minor"/>
+    </dgm:style>
+  </dgm:styleLbl>
+  <dgm:styleLbl name="trBgShp">
+    <dgm:scene3d>
+      <a:camera prst="orthographicFront"/>
+      <a:lightRig rig="threePt" dir="t"/>
+    </dgm:scene3d>
+    <dgm:sp3d/>
+    <dgm:txPr/>
+    <dgm:style>
+      <a:lnRef idx="0">
+        <a:scrgbClr r="0" g="0" b="0"/>
+      </a:lnRef>
+      <a:fillRef idx="1">
+        <a:scrgbClr r="0" g="0" b="0"/>
+      </a:fillRef>
+      <a:effectRef idx="0">
+        <a:scrgbClr r="0" g="0" b="0"/>
+      </a:effectRef>
+      <a:fontRef idx="minor"/>
+    </dgm:style>
+  </dgm:styleLbl>
+  <dgm:styleLbl name="fgShp">
+    <dgm:scene3d>
+      <a:camera prst="orthographicFront"/>
+      <a:lightRig rig="threePt" dir="t"/>
+    </dgm:scene3d>
+    <dgm:sp3d/>
+    <dgm:txPr/>
+    <dgm:style>
+      <a:lnRef idx="0">
+        <a:scrgbClr r="0" g="0" b="0"/>
+      </a:lnRef>
+      <a:fillRef idx="3">
+        <a:scrgbClr r="0" g="0" b="0"/>
+      </a:fillRef>
+      <a:effectRef idx="2">
         <a:scrgbClr r="0" g="0" b="0"/>
       </a:effectRef>
       <a:fontRef idx="minor"/>
@@ -12935,10 +16016,9 @@
           <a:p>
             <a:pPr algn="l"/>
             <a:r>
-              <a:rPr lang="es-ES" sz="1900" dirty="0" err="1"/>
-              <a:t>Tahis</a:t>
+              <a:rPr lang="es-ES" sz="1900" dirty="0"/>
+              <a:t>Tahís Ahtty</a:t>
             </a:r>
-            <a:endParaRPr lang="es-ES" sz="1900" dirty="0"/>
           </a:p>
         </p:txBody>
       </p:sp>
@@ -14971,6 +18051,595 @@
     <p:extLst>
       <p:ext uri="{BB962C8B-B14F-4D97-AF65-F5344CB8AC3E}">
         <p14:creationId xmlns:p14="http://schemas.microsoft.com/office/powerpoint/2010/main" val="1268449560"/>
+      </p:ext>
+    </p:extLst>
+  </p:cSld>
+  <p:clrMapOvr>
+    <a:masterClrMapping/>
+  </p:clrMapOvr>
+</p:sld>
+</file>
+
+<file path=ppt/slides/slide14.xml><?xml version="1.0" encoding="utf-8"?>
+<p:sld xmlns:a="http://schemas.openxmlformats.org/drawingml/2006/main" xmlns:r="http://schemas.openxmlformats.org/officeDocument/2006/relationships" xmlns:p="http://schemas.openxmlformats.org/presentationml/2006/main">
+  <p:cSld>
+    <p:bg>
+      <p:bgPr>
+        <a:solidFill>
+          <a:schemeClr val="bg1"/>
+        </a:solidFill>
+        <a:effectLst/>
+      </p:bgPr>
+    </p:bg>
+    <p:spTree>
+      <p:nvGrpSpPr>
+        <p:cNvPr id="1" name=""/>
+        <p:cNvGrpSpPr/>
+        <p:nvPr/>
+      </p:nvGrpSpPr>
+      <p:grpSpPr>
+        <a:xfrm>
+          <a:off x="0" y="0"/>
+          <a:ext cx="0" cy="0"/>
+          <a:chOff x="0" y="0"/>
+          <a:chExt cx="0" cy="0"/>
+        </a:xfrm>
+      </p:grpSpPr>
+      <p:sp>
+        <p:nvSpPr>
+          <p:cNvPr id="10" name="Freeform: Shape 9">
+            <a:extLst>
+              <a:ext uri="{FF2B5EF4-FFF2-40B4-BE49-F238E27FC236}">
+                <a16:creationId xmlns:a16="http://schemas.microsoft.com/office/drawing/2014/main" id="{46C2E80F-49A6-4372-B103-219D417A55ED}"/>
+              </a:ext>
+              <a:ext uri="{C183D7F6-B498-43B3-948B-1728B52AA6E4}">
+                <adec:decorative xmlns:adec="http://schemas.microsoft.com/office/drawing/2017/decorative" val="1"/>
+              </a:ext>
+            </a:extLst>
+          </p:cNvPr>
+          <p:cNvSpPr>
+            <a:spLocks noGrp="1" noRot="1" noChangeAspect="1" noMove="1" noResize="1" noEditPoints="1" noAdjustHandles="1" noChangeArrowheads="1" noChangeShapeType="1" noTextEdit="1"/>
+          </p:cNvSpPr>
+          <p:nvPr>
+            <p:extLst>
+              <p:ext uri="{386F3935-93C4-4BCD-93E2-E3B085C9AB24}">
+                <p16:designElem xmlns:p16="http://schemas.microsoft.com/office/powerpoint/2015/main" val="1"/>
+              </p:ext>
+            </p:extLst>
+          </p:nvPr>
+        </p:nvSpPr>
+        <p:spPr>
+          <a:xfrm>
+            <a:off x="484096" y="470925"/>
+            <a:ext cx="4381009" cy="5892104"/>
+          </a:xfrm>
+          <a:custGeom>
+            <a:avLst/>
+            <a:gdLst>
+              <a:gd name="connsiteX0" fmla="*/ 0 w 4381009"/>
+              <a:gd name="connsiteY0" fmla="*/ 0 h 5892104"/>
+              <a:gd name="connsiteX1" fmla="*/ 4157628 w 4381009"/>
+              <a:gd name="connsiteY1" fmla="*/ 0 h 5892104"/>
+              <a:gd name="connsiteX2" fmla="*/ 4169302 w 4381009"/>
+              <a:gd name="connsiteY2" fmla="*/ 68659 h 5892104"/>
+              <a:gd name="connsiteX3" fmla="*/ 4191571 w 4381009"/>
+              <a:gd name="connsiteY3" fmla="*/ 205472 h 5892104"/>
+              <a:gd name="connsiteX4" fmla="*/ 4213368 w 4381009"/>
+              <a:gd name="connsiteY4" fmla="*/ 342890 h 5892104"/>
+              <a:gd name="connsiteX5" fmla="*/ 4232030 w 4381009"/>
+              <a:gd name="connsiteY5" fmla="*/ 480913 h 5892104"/>
+              <a:gd name="connsiteX6" fmla="*/ 4250848 w 4381009"/>
+              <a:gd name="connsiteY6" fmla="*/ 618332 h 5892104"/>
+              <a:gd name="connsiteX7" fmla="*/ 4268412 w 4381009"/>
+              <a:gd name="connsiteY7" fmla="*/ 756355 h 5892104"/>
+              <a:gd name="connsiteX8" fmla="*/ 4283467 w 4381009"/>
+              <a:gd name="connsiteY8" fmla="*/ 892563 h 5892104"/>
+              <a:gd name="connsiteX9" fmla="*/ 4297737 w 4381009"/>
+              <a:gd name="connsiteY9" fmla="*/ 1030587 h 5892104"/>
+              <a:gd name="connsiteX10" fmla="*/ 4310754 w 4381009"/>
+              <a:gd name="connsiteY10" fmla="*/ 1168005 h 5892104"/>
+              <a:gd name="connsiteX11" fmla="*/ 4322045 w 4381009"/>
+              <a:gd name="connsiteY11" fmla="*/ 1303002 h 5892104"/>
+              <a:gd name="connsiteX12" fmla="*/ 4333336 w 4381009"/>
+              <a:gd name="connsiteY12" fmla="*/ 1439815 h 5892104"/>
+              <a:gd name="connsiteX13" fmla="*/ 4342745 w 4381009"/>
+              <a:gd name="connsiteY13" fmla="*/ 1574812 h 5892104"/>
+              <a:gd name="connsiteX14" fmla="*/ 4350115 w 4381009"/>
+              <a:gd name="connsiteY14" fmla="*/ 1709808 h 5892104"/>
+              <a:gd name="connsiteX15" fmla="*/ 4357799 w 4381009"/>
+              <a:gd name="connsiteY15" fmla="*/ 1844200 h 5892104"/>
+              <a:gd name="connsiteX16" fmla="*/ 4364229 w 4381009"/>
+              <a:gd name="connsiteY16" fmla="*/ 1977381 h 5892104"/>
+              <a:gd name="connsiteX17" fmla="*/ 4368777 w 4381009"/>
+              <a:gd name="connsiteY17" fmla="*/ 2109351 h 5892104"/>
+              <a:gd name="connsiteX18" fmla="*/ 4372697 w 4381009"/>
+              <a:gd name="connsiteY18" fmla="*/ 2241321 h 5892104"/>
+              <a:gd name="connsiteX19" fmla="*/ 4376461 w 4381009"/>
+              <a:gd name="connsiteY19" fmla="*/ 2372080 h 5892104"/>
+              <a:gd name="connsiteX20" fmla="*/ 4378186 w 4381009"/>
+              <a:gd name="connsiteY20" fmla="*/ 2501023 h 5892104"/>
+              <a:gd name="connsiteX21" fmla="*/ 4380068 w 4381009"/>
+              <a:gd name="connsiteY21" fmla="*/ 2629966 h 5892104"/>
+              <a:gd name="connsiteX22" fmla="*/ 4381009 w 4381009"/>
+              <a:gd name="connsiteY22" fmla="*/ 2757093 h 5892104"/>
+              <a:gd name="connsiteX23" fmla="*/ 4380068 w 4381009"/>
+              <a:gd name="connsiteY23" fmla="*/ 2883010 h 5892104"/>
+              <a:gd name="connsiteX24" fmla="*/ 4380068 w 4381009"/>
+              <a:gd name="connsiteY24" fmla="*/ 3007715 h 5892104"/>
+              <a:gd name="connsiteX25" fmla="*/ 4378186 w 4381009"/>
+              <a:gd name="connsiteY25" fmla="*/ 3131210 h 5892104"/>
+              <a:gd name="connsiteX26" fmla="*/ 4375363 w 4381009"/>
+              <a:gd name="connsiteY26" fmla="*/ 3252283 h 5892104"/>
+              <a:gd name="connsiteX27" fmla="*/ 4372697 w 4381009"/>
+              <a:gd name="connsiteY27" fmla="*/ 3372146 h 5892104"/>
+              <a:gd name="connsiteX28" fmla="*/ 4369718 w 4381009"/>
+              <a:gd name="connsiteY28" fmla="*/ 3489587 h 5892104"/>
+              <a:gd name="connsiteX29" fmla="*/ 4365170 w 4381009"/>
+              <a:gd name="connsiteY29" fmla="*/ 3606423 h 5892104"/>
+              <a:gd name="connsiteX30" fmla="*/ 4360309 w 4381009"/>
+              <a:gd name="connsiteY30" fmla="*/ 3721443 h 5892104"/>
+              <a:gd name="connsiteX31" fmla="*/ 4355918 w 4381009"/>
+              <a:gd name="connsiteY31" fmla="*/ 3834041 h 5892104"/>
+              <a:gd name="connsiteX32" fmla="*/ 4343529 w 4381009"/>
+              <a:gd name="connsiteY32" fmla="*/ 4053789 h 5892104"/>
+              <a:gd name="connsiteX33" fmla="*/ 4330356 w 4381009"/>
+              <a:gd name="connsiteY33" fmla="*/ 4264457 h 5892104"/>
+              <a:gd name="connsiteX34" fmla="*/ 4316556 w 4381009"/>
+              <a:gd name="connsiteY34" fmla="*/ 4466650 h 5892104"/>
+              <a:gd name="connsiteX35" fmla="*/ 4301344 w 4381009"/>
+              <a:gd name="connsiteY35" fmla="*/ 4657946 h 5892104"/>
+              <a:gd name="connsiteX36" fmla="*/ 4285506 w 4381009"/>
+              <a:gd name="connsiteY36" fmla="*/ 4840767 h 5892104"/>
+              <a:gd name="connsiteX37" fmla="*/ 4268412 w 4381009"/>
+              <a:gd name="connsiteY37" fmla="*/ 5010269 h 5892104"/>
+              <a:gd name="connsiteX38" fmla="*/ 4251633 w 4381009"/>
+              <a:gd name="connsiteY38" fmla="*/ 5169481 h 5892104"/>
+              <a:gd name="connsiteX39" fmla="*/ 4234853 w 4381009"/>
+              <a:gd name="connsiteY39" fmla="*/ 5315980 h 5892104"/>
+              <a:gd name="connsiteX40" fmla="*/ 4219014 w 4381009"/>
+              <a:gd name="connsiteY40" fmla="*/ 5450371 h 5892104"/>
+              <a:gd name="connsiteX41" fmla="*/ 4203959 w 4381009"/>
+              <a:gd name="connsiteY41" fmla="*/ 5569628 h 5892104"/>
+              <a:gd name="connsiteX42" fmla="*/ 4189689 w 4381009"/>
+              <a:gd name="connsiteY42" fmla="*/ 5677384 h 5892104"/>
+              <a:gd name="connsiteX43" fmla="*/ 4177770 w 4381009"/>
+              <a:gd name="connsiteY43" fmla="*/ 5768189 h 5892104"/>
+              <a:gd name="connsiteX44" fmla="*/ 4166479 w 4381009"/>
+              <a:gd name="connsiteY44" fmla="*/ 5844465 h 5892104"/>
+              <a:gd name="connsiteX45" fmla="*/ 4159132 w 4381009"/>
+              <a:gd name="connsiteY45" fmla="*/ 5892104 h 5892104"/>
+              <a:gd name="connsiteX46" fmla="*/ 0 w 4381009"/>
+              <a:gd name="connsiteY46" fmla="*/ 5892104 h 5892104"/>
+            </a:gdLst>
+            <a:ahLst/>
+            <a:cxnLst>
+              <a:cxn ang="0">
+                <a:pos x="connsiteX0" y="connsiteY0"/>
+              </a:cxn>
+              <a:cxn ang="0">
+                <a:pos x="connsiteX1" y="connsiteY1"/>
+              </a:cxn>
+              <a:cxn ang="0">
+                <a:pos x="connsiteX2" y="connsiteY2"/>
+              </a:cxn>
+              <a:cxn ang="0">
+                <a:pos x="connsiteX3" y="connsiteY3"/>
+              </a:cxn>
+              <a:cxn ang="0">
+                <a:pos x="connsiteX4" y="connsiteY4"/>
+              </a:cxn>
+              <a:cxn ang="0">
+                <a:pos x="connsiteX5" y="connsiteY5"/>
+              </a:cxn>
+              <a:cxn ang="0">
+                <a:pos x="connsiteX6" y="connsiteY6"/>
+              </a:cxn>
+              <a:cxn ang="0">
+                <a:pos x="connsiteX7" y="connsiteY7"/>
+              </a:cxn>
+              <a:cxn ang="0">
+                <a:pos x="connsiteX8" y="connsiteY8"/>
+              </a:cxn>
+              <a:cxn ang="0">
+                <a:pos x="connsiteX9" y="connsiteY9"/>
+              </a:cxn>
+              <a:cxn ang="0">
+                <a:pos x="connsiteX10" y="connsiteY10"/>
+              </a:cxn>
+              <a:cxn ang="0">
+                <a:pos x="connsiteX11" y="connsiteY11"/>
+              </a:cxn>
+              <a:cxn ang="0">
+                <a:pos x="connsiteX12" y="connsiteY12"/>
+              </a:cxn>
+              <a:cxn ang="0">
+                <a:pos x="connsiteX13" y="connsiteY13"/>
+              </a:cxn>
+              <a:cxn ang="0">
+                <a:pos x="connsiteX14" y="connsiteY14"/>
+              </a:cxn>
+              <a:cxn ang="0">
+                <a:pos x="connsiteX15" y="connsiteY15"/>
+              </a:cxn>
+              <a:cxn ang="0">
+                <a:pos x="connsiteX16" y="connsiteY16"/>
+              </a:cxn>
+              <a:cxn ang="0">
+                <a:pos x="connsiteX17" y="connsiteY17"/>
+              </a:cxn>
+              <a:cxn ang="0">
+                <a:pos x="connsiteX18" y="connsiteY18"/>
+              </a:cxn>
+              <a:cxn ang="0">
+                <a:pos x="connsiteX19" y="connsiteY19"/>
+              </a:cxn>
+              <a:cxn ang="0">
+                <a:pos x="connsiteX20" y="connsiteY20"/>
+              </a:cxn>
+              <a:cxn ang="0">
+                <a:pos x="connsiteX21" y="connsiteY21"/>
+              </a:cxn>
+              <a:cxn ang="0">
+                <a:pos x="connsiteX22" y="connsiteY22"/>
+              </a:cxn>
+              <a:cxn ang="0">
+                <a:pos x="connsiteX23" y="connsiteY23"/>
+              </a:cxn>
+              <a:cxn ang="0">
+                <a:pos x="connsiteX24" y="connsiteY24"/>
+              </a:cxn>
+              <a:cxn ang="0">
+                <a:pos x="connsiteX25" y="connsiteY25"/>
+              </a:cxn>
+              <a:cxn ang="0">
+                <a:pos x="connsiteX26" y="connsiteY26"/>
+              </a:cxn>
+              <a:cxn ang="0">
+                <a:pos x="connsiteX27" y="connsiteY27"/>
+              </a:cxn>
+              <a:cxn ang="0">
+                <a:pos x="connsiteX28" y="connsiteY28"/>
+              </a:cxn>
+              <a:cxn ang="0">
+                <a:pos x="connsiteX29" y="connsiteY29"/>
+              </a:cxn>
+              <a:cxn ang="0">
+                <a:pos x="connsiteX30" y="connsiteY30"/>
+              </a:cxn>
+              <a:cxn ang="0">
+                <a:pos x="connsiteX31" y="connsiteY31"/>
+              </a:cxn>
+              <a:cxn ang="0">
+                <a:pos x="connsiteX32" y="connsiteY32"/>
+              </a:cxn>
+              <a:cxn ang="0">
+                <a:pos x="connsiteX33" y="connsiteY33"/>
+              </a:cxn>
+              <a:cxn ang="0">
+                <a:pos x="connsiteX34" y="connsiteY34"/>
+              </a:cxn>
+              <a:cxn ang="0">
+                <a:pos x="connsiteX35" y="connsiteY35"/>
+              </a:cxn>
+              <a:cxn ang="0">
+                <a:pos x="connsiteX36" y="connsiteY36"/>
+              </a:cxn>
+              <a:cxn ang="0">
+                <a:pos x="connsiteX37" y="connsiteY37"/>
+              </a:cxn>
+              <a:cxn ang="0">
+                <a:pos x="connsiteX38" y="connsiteY38"/>
+              </a:cxn>
+              <a:cxn ang="0">
+                <a:pos x="connsiteX39" y="connsiteY39"/>
+              </a:cxn>
+              <a:cxn ang="0">
+                <a:pos x="connsiteX40" y="connsiteY40"/>
+              </a:cxn>
+              <a:cxn ang="0">
+                <a:pos x="connsiteX41" y="connsiteY41"/>
+              </a:cxn>
+              <a:cxn ang="0">
+                <a:pos x="connsiteX42" y="connsiteY42"/>
+              </a:cxn>
+              <a:cxn ang="0">
+                <a:pos x="connsiteX43" y="connsiteY43"/>
+              </a:cxn>
+              <a:cxn ang="0">
+                <a:pos x="connsiteX44" y="connsiteY44"/>
+              </a:cxn>
+              <a:cxn ang="0">
+                <a:pos x="connsiteX45" y="connsiteY45"/>
+              </a:cxn>
+              <a:cxn ang="0">
+                <a:pos x="connsiteX46" y="connsiteY46"/>
+              </a:cxn>
+            </a:cxnLst>
+            <a:rect l="l" t="t" r="r" b="b"/>
+            <a:pathLst>
+              <a:path w="4381009" h="5892104">
+                <a:moveTo>
+                  <a:pt x="0" y="0"/>
+                </a:moveTo>
+                <a:lnTo>
+                  <a:pt x="4157628" y="0"/>
+                </a:lnTo>
+                <a:lnTo>
+                  <a:pt x="4169302" y="68659"/>
+                </a:lnTo>
+                <a:lnTo>
+                  <a:pt x="4191571" y="205472"/>
+                </a:lnTo>
+                <a:lnTo>
+                  <a:pt x="4213368" y="342890"/>
+                </a:lnTo>
+                <a:lnTo>
+                  <a:pt x="4232030" y="480913"/>
+                </a:lnTo>
+                <a:lnTo>
+                  <a:pt x="4250848" y="618332"/>
+                </a:lnTo>
+                <a:lnTo>
+                  <a:pt x="4268412" y="756355"/>
+                </a:lnTo>
+                <a:lnTo>
+                  <a:pt x="4283467" y="892563"/>
+                </a:lnTo>
+                <a:lnTo>
+                  <a:pt x="4297737" y="1030587"/>
+                </a:lnTo>
+                <a:lnTo>
+                  <a:pt x="4310754" y="1168005"/>
+                </a:lnTo>
+                <a:lnTo>
+                  <a:pt x="4322045" y="1303002"/>
+                </a:lnTo>
+                <a:lnTo>
+                  <a:pt x="4333336" y="1439815"/>
+                </a:lnTo>
+                <a:lnTo>
+                  <a:pt x="4342745" y="1574812"/>
+                </a:lnTo>
+                <a:lnTo>
+                  <a:pt x="4350115" y="1709808"/>
+                </a:lnTo>
+                <a:lnTo>
+                  <a:pt x="4357799" y="1844200"/>
+                </a:lnTo>
+                <a:lnTo>
+                  <a:pt x="4364229" y="1977381"/>
+                </a:lnTo>
+                <a:lnTo>
+                  <a:pt x="4368777" y="2109351"/>
+                </a:lnTo>
+                <a:lnTo>
+                  <a:pt x="4372697" y="2241321"/>
+                </a:lnTo>
+                <a:lnTo>
+                  <a:pt x="4376461" y="2372080"/>
+                </a:lnTo>
+                <a:lnTo>
+                  <a:pt x="4378186" y="2501023"/>
+                </a:lnTo>
+                <a:lnTo>
+                  <a:pt x="4380068" y="2629966"/>
+                </a:lnTo>
+                <a:lnTo>
+                  <a:pt x="4381009" y="2757093"/>
+                </a:lnTo>
+                <a:lnTo>
+                  <a:pt x="4380068" y="2883010"/>
+                </a:lnTo>
+                <a:lnTo>
+                  <a:pt x="4380068" y="3007715"/>
+                </a:lnTo>
+                <a:lnTo>
+                  <a:pt x="4378186" y="3131210"/>
+                </a:lnTo>
+                <a:lnTo>
+                  <a:pt x="4375363" y="3252283"/>
+                </a:lnTo>
+                <a:lnTo>
+                  <a:pt x="4372697" y="3372146"/>
+                </a:lnTo>
+                <a:lnTo>
+                  <a:pt x="4369718" y="3489587"/>
+                </a:lnTo>
+                <a:lnTo>
+                  <a:pt x="4365170" y="3606423"/>
+                </a:lnTo>
+                <a:lnTo>
+                  <a:pt x="4360309" y="3721443"/>
+                </a:lnTo>
+                <a:lnTo>
+                  <a:pt x="4355918" y="3834041"/>
+                </a:lnTo>
+                <a:lnTo>
+                  <a:pt x="4343529" y="4053789"/>
+                </a:lnTo>
+                <a:lnTo>
+                  <a:pt x="4330356" y="4264457"/>
+                </a:lnTo>
+                <a:lnTo>
+                  <a:pt x="4316556" y="4466650"/>
+                </a:lnTo>
+                <a:lnTo>
+                  <a:pt x="4301344" y="4657946"/>
+                </a:lnTo>
+                <a:lnTo>
+                  <a:pt x="4285506" y="4840767"/>
+                </a:lnTo>
+                <a:lnTo>
+                  <a:pt x="4268412" y="5010269"/>
+                </a:lnTo>
+                <a:lnTo>
+                  <a:pt x="4251633" y="5169481"/>
+                </a:lnTo>
+                <a:lnTo>
+                  <a:pt x="4234853" y="5315980"/>
+                </a:lnTo>
+                <a:lnTo>
+                  <a:pt x="4219014" y="5450371"/>
+                </a:lnTo>
+                <a:lnTo>
+                  <a:pt x="4203959" y="5569628"/>
+                </a:lnTo>
+                <a:lnTo>
+                  <a:pt x="4189689" y="5677384"/>
+                </a:lnTo>
+                <a:lnTo>
+                  <a:pt x="4177770" y="5768189"/>
+                </a:lnTo>
+                <a:lnTo>
+                  <a:pt x="4166479" y="5844465"/>
+                </a:lnTo>
+                <a:lnTo>
+                  <a:pt x="4159132" y="5892104"/>
+                </a:lnTo>
+                <a:lnTo>
+                  <a:pt x="0" y="5892104"/>
+                </a:lnTo>
+                <a:close/>
+              </a:path>
+            </a:pathLst>
+          </a:custGeom>
+          <a:solidFill>
+            <a:srgbClr val="404040"/>
+          </a:solidFill>
+          <a:ln>
+            <a:noFill/>
+          </a:ln>
+        </p:spPr>
+        <p:style>
+          <a:lnRef idx="2">
+            <a:schemeClr val="accent1">
+              <a:shade val="50000"/>
+            </a:schemeClr>
+          </a:lnRef>
+          <a:fillRef idx="1">
+            <a:schemeClr val="accent1"/>
+          </a:fillRef>
+          <a:effectRef idx="0">
+            <a:schemeClr val="accent1"/>
+          </a:effectRef>
+          <a:fontRef idx="minor">
+            <a:schemeClr val="lt1"/>
+          </a:fontRef>
+        </p:style>
+        <p:txBody>
+          <a:bodyPr wrap="square" rtlCol="0" anchor="ctr">
+            <a:noAutofit/>
+          </a:bodyPr>
+          <a:lstStyle/>
+          <a:p>
+            <a:pPr marL="0" marR="0" lvl="0" indent="0" algn="ctr" defTabSz="457200" rtl="0" eaLnBrk="1" fontAlgn="auto" latinLnBrk="0" hangingPunct="1">
+              <a:lnSpc>
+                <a:spcPct val="100000"/>
+              </a:lnSpc>
+              <a:spcBef>
+                <a:spcPts val="0"/>
+              </a:spcBef>
+              <a:spcAft>
+                <a:spcPts val="0"/>
+              </a:spcAft>
+              <a:buClrTx/>
+              <a:buSzTx/>
+              <a:buFontTx/>
+              <a:buNone/>
+              <a:tabLst/>
+              <a:defRPr/>
+            </a:pPr>
+            <a:endParaRPr kumimoji="0" lang="en-US" sz="1800" b="0" i="0" u="none" strike="noStrike" kern="1200" cap="none" spc="0" normalizeH="0" baseline="0" noProof="0">
+              <a:ln>
+                <a:noFill/>
+              </a:ln>
+              <a:solidFill>
+                <a:prstClr val="white"/>
+              </a:solidFill>
+              <a:effectLst/>
+              <a:uLnTx/>
+              <a:uFillTx/>
+              <a:latin typeface="Calibri" panose="020F0502020204030204"/>
+              <a:ea typeface="+mn-ea"/>
+              <a:cs typeface="+mn-cs"/>
+            </a:endParaRPr>
+          </a:p>
+        </p:txBody>
+      </p:sp>
+      <p:sp>
+        <p:nvSpPr>
+          <p:cNvPr id="2" name="Title 1">
+            <a:extLst>
+              <a:ext uri="{FF2B5EF4-FFF2-40B4-BE49-F238E27FC236}">
+                <a16:creationId xmlns:a16="http://schemas.microsoft.com/office/drawing/2014/main" id="{BB91D9D1-D779-4E78-AB73-BF922C999322}"/>
+              </a:ext>
+            </a:extLst>
+          </p:cNvPr>
+          <p:cNvSpPr>
+            <a:spLocks noGrp="1"/>
+          </p:cNvSpPr>
+          <p:nvPr>
+            <p:ph type="title"/>
+          </p:nvPr>
+        </p:nvSpPr>
+        <p:spPr>
+          <a:xfrm>
+            <a:off x="863029" y="1012004"/>
+            <a:ext cx="3416158" cy="4795408"/>
+          </a:xfrm>
+        </p:spPr>
+        <p:txBody>
+          <a:bodyPr>
+            <a:normAutofit/>
+          </a:bodyPr>
+          <a:lstStyle/>
+          <a:p>
+            <a:r>
+              <a:rPr lang="es-EC">
+                <a:solidFill>
+                  <a:srgbClr val="FFFFFF"/>
+                </a:solidFill>
+              </a:rPr>
+              <a:t>Conclusions</a:t>
+            </a:r>
+          </a:p>
+        </p:txBody>
+      </p:sp>
+      <p:graphicFrame>
+        <p:nvGraphicFramePr>
+          <p:cNvPr id="5" name="Content Placeholder 2">
+            <a:extLst>
+              <a:ext uri="{FF2B5EF4-FFF2-40B4-BE49-F238E27FC236}">
+                <a16:creationId xmlns:a16="http://schemas.microsoft.com/office/drawing/2014/main" id="{21B3ACC1-B3A4-41A7-9C1D-38F10059194F}"/>
+              </a:ext>
+            </a:extLst>
+          </p:cNvPr>
+          <p:cNvGraphicFramePr>
+            <a:graphicFrameLocks noGrp="1"/>
+          </p:cNvGraphicFramePr>
+          <p:nvPr>
+            <p:ph idx="1"/>
+            <p:extLst>
+              <p:ext uri="{D42A27DB-BD31-4B8C-83A1-F6EECF244321}">
+                <p14:modId xmlns:p14="http://schemas.microsoft.com/office/powerpoint/2010/main" val="696849974"/>
+              </p:ext>
+            </p:extLst>
+          </p:nvPr>
+        </p:nvGraphicFramePr>
+        <p:xfrm>
+          <a:off x="5194300" y="470924"/>
+          <a:ext cx="6513604" cy="5885426"/>
+        </p:xfrm>
+        <a:graphic>
+          <a:graphicData uri="http://schemas.openxmlformats.org/drawingml/2006/diagram">
+            <dgm:relIds xmlns:dgm="http://schemas.openxmlformats.org/drawingml/2006/diagram" xmlns:r="http://schemas.openxmlformats.org/officeDocument/2006/relationships" r:dm="rId2" r:lo="rId3" r:qs="rId4" r:cs="rId5"/>
+          </a:graphicData>
+        </a:graphic>
+      </p:graphicFrame>
+    </p:spTree>
+    <p:extLst>
+      <p:ext uri="{BB962C8B-B14F-4D97-AF65-F5344CB8AC3E}">
+        <p14:creationId xmlns:p14="http://schemas.microsoft.com/office/powerpoint/2010/main" val="514145303"/>
       </p:ext>
     </p:extLst>
   </p:cSld>

--- a/Data_Mining.pptx
+++ b/Data_Mining.pptx
@@ -19,6 +19,7 @@
     <p:sldId id="266" r:id="rId13"/>
     <p:sldId id="269" r:id="rId14"/>
     <p:sldId id="270" r:id="rId15"/>
+    <p:sldId id="271" r:id="rId16"/>
   </p:sldIdLst>
   <p:sldSz cx="12192000" cy="6858000"/>
   <p:notesSz cx="6858000" cy="9144000"/>
@@ -2441,6 +2442,927 @@
 </file>
 
 <file path=ppt/diagrams/colors4.xml><?xml version="1.0" encoding="utf-8"?>
+<dgm:colorsDef xmlns:dgm="http://schemas.openxmlformats.org/drawingml/2006/diagram" xmlns:a="http://schemas.openxmlformats.org/drawingml/2006/main" uniqueId="urn:microsoft.com/office/officeart/2018/5/colors/Iconchunking_neutralbg_colorful1">
+  <dgm:title val=""/>
+  <dgm:desc val=""/>
+  <dgm:catLst>
+    <dgm:cat type="colorful" pri="10100"/>
+  </dgm:catLst>
+  <dgm:styleLbl name="node0">
+    <dgm:fillClrLst meth="repeat">
+      <a:schemeClr val="accent1"/>
+    </dgm:fillClrLst>
+    <dgm:linClrLst meth="repeat">
+      <a:schemeClr val="lt1"/>
+    </dgm:linClrLst>
+    <dgm:effectClrLst/>
+    <dgm:txLinClrLst/>
+    <dgm:txFillClrLst/>
+    <dgm:txEffectClrLst/>
+  </dgm:styleLbl>
+  <dgm:styleLbl name="node1">
+    <dgm:fillClrLst meth="repeat">
+      <a:schemeClr val="accent2"/>
+      <a:schemeClr val="accent3"/>
+      <a:schemeClr val="accent4"/>
+      <a:schemeClr val="accent5"/>
+      <a:schemeClr val="accent6"/>
+    </dgm:fillClrLst>
+    <dgm:linClrLst meth="repeat">
+      <a:schemeClr val="lt1">
+        <a:alpha val="0"/>
+      </a:schemeClr>
+    </dgm:linClrLst>
+    <dgm:effectClrLst/>
+    <dgm:txLinClrLst/>
+    <dgm:txFillClrLst/>
+    <dgm:txEffectClrLst/>
+  </dgm:styleLbl>
+  <dgm:styleLbl name="alignNode1">
+    <dgm:fillClrLst meth="repeat">
+      <a:schemeClr val="accent2"/>
+      <a:schemeClr val="accent3"/>
+      <a:schemeClr val="accent4"/>
+      <a:schemeClr val="accent5"/>
+      <a:schemeClr val="accent6"/>
+    </dgm:fillClrLst>
+    <dgm:linClrLst meth="repeat">
+      <a:schemeClr val="accent2"/>
+      <a:schemeClr val="accent3"/>
+      <a:schemeClr val="accent4"/>
+      <a:schemeClr val="accent5"/>
+      <a:schemeClr val="accent6"/>
+    </dgm:linClrLst>
+    <dgm:effectClrLst/>
+    <dgm:txLinClrLst/>
+    <dgm:txFillClrLst/>
+    <dgm:txEffectClrLst/>
+  </dgm:styleLbl>
+  <dgm:styleLbl name="lnNode1">
+    <dgm:fillClrLst meth="repeat">
+      <a:schemeClr val="accent2"/>
+      <a:schemeClr val="accent3"/>
+      <a:schemeClr val="accent4"/>
+      <a:schemeClr val="accent5"/>
+      <a:schemeClr val="accent6"/>
+    </dgm:fillClrLst>
+    <dgm:linClrLst meth="repeat">
+      <a:schemeClr val="lt1"/>
+    </dgm:linClrLst>
+    <dgm:effectClrLst/>
+    <dgm:txLinClrLst/>
+    <dgm:txFillClrLst/>
+    <dgm:txEffectClrLst/>
+  </dgm:styleLbl>
+  <dgm:styleLbl name="vennNode1">
+    <dgm:fillClrLst meth="repeat">
+      <a:schemeClr val="accent2">
+        <a:alpha val="50000"/>
+      </a:schemeClr>
+      <a:schemeClr val="accent3">
+        <a:alpha val="50000"/>
+      </a:schemeClr>
+      <a:schemeClr val="accent4">
+        <a:alpha val="50000"/>
+      </a:schemeClr>
+      <a:schemeClr val="accent5">
+        <a:alpha val="50000"/>
+      </a:schemeClr>
+      <a:schemeClr val="accent6">
+        <a:alpha val="50000"/>
+      </a:schemeClr>
+    </dgm:fillClrLst>
+    <dgm:linClrLst meth="repeat">
+      <a:schemeClr val="lt1"/>
+    </dgm:linClrLst>
+    <dgm:effectClrLst/>
+    <dgm:txLinClrLst/>
+    <dgm:txFillClrLst/>
+    <dgm:txEffectClrLst/>
+  </dgm:styleLbl>
+  <dgm:styleLbl name="node2">
+    <dgm:fillClrLst>
+      <a:schemeClr val="accent2"/>
+    </dgm:fillClrLst>
+    <dgm:linClrLst meth="repeat">
+      <a:schemeClr val="lt1"/>
+    </dgm:linClrLst>
+    <dgm:effectClrLst/>
+    <dgm:txLinClrLst/>
+    <dgm:txFillClrLst/>
+    <dgm:txEffectClrLst/>
+  </dgm:styleLbl>
+  <dgm:styleLbl name="node3">
+    <dgm:fillClrLst>
+      <a:schemeClr val="accent3"/>
+    </dgm:fillClrLst>
+    <dgm:linClrLst meth="repeat">
+      <a:schemeClr val="lt1"/>
+    </dgm:linClrLst>
+    <dgm:effectClrLst/>
+    <dgm:txLinClrLst/>
+    <dgm:txFillClrLst/>
+    <dgm:txEffectClrLst/>
+  </dgm:styleLbl>
+  <dgm:styleLbl name="node4">
+    <dgm:fillClrLst>
+      <a:schemeClr val="accent4"/>
+    </dgm:fillClrLst>
+    <dgm:linClrLst meth="repeat">
+      <a:schemeClr val="lt1"/>
+    </dgm:linClrLst>
+    <dgm:effectClrLst/>
+    <dgm:txLinClrLst/>
+    <dgm:txFillClrLst/>
+    <dgm:txEffectClrLst/>
+  </dgm:styleLbl>
+  <dgm:styleLbl name="fgImgPlace1">
+    <dgm:fillClrLst meth="repeat">
+      <a:schemeClr val="accent2">
+        <a:tint val="50000"/>
+      </a:schemeClr>
+      <a:schemeClr val="accent3">
+        <a:tint val="50000"/>
+      </a:schemeClr>
+      <a:schemeClr val="accent4">
+        <a:tint val="50000"/>
+      </a:schemeClr>
+      <a:schemeClr val="accent5">
+        <a:tint val="50000"/>
+      </a:schemeClr>
+      <a:schemeClr val="accent6">
+        <a:tint val="50000"/>
+      </a:schemeClr>
+    </dgm:fillClrLst>
+    <dgm:linClrLst meth="repeat">
+      <a:schemeClr val="lt1"/>
+    </dgm:linClrLst>
+    <dgm:effectClrLst/>
+    <dgm:txLinClrLst/>
+    <dgm:txFillClrLst meth="repeat">
+      <a:schemeClr val="lt1"/>
+    </dgm:txFillClrLst>
+    <dgm:txEffectClrLst/>
+  </dgm:styleLbl>
+  <dgm:styleLbl name="alignImgPlace1">
+    <dgm:fillClrLst>
+      <a:schemeClr val="accent1">
+        <a:tint val="50000"/>
+      </a:schemeClr>
+      <a:schemeClr val="accent2">
+        <a:tint val="20000"/>
+      </a:schemeClr>
+    </dgm:fillClrLst>
+    <dgm:linClrLst meth="repeat">
+      <a:schemeClr val="lt1"/>
+    </dgm:linClrLst>
+    <dgm:effectClrLst/>
+    <dgm:txLinClrLst/>
+    <dgm:txFillClrLst meth="repeat">
+      <a:schemeClr val="lt1"/>
+    </dgm:txFillClrLst>
+    <dgm:txEffectClrLst/>
+  </dgm:styleLbl>
+  <dgm:styleLbl name="bgImgPlace1">
+    <dgm:fillClrLst>
+      <a:schemeClr val="accent1">
+        <a:tint val="50000"/>
+      </a:schemeClr>
+      <a:schemeClr val="accent2">
+        <a:tint val="20000"/>
+      </a:schemeClr>
+    </dgm:fillClrLst>
+    <dgm:linClrLst meth="repeat">
+      <a:schemeClr val="lt1"/>
+    </dgm:linClrLst>
+    <dgm:effectClrLst/>
+    <dgm:txLinClrLst/>
+    <dgm:txFillClrLst meth="repeat">
+      <a:schemeClr val="lt1"/>
+    </dgm:txFillClrLst>
+    <dgm:txEffectClrLst/>
+  </dgm:styleLbl>
+  <dgm:styleLbl name="sibTrans2D1">
+    <dgm:fillClrLst meth="repeat">
+      <a:schemeClr val="accent2"/>
+      <a:schemeClr val="accent3"/>
+      <a:schemeClr val="accent4"/>
+      <a:schemeClr val="accent5"/>
+      <a:schemeClr val="accent6"/>
+    </dgm:fillClrLst>
+    <dgm:linClrLst meth="cycle">
+      <a:schemeClr val="lt1"/>
+    </dgm:linClrLst>
+    <dgm:effectClrLst/>
+    <dgm:txLinClrLst/>
+    <dgm:txFillClrLst/>
+    <dgm:txEffectClrLst/>
+  </dgm:styleLbl>
+  <dgm:styleLbl name="fgSibTrans2D1">
+    <dgm:fillClrLst meth="repeat">
+      <a:schemeClr val="accent2"/>
+      <a:schemeClr val="accent3"/>
+      <a:schemeClr val="accent4"/>
+      <a:schemeClr val="accent5"/>
+      <a:schemeClr val="accent6"/>
+    </dgm:fillClrLst>
+    <dgm:linClrLst meth="cycle">
+      <a:schemeClr val="lt1"/>
+    </dgm:linClrLst>
+    <dgm:effectClrLst/>
+    <dgm:txLinClrLst/>
+    <dgm:txFillClrLst meth="repeat">
+      <a:schemeClr val="lt1"/>
+    </dgm:txFillClrLst>
+    <dgm:txEffectClrLst/>
+  </dgm:styleLbl>
+  <dgm:styleLbl name="bgSibTrans2D1">
+    <dgm:fillClrLst meth="repeat">
+      <a:schemeClr val="accent2"/>
+      <a:schemeClr val="accent3"/>
+      <a:schemeClr val="accent4"/>
+      <a:schemeClr val="accent5"/>
+      <a:schemeClr val="accent6"/>
+    </dgm:fillClrLst>
+    <dgm:linClrLst meth="cycle">
+      <a:schemeClr val="lt1"/>
+    </dgm:linClrLst>
+    <dgm:effectClrLst/>
+    <dgm:txLinClrLst/>
+    <dgm:txFillClrLst meth="repeat">
+      <a:schemeClr val="lt1"/>
+    </dgm:txFillClrLst>
+    <dgm:txEffectClrLst/>
+  </dgm:styleLbl>
+  <dgm:styleLbl name="sibTrans1D1">
+    <dgm:fillClrLst meth="repeat">
+      <a:schemeClr val="accent2"/>
+      <a:schemeClr val="accent3"/>
+      <a:schemeClr val="accent4"/>
+      <a:schemeClr val="accent5"/>
+      <a:schemeClr val="accent6"/>
+    </dgm:fillClrLst>
+    <dgm:linClrLst meth="repeat">
+      <a:schemeClr val="accent2"/>
+      <a:schemeClr val="accent3"/>
+      <a:schemeClr val="accent4"/>
+      <a:schemeClr val="accent5"/>
+      <a:schemeClr val="accent6"/>
+    </dgm:linClrLst>
+    <dgm:effectClrLst/>
+    <dgm:txLinClrLst/>
+    <dgm:txFillClrLst meth="repeat">
+      <a:schemeClr val="tx1"/>
+    </dgm:txFillClrLst>
+    <dgm:txEffectClrLst/>
+  </dgm:styleLbl>
+  <dgm:styleLbl name="callout">
+    <dgm:fillClrLst meth="repeat">
+      <a:schemeClr val="accent2"/>
+    </dgm:fillClrLst>
+    <dgm:linClrLst meth="repeat">
+      <a:schemeClr val="accent2">
+        <a:tint val="50000"/>
+      </a:schemeClr>
+    </dgm:linClrLst>
+    <dgm:effectClrLst/>
+    <dgm:txLinClrLst/>
+    <dgm:txFillClrLst meth="repeat">
+      <a:schemeClr val="tx1"/>
+    </dgm:txFillClrLst>
+    <dgm:txEffectClrLst/>
+  </dgm:styleLbl>
+  <dgm:styleLbl name="asst0">
+    <dgm:fillClrLst meth="repeat">
+      <a:schemeClr val="accent1"/>
+    </dgm:fillClrLst>
+    <dgm:linClrLst meth="repeat">
+      <a:schemeClr val="lt1"/>
+    </dgm:linClrLst>
+    <dgm:effectClrLst/>
+    <dgm:txLinClrLst/>
+    <dgm:txFillClrLst/>
+    <dgm:txEffectClrLst/>
+  </dgm:styleLbl>
+  <dgm:styleLbl name="asst1">
+    <dgm:fillClrLst meth="repeat">
+      <a:schemeClr val="accent2"/>
+    </dgm:fillClrLst>
+    <dgm:linClrLst meth="repeat">
+      <a:schemeClr val="lt1"/>
+    </dgm:linClrLst>
+    <dgm:effectClrLst/>
+    <dgm:txLinClrLst/>
+    <dgm:txFillClrLst/>
+    <dgm:txEffectClrLst/>
+  </dgm:styleLbl>
+  <dgm:styleLbl name="asst2">
+    <dgm:fillClrLst>
+      <a:schemeClr val="accent3"/>
+    </dgm:fillClrLst>
+    <dgm:linClrLst meth="repeat">
+      <a:schemeClr val="lt1"/>
+    </dgm:linClrLst>
+    <dgm:effectClrLst/>
+    <dgm:txLinClrLst/>
+    <dgm:txFillClrLst/>
+    <dgm:txEffectClrLst/>
+  </dgm:styleLbl>
+  <dgm:styleLbl name="asst3">
+    <dgm:fillClrLst>
+      <a:schemeClr val="accent4"/>
+    </dgm:fillClrLst>
+    <dgm:linClrLst meth="repeat">
+      <a:schemeClr val="lt1"/>
+    </dgm:linClrLst>
+    <dgm:effectClrLst/>
+    <dgm:txLinClrLst/>
+    <dgm:txFillClrLst/>
+    <dgm:txEffectClrLst/>
+  </dgm:styleLbl>
+  <dgm:styleLbl name="asst4">
+    <dgm:fillClrLst>
+      <a:schemeClr val="accent5"/>
+    </dgm:fillClrLst>
+    <dgm:linClrLst meth="repeat">
+      <a:schemeClr val="lt1"/>
+    </dgm:linClrLst>
+    <dgm:effectClrLst/>
+    <dgm:txLinClrLst/>
+    <dgm:txFillClrLst/>
+    <dgm:txEffectClrLst/>
+  </dgm:styleLbl>
+  <dgm:styleLbl name="parChTrans2D1">
+    <dgm:fillClrLst meth="repeat">
+      <a:schemeClr val="accent2"/>
+    </dgm:fillClrLst>
+    <dgm:linClrLst meth="repeat">
+      <a:schemeClr val="lt1"/>
+    </dgm:linClrLst>
+    <dgm:effectClrLst/>
+    <dgm:txLinClrLst/>
+    <dgm:txFillClrLst meth="repeat">
+      <a:schemeClr val="lt1"/>
+    </dgm:txFillClrLst>
+    <dgm:txEffectClrLst/>
+  </dgm:styleLbl>
+  <dgm:styleLbl name="parChTrans2D2">
+    <dgm:fillClrLst meth="repeat">
+      <a:schemeClr val="accent3"/>
+    </dgm:fillClrLst>
+    <dgm:linClrLst meth="repeat">
+      <a:schemeClr val="lt1"/>
+    </dgm:linClrLst>
+    <dgm:effectClrLst/>
+    <dgm:txLinClrLst/>
+    <dgm:txFillClrLst/>
+    <dgm:txEffectClrLst/>
+  </dgm:styleLbl>
+  <dgm:styleLbl name="parChTrans2D3">
+    <dgm:fillClrLst meth="repeat">
+      <a:schemeClr val="accent4"/>
+    </dgm:fillClrLst>
+    <dgm:linClrLst meth="repeat">
+      <a:schemeClr val="lt1"/>
+    </dgm:linClrLst>
+    <dgm:effectClrLst/>
+    <dgm:txLinClrLst/>
+    <dgm:txFillClrLst/>
+    <dgm:txEffectClrLst/>
+  </dgm:styleLbl>
+  <dgm:styleLbl name="parChTrans2D4">
+    <dgm:fillClrLst meth="repeat">
+      <a:schemeClr val="accent5"/>
+    </dgm:fillClrLst>
+    <dgm:linClrLst meth="repeat">
+      <a:schemeClr val="lt1"/>
+    </dgm:linClrLst>
+    <dgm:effectClrLst/>
+    <dgm:txLinClrLst/>
+    <dgm:txFillClrLst meth="repeat">
+      <a:schemeClr val="lt1"/>
+    </dgm:txFillClrLst>
+    <dgm:txEffectClrLst/>
+  </dgm:styleLbl>
+  <dgm:styleLbl name="parChTrans1D1">
+    <dgm:fillClrLst meth="repeat">
+      <a:schemeClr val="accent2"/>
+    </dgm:fillClrLst>
+    <dgm:linClrLst meth="repeat">
+      <a:schemeClr val="accent1"/>
+    </dgm:linClrLst>
+    <dgm:effectClrLst/>
+    <dgm:txLinClrLst/>
+    <dgm:txFillClrLst meth="repeat">
+      <a:schemeClr val="tx1"/>
+    </dgm:txFillClrLst>
+    <dgm:txEffectClrLst/>
+  </dgm:styleLbl>
+  <dgm:styleLbl name="parChTrans1D2">
+    <dgm:fillClrLst meth="repeat">
+      <a:schemeClr val="accent3">
+        <a:tint val="90000"/>
+      </a:schemeClr>
+    </dgm:fillClrLst>
+    <dgm:linClrLst meth="repeat">
+      <a:schemeClr val="accent2"/>
+    </dgm:linClrLst>
+    <dgm:effectClrLst/>
+    <dgm:txLinClrLst/>
+    <dgm:txFillClrLst meth="repeat">
+      <a:schemeClr val="tx1"/>
+    </dgm:txFillClrLst>
+    <dgm:txEffectClrLst/>
+  </dgm:styleLbl>
+  <dgm:styleLbl name="parChTrans1D3">
+    <dgm:fillClrLst meth="repeat">
+      <a:schemeClr val="accent4">
+        <a:tint val="70000"/>
+      </a:schemeClr>
+    </dgm:fillClrLst>
+    <dgm:linClrLst meth="repeat">
+      <a:schemeClr val="accent3"/>
+    </dgm:linClrLst>
+    <dgm:effectClrLst/>
+    <dgm:txLinClrLst/>
+    <dgm:txFillClrLst meth="repeat">
+      <a:schemeClr val="tx1"/>
+    </dgm:txFillClrLst>
+    <dgm:txEffectClrLst/>
+  </dgm:styleLbl>
+  <dgm:styleLbl name="parChTrans1D4">
+    <dgm:fillClrLst meth="repeat">
+      <a:schemeClr val="accent5">
+        <a:tint val="50000"/>
+      </a:schemeClr>
+    </dgm:fillClrLst>
+    <dgm:linClrLst meth="repeat">
+      <a:schemeClr val="accent4"/>
+    </dgm:linClrLst>
+    <dgm:effectClrLst/>
+    <dgm:txLinClrLst/>
+    <dgm:txFillClrLst meth="repeat">
+      <a:schemeClr val="tx1"/>
+    </dgm:txFillClrLst>
+    <dgm:txEffectClrLst/>
+  </dgm:styleLbl>
+  <dgm:styleLbl name="fgAcc1">
+    <dgm:fillClrLst meth="repeat">
+      <a:schemeClr val="lt1">
+        <a:alpha val="90000"/>
+      </a:schemeClr>
+    </dgm:fillClrLst>
+    <dgm:linClrLst meth="repeat">
+      <a:schemeClr val="accent2"/>
+      <a:schemeClr val="accent3"/>
+      <a:schemeClr val="accent4"/>
+      <a:schemeClr val="accent5"/>
+      <a:schemeClr val="accent6"/>
+    </dgm:linClrLst>
+    <dgm:effectClrLst/>
+    <dgm:txLinClrLst/>
+    <dgm:txFillClrLst meth="repeat">
+      <a:schemeClr val="dk1"/>
+    </dgm:txFillClrLst>
+    <dgm:txEffectClrLst/>
+  </dgm:styleLbl>
+  <dgm:styleLbl name="conFgAcc1">
+    <dgm:fillClrLst meth="repeat">
+      <a:schemeClr val="lt1">
+        <a:alpha val="90000"/>
+      </a:schemeClr>
+    </dgm:fillClrLst>
+    <dgm:linClrLst meth="repeat">
+      <a:schemeClr val="accent2"/>
+      <a:schemeClr val="accent3"/>
+      <a:schemeClr val="accent4"/>
+      <a:schemeClr val="accent5"/>
+      <a:schemeClr val="accent6"/>
+    </dgm:linClrLst>
+    <dgm:effectClrLst/>
+    <dgm:txLinClrLst/>
+    <dgm:txFillClrLst meth="repeat">
+      <a:schemeClr val="dk1"/>
+    </dgm:txFillClrLst>
+    <dgm:txEffectClrLst/>
+  </dgm:styleLbl>
+  <dgm:styleLbl name="alignAcc1">
+    <dgm:fillClrLst meth="repeat">
+      <a:schemeClr val="lt1">
+        <a:alpha val="90000"/>
+      </a:schemeClr>
+    </dgm:fillClrLst>
+    <dgm:linClrLst meth="repeat">
+      <a:schemeClr val="accent2"/>
+      <a:schemeClr val="accent3"/>
+      <a:schemeClr val="accent4"/>
+      <a:schemeClr val="accent5"/>
+      <a:schemeClr val="accent6"/>
+    </dgm:linClrLst>
+    <dgm:effectClrLst/>
+    <dgm:txLinClrLst/>
+    <dgm:txFillClrLst meth="repeat">
+      <a:schemeClr val="dk1"/>
+    </dgm:txFillClrLst>
+    <dgm:txEffectClrLst/>
+  </dgm:styleLbl>
+  <dgm:styleLbl name="trAlignAcc1">
+    <dgm:fillClrLst meth="repeat">
+      <a:schemeClr val="lt1">
+        <a:alpha val="40000"/>
+      </a:schemeClr>
+    </dgm:fillClrLst>
+    <dgm:linClrLst meth="repeat">
+      <a:schemeClr val="accent1"/>
+    </dgm:linClrLst>
+    <dgm:effectClrLst/>
+    <dgm:txLinClrLst/>
+    <dgm:txFillClrLst meth="repeat">
+      <a:schemeClr val="dk1"/>
+    </dgm:txFillClrLst>
+    <dgm:txEffectClrLst/>
+  </dgm:styleLbl>
+  <dgm:styleLbl name="bgAcc1">
+    <dgm:fillClrLst meth="repeat">
+      <a:schemeClr val="lt1">
+        <a:alpha val="90000"/>
+      </a:schemeClr>
+    </dgm:fillClrLst>
+    <dgm:linClrLst meth="repeat">
+      <a:schemeClr val="accent2"/>
+      <a:schemeClr val="accent3"/>
+      <a:schemeClr val="accent4"/>
+      <a:schemeClr val="accent5"/>
+      <a:schemeClr val="accent6"/>
+    </dgm:linClrLst>
+    <dgm:effectClrLst/>
+    <dgm:txLinClrLst/>
+    <dgm:txFillClrLst meth="repeat">
+      <a:schemeClr val="dk1"/>
+    </dgm:txFillClrLst>
+    <dgm:txEffectClrLst/>
+  </dgm:styleLbl>
+  <dgm:styleLbl name="solidFgAcc1">
+    <dgm:fillClrLst meth="repeat">
+      <a:schemeClr val="lt1"/>
+    </dgm:fillClrLst>
+    <dgm:linClrLst meth="repeat">
+      <a:schemeClr val="accent2"/>
+      <a:schemeClr val="accent3"/>
+      <a:schemeClr val="accent4"/>
+      <a:schemeClr val="accent5"/>
+      <a:schemeClr val="accent6"/>
+    </dgm:linClrLst>
+    <dgm:effectClrLst/>
+    <dgm:txLinClrLst/>
+    <dgm:txFillClrLst meth="repeat">
+      <a:schemeClr val="dk1"/>
+    </dgm:txFillClrLst>
+    <dgm:txEffectClrLst/>
+  </dgm:styleLbl>
+  <dgm:styleLbl name="solidAlignAcc1">
+    <dgm:fillClrLst meth="repeat">
+      <a:schemeClr val="lt1"/>
+    </dgm:fillClrLst>
+    <dgm:linClrLst meth="repeat">
+      <a:schemeClr val="accent2"/>
+      <a:schemeClr val="accent3"/>
+      <a:schemeClr val="accent4"/>
+      <a:schemeClr val="accent5"/>
+      <a:schemeClr val="accent6"/>
+    </dgm:linClrLst>
+    <dgm:effectClrLst/>
+    <dgm:txLinClrLst/>
+    <dgm:txFillClrLst meth="repeat">
+      <a:schemeClr val="dk1"/>
+    </dgm:txFillClrLst>
+    <dgm:txEffectClrLst/>
+  </dgm:styleLbl>
+  <dgm:styleLbl name="solidBgAcc1">
+    <dgm:fillClrLst meth="repeat">
+      <a:schemeClr val="lt1"/>
+    </dgm:fillClrLst>
+    <dgm:linClrLst meth="repeat">
+      <a:schemeClr val="accent2"/>
+      <a:schemeClr val="accent3"/>
+      <a:schemeClr val="accent4"/>
+      <a:schemeClr val="accent5"/>
+      <a:schemeClr val="accent6"/>
+    </dgm:linClrLst>
+    <dgm:effectClrLst/>
+    <dgm:txLinClrLst/>
+    <dgm:txFillClrLst meth="repeat">
+      <a:schemeClr val="dk1"/>
+    </dgm:txFillClrLst>
+    <dgm:txEffectClrLst/>
+  </dgm:styleLbl>
+  <dgm:styleLbl name="fgAccFollowNode1">
+    <dgm:fillClrLst meth="repeat">
+      <a:schemeClr val="accent2">
+        <a:tint val="40000"/>
+        <a:alpha val="90000"/>
+      </a:schemeClr>
+      <a:schemeClr val="accent3">
+        <a:tint val="40000"/>
+        <a:alpha val="90000"/>
+      </a:schemeClr>
+      <a:schemeClr val="accent4">
+        <a:tint val="40000"/>
+        <a:alpha val="90000"/>
+      </a:schemeClr>
+      <a:schemeClr val="accent5">
+        <a:tint val="40000"/>
+        <a:alpha val="90000"/>
+      </a:schemeClr>
+      <a:schemeClr val="accent6">
+        <a:tint val="40000"/>
+        <a:alpha val="90000"/>
+      </a:schemeClr>
+    </dgm:fillClrLst>
+    <dgm:linClrLst meth="repeat">
+      <a:schemeClr val="accent2">
+        <a:tint val="40000"/>
+        <a:alpha val="90000"/>
+      </a:schemeClr>
+      <a:schemeClr val="accent3">
+        <a:tint val="40000"/>
+        <a:alpha val="90000"/>
+      </a:schemeClr>
+      <a:schemeClr val="accent4">
+        <a:tint val="40000"/>
+        <a:alpha val="90000"/>
+      </a:schemeClr>
+      <a:schemeClr val="accent5">
+        <a:tint val="40000"/>
+        <a:alpha val="90000"/>
+      </a:schemeClr>
+      <a:schemeClr val="accent6">
+        <a:tint val="40000"/>
+        <a:alpha val="90000"/>
+      </a:schemeClr>
+    </dgm:linClrLst>
+    <dgm:effectClrLst/>
+    <dgm:txLinClrLst/>
+    <dgm:txFillClrLst meth="repeat">
+      <a:schemeClr val="dk1"/>
+    </dgm:txFillClrLst>
+    <dgm:txEffectClrLst/>
+  </dgm:styleLbl>
+  <dgm:styleLbl name="alignAccFollowNode1">
+    <dgm:fillClrLst meth="repeat">
+      <a:schemeClr val="accent2">
+        <a:tint val="40000"/>
+        <a:alpha val="90000"/>
+      </a:schemeClr>
+      <a:schemeClr val="accent3">
+        <a:tint val="40000"/>
+        <a:alpha val="90000"/>
+      </a:schemeClr>
+      <a:schemeClr val="accent4">
+        <a:tint val="40000"/>
+        <a:alpha val="90000"/>
+      </a:schemeClr>
+      <a:schemeClr val="accent5">
+        <a:tint val="40000"/>
+        <a:alpha val="90000"/>
+      </a:schemeClr>
+      <a:schemeClr val="accent6">
+        <a:tint val="40000"/>
+        <a:alpha val="90000"/>
+      </a:schemeClr>
+    </dgm:fillClrLst>
+    <dgm:linClrLst meth="repeat">
+      <a:schemeClr val="accent2">
+        <a:tint val="40000"/>
+        <a:alpha val="90000"/>
+      </a:schemeClr>
+      <a:schemeClr val="accent3">
+        <a:tint val="40000"/>
+        <a:alpha val="90000"/>
+      </a:schemeClr>
+      <a:schemeClr val="accent4">
+        <a:tint val="40000"/>
+        <a:alpha val="90000"/>
+      </a:schemeClr>
+      <a:schemeClr val="accent5">
+        <a:tint val="40000"/>
+        <a:alpha val="90000"/>
+      </a:schemeClr>
+      <a:schemeClr val="accent6">
+        <a:tint val="40000"/>
+        <a:alpha val="90000"/>
+      </a:schemeClr>
+    </dgm:linClrLst>
+    <dgm:effectClrLst/>
+    <dgm:txLinClrLst/>
+    <dgm:txFillClrLst meth="repeat">
+      <a:schemeClr val="dk1"/>
+    </dgm:txFillClrLst>
+    <dgm:txEffectClrLst/>
+  </dgm:styleLbl>
+  <dgm:styleLbl name="bgAccFollowNode1">
+    <dgm:fillClrLst meth="repeat">
+      <a:schemeClr val="accent2">
+        <a:tint val="40000"/>
+        <a:alpha val="90000"/>
+      </a:schemeClr>
+      <a:schemeClr val="accent3">
+        <a:tint val="40000"/>
+        <a:alpha val="90000"/>
+      </a:schemeClr>
+      <a:schemeClr val="accent4">
+        <a:tint val="40000"/>
+        <a:alpha val="90000"/>
+      </a:schemeClr>
+      <a:schemeClr val="accent5">
+        <a:tint val="40000"/>
+        <a:alpha val="90000"/>
+      </a:schemeClr>
+      <a:schemeClr val="accent6">
+        <a:tint val="40000"/>
+        <a:alpha val="90000"/>
+      </a:schemeClr>
+    </dgm:fillClrLst>
+    <dgm:linClrLst meth="repeat">
+      <a:schemeClr val="accent2">
+        <a:tint val="40000"/>
+        <a:alpha val="90000"/>
+      </a:schemeClr>
+      <a:schemeClr val="accent3">
+        <a:tint val="40000"/>
+        <a:alpha val="90000"/>
+      </a:schemeClr>
+      <a:schemeClr val="accent4">
+        <a:tint val="40000"/>
+        <a:alpha val="90000"/>
+      </a:schemeClr>
+      <a:schemeClr val="accent5">
+        <a:tint val="40000"/>
+        <a:alpha val="90000"/>
+      </a:schemeClr>
+      <a:schemeClr val="accent6">
+        <a:tint val="40000"/>
+        <a:alpha val="90000"/>
+      </a:schemeClr>
+    </dgm:linClrLst>
+    <dgm:effectClrLst/>
+    <dgm:txLinClrLst/>
+    <dgm:txFillClrLst meth="repeat">
+      <a:schemeClr val="dk1"/>
+    </dgm:txFillClrLst>
+    <dgm:txEffectClrLst/>
+  </dgm:styleLbl>
+  <dgm:styleLbl name="fgAcc0">
+    <dgm:fillClrLst meth="repeat">
+      <a:schemeClr val="lt1">
+        <a:alpha val="90000"/>
+      </a:schemeClr>
+    </dgm:fillClrLst>
+    <dgm:linClrLst>
+      <a:schemeClr val="accent1"/>
+    </dgm:linClrLst>
+    <dgm:effectClrLst/>
+    <dgm:txLinClrLst/>
+    <dgm:txFillClrLst meth="repeat">
+      <a:schemeClr val="dk1"/>
+    </dgm:txFillClrLst>
+    <dgm:txEffectClrLst/>
+  </dgm:styleLbl>
+  <dgm:styleLbl name="fgAcc2">
+    <dgm:fillClrLst meth="repeat">
+      <a:schemeClr val="lt1">
+        <a:alpha val="90000"/>
+      </a:schemeClr>
+    </dgm:fillClrLst>
+    <dgm:linClrLst>
+      <a:schemeClr val="accent2"/>
+    </dgm:linClrLst>
+    <dgm:effectClrLst/>
+    <dgm:txLinClrLst/>
+    <dgm:txFillClrLst meth="repeat">
+      <a:schemeClr val="dk1"/>
+    </dgm:txFillClrLst>
+    <dgm:txEffectClrLst/>
+  </dgm:styleLbl>
+  <dgm:styleLbl name="fgAcc3">
+    <dgm:fillClrLst meth="repeat">
+      <a:schemeClr val="lt1">
+        <a:alpha val="90000"/>
+      </a:schemeClr>
+    </dgm:fillClrLst>
+    <dgm:linClrLst>
+      <a:schemeClr val="accent3"/>
+    </dgm:linClrLst>
+    <dgm:effectClrLst/>
+    <dgm:txLinClrLst/>
+    <dgm:txFillClrLst meth="repeat">
+      <a:schemeClr val="dk1"/>
+    </dgm:txFillClrLst>
+    <dgm:txEffectClrLst/>
+  </dgm:styleLbl>
+  <dgm:styleLbl name="fgAcc4">
+    <dgm:fillClrLst meth="repeat">
+      <a:schemeClr val="lt1">
+        <a:alpha val="90000"/>
+      </a:schemeClr>
+    </dgm:fillClrLst>
+    <dgm:linClrLst>
+      <a:schemeClr val="accent4"/>
+    </dgm:linClrLst>
+    <dgm:effectClrLst/>
+    <dgm:txLinClrLst/>
+    <dgm:txFillClrLst meth="repeat">
+      <a:schemeClr val="dk1"/>
+    </dgm:txFillClrLst>
+    <dgm:txEffectClrLst/>
+  </dgm:styleLbl>
+  <dgm:styleLbl name="bgShp">
+    <dgm:fillClrLst meth="repeat">
+      <a:schemeClr val="bg1">
+        <a:lumMod val="95000"/>
+      </a:schemeClr>
+    </dgm:fillClrLst>
+    <dgm:linClrLst meth="repeat">
+      <a:schemeClr val="dk1"/>
+    </dgm:linClrLst>
+    <dgm:effectClrLst/>
+    <dgm:txLinClrLst/>
+    <dgm:txFillClrLst meth="repeat">
+      <a:schemeClr val="dk1"/>
+    </dgm:txFillClrLst>
+    <dgm:txEffectClrLst/>
+  </dgm:styleLbl>
+  <dgm:styleLbl name="dkBgShp">
+    <dgm:fillClrLst meth="repeat">
+      <a:schemeClr val="accent2">
+        <a:shade val="90000"/>
+      </a:schemeClr>
+    </dgm:fillClrLst>
+    <dgm:linClrLst meth="repeat">
+      <a:schemeClr val="dk1"/>
+    </dgm:linClrLst>
+    <dgm:effectClrLst/>
+    <dgm:txLinClrLst/>
+    <dgm:txFillClrLst meth="repeat">
+      <a:schemeClr val="lt1"/>
+    </dgm:txFillClrLst>
+    <dgm:txEffectClrLst/>
+  </dgm:styleLbl>
+  <dgm:styleLbl name="trBgShp">
+    <dgm:fillClrLst meth="repeat">
+      <a:schemeClr val="accent1">
+        <a:tint val="50000"/>
+        <a:alpha val="40000"/>
+      </a:schemeClr>
+    </dgm:fillClrLst>
+    <dgm:linClrLst meth="repeat">
+      <a:schemeClr val="accent2"/>
+    </dgm:linClrLst>
+    <dgm:effectClrLst/>
+    <dgm:txLinClrLst/>
+    <dgm:txFillClrLst meth="repeat">
+      <a:schemeClr val="lt1"/>
+    </dgm:txFillClrLst>
+    <dgm:txEffectClrLst/>
+  </dgm:styleLbl>
+  <dgm:styleLbl name="fgShp">
+    <dgm:fillClrLst meth="repeat">
+      <a:schemeClr val="accent2">
+        <a:tint val="40000"/>
+      </a:schemeClr>
+    </dgm:fillClrLst>
+    <dgm:linClrLst meth="repeat">
+      <a:schemeClr val="lt1"/>
+    </dgm:linClrLst>
+    <dgm:effectClrLst/>
+    <dgm:txLinClrLst/>
+    <dgm:txFillClrLst meth="repeat">
+      <a:schemeClr val="dk1"/>
+    </dgm:txFillClrLst>
+    <dgm:txEffectClrLst/>
+  </dgm:styleLbl>
+  <dgm:styleLbl name="revTx">
+    <dgm:fillClrLst meth="repeat">
+      <a:schemeClr val="lt1">
+        <a:alpha val="0"/>
+      </a:schemeClr>
+    </dgm:fillClrLst>
+    <dgm:linClrLst meth="repeat">
+      <a:schemeClr val="dk1">
+        <a:alpha val="0"/>
+      </a:schemeClr>
+    </dgm:linClrLst>
+    <dgm:effectClrLst/>
+    <dgm:txLinClrLst/>
+    <dgm:txFillClrLst meth="repeat">
+      <a:schemeClr val="tx1"/>
+    </dgm:txFillClrLst>
+    <dgm:txEffectClrLst/>
+  </dgm:styleLbl>
+</dgm:colorsDef>
+</file>
+
+<file path=ppt/diagrams/colors5.xml><?xml version="1.0" encoding="utf-8"?>
 <dgm:colorsDef xmlns:dgm="http://schemas.openxmlformats.org/drawingml/2006/diagram" xmlns:a="http://schemas.openxmlformats.org/drawingml/2006/main" uniqueId="urn:microsoft.com/office/officeart/2018/5/colors/Iconchunking_neutralbg_colorful1">
   <dgm:title val=""/>
   <dgm:desc val=""/>
@@ -4788,6 +5710,376 @@
             <a:t> Random Forest better peformance</a:t>
           </a:r>
           <a:endParaRPr lang="en-US"/>
+        </a:p>
+      </dgm:t>
+    </dgm:pt>
+    <dgm:pt modelId="{1B6AE5B9-508B-4ACF-895A-541CC2CAD295}" type="parTrans" cxnId="{7AE98E1F-64E8-42CD-A6AF-52C736A417D7}">
+      <dgm:prSet/>
+      <dgm:spPr/>
+      <dgm:t>
+        <a:bodyPr/>
+        <a:lstStyle/>
+        <a:p>
+          <a:endParaRPr lang="en-US"/>
+        </a:p>
+      </dgm:t>
+    </dgm:pt>
+    <dgm:pt modelId="{A52D5B8B-A0A7-411D-88D3-BFE8B281B74A}" type="sibTrans" cxnId="{7AE98E1F-64E8-42CD-A6AF-52C736A417D7}">
+      <dgm:prSet/>
+      <dgm:spPr/>
+      <dgm:t>
+        <a:bodyPr/>
+        <a:lstStyle/>
+        <a:p>
+          <a:endParaRPr lang="en-US"/>
+        </a:p>
+      </dgm:t>
+    </dgm:pt>
+    <dgm:pt modelId="{34090AA6-056E-4063-A27E-ECC8EA28B48F}" type="pres">
+      <dgm:prSet presAssocID="{37CF7D4D-60D1-4689-B1A2-86BF9B03E90B}" presName="root" presStyleCnt="0">
+        <dgm:presLayoutVars>
+          <dgm:dir/>
+          <dgm:resizeHandles val="exact"/>
+        </dgm:presLayoutVars>
+      </dgm:prSet>
+      <dgm:spPr/>
+    </dgm:pt>
+    <dgm:pt modelId="{720F4308-5DE5-4A32-AD17-1CE9B205B713}" type="pres">
+      <dgm:prSet presAssocID="{7BCDCA34-1C72-4BB0-8C2E-5BE0F63ABE55}" presName="compNode" presStyleCnt="0"/>
+      <dgm:spPr/>
+    </dgm:pt>
+    <dgm:pt modelId="{226328AB-65C3-4FE1-8A37-BDB0FB32295A}" type="pres">
+      <dgm:prSet presAssocID="{7BCDCA34-1C72-4BB0-8C2E-5BE0F63ABE55}" presName="bgRect" presStyleLbl="bgShp" presStyleIdx="0" presStyleCnt="3"/>
+      <dgm:spPr/>
+    </dgm:pt>
+    <dgm:pt modelId="{B965B416-2EA6-425C-8214-76293D27BC8F}" type="pres">
+      <dgm:prSet presAssocID="{7BCDCA34-1C72-4BB0-8C2E-5BE0F63ABE55}" presName="iconRect" presStyleLbl="node1" presStyleIdx="0" presStyleCnt="3"/>
+      <dgm:spPr>
+        <a:blipFill>
+          <a:blip xmlns:r="http://schemas.openxmlformats.org/officeDocument/2006/relationships" r:embed="rId1">
+            <a:extLst>
+              <a:ext uri="{28A0092B-C50C-407E-A947-70E740481C1C}">
+                <a14:useLocalDpi xmlns:a14="http://schemas.microsoft.com/office/drawing/2010/main" val="0"/>
+              </a:ext>
+              <a:ext uri="{96DAC541-7B7A-43D3-8B79-37D633B846F1}">
+                <asvg:svgBlip xmlns:asvg="http://schemas.microsoft.com/office/drawing/2016/SVG/main" r:embed="rId2"/>
+              </a:ext>
+            </a:extLst>
+          </a:blip>
+          <a:stretch>
+            <a:fillRect/>
+          </a:stretch>
+        </a:blipFill>
+        <a:ln>
+          <a:noFill/>
+        </a:ln>
+      </dgm:spPr>
+      <dgm:extLst>
+        <a:ext uri="{E40237B7-FDA0-4F09-8148-C483321AD2D9}">
+          <dgm14:cNvPr xmlns:dgm14="http://schemas.microsoft.com/office/drawing/2010/diagram" id="0" name="" descr="Smiling Face with No Fill"/>
+        </a:ext>
+      </dgm:extLst>
+    </dgm:pt>
+    <dgm:pt modelId="{C9BB25F5-DFCC-4C36-B7D6-A949EB49CAAB}" type="pres">
+      <dgm:prSet presAssocID="{7BCDCA34-1C72-4BB0-8C2E-5BE0F63ABE55}" presName="spaceRect" presStyleCnt="0"/>
+      <dgm:spPr/>
+    </dgm:pt>
+    <dgm:pt modelId="{2608056B-D552-4D0E-8866-0C69BB0D7F8C}" type="pres">
+      <dgm:prSet presAssocID="{7BCDCA34-1C72-4BB0-8C2E-5BE0F63ABE55}" presName="parTx" presStyleLbl="revTx" presStyleIdx="0" presStyleCnt="3">
+        <dgm:presLayoutVars>
+          <dgm:chMax val="0"/>
+          <dgm:chPref val="0"/>
+        </dgm:presLayoutVars>
+      </dgm:prSet>
+      <dgm:spPr/>
+    </dgm:pt>
+    <dgm:pt modelId="{43FDB845-9F5E-4E94-BADA-4E1E0B17BD69}" type="pres">
+      <dgm:prSet presAssocID="{7D30E4CF-2672-40F0-A7A3-4619D1F0CA52}" presName="sibTrans" presStyleCnt="0"/>
+      <dgm:spPr/>
+    </dgm:pt>
+    <dgm:pt modelId="{68BD354A-1D28-4891-8413-5CBED039D1B6}" type="pres">
+      <dgm:prSet presAssocID="{D6C9B47E-B007-4E4C-A68F-A162CCC82CF1}" presName="compNode" presStyleCnt="0"/>
+      <dgm:spPr/>
+    </dgm:pt>
+    <dgm:pt modelId="{2F8EC7A2-38C6-47C0-B899-9548221F3FA1}" type="pres">
+      <dgm:prSet presAssocID="{D6C9B47E-B007-4E4C-A68F-A162CCC82CF1}" presName="bgRect" presStyleLbl="bgShp" presStyleIdx="1" presStyleCnt="3"/>
+      <dgm:spPr/>
+    </dgm:pt>
+    <dgm:pt modelId="{D4B71354-0999-41EA-9581-35DA0182C2C5}" type="pres">
+      <dgm:prSet presAssocID="{D6C9B47E-B007-4E4C-A68F-A162CCC82CF1}" presName="iconRect" presStyleLbl="node1" presStyleIdx="1" presStyleCnt="3"/>
+      <dgm:spPr>
+        <a:blipFill>
+          <a:blip xmlns:r="http://schemas.openxmlformats.org/officeDocument/2006/relationships" r:embed="rId3">
+            <a:extLst>
+              <a:ext uri="{28A0092B-C50C-407E-A947-70E740481C1C}">
+                <a14:useLocalDpi xmlns:a14="http://schemas.microsoft.com/office/drawing/2010/main" val="0"/>
+              </a:ext>
+              <a:ext uri="{96DAC541-7B7A-43D3-8B79-37D633B846F1}">
+                <asvg:svgBlip xmlns:asvg="http://schemas.microsoft.com/office/drawing/2016/SVG/main" r:embed="rId4"/>
+              </a:ext>
+            </a:extLst>
+          </a:blip>
+          <a:stretch>
+            <a:fillRect/>
+          </a:stretch>
+        </a:blipFill>
+        <a:ln>
+          <a:noFill/>
+        </a:ln>
+      </dgm:spPr>
+      <dgm:extLst>
+        <a:ext uri="{E40237B7-FDA0-4F09-8148-C483321AD2D9}">
+          <dgm14:cNvPr xmlns:dgm14="http://schemas.microsoft.com/office/drawing/2010/diagram" id="0" name="" descr="Bar chart"/>
+        </a:ext>
+      </dgm:extLst>
+    </dgm:pt>
+    <dgm:pt modelId="{53B00F6C-099B-4453-9BBE-FFE5E756117B}" type="pres">
+      <dgm:prSet presAssocID="{D6C9B47E-B007-4E4C-A68F-A162CCC82CF1}" presName="spaceRect" presStyleCnt="0"/>
+      <dgm:spPr/>
+    </dgm:pt>
+    <dgm:pt modelId="{41812333-4A2B-46F3-84BB-E94F6CEC636E}" type="pres">
+      <dgm:prSet presAssocID="{D6C9B47E-B007-4E4C-A68F-A162CCC82CF1}" presName="parTx" presStyleLbl="revTx" presStyleIdx="1" presStyleCnt="3">
+        <dgm:presLayoutVars>
+          <dgm:chMax val="0"/>
+          <dgm:chPref val="0"/>
+        </dgm:presLayoutVars>
+      </dgm:prSet>
+      <dgm:spPr/>
+    </dgm:pt>
+    <dgm:pt modelId="{06F496C0-0B72-4C38-B243-313DA9026B32}" type="pres">
+      <dgm:prSet presAssocID="{45883792-3109-46A8-B550-B736A3B1B0B0}" presName="sibTrans" presStyleCnt="0"/>
+      <dgm:spPr/>
+    </dgm:pt>
+    <dgm:pt modelId="{905CB88E-A4A6-450F-8D44-EB5CEEEC2C39}" type="pres">
+      <dgm:prSet presAssocID="{AB47D366-5094-481E-81D2-323D474B22D0}" presName="compNode" presStyleCnt="0"/>
+      <dgm:spPr/>
+    </dgm:pt>
+    <dgm:pt modelId="{0D24C18C-F6A0-46BD-881A-86DB096BC586}" type="pres">
+      <dgm:prSet presAssocID="{AB47D366-5094-481E-81D2-323D474B22D0}" presName="bgRect" presStyleLbl="bgShp" presStyleIdx="2" presStyleCnt="3"/>
+      <dgm:spPr/>
+    </dgm:pt>
+    <dgm:pt modelId="{1CD9778F-9EAD-4547-845B-DD095A433312}" type="pres">
+      <dgm:prSet presAssocID="{AB47D366-5094-481E-81D2-323D474B22D0}" presName="iconRect" presStyleLbl="node1" presStyleIdx="2" presStyleCnt="3"/>
+      <dgm:spPr>
+        <a:blipFill>
+          <a:blip xmlns:r="http://schemas.openxmlformats.org/officeDocument/2006/relationships" r:embed="rId5">
+            <a:extLst>
+              <a:ext uri="{28A0092B-C50C-407E-A947-70E740481C1C}">
+                <a14:useLocalDpi xmlns:a14="http://schemas.microsoft.com/office/drawing/2010/main" val="0"/>
+              </a:ext>
+              <a:ext uri="{96DAC541-7B7A-43D3-8B79-37D633B846F1}">
+                <asvg:svgBlip xmlns:asvg="http://schemas.microsoft.com/office/drawing/2016/SVG/main" r:embed="rId6"/>
+              </a:ext>
+            </a:extLst>
+          </a:blip>
+          <a:stretch>
+            <a:fillRect/>
+          </a:stretch>
+        </a:blipFill>
+        <a:ln>
+          <a:noFill/>
+        </a:ln>
+      </dgm:spPr>
+      <dgm:extLst>
+        <a:ext uri="{E40237B7-FDA0-4F09-8148-C483321AD2D9}">
+          <dgm14:cNvPr xmlns:dgm14="http://schemas.microsoft.com/office/drawing/2010/diagram" id="0" name="" descr="Deciduous tree"/>
+        </a:ext>
+      </dgm:extLst>
+    </dgm:pt>
+    <dgm:pt modelId="{F1CAF4E3-2B91-4397-9059-7FB628C3B5C6}" type="pres">
+      <dgm:prSet presAssocID="{AB47D366-5094-481E-81D2-323D474B22D0}" presName="spaceRect" presStyleCnt="0"/>
+      <dgm:spPr/>
+    </dgm:pt>
+    <dgm:pt modelId="{0082AF0F-5415-4D4C-9822-BE39B4EB095D}" type="pres">
+      <dgm:prSet presAssocID="{AB47D366-5094-481E-81D2-323D474B22D0}" presName="parTx" presStyleLbl="revTx" presStyleIdx="2" presStyleCnt="3">
+        <dgm:presLayoutVars>
+          <dgm:chMax val="0"/>
+          <dgm:chPref val="0"/>
+        </dgm:presLayoutVars>
+      </dgm:prSet>
+      <dgm:spPr/>
+    </dgm:pt>
+  </dgm:ptLst>
+  <dgm:cxnLst>
+    <dgm:cxn modelId="{7AE98E1F-64E8-42CD-A6AF-52C736A417D7}" srcId="{37CF7D4D-60D1-4689-B1A2-86BF9B03E90B}" destId="{AB47D366-5094-481E-81D2-323D474B22D0}" srcOrd="2" destOrd="0" parTransId="{1B6AE5B9-508B-4ACF-895A-541CC2CAD295}" sibTransId="{A52D5B8B-A0A7-411D-88D3-BFE8B281B74A}"/>
+    <dgm:cxn modelId="{80983837-9F56-498C-A8F0-BEC19596F8B7}" type="presOf" srcId="{D6C9B47E-B007-4E4C-A68F-A162CCC82CF1}" destId="{41812333-4A2B-46F3-84BB-E94F6CEC636E}" srcOrd="0" destOrd="0" presId="urn:microsoft.com/office/officeart/2018/2/layout/IconVerticalSolidList"/>
+    <dgm:cxn modelId="{03378740-7F92-4AA5-BCB6-43EBA0E2137F}" type="presOf" srcId="{AB47D366-5094-481E-81D2-323D474B22D0}" destId="{0082AF0F-5415-4D4C-9822-BE39B4EB095D}" srcOrd="0" destOrd="0" presId="urn:microsoft.com/office/officeart/2018/2/layout/IconVerticalSolidList"/>
+    <dgm:cxn modelId="{C9A01674-EADF-4C34-AE17-2C2C2D2E7B0E}" srcId="{37CF7D4D-60D1-4689-B1A2-86BF9B03E90B}" destId="{D6C9B47E-B007-4E4C-A68F-A162CCC82CF1}" srcOrd="1" destOrd="0" parTransId="{A9D55DFD-99AD-49D9-AD4F-D0E94B153C0C}" sibTransId="{45883792-3109-46A8-B550-B736A3B1B0B0}"/>
+    <dgm:cxn modelId="{76981FB3-BCCF-4EE7-99D4-E7F745BDACD8}" srcId="{37CF7D4D-60D1-4689-B1A2-86BF9B03E90B}" destId="{7BCDCA34-1C72-4BB0-8C2E-5BE0F63ABE55}" srcOrd="0" destOrd="0" parTransId="{0EB5424D-0A75-4E52-912C-C91DCE11EF80}" sibTransId="{7D30E4CF-2672-40F0-A7A3-4619D1F0CA52}"/>
+    <dgm:cxn modelId="{5F432CC6-4645-464F-B690-941531964925}" type="presOf" srcId="{37CF7D4D-60D1-4689-B1A2-86BF9B03E90B}" destId="{34090AA6-056E-4063-A27E-ECC8EA28B48F}" srcOrd="0" destOrd="0" presId="urn:microsoft.com/office/officeart/2018/2/layout/IconVerticalSolidList"/>
+    <dgm:cxn modelId="{1880BFE6-34DD-4630-913F-A22EA8870AEB}" type="presOf" srcId="{7BCDCA34-1C72-4BB0-8C2E-5BE0F63ABE55}" destId="{2608056B-D552-4D0E-8866-0C69BB0D7F8C}" srcOrd="0" destOrd="0" presId="urn:microsoft.com/office/officeart/2018/2/layout/IconVerticalSolidList"/>
+    <dgm:cxn modelId="{9FFD36DE-CD60-464E-9E57-390599F66B1C}" type="presParOf" srcId="{34090AA6-056E-4063-A27E-ECC8EA28B48F}" destId="{720F4308-5DE5-4A32-AD17-1CE9B205B713}" srcOrd="0" destOrd="0" presId="urn:microsoft.com/office/officeart/2018/2/layout/IconVerticalSolidList"/>
+    <dgm:cxn modelId="{3C60E1E6-7304-4881-8C6F-699BB3D6981F}" type="presParOf" srcId="{720F4308-5DE5-4A32-AD17-1CE9B205B713}" destId="{226328AB-65C3-4FE1-8A37-BDB0FB32295A}" srcOrd="0" destOrd="0" presId="urn:microsoft.com/office/officeart/2018/2/layout/IconVerticalSolidList"/>
+    <dgm:cxn modelId="{5688B986-23B4-428C-87CE-C45912DBE1C4}" type="presParOf" srcId="{720F4308-5DE5-4A32-AD17-1CE9B205B713}" destId="{B965B416-2EA6-425C-8214-76293D27BC8F}" srcOrd="1" destOrd="0" presId="urn:microsoft.com/office/officeart/2018/2/layout/IconVerticalSolidList"/>
+    <dgm:cxn modelId="{F92D053B-B18C-465A-B944-F09E16AE8CCA}" type="presParOf" srcId="{720F4308-5DE5-4A32-AD17-1CE9B205B713}" destId="{C9BB25F5-DFCC-4C36-B7D6-A949EB49CAAB}" srcOrd="2" destOrd="0" presId="urn:microsoft.com/office/officeart/2018/2/layout/IconVerticalSolidList"/>
+    <dgm:cxn modelId="{27E075EC-4A5D-420A-A767-8A2288AF039F}" type="presParOf" srcId="{720F4308-5DE5-4A32-AD17-1CE9B205B713}" destId="{2608056B-D552-4D0E-8866-0C69BB0D7F8C}" srcOrd="3" destOrd="0" presId="urn:microsoft.com/office/officeart/2018/2/layout/IconVerticalSolidList"/>
+    <dgm:cxn modelId="{8242736D-7133-423A-8A91-724AB6F761BE}" type="presParOf" srcId="{34090AA6-056E-4063-A27E-ECC8EA28B48F}" destId="{43FDB845-9F5E-4E94-BADA-4E1E0B17BD69}" srcOrd="1" destOrd="0" presId="urn:microsoft.com/office/officeart/2018/2/layout/IconVerticalSolidList"/>
+    <dgm:cxn modelId="{9E66CE0A-5304-4110-9BA5-9C52456C6B6C}" type="presParOf" srcId="{34090AA6-056E-4063-A27E-ECC8EA28B48F}" destId="{68BD354A-1D28-4891-8413-5CBED039D1B6}" srcOrd="2" destOrd="0" presId="urn:microsoft.com/office/officeart/2018/2/layout/IconVerticalSolidList"/>
+    <dgm:cxn modelId="{600CD1CC-2FAF-4673-9AED-64D7973030C7}" type="presParOf" srcId="{68BD354A-1D28-4891-8413-5CBED039D1B6}" destId="{2F8EC7A2-38C6-47C0-B899-9548221F3FA1}" srcOrd="0" destOrd="0" presId="urn:microsoft.com/office/officeart/2018/2/layout/IconVerticalSolidList"/>
+    <dgm:cxn modelId="{044268E9-4682-4816-B042-F0F88147C9AE}" type="presParOf" srcId="{68BD354A-1D28-4891-8413-5CBED039D1B6}" destId="{D4B71354-0999-41EA-9581-35DA0182C2C5}" srcOrd="1" destOrd="0" presId="urn:microsoft.com/office/officeart/2018/2/layout/IconVerticalSolidList"/>
+    <dgm:cxn modelId="{3696082A-7604-4478-B0C8-CF564D1F5B91}" type="presParOf" srcId="{68BD354A-1D28-4891-8413-5CBED039D1B6}" destId="{53B00F6C-099B-4453-9BBE-FFE5E756117B}" srcOrd="2" destOrd="0" presId="urn:microsoft.com/office/officeart/2018/2/layout/IconVerticalSolidList"/>
+    <dgm:cxn modelId="{B569E906-F60C-4ED4-9D13-57D6743C42AB}" type="presParOf" srcId="{68BD354A-1D28-4891-8413-5CBED039D1B6}" destId="{41812333-4A2B-46F3-84BB-E94F6CEC636E}" srcOrd="3" destOrd="0" presId="urn:microsoft.com/office/officeart/2018/2/layout/IconVerticalSolidList"/>
+    <dgm:cxn modelId="{0A4632E3-8FA9-4940-B7C7-335A135BA481}" type="presParOf" srcId="{34090AA6-056E-4063-A27E-ECC8EA28B48F}" destId="{06F496C0-0B72-4C38-B243-313DA9026B32}" srcOrd="3" destOrd="0" presId="urn:microsoft.com/office/officeart/2018/2/layout/IconVerticalSolidList"/>
+    <dgm:cxn modelId="{A696106F-CB21-4997-92ED-7A5128FF91BB}" type="presParOf" srcId="{34090AA6-056E-4063-A27E-ECC8EA28B48F}" destId="{905CB88E-A4A6-450F-8D44-EB5CEEEC2C39}" srcOrd="4" destOrd="0" presId="urn:microsoft.com/office/officeart/2018/2/layout/IconVerticalSolidList"/>
+    <dgm:cxn modelId="{6BD3431D-C780-4281-A018-9B60FB688C60}" type="presParOf" srcId="{905CB88E-A4A6-450F-8D44-EB5CEEEC2C39}" destId="{0D24C18C-F6A0-46BD-881A-86DB096BC586}" srcOrd="0" destOrd="0" presId="urn:microsoft.com/office/officeart/2018/2/layout/IconVerticalSolidList"/>
+    <dgm:cxn modelId="{7E85F1F7-1948-4EF6-BAD3-B34903F7B97E}" type="presParOf" srcId="{905CB88E-A4A6-450F-8D44-EB5CEEEC2C39}" destId="{1CD9778F-9EAD-4547-845B-DD095A433312}" srcOrd="1" destOrd="0" presId="urn:microsoft.com/office/officeart/2018/2/layout/IconVerticalSolidList"/>
+    <dgm:cxn modelId="{6BA29085-AA3D-4609-8D8A-EC5F53852CC1}" type="presParOf" srcId="{905CB88E-A4A6-450F-8D44-EB5CEEEC2C39}" destId="{F1CAF4E3-2B91-4397-9059-7FB628C3B5C6}" srcOrd="2" destOrd="0" presId="urn:microsoft.com/office/officeart/2018/2/layout/IconVerticalSolidList"/>
+    <dgm:cxn modelId="{A438E43A-9B26-40AA-9616-7804D80CA294}" type="presParOf" srcId="{905CB88E-A4A6-450F-8D44-EB5CEEEC2C39}" destId="{0082AF0F-5415-4D4C-9822-BE39B4EB095D}" srcOrd="3" destOrd="0" presId="urn:microsoft.com/office/officeart/2018/2/layout/IconVerticalSolidList"/>
+  </dgm:cxnLst>
+  <dgm:bg/>
+  <dgm:whole/>
+  <dgm:extLst>
+    <a:ext uri="http://schemas.microsoft.com/office/drawing/2008/diagram">
+      <dsp:dataModelExt xmlns:dsp="http://schemas.microsoft.com/office/drawing/2008/diagram" relId="rId6" minVer="http://schemas.openxmlformats.org/drawingml/2006/diagram"/>
+    </a:ext>
+  </dgm:extLst>
+</dgm:dataModel>
+</file>
+
+<file path=ppt/diagrams/data5.xml><?xml version="1.0" encoding="utf-8"?>
+<dgm:dataModel xmlns:dgm="http://schemas.openxmlformats.org/drawingml/2006/diagram" xmlns:a="http://schemas.openxmlformats.org/drawingml/2006/main">
+  <dgm:ptLst>
+    <dgm:pt modelId="{37CF7D4D-60D1-4689-B1A2-86BF9B03E90B}" type="doc">
+      <dgm:prSet loTypeId="urn:microsoft.com/office/officeart/2018/2/layout/IconVerticalSolidList" loCatId="icon" qsTypeId="urn:microsoft.com/office/officeart/2005/8/quickstyle/simple4" qsCatId="simple" csTypeId="urn:microsoft.com/office/officeart/2018/5/colors/Iconchunking_neutralbg_colorful1" csCatId="colorful" phldr="1"/>
+      <dgm:spPr/>
+      <dgm:t>
+        <a:bodyPr/>
+        <a:lstStyle/>
+        <a:p>
+          <a:endParaRPr lang="en-US"/>
+        </a:p>
+      </dgm:t>
+    </dgm:pt>
+    <dgm:pt modelId="{7BCDCA34-1C72-4BB0-8C2E-5BE0F63ABE55}">
+      <dgm:prSet/>
+      <dgm:spPr/>
+      <dgm:t>
+        <a:bodyPr/>
+        <a:lstStyle/>
+        <a:p>
+          <a:r>
+            <a:rPr lang="es-EC" dirty="0" err="1"/>
+            <a:t>Important</a:t>
+          </a:r>
+          <a:r>
+            <a:rPr lang="es-EC" dirty="0"/>
+            <a:t> and </a:t>
+          </a:r>
+          <a:r>
+            <a:rPr lang="es-EC" dirty="0" err="1"/>
+            <a:t>festive</a:t>
+          </a:r>
+          <a:r>
+            <a:rPr lang="es-EC" dirty="0"/>
+            <a:t> dates</a:t>
+          </a:r>
+          <a:endParaRPr lang="en-US" dirty="0"/>
+        </a:p>
+      </dgm:t>
+    </dgm:pt>
+    <dgm:pt modelId="{0EB5424D-0A75-4E52-912C-C91DCE11EF80}" type="parTrans" cxnId="{76981FB3-BCCF-4EE7-99D4-E7F745BDACD8}">
+      <dgm:prSet/>
+      <dgm:spPr/>
+      <dgm:t>
+        <a:bodyPr/>
+        <a:lstStyle/>
+        <a:p>
+          <a:endParaRPr lang="en-US"/>
+        </a:p>
+      </dgm:t>
+    </dgm:pt>
+    <dgm:pt modelId="{7D30E4CF-2672-40F0-A7A3-4619D1F0CA52}" type="sibTrans" cxnId="{76981FB3-BCCF-4EE7-99D4-E7F745BDACD8}">
+      <dgm:prSet/>
+      <dgm:spPr/>
+      <dgm:t>
+        <a:bodyPr/>
+        <a:lstStyle/>
+        <a:p>
+          <a:endParaRPr lang="en-US"/>
+        </a:p>
+      </dgm:t>
+    </dgm:pt>
+    <dgm:pt modelId="{D6C9B47E-B007-4E4C-A68F-A162CCC82CF1}">
+      <dgm:prSet/>
+      <dgm:spPr/>
+      <dgm:t>
+        <a:bodyPr/>
+        <a:lstStyle/>
+        <a:p>
+          <a:r>
+            <a:rPr lang="es-EC" dirty="0"/>
+            <a:t>True positive </a:t>
+          </a:r>
+          <a:r>
+            <a:rPr lang="es-EC" dirty="0" err="1"/>
+            <a:t>rate</a:t>
+          </a:r>
+          <a:r>
+            <a:rPr lang="es-EC" dirty="0"/>
+            <a:t> </a:t>
+          </a:r>
+          <a:r>
+            <a:rPr lang="es-EC" dirty="0" err="1"/>
+            <a:t>distinctive</a:t>
+          </a:r>
+          <a:endParaRPr lang="en-US" dirty="0"/>
+        </a:p>
+      </dgm:t>
+    </dgm:pt>
+    <dgm:pt modelId="{A9D55DFD-99AD-49D9-AD4F-D0E94B153C0C}" type="parTrans" cxnId="{C9A01674-EADF-4C34-AE17-2C2C2D2E7B0E}">
+      <dgm:prSet/>
+      <dgm:spPr/>
+      <dgm:t>
+        <a:bodyPr/>
+        <a:lstStyle/>
+        <a:p>
+          <a:endParaRPr lang="en-US"/>
+        </a:p>
+      </dgm:t>
+    </dgm:pt>
+    <dgm:pt modelId="{45883792-3109-46A8-B550-B736A3B1B0B0}" type="sibTrans" cxnId="{C9A01674-EADF-4C34-AE17-2C2C2D2E7B0E}">
+      <dgm:prSet/>
+      <dgm:spPr/>
+      <dgm:t>
+        <a:bodyPr/>
+        <a:lstStyle/>
+        <a:p>
+          <a:endParaRPr lang="en-US"/>
+        </a:p>
+      </dgm:t>
+    </dgm:pt>
+    <dgm:pt modelId="{AB47D366-5094-481E-81D2-323D474B22D0}">
+      <dgm:prSet/>
+      <dgm:spPr/>
+      <dgm:t>
+        <a:bodyPr/>
+        <a:lstStyle/>
+        <a:p>
+          <a:r>
+            <a:rPr lang="es-EC" dirty="0"/>
+            <a:t>False positive </a:t>
+          </a:r>
+          <a:r>
+            <a:rPr lang="es-EC" dirty="0" err="1"/>
+            <a:t>rate</a:t>
+          </a:r>
+          <a:r>
+            <a:rPr lang="es-EC" dirty="0"/>
+            <a:t> </a:t>
+          </a:r>
+          <a:r>
+            <a:rPr lang="es-EC" dirty="0" err="1"/>
+            <a:t>not</a:t>
+          </a:r>
+          <a:r>
+            <a:rPr lang="es-EC" dirty="0"/>
+            <a:t> </a:t>
+          </a:r>
+          <a:r>
+            <a:rPr lang="es-EC" dirty="0" err="1"/>
+            <a:t>distinctive</a:t>
+          </a:r>
+          <a:endParaRPr lang="en-US" dirty="0"/>
         </a:p>
       </dgm:t>
     </dgm:pt>
@@ -7324,6 +8616,515 @@
 </dsp:drawing>
 </file>
 
+<file path=ppt/diagrams/drawing5.xml><?xml version="1.0" encoding="utf-8"?>
+<dsp:drawing xmlns:dgm="http://schemas.openxmlformats.org/drawingml/2006/diagram" xmlns:dsp="http://schemas.microsoft.com/office/drawing/2008/diagram" xmlns:a="http://schemas.openxmlformats.org/drawingml/2006/main">
+  <dsp:spTree>
+    <dsp:nvGrpSpPr>
+      <dsp:cNvPr id="0" name=""/>
+      <dsp:cNvGrpSpPr/>
+    </dsp:nvGrpSpPr>
+    <dsp:grpSpPr/>
+    <dsp:sp modelId="{226328AB-65C3-4FE1-8A37-BDB0FB32295A}">
+      <dsp:nvSpPr>
+        <dsp:cNvPr id="0" name=""/>
+        <dsp:cNvSpPr/>
+      </dsp:nvSpPr>
+      <dsp:spPr>
+        <a:xfrm>
+          <a:off x="0" y="718"/>
+          <a:ext cx="6513603" cy="1681139"/>
+        </a:xfrm>
+        <a:prstGeom prst="roundRect">
+          <a:avLst>
+            <a:gd name="adj" fmla="val 10000"/>
+          </a:avLst>
+        </a:prstGeom>
+        <a:solidFill>
+          <a:schemeClr val="bg1">
+            <a:lumMod val="95000"/>
+            <a:hueOff val="0"/>
+            <a:satOff val="0"/>
+            <a:lumOff val="0"/>
+            <a:alphaOff val="0"/>
+          </a:schemeClr>
+        </a:solidFill>
+        <a:ln>
+          <a:noFill/>
+        </a:ln>
+        <a:effectLst/>
+      </dsp:spPr>
+      <dsp:style>
+        <a:lnRef idx="0">
+          <a:scrgbClr r="0" g="0" b="0"/>
+        </a:lnRef>
+        <a:fillRef idx="1">
+          <a:scrgbClr r="0" g="0" b="0"/>
+        </a:fillRef>
+        <a:effectRef idx="2">
+          <a:scrgbClr r="0" g="0" b="0"/>
+        </a:effectRef>
+        <a:fontRef idx="minor"/>
+      </dsp:style>
+    </dsp:sp>
+    <dsp:sp modelId="{B965B416-2EA6-425C-8214-76293D27BC8F}">
+      <dsp:nvSpPr>
+        <dsp:cNvPr id="0" name=""/>
+        <dsp:cNvSpPr/>
+      </dsp:nvSpPr>
+      <dsp:spPr>
+        <a:xfrm>
+          <a:off x="508544" y="378974"/>
+          <a:ext cx="924626" cy="924626"/>
+        </a:xfrm>
+        <a:prstGeom prst="rect">
+          <a:avLst/>
+        </a:prstGeom>
+        <a:blipFill>
+          <a:blip xmlns:r="http://schemas.openxmlformats.org/officeDocument/2006/relationships" r:embed="rId1">
+            <a:extLst>
+              <a:ext uri="{28A0092B-C50C-407E-A947-70E740481C1C}">
+                <a14:useLocalDpi xmlns:a14="http://schemas.microsoft.com/office/drawing/2010/main" val="0"/>
+              </a:ext>
+              <a:ext uri="{96DAC541-7B7A-43D3-8B79-37D633B846F1}">
+                <asvg:svgBlip xmlns:asvg="http://schemas.microsoft.com/office/drawing/2016/SVG/main" r:embed="rId2"/>
+              </a:ext>
+            </a:extLst>
+          </a:blip>
+          <a:stretch>
+            <a:fillRect/>
+          </a:stretch>
+        </a:blipFill>
+        <a:ln>
+          <a:noFill/>
+        </a:ln>
+        <a:effectLst/>
+      </dsp:spPr>
+      <dsp:style>
+        <a:lnRef idx="0">
+          <a:scrgbClr r="0" g="0" b="0"/>
+        </a:lnRef>
+        <a:fillRef idx="3">
+          <a:scrgbClr r="0" g="0" b="0"/>
+        </a:fillRef>
+        <a:effectRef idx="2">
+          <a:scrgbClr r="0" g="0" b="0"/>
+        </a:effectRef>
+        <a:fontRef idx="minor">
+          <a:schemeClr val="lt1"/>
+        </a:fontRef>
+      </dsp:style>
+    </dsp:sp>
+    <dsp:sp modelId="{2608056B-D552-4D0E-8866-0C69BB0D7F8C}">
+      <dsp:nvSpPr>
+        <dsp:cNvPr id="0" name=""/>
+        <dsp:cNvSpPr/>
+      </dsp:nvSpPr>
+      <dsp:spPr>
+        <a:xfrm>
+          <a:off x="1941716" y="718"/>
+          <a:ext cx="4571887" cy="1681139"/>
+        </a:xfrm>
+        <a:prstGeom prst="rect">
+          <a:avLst/>
+        </a:prstGeom>
+        <a:noFill/>
+        <a:ln>
+          <a:noFill/>
+        </a:ln>
+        <a:effectLst/>
+      </dsp:spPr>
+      <dsp:style>
+        <a:lnRef idx="0">
+          <a:scrgbClr r="0" g="0" b="0"/>
+        </a:lnRef>
+        <a:fillRef idx="0">
+          <a:scrgbClr r="0" g="0" b="0"/>
+        </a:fillRef>
+        <a:effectRef idx="0">
+          <a:scrgbClr r="0" g="0" b="0"/>
+        </a:effectRef>
+        <a:fontRef idx="minor"/>
+      </dsp:style>
+      <dsp:txBody>
+        <a:bodyPr spcFirstLastPara="0" vert="horz" wrap="square" lIns="177921" tIns="177921" rIns="177921" bIns="177921" numCol="1" spcCol="1270" anchor="ctr" anchorCtr="0">
+          <a:noAutofit/>
+        </a:bodyPr>
+        <a:lstStyle/>
+        <a:p>
+          <a:pPr marL="0" lvl="0" indent="0" algn="l" defTabSz="1111250">
+            <a:lnSpc>
+              <a:spcPct val="90000"/>
+            </a:lnSpc>
+            <a:spcBef>
+              <a:spcPct val="0"/>
+            </a:spcBef>
+            <a:spcAft>
+              <a:spcPct val="35000"/>
+            </a:spcAft>
+            <a:buNone/>
+          </a:pPr>
+          <a:r>
+            <a:rPr lang="es-EC" sz="2500" kern="1200" dirty="0" err="1"/>
+            <a:t>Important</a:t>
+          </a:r>
+          <a:r>
+            <a:rPr lang="es-EC" sz="2500" kern="1200" dirty="0"/>
+            <a:t> and </a:t>
+          </a:r>
+          <a:r>
+            <a:rPr lang="es-EC" sz="2500" kern="1200" dirty="0" err="1"/>
+            <a:t>festive</a:t>
+          </a:r>
+          <a:r>
+            <a:rPr lang="es-EC" sz="2500" kern="1200" dirty="0"/>
+            <a:t> dates</a:t>
+          </a:r>
+          <a:endParaRPr lang="en-US" sz="2500" kern="1200" dirty="0"/>
+        </a:p>
+      </dsp:txBody>
+      <dsp:txXfrm>
+        <a:off x="1941716" y="718"/>
+        <a:ext cx="4571887" cy="1681139"/>
+      </dsp:txXfrm>
+    </dsp:sp>
+    <dsp:sp modelId="{2F8EC7A2-38C6-47C0-B899-9548221F3FA1}">
+      <dsp:nvSpPr>
+        <dsp:cNvPr id="0" name=""/>
+        <dsp:cNvSpPr/>
+      </dsp:nvSpPr>
+      <dsp:spPr>
+        <a:xfrm>
+          <a:off x="0" y="2102143"/>
+          <a:ext cx="6513603" cy="1681139"/>
+        </a:xfrm>
+        <a:prstGeom prst="roundRect">
+          <a:avLst>
+            <a:gd name="adj" fmla="val 10000"/>
+          </a:avLst>
+        </a:prstGeom>
+        <a:solidFill>
+          <a:schemeClr val="bg1">
+            <a:lumMod val="95000"/>
+            <a:hueOff val="0"/>
+            <a:satOff val="0"/>
+            <a:lumOff val="0"/>
+            <a:alphaOff val="0"/>
+          </a:schemeClr>
+        </a:solidFill>
+        <a:ln>
+          <a:noFill/>
+        </a:ln>
+        <a:effectLst/>
+      </dsp:spPr>
+      <dsp:style>
+        <a:lnRef idx="0">
+          <a:scrgbClr r="0" g="0" b="0"/>
+        </a:lnRef>
+        <a:fillRef idx="1">
+          <a:scrgbClr r="0" g="0" b="0"/>
+        </a:fillRef>
+        <a:effectRef idx="2">
+          <a:scrgbClr r="0" g="0" b="0"/>
+        </a:effectRef>
+        <a:fontRef idx="minor"/>
+      </dsp:style>
+    </dsp:sp>
+    <dsp:sp modelId="{D4B71354-0999-41EA-9581-35DA0182C2C5}">
+      <dsp:nvSpPr>
+        <dsp:cNvPr id="0" name=""/>
+        <dsp:cNvSpPr/>
+      </dsp:nvSpPr>
+      <dsp:spPr>
+        <a:xfrm>
+          <a:off x="508544" y="2480399"/>
+          <a:ext cx="924626" cy="924626"/>
+        </a:xfrm>
+        <a:prstGeom prst="rect">
+          <a:avLst/>
+        </a:prstGeom>
+        <a:blipFill>
+          <a:blip xmlns:r="http://schemas.openxmlformats.org/officeDocument/2006/relationships" r:embed="rId3">
+            <a:extLst>
+              <a:ext uri="{28A0092B-C50C-407E-A947-70E740481C1C}">
+                <a14:useLocalDpi xmlns:a14="http://schemas.microsoft.com/office/drawing/2010/main" val="0"/>
+              </a:ext>
+              <a:ext uri="{96DAC541-7B7A-43D3-8B79-37D633B846F1}">
+                <asvg:svgBlip xmlns:asvg="http://schemas.microsoft.com/office/drawing/2016/SVG/main" r:embed="rId4"/>
+              </a:ext>
+            </a:extLst>
+          </a:blip>
+          <a:stretch>
+            <a:fillRect/>
+          </a:stretch>
+        </a:blipFill>
+        <a:ln>
+          <a:noFill/>
+        </a:ln>
+        <a:effectLst/>
+      </dsp:spPr>
+      <dsp:style>
+        <a:lnRef idx="0">
+          <a:scrgbClr r="0" g="0" b="0"/>
+        </a:lnRef>
+        <a:fillRef idx="3">
+          <a:scrgbClr r="0" g="0" b="0"/>
+        </a:fillRef>
+        <a:effectRef idx="2">
+          <a:scrgbClr r="0" g="0" b="0"/>
+        </a:effectRef>
+        <a:fontRef idx="minor">
+          <a:schemeClr val="lt1"/>
+        </a:fontRef>
+      </dsp:style>
+    </dsp:sp>
+    <dsp:sp modelId="{41812333-4A2B-46F3-84BB-E94F6CEC636E}">
+      <dsp:nvSpPr>
+        <dsp:cNvPr id="0" name=""/>
+        <dsp:cNvSpPr/>
+      </dsp:nvSpPr>
+      <dsp:spPr>
+        <a:xfrm>
+          <a:off x="1941716" y="2102143"/>
+          <a:ext cx="4571887" cy="1681139"/>
+        </a:xfrm>
+        <a:prstGeom prst="rect">
+          <a:avLst/>
+        </a:prstGeom>
+        <a:noFill/>
+        <a:ln>
+          <a:noFill/>
+        </a:ln>
+        <a:effectLst/>
+      </dsp:spPr>
+      <dsp:style>
+        <a:lnRef idx="0">
+          <a:scrgbClr r="0" g="0" b="0"/>
+        </a:lnRef>
+        <a:fillRef idx="0">
+          <a:scrgbClr r="0" g="0" b="0"/>
+        </a:fillRef>
+        <a:effectRef idx="0">
+          <a:scrgbClr r="0" g="0" b="0"/>
+        </a:effectRef>
+        <a:fontRef idx="minor"/>
+      </dsp:style>
+      <dsp:txBody>
+        <a:bodyPr spcFirstLastPara="0" vert="horz" wrap="square" lIns="177921" tIns="177921" rIns="177921" bIns="177921" numCol="1" spcCol="1270" anchor="ctr" anchorCtr="0">
+          <a:noAutofit/>
+        </a:bodyPr>
+        <a:lstStyle/>
+        <a:p>
+          <a:pPr marL="0" lvl="0" indent="0" algn="l" defTabSz="1111250">
+            <a:lnSpc>
+              <a:spcPct val="90000"/>
+            </a:lnSpc>
+            <a:spcBef>
+              <a:spcPct val="0"/>
+            </a:spcBef>
+            <a:spcAft>
+              <a:spcPct val="35000"/>
+            </a:spcAft>
+            <a:buNone/>
+          </a:pPr>
+          <a:r>
+            <a:rPr lang="es-EC" sz="2500" kern="1200" dirty="0"/>
+            <a:t>True positive </a:t>
+          </a:r>
+          <a:r>
+            <a:rPr lang="es-EC" sz="2500" kern="1200" dirty="0" err="1"/>
+            <a:t>rate</a:t>
+          </a:r>
+          <a:r>
+            <a:rPr lang="es-EC" sz="2500" kern="1200" dirty="0"/>
+            <a:t> </a:t>
+          </a:r>
+          <a:r>
+            <a:rPr lang="es-EC" sz="2500" kern="1200" dirty="0" err="1"/>
+            <a:t>distinctive</a:t>
+          </a:r>
+          <a:endParaRPr lang="en-US" sz="2500" kern="1200" dirty="0"/>
+        </a:p>
+      </dsp:txBody>
+      <dsp:txXfrm>
+        <a:off x="1941716" y="2102143"/>
+        <a:ext cx="4571887" cy="1681139"/>
+      </dsp:txXfrm>
+    </dsp:sp>
+    <dsp:sp modelId="{0D24C18C-F6A0-46BD-881A-86DB096BC586}">
+      <dsp:nvSpPr>
+        <dsp:cNvPr id="0" name=""/>
+        <dsp:cNvSpPr/>
+      </dsp:nvSpPr>
+      <dsp:spPr>
+        <a:xfrm>
+          <a:off x="0" y="4203567"/>
+          <a:ext cx="6513603" cy="1681139"/>
+        </a:xfrm>
+        <a:prstGeom prst="roundRect">
+          <a:avLst>
+            <a:gd name="adj" fmla="val 10000"/>
+          </a:avLst>
+        </a:prstGeom>
+        <a:solidFill>
+          <a:schemeClr val="bg1">
+            <a:lumMod val="95000"/>
+            <a:hueOff val="0"/>
+            <a:satOff val="0"/>
+            <a:lumOff val="0"/>
+            <a:alphaOff val="0"/>
+          </a:schemeClr>
+        </a:solidFill>
+        <a:ln>
+          <a:noFill/>
+        </a:ln>
+        <a:effectLst/>
+      </dsp:spPr>
+      <dsp:style>
+        <a:lnRef idx="0">
+          <a:scrgbClr r="0" g="0" b="0"/>
+        </a:lnRef>
+        <a:fillRef idx="1">
+          <a:scrgbClr r="0" g="0" b="0"/>
+        </a:fillRef>
+        <a:effectRef idx="2">
+          <a:scrgbClr r="0" g="0" b="0"/>
+        </a:effectRef>
+        <a:fontRef idx="minor"/>
+      </dsp:style>
+    </dsp:sp>
+    <dsp:sp modelId="{1CD9778F-9EAD-4547-845B-DD095A433312}">
+      <dsp:nvSpPr>
+        <dsp:cNvPr id="0" name=""/>
+        <dsp:cNvSpPr/>
+      </dsp:nvSpPr>
+      <dsp:spPr>
+        <a:xfrm>
+          <a:off x="508544" y="4581824"/>
+          <a:ext cx="924626" cy="924626"/>
+        </a:xfrm>
+        <a:prstGeom prst="rect">
+          <a:avLst/>
+        </a:prstGeom>
+        <a:blipFill>
+          <a:blip xmlns:r="http://schemas.openxmlformats.org/officeDocument/2006/relationships" r:embed="rId5">
+            <a:extLst>
+              <a:ext uri="{28A0092B-C50C-407E-A947-70E740481C1C}">
+                <a14:useLocalDpi xmlns:a14="http://schemas.microsoft.com/office/drawing/2010/main" val="0"/>
+              </a:ext>
+              <a:ext uri="{96DAC541-7B7A-43D3-8B79-37D633B846F1}">
+                <asvg:svgBlip xmlns:asvg="http://schemas.microsoft.com/office/drawing/2016/SVG/main" r:embed="rId6"/>
+              </a:ext>
+            </a:extLst>
+          </a:blip>
+          <a:stretch>
+            <a:fillRect/>
+          </a:stretch>
+        </a:blipFill>
+        <a:ln>
+          <a:noFill/>
+        </a:ln>
+        <a:effectLst/>
+      </dsp:spPr>
+      <dsp:style>
+        <a:lnRef idx="0">
+          <a:scrgbClr r="0" g="0" b="0"/>
+        </a:lnRef>
+        <a:fillRef idx="3">
+          <a:scrgbClr r="0" g="0" b="0"/>
+        </a:fillRef>
+        <a:effectRef idx="2">
+          <a:scrgbClr r="0" g="0" b="0"/>
+        </a:effectRef>
+        <a:fontRef idx="minor">
+          <a:schemeClr val="lt1"/>
+        </a:fontRef>
+      </dsp:style>
+    </dsp:sp>
+    <dsp:sp modelId="{0082AF0F-5415-4D4C-9822-BE39B4EB095D}">
+      <dsp:nvSpPr>
+        <dsp:cNvPr id="0" name=""/>
+        <dsp:cNvSpPr/>
+      </dsp:nvSpPr>
+      <dsp:spPr>
+        <a:xfrm>
+          <a:off x="1941716" y="4203567"/>
+          <a:ext cx="4571887" cy="1681139"/>
+        </a:xfrm>
+        <a:prstGeom prst="rect">
+          <a:avLst/>
+        </a:prstGeom>
+        <a:noFill/>
+        <a:ln>
+          <a:noFill/>
+        </a:ln>
+        <a:effectLst/>
+      </dsp:spPr>
+      <dsp:style>
+        <a:lnRef idx="0">
+          <a:scrgbClr r="0" g="0" b="0"/>
+        </a:lnRef>
+        <a:fillRef idx="0">
+          <a:scrgbClr r="0" g="0" b="0"/>
+        </a:fillRef>
+        <a:effectRef idx="0">
+          <a:scrgbClr r="0" g="0" b="0"/>
+        </a:effectRef>
+        <a:fontRef idx="minor"/>
+      </dsp:style>
+      <dsp:txBody>
+        <a:bodyPr spcFirstLastPara="0" vert="horz" wrap="square" lIns="177921" tIns="177921" rIns="177921" bIns="177921" numCol="1" spcCol="1270" anchor="ctr" anchorCtr="0">
+          <a:noAutofit/>
+        </a:bodyPr>
+        <a:lstStyle/>
+        <a:p>
+          <a:pPr marL="0" lvl="0" indent="0" algn="l" defTabSz="1111250">
+            <a:lnSpc>
+              <a:spcPct val="90000"/>
+            </a:lnSpc>
+            <a:spcBef>
+              <a:spcPct val="0"/>
+            </a:spcBef>
+            <a:spcAft>
+              <a:spcPct val="35000"/>
+            </a:spcAft>
+            <a:buNone/>
+          </a:pPr>
+          <a:r>
+            <a:rPr lang="es-EC" sz="2500" kern="1200" dirty="0"/>
+            <a:t>False positive </a:t>
+          </a:r>
+          <a:r>
+            <a:rPr lang="es-EC" sz="2500" kern="1200" dirty="0" err="1"/>
+            <a:t>rate</a:t>
+          </a:r>
+          <a:r>
+            <a:rPr lang="es-EC" sz="2500" kern="1200" dirty="0"/>
+            <a:t> </a:t>
+          </a:r>
+          <a:r>
+            <a:rPr lang="es-EC" sz="2500" kern="1200" dirty="0" err="1"/>
+            <a:t>not</a:t>
+          </a:r>
+          <a:r>
+            <a:rPr lang="es-EC" sz="2500" kern="1200" dirty="0"/>
+            <a:t> </a:t>
+          </a:r>
+          <a:r>
+            <a:rPr lang="es-EC" sz="2500" kern="1200" dirty="0" err="1"/>
+            <a:t>distinctive</a:t>
+          </a:r>
+          <a:endParaRPr lang="en-US" sz="2500" kern="1200" dirty="0"/>
+        </a:p>
+      </dsp:txBody>
+      <dsp:txXfrm>
+        <a:off x="1941716" y="4203567"/>
+        <a:ext cx="4571887" cy="1681139"/>
+      </dsp:txXfrm>
+    </dsp:sp>
+  </dsp:spTree>
+</dsp:drawing>
+</file>
+
 <file path=ppt/diagrams/layout1.xml><?xml version="1.0" encoding="utf-8"?>
 <dgm:layoutDef xmlns:dgm="http://schemas.openxmlformats.org/drawingml/2006/diagram" xmlns:a="http://schemas.openxmlformats.org/drawingml/2006/main" uniqueId="urn:microsoft.com/office/officeart/2005/8/layout/hierarchy1">
   <dgm:title val=""/>
@@ -8564,6 +10365,300 @@
 </dgm:layoutDef>
 </file>
 
+<file path=ppt/diagrams/layout5.xml><?xml version="1.0" encoding="utf-8"?>
+<dgm:layoutDef xmlns:dgm="http://schemas.openxmlformats.org/drawingml/2006/diagram" xmlns:a="http://schemas.openxmlformats.org/drawingml/2006/main" uniqueId="urn:microsoft.com/office/officeart/2018/2/layout/IconVerticalSolidList">
+  <dgm:title val="Icon Vertical Solid List"/>
+  <dgm:desc val="Use to show a series of visuals from top to bottom with Level 1 or Level 1 and Level 2 text grouped in a shape. Works best with icons or small pictures with lengthier descriptions."/>
+  <dgm:catLst>
+    <dgm:cat type="icon" pri="500"/>
+  </dgm:catLst>
+  <dgm:sampData useDef="1">
+    <dgm:dataModel>
+      <dgm:ptLst/>
+      <dgm:bg/>
+      <dgm:whole/>
+    </dgm:dataModel>
+  </dgm:sampData>
+  <dgm:styleData useDef="1">
+    <dgm:dataModel>
+      <dgm:ptLst/>
+      <dgm:bg/>
+      <dgm:whole/>
+    </dgm:dataModel>
+  </dgm:styleData>
+  <dgm:clrData useDef="1">
+    <dgm:dataModel>
+      <dgm:ptLst/>
+      <dgm:bg/>
+      <dgm:whole/>
+    </dgm:dataModel>
+  </dgm:clrData>
+  <dgm:layoutNode name="root">
+    <dgm:varLst>
+      <dgm:dir/>
+      <dgm:resizeHandles val="exact"/>
+    </dgm:varLst>
+    <dgm:choose name="Name0">
+      <dgm:if name="Name1" axis="self" func="var" arg="dir" op="equ" val="norm">
+        <dgm:alg type="lin">
+          <dgm:param type="linDir" val="fromT"/>
+          <dgm:param type="nodeHorzAlign" val="l"/>
+        </dgm:alg>
+      </dgm:if>
+      <dgm:else name="Name2">
+        <dgm:alg type="lin">
+          <dgm:param type="linDir" val="fromT"/>
+          <dgm:param type="nodeHorzAlign" val="r"/>
+        </dgm:alg>
+      </dgm:else>
+    </dgm:choose>
+    <dgm:shape xmlns:r="http://schemas.openxmlformats.org/officeDocument/2006/relationships" r:blip="">
+      <dgm:adjLst/>
+    </dgm:shape>
+    <dgm:presOf/>
+    <dgm:choose name="Name3">
+      <dgm:if name="Name4" axis="ch" ptType="node" func="cnt" op="lte" val="3">
+        <dgm:constrLst>
+          <dgm:constr type="h" for="ch" forName="compNode" refType="h" fact="0.3"/>
+          <dgm:constr type="w" for="ch" forName="compNode" refType="w"/>
+          <dgm:constr type="h" for="ch" forName="sibTrans" refType="h" refFor="ch" refForName="compNode" fact="0.25"/>
+          <dgm:constr type="primFontSz" for="des" forName="parTx" val="25"/>
+          <dgm:constr type="primFontSz" for="des" forName="desTx" refType="primFontSz" refFor="des" refForName="parTx" op="lte" fact="0.75"/>
+          <dgm:constr type="h" for="des" forName="compNode" op="equ"/>
+          <dgm:constr type="h" for="des" forName="bgRect" op="equ"/>
+          <dgm:constr type="h" for="des" forName="iconRect" op="equ"/>
+          <dgm:constr type="w" for="des" forName="iconRect" op="equ"/>
+          <dgm:constr type="h" for="des" forName="spaceRect" op="equ"/>
+          <dgm:constr type="h" for="des" forName="parTx" op="equ"/>
+          <dgm:constr type="h" for="des" forName="desTx" op="equ"/>
+        </dgm:constrLst>
+      </dgm:if>
+      <dgm:if name="Name5" axis="ch" ptType="node" func="cnt" op="lte" val="4">
+        <dgm:constrLst>
+          <dgm:constr type="h" for="ch" forName="compNode" refType="h" fact="0.3"/>
+          <dgm:constr type="w" for="ch" forName="compNode" refType="w"/>
+          <dgm:constr type="h" for="ch" forName="sibTrans" refType="h" refFor="ch" refForName="compNode" fact="0.25"/>
+          <dgm:constr type="primFontSz" for="des" forName="parTx" val="22"/>
+          <dgm:constr type="primFontSz" for="des" forName="desTx" refType="primFontSz" refFor="des" refForName="parTx" op="lte" fact="0.75"/>
+          <dgm:constr type="h" for="des" forName="compNode" op="equ"/>
+          <dgm:constr type="h" for="des" forName="bgRect" op="equ"/>
+          <dgm:constr type="h" for="des" forName="iconRect" op="equ"/>
+          <dgm:constr type="w" for="des" forName="iconRect" op="equ"/>
+          <dgm:constr type="h" for="des" forName="spaceRect" op="equ"/>
+          <dgm:constr type="h" for="des" forName="parTx" op="equ"/>
+          <dgm:constr type="h" for="des" forName="desTx" op="equ"/>
+        </dgm:constrLst>
+      </dgm:if>
+      <dgm:if name="Name6" axis="ch" ptType="node" func="cnt" op="lte" val="6">
+        <dgm:constrLst>
+          <dgm:constr type="h" for="ch" forName="compNode" refType="h" fact="0.3"/>
+          <dgm:constr type="w" for="ch" forName="compNode" refType="w"/>
+          <dgm:constr type="h" for="ch" forName="sibTrans" refType="h" refFor="ch" refForName="compNode" fact="0.25"/>
+          <dgm:constr type="primFontSz" for="des" forName="parTx" val="19"/>
+          <dgm:constr type="primFontSz" for="des" forName="desTx" refType="primFontSz" refFor="des" refForName="parTx" op="lte" fact="0.75"/>
+          <dgm:constr type="h" for="des" forName="compNode" op="equ"/>
+          <dgm:constr type="h" for="des" forName="bgRect" op="equ"/>
+          <dgm:constr type="h" for="des" forName="iconRect" op="equ"/>
+          <dgm:constr type="w" for="des" forName="iconRect" op="equ"/>
+          <dgm:constr type="h" for="des" forName="spaceRect" op="equ"/>
+          <dgm:constr type="h" for="des" forName="parTx" op="equ"/>
+          <dgm:constr type="h" for="des" forName="desTx" op="equ"/>
+        </dgm:constrLst>
+      </dgm:if>
+      <dgm:else name="Name7">
+        <dgm:constrLst>
+          <dgm:constr type="h" for="ch" forName="compNode" refType="h" fact="0.3"/>
+          <dgm:constr type="w" for="ch" forName="compNode" refType="w"/>
+          <dgm:constr type="h" for="ch" forName="sibTrans" refType="h" refFor="ch" refForName="compNode" fact="0.25"/>
+          <dgm:constr type="primFontSz" for="des" forName="parTx" val="16"/>
+          <dgm:constr type="primFontSz" for="des" forName="desTx" refType="primFontSz" refFor="des" refForName="parTx" op="lte" fact="0.75"/>
+          <dgm:constr type="h" for="des" forName="compNode" op="equ"/>
+          <dgm:constr type="h" for="des" forName="bgRect" op="equ"/>
+          <dgm:constr type="h" for="des" forName="iconRect" op="equ"/>
+          <dgm:constr type="w" for="des" forName="iconRect" op="equ"/>
+          <dgm:constr type="h" for="des" forName="spaceRect" op="equ"/>
+          <dgm:constr type="h" for="des" forName="parTx" op="equ"/>
+          <dgm:constr type="h" for="des" forName="desTx" op="equ"/>
+        </dgm:constrLst>
+      </dgm:else>
+    </dgm:choose>
+    <dgm:ruleLst>
+      <dgm:rule type="h" for="ch" forName="compNode" val="0" fact="NaN" max="NaN"/>
+    </dgm:ruleLst>
+    <dgm:forEach name="Name8" axis="ch" ptType="node">
+      <dgm:layoutNode name="compNode">
+        <dgm:alg type="composite"/>
+        <dgm:shape xmlns:r="http://schemas.openxmlformats.org/officeDocument/2006/relationships" r:blip="">
+          <dgm:adjLst/>
+        </dgm:shape>
+        <dgm:presOf axis="self"/>
+        <dgm:choose name="Name9">
+          <dgm:if name="Name10" axis="ch" ptType="node" func="cnt" op="gte" val="1">
+            <dgm:constrLst>
+              <dgm:constr type="w" for="ch" forName="bgRect" refType="w"/>
+              <dgm:constr type="h" for="ch" forName="bgRect" refType="h"/>
+              <dgm:constr type="l" for="ch" forName="bgRect"/>
+              <dgm:constr type="t" for="ch" forName="bgRect"/>
+              <dgm:constr type="h" for="ch" forName="iconRect" refType="h" fact="0.55"/>
+              <dgm:constr type="w" for="ch" forName="iconRect" refType="h" refFor="ch" refForName="iconRect"/>
+              <dgm:constr type="l" for="ch" forName="iconRect" refType="h" refFor="ch" refForName="iconRect" fact="0.55"/>
+              <dgm:constr type="ctrY" for="ch" forName="iconRect" refType="ctrY" refFor="ch" refForName="bgRect"/>
+              <dgm:constr type="w" for="ch" forName="spaceRect" refType="l" refFor="ch" refForName="iconRect"/>
+              <dgm:constr type="h" for="ch" forName="spaceRect" refType="h"/>
+              <dgm:constr type="l" for="ch" forName="spaceRect" refType="r" refFor="ch" refForName="iconRect"/>
+              <dgm:constr type="t" for="ch" forName="spaceRect"/>
+              <dgm:constr type="w" for="ch" forName="parTx" refType="w" fact="0.45"/>
+              <dgm:constr type="h" for="ch" forName="parTx" refType="h"/>
+              <dgm:constr type="l" for="ch" forName="parTx" refType="r" refFor="ch" refForName="spaceRect"/>
+              <dgm:constr type="t" for="ch" forName="parTx"/>
+              <dgm:constr type="h" for="ch" forName="desTx" refType="h"/>
+              <dgm:constr type="l" for="ch" forName="desTx" refType="r" refFor="ch" refForName="parTx"/>
+              <dgm:constr type="t" for="ch" forName="desTx"/>
+            </dgm:constrLst>
+          </dgm:if>
+          <dgm:else name="Name11">
+            <dgm:constrLst>
+              <dgm:constr type="w" for="ch" forName="bgRect" refType="w"/>
+              <dgm:constr type="h" for="ch" forName="bgRect" refType="h"/>
+              <dgm:constr type="l" for="ch" forName="bgRect"/>
+              <dgm:constr type="t" for="ch" forName="bgRect"/>
+              <dgm:constr type="h" for="ch" forName="iconRect" refType="h" fact="0.55"/>
+              <dgm:constr type="w" for="ch" forName="iconRect" refType="h" refFor="ch" refForName="iconRect"/>
+              <dgm:constr type="l" for="ch" forName="iconRect" refType="h" refFor="ch" refForName="iconRect" fact="0.55"/>
+              <dgm:constr type="ctrY" for="ch" forName="iconRect" refType="ctrY" refFor="ch" refForName="bgRect"/>
+              <dgm:constr type="w" for="ch" forName="spaceRect" refType="l" refFor="ch" refForName="iconRect"/>
+              <dgm:constr type="h" for="ch" forName="spaceRect" refType="h"/>
+              <dgm:constr type="l" for="ch" forName="spaceRect" refType="r" refFor="ch" refForName="iconRect"/>
+              <dgm:constr type="t" for="ch" forName="spaceRect"/>
+              <dgm:constr type="h" for="ch" forName="parTx" refType="h"/>
+              <dgm:constr type="l" for="ch" forName="parTx" refType="r" refFor="ch" refForName="spaceRect"/>
+              <dgm:constr type="t" for="ch" forName="parTx"/>
+            </dgm:constrLst>
+          </dgm:else>
+        </dgm:choose>
+        <dgm:ruleLst>
+          <dgm:rule type="h" val="INF" fact="NaN" max="NaN"/>
+        </dgm:ruleLst>
+        <dgm:layoutNode name="bgRect" styleLbl="bgShp">
+          <dgm:alg type="sp"/>
+          <dgm:shape xmlns:r="http://schemas.openxmlformats.org/officeDocument/2006/relationships" type="roundRect" r:blip="">
+            <dgm:adjLst>
+              <dgm:adj idx="1" val="0.1"/>
+            </dgm:adjLst>
+          </dgm:shape>
+          <dgm:presOf/>
+          <dgm:constrLst/>
+          <dgm:ruleLst/>
+        </dgm:layoutNode>
+        <dgm:layoutNode name="iconRect" styleLbl="node1">
+          <dgm:alg type="sp"/>
+          <dgm:shape xmlns:r="http://schemas.openxmlformats.org/officeDocument/2006/relationships" type="rect" r:blip="" blipPhldr="1">
+            <dgm:adjLst/>
+          </dgm:shape>
+          <dgm:presOf/>
+          <dgm:constrLst/>
+          <dgm:ruleLst/>
+        </dgm:layoutNode>
+        <dgm:layoutNode name="spaceRect">
+          <dgm:alg type="sp"/>
+          <dgm:shape xmlns:r="http://schemas.openxmlformats.org/officeDocument/2006/relationships" r:blip="">
+            <dgm:adjLst/>
+          </dgm:shape>
+          <dgm:presOf/>
+          <dgm:constrLst/>
+          <dgm:ruleLst/>
+        </dgm:layoutNode>
+        <dgm:layoutNode name="parTx" styleLbl="revTx">
+          <dgm:varLst>
+            <dgm:chMax val="0"/>
+            <dgm:chPref val="0"/>
+          </dgm:varLst>
+          <dgm:alg type="tx">
+            <dgm:param type="txAnchorVert" val="mid"/>
+            <dgm:param type="parTxLTRAlign" val="l"/>
+            <dgm:param type="shpTxLTRAlignCh" val="l"/>
+            <dgm:param type="parTxRTLAlign" val="r"/>
+            <dgm:param type="shpTxRTLAlignCh" val="r"/>
+          </dgm:alg>
+          <dgm:shape xmlns:r="http://schemas.openxmlformats.org/officeDocument/2006/relationships" type="rect" r:blip="">
+            <dgm:adjLst/>
+          </dgm:shape>
+          <dgm:presOf axis="self" ptType="node"/>
+          <dgm:constrLst>
+            <dgm:constr type="lMarg" refType="h" fact="0.3"/>
+            <dgm:constr type="rMarg" refType="h" fact="0.3"/>
+            <dgm:constr type="tMarg" refType="h" fact="0.3"/>
+            <dgm:constr type="bMarg" refType="h" fact="0.3"/>
+          </dgm:constrLst>
+          <dgm:ruleLst>
+            <dgm:rule type="primFontSz" val="14" fact="NaN" max="NaN"/>
+            <dgm:rule type="h" val="INF" fact="NaN" max="NaN"/>
+          </dgm:ruleLst>
+        </dgm:layoutNode>
+        <dgm:choose name="Name12">
+          <dgm:if name="Name13" axis="ch" ptType="node" func="cnt" op="gte" val="1">
+            <dgm:layoutNode name="desTx" styleLbl="revTx">
+              <dgm:varLst/>
+              <dgm:alg type="tx">
+                <dgm:param type="txAnchorVertCh" val="mid"/>
+                <dgm:param type="parTxLTRAlign" val="l"/>
+                <dgm:param type="shpTxLTRAlignCh" val="l"/>
+                <dgm:param type="parTxRTLAlign" val="r"/>
+                <dgm:param type="shpTxRTLAlignCh" val="r"/>
+                <dgm:param type="stBulletLvl" val="0"/>
+              </dgm:alg>
+              <dgm:shape xmlns:r="http://schemas.openxmlformats.org/officeDocument/2006/relationships" type="rect" r:blip="">
+                <dgm:adjLst/>
+              </dgm:shape>
+              <dgm:presOf axis="des" ptType="node"/>
+              <dgm:constrLst>
+                <dgm:constr type="primFontSz" val="18"/>
+                <dgm:constr type="secFontSz" refType="primFontSz"/>
+                <dgm:constr type="lMarg" refType="h" fact="0.3"/>
+                <dgm:constr type="rMarg" refType="h" fact="0.3"/>
+                <dgm:constr type="tMarg" refType="h" fact="0.3"/>
+                <dgm:constr type="bMarg" refType="h" fact="0.3"/>
+              </dgm:constrLst>
+              <dgm:ruleLst>
+                <dgm:rule type="primFontSz" val="11" fact="NaN" max="NaN"/>
+              </dgm:ruleLst>
+            </dgm:layoutNode>
+          </dgm:if>
+          <dgm:else name="Name14"/>
+        </dgm:choose>
+      </dgm:layoutNode>
+      <dgm:forEach name="Name15" axis="followSib" ptType="sibTrans" cnt="1">
+        <dgm:layoutNode name="sibTrans">
+          <dgm:alg type="sp"/>
+          <dgm:shape xmlns:r="http://schemas.openxmlformats.org/officeDocument/2006/relationships" r:blip="">
+            <dgm:adjLst/>
+          </dgm:shape>
+          <dgm:presOf axis="self"/>
+          <dgm:constrLst/>
+          <dgm:ruleLst/>
+        </dgm:layoutNode>
+      </dgm:forEach>
+    </dgm:forEach>
+  </dgm:layoutNode>
+  <dgm:extLst>
+    <a:ext uri="{68A01E43-0DF5-4B5B-8FA6-DAF915123BFB}">
+      <dgm1612:lstStyle xmlns:dgm1612="http://schemas.microsoft.com/office/drawing/2016/12/diagram">
+        <a:lvl1pPr>
+          <a:lnSpc>
+            <a:spcPct val="100000"/>
+          </a:lnSpc>
+        </a:lvl1pPr>
+        <a:lvl2pPr>
+          <a:lnSpc>
+            <a:spcPct val="100000"/>
+          </a:lnSpc>
+        </a:lvl2pPr>
+      </dgm1612:lstStyle>
+    </a:ext>
+  </dgm:extLst>
+</dgm:layoutDef>
+</file>
+
 <file path=ppt/diagrams/quickStyle1.xml><?xml version="1.0" encoding="utf-8"?>
 <dgm:styleDef xmlns:dgm="http://schemas.openxmlformats.org/drawingml/2006/diagram" xmlns:a="http://schemas.openxmlformats.org/drawingml/2006/main" uniqueId="urn:microsoft.com/office/officeart/2005/8/quickstyle/simple4">
   <dgm:title val=""/>
@@ -11667,6 +13762,1040 @@
 </file>
 
 <file path=ppt/diagrams/quickStyle4.xml><?xml version="1.0" encoding="utf-8"?>
+<dgm:styleDef xmlns:dgm="http://schemas.openxmlformats.org/drawingml/2006/diagram" xmlns:a="http://schemas.openxmlformats.org/drawingml/2006/main" uniqueId="urn:microsoft.com/office/officeart/2005/8/quickstyle/simple4">
+  <dgm:title val=""/>
+  <dgm:desc val=""/>
+  <dgm:catLst>
+    <dgm:cat type="simple" pri="10400"/>
+  </dgm:catLst>
+  <dgm:scene3d>
+    <a:camera prst="orthographicFront"/>
+    <a:lightRig rig="threePt" dir="t"/>
+  </dgm:scene3d>
+  <dgm:styleLbl name="node0">
+    <dgm:scene3d>
+      <a:camera prst="orthographicFront"/>
+      <a:lightRig rig="threePt" dir="t"/>
+    </dgm:scene3d>
+    <dgm:sp3d/>
+    <dgm:txPr/>
+    <dgm:style>
+      <a:lnRef idx="0">
+        <a:scrgbClr r="0" g="0" b="0"/>
+      </a:lnRef>
+      <a:fillRef idx="3">
+        <a:scrgbClr r="0" g="0" b="0"/>
+      </a:fillRef>
+      <a:effectRef idx="2">
+        <a:scrgbClr r="0" g="0" b="0"/>
+      </a:effectRef>
+      <a:fontRef idx="minor">
+        <a:schemeClr val="lt1"/>
+      </a:fontRef>
+    </dgm:style>
+  </dgm:styleLbl>
+  <dgm:styleLbl name="lnNode1">
+    <dgm:scene3d>
+      <a:camera prst="orthographicFront"/>
+      <a:lightRig rig="threePt" dir="t"/>
+    </dgm:scene3d>
+    <dgm:sp3d/>
+    <dgm:txPr/>
+    <dgm:style>
+      <a:lnRef idx="1">
+        <a:scrgbClr r="0" g="0" b="0"/>
+      </a:lnRef>
+      <a:fillRef idx="3">
+        <a:scrgbClr r="0" g="0" b="0"/>
+      </a:fillRef>
+      <a:effectRef idx="2">
+        <a:scrgbClr r="0" g="0" b="0"/>
+      </a:effectRef>
+      <a:fontRef idx="minor">
+        <a:schemeClr val="lt1"/>
+      </a:fontRef>
+    </dgm:style>
+  </dgm:styleLbl>
+  <dgm:styleLbl name="vennNode1">
+    <dgm:scene3d>
+      <a:camera prst="orthographicFront"/>
+      <a:lightRig rig="threePt" dir="t"/>
+    </dgm:scene3d>
+    <dgm:sp3d/>
+    <dgm:txPr/>
+    <dgm:style>
+      <a:lnRef idx="0">
+        <a:scrgbClr r="0" g="0" b="0"/>
+      </a:lnRef>
+      <a:fillRef idx="3">
+        <a:scrgbClr r="0" g="0" b="0"/>
+      </a:fillRef>
+      <a:effectRef idx="0">
+        <a:scrgbClr r="0" g="0" b="0"/>
+      </a:effectRef>
+      <a:fontRef idx="minor">
+        <a:schemeClr val="tx1"/>
+      </a:fontRef>
+    </dgm:style>
+  </dgm:styleLbl>
+  <dgm:styleLbl name="alignNode1">
+    <dgm:scene3d>
+      <a:camera prst="orthographicFront"/>
+      <a:lightRig rig="threePt" dir="t"/>
+    </dgm:scene3d>
+    <dgm:sp3d/>
+    <dgm:txPr/>
+    <dgm:style>
+      <a:lnRef idx="1">
+        <a:scrgbClr r="0" g="0" b="0"/>
+      </a:lnRef>
+      <a:fillRef idx="3">
+        <a:scrgbClr r="0" g="0" b="0"/>
+      </a:fillRef>
+      <a:effectRef idx="2">
+        <a:scrgbClr r="0" g="0" b="0"/>
+      </a:effectRef>
+      <a:fontRef idx="minor">
+        <a:schemeClr val="lt1"/>
+      </a:fontRef>
+    </dgm:style>
+  </dgm:styleLbl>
+  <dgm:styleLbl name="node1">
+    <dgm:scene3d>
+      <a:camera prst="orthographicFront"/>
+      <a:lightRig rig="threePt" dir="t"/>
+    </dgm:scene3d>
+    <dgm:sp3d/>
+    <dgm:txPr/>
+    <dgm:style>
+      <a:lnRef idx="0">
+        <a:scrgbClr r="0" g="0" b="0"/>
+      </a:lnRef>
+      <a:fillRef idx="3">
+        <a:scrgbClr r="0" g="0" b="0"/>
+      </a:fillRef>
+      <a:effectRef idx="2">
+        <a:scrgbClr r="0" g="0" b="0"/>
+      </a:effectRef>
+      <a:fontRef idx="minor">
+        <a:schemeClr val="lt1"/>
+      </a:fontRef>
+    </dgm:style>
+  </dgm:styleLbl>
+  <dgm:styleLbl name="node2">
+    <dgm:scene3d>
+      <a:camera prst="orthographicFront"/>
+      <a:lightRig rig="threePt" dir="t"/>
+    </dgm:scene3d>
+    <dgm:sp3d/>
+    <dgm:txPr/>
+    <dgm:style>
+      <a:lnRef idx="0">
+        <a:scrgbClr r="0" g="0" b="0"/>
+      </a:lnRef>
+      <a:fillRef idx="3">
+        <a:scrgbClr r="0" g="0" b="0"/>
+      </a:fillRef>
+      <a:effectRef idx="2">
+        <a:scrgbClr r="0" g="0" b="0"/>
+      </a:effectRef>
+      <a:fontRef idx="minor">
+        <a:schemeClr val="lt1"/>
+      </a:fontRef>
+    </dgm:style>
+  </dgm:styleLbl>
+  <dgm:styleLbl name="node3">
+    <dgm:scene3d>
+      <a:camera prst="orthographicFront"/>
+      <a:lightRig rig="threePt" dir="t"/>
+    </dgm:scene3d>
+    <dgm:sp3d/>
+    <dgm:txPr/>
+    <dgm:style>
+      <a:lnRef idx="0">
+        <a:scrgbClr r="0" g="0" b="0"/>
+      </a:lnRef>
+      <a:fillRef idx="3">
+        <a:scrgbClr r="0" g="0" b="0"/>
+      </a:fillRef>
+      <a:effectRef idx="2">
+        <a:scrgbClr r="0" g="0" b="0"/>
+      </a:effectRef>
+      <a:fontRef idx="minor">
+        <a:schemeClr val="lt1"/>
+      </a:fontRef>
+    </dgm:style>
+  </dgm:styleLbl>
+  <dgm:styleLbl name="node4">
+    <dgm:scene3d>
+      <a:camera prst="orthographicFront"/>
+      <a:lightRig rig="threePt" dir="t"/>
+    </dgm:scene3d>
+    <dgm:sp3d/>
+    <dgm:txPr/>
+    <dgm:style>
+      <a:lnRef idx="0">
+        <a:scrgbClr r="0" g="0" b="0"/>
+      </a:lnRef>
+      <a:fillRef idx="3">
+        <a:scrgbClr r="0" g="0" b="0"/>
+      </a:fillRef>
+      <a:effectRef idx="2">
+        <a:scrgbClr r="0" g="0" b="0"/>
+      </a:effectRef>
+      <a:fontRef idx="minor">
+        <a:schemeClr val="lt1"/>
+      </a:fontRef>
+    </dgm:style>
+  </dgm:styleLbl>
+  <dgm:styleLbl name="fgImgPlace1">
+    <dgm:scene3d>
+      <a:camera prst="orthographicFront"/>
+      <a:lightRig rig="threePt" dir="t"/>
+    </dgm:scene3d>
+    <dgm:sp3d/>
+    <dgm:txPr/>
+    <dgm:style>
+      <a:lnRef idx="0">
+        <a:scrgbClr r="0" g="0" b="0"/>
+      </a:lnRef>
+      <a:fillRef idx="1">
+        <a:scrgbClr r="0" g="0" b="0"/>
+      </a:fillRef>
+      <a:effectRef idx="2">
+        <a:scrgbClr r="0" g="0" b="0"/>
+      </a:effectRef>
+      <a:fontRef idx="minor"/>
+    </dgm:style>
+  </dgm:styleLbl>
+  <dgm:styleLbl name="alignImgPlace1">
+    <dgm:scene3d>
+      <a:camera prst="orthographicFront"/>
+      <a:lightRig rig="threePt" dir="t"/>
+    </dgm:scene3d>
+    <dgm:sp3d/>
+    <dgm:txPr/>
+    <dgm:style>
+      <a:lnRef idx="0">
+        <a:scrgbClr r="0" g="0" b="0"/>
+      </a:lnRef>
+      <a:fillRef idx="1">
+        <a:scrgbClr r="0" g="0" b="0"/>
+      </a:fillRef>
+      <a:effectRef idx="2">
+        <a:scrgbClr r="0" g="0" b="0"/>
+      </a:effectRef>
+      <a:fontRef idx="minor"/>
+    </dgm:style>
+  </dgm:styleLbl>
+  <dgm:styleLbl name="bgImgPlace1">
+    <dgm:scene3d>
+      <a:camera prst="orthographicFront"/>
+      <a:lightRig rig="threePt" dir="t"/>
+    </dgm:scene3d>
+    <dgm:sp3d/>
+    <dgm:txPr/>
+    <dgm:style>
+      <a:lnRef idx="0">
+        <a:scrgbClr r="0" g="0" b="0"/>
+      </a:lnRef>
+      <a:fillRef idx="1">
+        <a:scrgbClr r="0" g="0" b="0"/>
+      </a:fillRef>
+      <a:effectRef idx="2">
+        <a:scrgbClr r="0" g="0" b="0"/>
+      </a:effectRef>
+      <a:fontRef idx="minor"/>
+    </dgm:style>
+  </dgm:styleLbl>
+  <dgm:styleLbl name="sibTrans2D1">
+    <dgm:scene3d>
+      <a:camera prst="orthographicFront"/>
+      <a:lightRig rig="threePt" dir="t"/>
+    </dgm:scene3d>
+    <dgm:sp3d/>
+    <dgm:txPr/>
+    <dgm:style>
+      <a:lnRef idx="0">
+        <a:scrgbClr r="0" g="0" b="0"/>
+      </a:lnRef>
+      <a:fillRef idx="3">
+        <a:scrgbClr r="0" g="0" b="0"/>
+      </a:fillRef>
+      <a:effectRef idx="2">
+        <a:scrgbClr r="0" g="0" b="0"/>
+      </a:effectRef>
+      <a:fontRef idx="minor">
+        <a:schemeClr val="lt1"/>
+      </a:fontRef>
+    </dgm:style>
+  </dgm:styleLbl>
+  <dgm:styleLbl name="fgSibTrans2D1">
+    <dgm:scene3d>
+      <a:camera prst="orthographicFront"/>
+      <a:lightRig rig="threePt" dir="t"/>
+    </dgm:scene3d>
+    <dgm:sp3d/>
+    <dgm:txPr/>
+    <dgm:style>
+      <a:lnRef idx="0">
+        <a:scrgbClr r="0" g="0" b="0"/>
+      </a:lnRef>
+      <a:fillRef idx="3">
+        <a:scrgbClr r="0" g="0" b="0"/>
+      </a:fillRef>
+      <a:effectRef idx="2">
+        <a:scrgbClr r="0" g="0" b="0"/>
+      </a:effectRef>
+      <a:fontRef idx="minor">
+        <a:schemeClr val="lt1"/>
+      </a:fontRef>
+    </dgm:style>
+  </dgm:styleLbl>
+  <dgm:styleLbl name="bgSibTrans2D1">
+    <dgm:scene3d>
+      <a:camera prst="orthographicFront"/>
+      <a:lightRig rig="threePt" dir="t"/>
+    </dgm:scene3d>
+    <dgm:sp3d/>
+    <dgm:txPr/>
+    <dgm:style>
+      <a:lnRef idx="0">
+        <a:scrgbClr r="0" g="0" b="0"/>
+      </a:lnRef>
+      <a:fillRef idx="3">
+        <a:scrgbClr r="0" g="0" b="0"/>
+      </a:fillRef>
+      <a:effectRef idx="2">
+        <a:scrgbClr r="0" g="0" b="0"/>
+      </a:effectRef>
+      <a:fontRef idx="minor">
+        <a:schemeClr val="lt1"/>
+      </a:fontRef>
+    </dgm:style>
+  </dgm:styleLbl>
+  <dgm:styleLbl name="sibTrans1D1">
+    <dgm:scene3d>
+      <a:camera prst="orthographicFront"/>
+      <a:lightRig rig="threePt" dir="t"/>
+    </dgm:scene3d>
+    <dgm:sp3d/>
+    <dgm:txPr/>
+    <dgm:style>
+      <a:lnRef idx="1">
+        <a:scrgbClr r="0" g="0" b="0"/>
+      </a:lnRef>
+      <a:fillRef idx="0">
+        <a:scrgbClr r="0" g="0" b="0"/>
+      </a:fillRef>
+      <a:effectRef idx="0">
+        <a:scrgbClr r="0" g="0" b="0"/>
+      </a:effectRef>
+      <a:fontRef idx="minor"/>
+    </dgm:style>
+  </dgm:styleLbl>
+  <dgm:styleLbl name="callout">
+    <dgm:scene3d>
+      <a:camera prst="orthographicFront"/>
+      <a:lightRig rig="threePt" dir="t"/>
+    </dgm:scene3d>
+    <dgm:sp3d/>
+    <dgm:txPr/>
+    <dgm:style>
+      <a:lnRef idx="2">
+        <a:scrgbClr r="0" g="0" b="0"/>
+      </a:lnRef>
+      <a:fillRef idx="1">
+        <a:scrgbClr r="0" g="0" b="0"/>
+      </a:fillRef>
+      <a:effectRef idx="1">
+        <a:scrgbClr r="0" g="0" b="0"/>
+      </a:effectRef>
+      <a:fontRef idx="minor"/>
+    </dgm:style>
+  </dgm:styleLbl>
+  <dgm:styleLbl name="asst0">
+    <dgm:scene3d>
+      <a:camera prst="orthographicFront"/>
+      <a:lightRig rig="threePt" dir="t"/>
+    </dgm:scene3d>
+    <dgm:sp3d/>
+    <dgm:txPr/>
+    <dgm:style>
+      <a:lnRef idx="0">
+        <a:scrgbClr r="0" g="0" b="0"/>
+      </a:lnRef>
+      <a:fillRef idx="3">
+        <a:scrgbClr r="0" g="0" b="0"/>
+      </a:fillRef>
+      <a:effectRef idx="2">
+        <a:scrgbClr r="0" g="0" b="0"/>
+      </a:effectRef>
+      <a:fontRef idx="minor">
+        <a:schemeClr val="lt1"/>
+      </a:fontRef>
+    </dgm:style>
+  </dgm:styleLbl>
+  <dgm:styleLbl name="asst1">
+    <dgm:scene3d>
+      <a:camera prst="orthographicFront"/>
+      <a:lightRig rig="threePt" dir="t"/>
+    </dgm:scene3d>
+    <dgm:sp3d/>
+    <dgm:txPr/>
+    <dgm:style>
+      <a:lnRef idx="0">
+        <a:scrgbClr r="0" g="0" b="0"/>
+      </a:lnRef>
+      <a:fillRef idx="3">
+        <a:scrgbClr r="0" g="0" b="0"/>
+      </a:fillRef>
+      <a:effectRef idx="2">
+        <a:scrgbClr r="0" g="0" b="0"/>
+      </a:effectRef>
+      <a:fontRef idx="minor">
+        <a:schemeClr val="lt1"/>
+      </a:fontRef>
+    </dgm:style>
+  </dgm:styleLbl>
+  <dgm:styleLbl name="asst2">
+    <dgm:scene3d>
+      <a:camera prst="orthographicFront"/>
+      <a:lightRig rig="threePt" dir="t"/>
+    </dgm:scene3d>
+    <dgm:sp3d/>
+    <dgm:txPr/>
+    <dgm:style>
+      <a:lnRef idx="0">
+        <a:scrgbClr r="0" g="0" b="0"/>
+      </a:lnRef>
+      <a:fillRef idx="3">
+        <a:scrgbClr r="0" g="0" b="0"/>
+      </a:fillRef>
+      <a:effectRef idx="2">
+        <a:scrgbClr r="0" g="0" b="0"/>
+      </a:effectRef>
+      <a:fontRef idx="minor">
+        <a:schemeClr val="lt1"/>
+      </a:fontRef>
+    </dgm:style>
+  </dgm:styleLbl>
+  <dgm:styleLbl name="asst3">
+    <dgm:scene3d>
+      <a:camera prst="orthographicFront"/>
+      <a:lightRig rig="threePt" dir="t"/>
+    </dgm:scene3d>
+    <dgm:sp3d/>
+    <dgm:txPr/>
+    <dgm:style>
+      <a:lnRef idx="0">
+        <a:scrgbClr r="0" g="0" b="0"/>
+      </a:lnRef>
+      <a:fillRef idx="3">
+        <a:scrgbClr r="0" g="0" b="0"/>
+      </a:fillRef>
+      <a:effectRef idx="2">
+        <a:scrgbClr r="0" g="0" b="0"/>
+      </a:effectRef>
+      <a:fontRef idx="minor">
+        <a:schemeClr val="lt1"/>
+      </a:fontRef>
+    </dgm:style>
+  </dgm:styleLbl>
+  <dgm:styleLbl name="asst4">
+    <dgm:scene3d>
+      <a:camera prst="orthographicFront"/>
+      <a:lightRig rig="threePt" dir="t"/>
+    </dgm:scene3d>
+    <dgm:sp3d/>
+    <dgm:txPr/>
+    <dgm:style>
+      <a:lnRef idx="0">
+        <a:scrgbClr r="0" g="0" b="0"/>
+      </a:lnRef>
+      <a:fillRef idx="3">
+        <a:scrgbClr r="0" g="0" b="0"/>
+      </a:fillRef>
+      <a:effectRef idx="2">
+        <a:scrgbClr r="0" g="0" b="0"/>
+      </a:effectRef>
+      <a:fontRef idx="minor">
+        <a:schemeClr val="lt1"/>
+      </a:fontRef>
+    </dgm:style>
+  </dgm:styleLbl>
+  <dgm:styleLbl name="parChTrans2D1">
+    <dgm:scene3d>
+      <a:camera prst="orthographicFront"/>
+      <a:lightRig rig="threePt" dir="t"/>
+    </dgm:scene3d>
+    <dgm:sp3d/>
+    <dgm:txPr/>
+    <dgm:style>
+      <a:lnRef idx="0">
+        <a:scrgbClr r="0" g="0" b="0"/>
+      </a:lnRef>
+      <a:fillRef idx="3">
+        <a:scrgbClr r="0" g="0" b="0"/>
+      </a:fillRef>
+      <a:effectRef idx="2">
+        <a:scrgbClr r="0" g="0" b="0"/>
+      </a:effectRef>
+      <a:fontRef idx="minor">
+        <a:schemeClr val="lt1"/>
+      </a:fontRef>
+    </dgm:style>
+  </dgm:styleLbl>
+  <dgm:styleLbl name="parChTrans2D2">
+    <dgm:scene3d>
+      <a:camera prst="orthographicFront"/>
+      <a:lightRig rig="threePt" dir="t"/>
+    </dgm:scene3d>
+    <dgm:sp3d/>
+    <dgm:txPr/>
+    <dgm:style>
+      <a:lnRef idx="0">
+        <a:scrgbClr r="0" g="0" b="0"/>
+      </a:lnRef>
+      <a:fillRef idx="3">
+        <a:scrgbClr r="0" g="0" b="0"/>
+      </a:fillRef>
+      <a:effectRef idx="2">
+        <a:scrgbClr r="0" g="0" b="0"/>
+      </a:effectRef>
+      <a:fontRef idx="minor">
+        <a:schemeClr val="lt1"/>
+      </a:fontRef>
+    </dgm:style>
+  </dgm:styleLbl>
+  <dgm:styleLbl name="parChTrans2D3">
+    <dgm:scene3d>
+      <a:camera prst="orthographicFront"/>
+      <a:lightRig rig="threePt" dir="t"/>
+    </dgm:scene3d>
+    <dgm:sp3d/>
+    <dgm:txPr/>
+    <dgm:style>
+      <a:lnRef idx="1">
+        <a:scrgbClr r="0" g="0" b="0"/>
+      </a:lnRef>
+      <a:fillRef idx="3">
+        <a:scrgbClr r="0" g="0" b="0"/>
+      </a:fillRef>
+      <a:effectRef idx="2">
+        <a:scrgbClr r="0" g="0" b="0"/>
+      </a:effectRef>
+      <a:fontRef idx="minor">
+        <a:schemeClr val="lt1"/>
+      </a:fontRef>
+    </dgm:style>
+  </dgm:styleLbl>
+  <dgm:styleLbl name="parChTrans2D4">
+    <dgm:scene3d>
+      <a:camera prst="orthographicFront"/>
+      <a:lightRig rig="threePt" dir="t"/>
+    </dgm:scene3d>
+    <dgm:sp3d/>
+    <dgm:txPr/>
+    <dgm:style>
+      <a:lnRef idx="1">
+        <a:scrgbClr r="0" g="0" b="0"/>
+      </a:lnRef>
+      <a:fillRef idx="3">
+        <a:scrgbClr r="0" g="0" b="0"/>
+      </a:fillRef>
+      <a:effectRef idx="2">
+        <a:scrgbClr r="0" g="0" b="0"/>
+      </a:effectRef>
+      <a:fontRef idx="minor">
+        <a:schemeClr val="lt1"/>
+      </a:fontRef>
+    </dgm:style>
+  </dgm:styleLbl>
+  <dgm:styleLbl name="parChTrans1D1">
+    <dgm:scene3d>
+      <a:camera prst="orthographicFront"/>
+      <a:lightRig rig="threePt" dir="t"/>
+    </dgm:scene3d>
+    <dgm:sp3d/>
+    <dgm:txPr/>
+    <dgm:style>
+      <a:lnRef idx="1">
+        <a:scrgbClr r="0" g="0" b="0"/>
+      </a:lnRef>
+      <a:fillRef idx="0">
+        <a:scrgbClr r="0" g="0" b="0"/>
+      </a:fillRef>
+      <a:effectRef idx="0">
+        <a:scrgbClr r="0" g="0" b="0"/>
+      </a:effectRef>
+      <a:fontRef idx="minor"/>
+    </dgm:style>
+  </dgm:styleLbl>
+  <dgm:styleLbl name="parChTrans1D2">
+    <dgm:scene3d>
+      <a:camera prst="orthographicFront"/>
+      <a:lightRig rig="threePt" dir="t"/>
+    </dgm:scene3d>
+    <dgm:sp3d/>
+    <dgm:txPr/>
+    <dgm:style>
+      <a:lnRef idx="1">
+        <a:scrgbClr r="0" g="0" b="0"/>
+      </a:lnRef>
+      <a:fillRef idx="0">
+        <a:scrgbClr r="0" g="0" b="0"/>
+      </a:fillRef>
+      <a:effectRef idx="0">
+        <a:scrgbClr r="0" g="0" b="0"/>
+      </a:effectRef>
+      <a:fontRef idx="minor"/>
+    </dgm:style>
+  </dgm:styleLbl>
+  <dgm:styleLbl name="parChTrans1D3">
+    <dgm:scene3d>
+      <a:camera prst="orthographicFront"/>
+      <a:lightRig rig="threePt" dir="t"/>
+    </dgm:scene3d>
+    <dgm:sp3d/>
+    <dgm:txPr/>
+    <dgm:style>
+      <a:lnRef idx="1">
+        <a:scrgbClr r="0" g="0" b="0"/>
+      </a:lnRef>
+      <a:fillRef idx="0">
+        <a:scrgbClr r="0" g="0" b="0"/>
+      </a:fillRef>
+      <a:effectRef idx="0">
+        <a:scrgbClr r="0" g="0" b="0"/>
+      </a:effectRef>
+      <a:fontRef idx="minor"/>
+    </dgm:style>
+  </dgm:styleLbl>
+  <dgm:styleLbl name="parChTrans1D4">
+    <dgm:scene3d>
+      <a:camera prst="orthographicFront"/>
+      <a:lightRig rig="threePt" dir="t"/>
+    </dgm:scene3d>
+    <dgm:sp3d/>
+    <dgm:txPr/>
+    <dgm:style>
+      <a:lnRef idx="1">
+        <a:scrgbClr r="0" g="0" b="0"/>
+      </a:lnRef>
+      <a:fillRef idx="0">
+        <a:scrgbClr r="0" g="0" b="0"/>
+      </a:fillRef>
+      <a:effectRef idx="0">
+        <a:scrgbClr r="0" g="0" b="0"/>
+      </a:effectRef>
+      <a:fontRef idx="minor"/>
+    </dgm:style>
+  </dgm:styleLbl>
+  <dgm:styleLbl name="fgAcc1">
+    <dgm:scene3d>
+      <a:camera prst="orthographicFront"/>
+      <a:lightRig rig="threePt" dir="t"/>
+    </dgm:scene3d>
+    <dgm:sp3d/>
+    <dgm:txPr/>
+    <dgm:style>
+      <a:lnRef idx="1">
+        <a:scrgbClr r="0" g="0" b="0"/>
+      </a:lnRef>
+      <a:fillRef idx="1">
+        <a:scrgbClr r="0" g="0" b="0"/>
+      </a:fillRef>
+      <a:effectRef idx="0">
+        <a:scrgbClr r="0" g="0" b="0"/>
+      </a:effectRef>
+      <a:fontRef idx="minor"/>
+    </dgm:style>
+  </dgm:styleLbl>
+  <dgm:styleLbl name="conFgAcc1">
+    <dgm:scene3d>
+      <a:camera prst="orthographicFront"/>
+      <a:lightRig rig="threePt" dir="t"/>
+    </dgm:scene3d>
+    <dgm:sp3d/>
+    <dgm:txPr/>
+    <dgm:style>
+      <a:lnRef idx="1">
+        <a:scrgbClr r="0" g="0" b="0"/>
+      </a:lnRef>
+      <a:fillRef idx="1">
+        <a:scrgbClr r="0" g="0" b="0"/>
+      </a:fillRef>
+      <a:effectRef idx="0">
+        <a:scrgbClr r="0" g="0" b="0"/>
+      </a:effectRef>
+      <a:fontRef idx="minor"/>
+    </dgm:style>
+  </dgm:styleLbl>
+  <dgm:styleLbl name="alignAcc1">
+    <dgm:scene3d>
+      <a:camera prst="orthographicFront"/>
+      <a:lightRig rig="threePt" dir="t"/>
+    </dgm:scene3d>
+    <dgm:sp3d/>
+    <dgm:txPr/>
+    <dgm:style>
+      <a:lnRef idx="1">
+        <a:scrgbClr r="0" g="0" b="0"/>
+      </a:lnRef>
+      <a:fillRef idx="1">
+        <a:scrgbClr r="0" g="0" b="0"/>
+      </a:fillRef>
+      <a:effectRef idx="0">
+        <a:scrgbClr r="0" g="0" b="0"/>
+      </a:effectRef>
+      <a:fontRef idx="minor"/>
+    </dgm:style>
+  </dgm:styleLbl>
+  <dgm:styleLbl name="trAlignAcc1">
+    <dgm:scene3d>
+      <a:camera prst="orthographicFront"/>
+      <a:lightRig rig="threePt" dir="t"/>
+    </dgm:scene3d>
+    <dgm:sp3d/>
+    <dgm:txPr/>
+    <dgm:style>
+      <a:lnRef idx="1">
+        <a:scrgbClr r="0" g="0" b="0"/>
+      </a:lnRef>
+      <a:fillRef idx="1">
+        <a:scrgbClr r="0" g="0" b="0"/>
+      </a:fillRef>
+      <a:effectRef idx="0">
+        <a:scrgbClr r="0" g="0" b="0"/>
+      </a:effectRef>
+      <a:fontRef idx="minor"/>
+    </dgm:style>
+  </dgm:styleLbl>
+  <dgm:styleLbl name="bgAcc1">
+    <dgm:scene3d>
+      <a:camera prst="orthographicFront"/>
+      <a:lightRig rig="threePt" dir="t"/>
+    </dgm:scene3d>
+    <dgm:sp3d/>
+    <dgm:txPr/>
+    <dgm:style>
+      <a:lnRef idx="1">
+        <a:scrgbClr r="0" g="0" b="0"/>
+      </a:lnRef>
+      <a:fillRef idx="1">
+        <a:scrgbClr r="0" g="0" b="0"/>
+      </a:fillRef>
+      <a:effectRef idx="0">
+        <a:scrgbClr r="0" g="0" b="0"/>
+      </a:effectRef>
+      <a:fontRef idx="minor"/>
+    </dgm:style>
+  </dgm:styleLbl>
+  <dgm:styleLbl name="solidFgAcc1">
+    <dgm:scene3d>
+      <a:camera prst="orthographicFront"/>
+      <a:lightRig rig="threePt" dir="t"/>
+    </dgm:scene3d>
+    <dgm:sp3d/>
+    <dgm:txPr/>
+    <dgm:style>
+      <a:lnRef idx="1">
+        <a:scrgbClr r="0" g="0" b="0"/>
+      </a:lnRef>
+      <a:fillRef idx="1">
+        <a:scrgbClr r="0" g="0" b="0"/>
+      </a:fillRef>
+      <a:effectRef idx="0">
+        <a:scrgbClr r="0" g="0" b="0"/>
+      </a:effectRef>
+      <a:fontRef idx="minor"/>
+    </dgm:style>
+  </dgm:styleLbl>
+  <dgm:styleLbl name="solidAlignAcc1">
+    <dgm:scene3d>
+      <a:camera prst="orthographicFront"/>
+      <a:lightRig rig="threePt" dir="t"/>
+    </dgm:scene3d>
+    <dgm:sp3d/>
+    <dgm:txPr/>
+    <dgm:style>
+      <a:lnRef idx="1">
+        <a:scrgbClr r="0" g="0" b="0"/>
+      </a:lnRef>
+      <a:fillRef idx="1">
+        <a:scrgbClr r="0" g="0" b="0"/>
+      </a:fillRef>
+      <a:effectRef idx="0">
+        <a:scrgbClr r="0" g="0" b="0"/>
+      </a:effectRef>
+      <a:fontRef idx="minor"/>
+    </dgm:style>
+  </dgm:styleLbl>
+  <dgm:styleLbl name="solidBgAcc1">
+    <dgm:scene3d>
+      <a:camera prst="orthographicFront"/>
+      <a:lightRig rig="threePt" dir="t"/>
+    </dgm:scene3d>
+    <dgm:sp3d/>
+    <dgm:txPr/>
+    <dgm:style>
+      <a:lnRef idx="1">
+        <a:scrgbClr r="0" g="0" b="0"/>
+      </a:lnRef>
+      <a:fillRef idx="1">
+        <a:scrgbClr r="0" g="0" b="0"/>
+      </a:fillRef>
+      <a:effectRef idx="0">
+        <a:scrgbClr r="0" g="0" b="0"/>
+      </a:effectRef>
+      <a:fontRef idx="minor"/>
+    </dgm:style>
+  </dgm:styleLbl>
+  <dgm:styleLbl name="fgAccFollowNode1">
+    <dgm:scene3d>
+      <a:camera prst="orthographicFront"/>
+      <a:lightRig rig="threePt" dir="t"/>
+    </dgm:scene3d>
+    <dgm:sp3d/>
+    <dgm:txPr/>
+    <dgm:style>
+      <a:lnRef idx="1">
+        <a:scrgbClr r="0" g="0" b="0"/>
+      </a:lnRef>
+      <a:fillRef idx="1">
+        <a:scrgbClr r="0" g="0" b="0"/>
+      </a:fillRef>
+      <a:effectRef idx="0">
+        <a:scrgbClr r="0" g="0" b="0"/>
+      </a:effectRef>
+      <a:fontRef idx="minor"/>
+    </dgm:style>
+  </dgm:styleLbl>
+  <dgm:styleLbl name="alignAccFollowNode1">
+    <dgm:scene3d>
+      <a:camera prst="orthographicFront"/>
+      <a:lightRig rig="threePt" dir="t"/>
+    </dgm:scene3d>
+    <dgm:sp3d/>
+    <dgm:txPr/>
+    <dgm:style>
+      <a:lnRef idx="1">
+        <a:scrgbClr r="0" g="0" b="0"/>
+      </a:lnRef>
+      <a:fillRef idx="1">
+        <a:scrgbClr r="0" g="0" b="0"/>
+      </a:fillRef>
+      <a:effectRef idx="0">
+        <a:scrgbClr r="0" g="0" b="0"/>
+      </a:effectRef>
+      <a:fontRef idx="minor"/>
+    </dgm:style>
+  </dgm:styleLbl>
+  <dgm:styleLbl name="bgAccFollowNode1">
+    <dgm:scene3d>
+      <a:camera prst="orthographicFront"/>
+      <a:lightRig rig="threePt" dir="t"/>
+    </dgm:scene3d>
+    <dgm:sp3d/>
+    <dgm:txPr/>
+    <dgm:style>
+      <a:lnRef idx="1">
+        <a:scrgbClr r="0" g="0" b="0"/>
+      </a:lnRef>
+      <a:fillRef idx="1">
+        <a:scrgbClr r="0" g="0" b="0"/>
+      </a:fillRef>
+      <a:effectRef idx="0">
+        <a:scrgbClr r="0" g="0" b="0"/>
+      </a:effectRef>
+      <a:fontRef idx="minor"/>
+    </dgm:style>
+  </dgm:styleLbl>
+  <dgm:styleLbl name="fgAcc0">
+    <dgm:scene3d>
+      <a:camera prst="orthographicFront"/>
+      <a:lightRig rig="threePt" dir="t"/>
+    </dgm:scene3d>
+    <dgm:sp3d/>
+    <dgm:txPr/>
+    <dgm:style>
+      <a:lnRef idx="1">
+        <a:scrgbClr r="0" g="0" b="0"/>
+      </a:lnRef>
+      <a:fillRef idx="1">
+        <a:scrgbClr r="0" g="0" b="0"/>
+      </a:fillRef>
+      <a:effectRef idx="0">
+        <a:scrgbClr r="0" g="0" b="0"/>
+      </a:effectRef>
+      <a:fontRef idx="minor"/>
+    </dgm:style>
+  </dgm:styleLbl>
+  <dgm:styleLbl name="fgAcc2">
+    <dgm:scene3d>
+      <a:camera prst="orthographicFront"/>
+      <a:lightRig rig="threePt" dir="t"/>
+    </dgm:scene3d>
+    <dgm:sp3d/>
+    <dgm:txPr/>
+    <dgm:style>
+      <a:lnRef idx="1">
+        <a:scrgbClr r="0" g="0" b="0"/>
+      </a:lnRef>
+      <a:fillRef idx="1">
+        <a:scrgbClr r="0" g="0" b="0"/>
+      </a:fillRef>
+      <a:effectRef idx="0">
+        <a:scrgbClr r="0" g="0" b="0"/>
+      </a:effectRef>
+      <a:fontRef idx="minor"/>
+    </dgm:style>
+  </dgm:styleLbl>
+  <dgm:styleLbl name="fgAcc3">
+    <dgm:scene3d>
+      <a:camera prst="orthographicFront"/>
+      <a:lightRig rig="threePt" dir="t"/>
+    </dgm:scene3d>
+    <dgm:sp3d/>
+    <dgm:txPr/>
+    <dgm:style>
+      <a:lnRef idx="1">
+        <a:scrgbClr r="0" g="0" b="0"/>
+      </a:lnRef>
+      <a:fillRef idx="1">
+        <a:scrgbClr r="0" g="0" b="0"/>
+      </a:fillRef>
+      <a:effectRef idx="0">
+        <a:scrgbClr r="0" g="0" b="0"/>
+      </a:effectRef>
+      <a:fontRef idx="minor"/>
+    </dgm:style>
+  </dgm:styleLbl>
+  <dgm:styleLbl name="fgAcc4">
+    <dgm:scene3d>
+      <a:camera prst="orthographicFront"/>
+      <a:lightRig rig="threePt" dir="t"/>
+    </dgm:scene3d>
+    <dgm:sp3d/>
+    <dgm:txPr/>
+    <dgm:style>
+      <a:lnRef idx="1">
+        <a:scrgbClr r="0" g="0" b="0"/>
+      </a:lnRef>
+      <a:fillRef idx="1">
+        <a:scrgbClr r="0" g="0" b="0"/>
+      </a:fillRef>
+      <a:effectRef idx="0">
+        <a:scrgbClr r="0" g="0" b="0"/>
+      </a:effectRef>
+      <a:fontRef idx="minor"/>
+    </dgm:style>
+  </dgm:styleLbl>
+  <dgm:styleLbl name="bgShp">
+    <dgm:scene3d>
+      <a:camera prst="orthographicFront"/>
+      <a:lightRig rig="threePt" dir="t"/>
+    </dgm:scene3d>
+    <dgm:sp3d/>
+    <dgm:txPr/>
+    <dgm:style>
+      <a:lnRef idx="0">
+        <a:scrgbClr r="0" g="0" b="0"/>
+      </a:lnRef>
+      <a:fillRef idx="1">
+        <a:scrgbClr r="0" g="0" b="0"/>
+      </a:fillRef>
+      <a:effectRef idx="2">
+        <a:scrgbClr r="0" g="0" b="0"/>
+      </a:effectRef>
+      <a:fontRef idx="minor"/>
+    </dgm:style>
+  </dgm:styleLbl>
+  <dgm:styleLbl name="dkBgShp">
+    <dgm:scene3d>
+      <a:camera prst="orthographicFront"/>
+      <a:lightRig rig="threePt" dir="t"/>
+    </dgm:scene3d>
+    <dgm:sp3d/>
+    <dgm:txPr/>
+    <dgm:style>
+      <a:lnRef idx="0">
+        <a:scrgbClr r="0" g="0" b="0"/>
+      </a:lnRef>
+      <a:fillRef idx="1">
+        <a:scrgbClr r="0" g="0" b="0"/>
+      </a:fillRef>
+      <a:effectRef idx="2">
+        <a:scrgbClr r="0" g="0" b="0"/>
+      </a:effectRef>
+      <a:fontRef idx="minor"/>
+    </dgm:style>
+  </dgm:styleLbl>
+  <dgm:styleLbl name="trBgShp">
+    <dgm:scene3d>
+      <a:camera prst="orthographicFront"/>
+      <a:lightRig rig="threePt" dir="t"/>
+    </dgm:scene3d>
+    <dgm:sp3d/>
+    <dgm:txPr/>
+    <dgm:style>
+      <a:lnRef idx="0">
+        <a:scrgbClr r="0" g="0" b="0"/>
+      </a:lnRef>
+      <a:fillRef idx="1">
+        <a:scrgbClr r="0" g="0" b="0"/>
+      </a:fillRef>
+      <a:effectRef idx="0">
+        <a:scrgbClr r="0" g="0" b="0"/>
+      </a:effectRef>
+      <a:fontRef idx="minor"/>
+    </dgm:style>
+  </dgm:styleLbl>
+  <dgm:styleLbl name="fgShp">
+    <dgm:scene3d>
+      <a:camera prst="orthographicFront"/>
+      <a:lightRig rig="threePt" dir="t"/>
+    </dgm:scene3d>
+    <dgm:sp3d/>
+    <dgm:txPr/>
+    <dgm:style>
+      <a:lnRef idx="0">
+        <a:scrgbClr r="0" g="0" b="0"/>
+      </a:lnRef>
+      <a:fillRef idx="3">
+        <a:scrgbClr r="0" g="0" b="0"/>
+      </a:fillRef>
+      <a:effectRef idx="2">
+        <a:scrgbClr r="0" g="0" b="0"/>
+      </a:effectRef>
+      <a:fontRef idx="minor"/>
+    </dgm:style>
+  </dgm:styleLbl>
+  <dgm:styleLbl name="revTx">
+    <dgm:scene3d>
+      <a:camera prst="orthographicFront"/>
+      <a:lightRig rig="threePt" dir="t"/>
+    </dgm:scene3d>
+    <dgm:sp3d/>
+    <dgm:txPr/>
+    <dgm:style>
+      <a:lnRef idx="0">
+        <a:scrgbClr r="0" g="0" b="0"/>
+      </a:lnRef>
+      <a:fillRef idx="0">
+        <a:scrgbClr r="0" g="0" b="0"/>
+      </a:fillRef>
+      <a:effectRef idx="0">
+        <a:scrgbClr r="0" g="0" b="0"/>
+      </a:effectRef>
+      <a:fontRef idx="minor"/>
+    </dgm:style>
+  </dgm:styleLbl>
+</dgm:styleDef>
+</file>
+
+<file path=ppt/diagrams/quickStyle5.xml><?xml version="1.0" encoding="utf-8"?>
 <dgm:styleDef xmlns:dgm="http://schemas.openxmlformats.org/drawingml/2006/diagram" xmlns:a="http://schemas.openxmlformats.org/drawingml/2006/main" uniqueId="urn:microsoft.com/office/officeart/2005/8/quickstyle/simple4">
   <dgm:title val=""/>
   <dgm:desc val=""/>
@@ -18649,6 +21778,595 @@
 </p:sld>
 </file>
 
+<file path=ppt/slides/slide15.xml><?xml version="1.0" encoding="utf-8"?>
+<p:sld xmlns:a="http://schemas.openxmlformats.org/drawingml/2006/main" xmlns:r="http://schemas.openxmlformats.org/officeDocument/2006/relationships" xmlns:p="http://schemas.openxmlformats.org/presentationml/2006/main">
+  <p:cSld>
+    <p:bg>
+      <p:bgPr>
+        <a:solidFill>
+          <a:schemeClr val="bg1"/>
+        </a:solidFill>
+        <a:effectLst/>
+      </p:bgPr>
+    </p:bg>
+    <p:spTree>
+      <p:nvGrpSpPr>
+        <p:cNvPr id="1" name=""/>
+        <p:cNvGrpSpPr/>
+        <p:nvPr/>
+      </p:nvGrpSpPr>
+      <p:grpSpPr>
+        <a:xfrm>
+          <a:off x="0" y="0"/>
+          <a:ext cx="0" cy="0"/>
+          <a:chOff x="0" y="0"/>
+          <a:chExt cx="0" cy="0"/>
+        </a:xfrm>
+      </p:grpSpPr>
+      <p:sp>
+        <p:nvSpPr>
+          <p:cNvPr id="10" name="Freeform: Shape 9">
+            <a:extLst>
+              <a:ext uri="{FF2B5EF4-FFF2-40B4-BE49-F238E27FC236}">
+                <a16:creationId xmlns:a16="http://schemas.microsoft.com/office/drawing/2014/main" id="{46C2E80F-49A6-4372-B103-219D417A55ED}"/>
+              </a:ext>
+              <a:ext uri="{C183D7F6-B498-43B3-948B-1728B52AA6E4}">
+                <adec:decorative xmlns:adec="http://schemas.microsoft.com/office/drawing/2017/decorative" val="1"/>
+              </a:ext>
+            </a:extLst>
+          </p:cNvPr>
+          <p:cNvSpPr>
+            <a:spLocks noGrp="1" noRot="1" noChangeAspect="1" noMove="1" noResize="1" noEditPoints="1" noAdjustHandles="1" noChangeArrowheads="1" noChangeShapeType="1" noTextEdit="1"/>
+          </p:cNvSpPr>
+          <p:nvPr>
+            <p:extLst>
+              <p:ext uri="{386F3935-93C4-4BCD-93E2-E3B085C9AB24}">
+                <p16:designElem xmlns:p16="http://schemas.microsoft.com/office/powerpoint/2015/main" val="1"/>
+              </p:ext>
+            </p:extLst>
+          </p:nvPr>
+        </p:nvSpPr>
+        <p:spPr>
+          <a:xfrm>
+            <a:off x="484096" y="470925"/>
+            <a:ext cx="4381009" cy="5892104"/>
+          </a:xfrm>
+          <a:custGeom>
+            <a:avLst/>
+            <a:gdLst>
+              <a:gd name="connsiteX0" fmla="*/ 0 w 4381009"/>
+              <a:gd name="connsiteY0" fmla="*/ 0 h 5892104"/>
+              <a:gd name="connsiteX1" fmla="*/ 4157628 w 4381009"/>
+              <a:gd name="connsiteY1" fmla="*/ 0 h 5892104"/>
+              <a:gd name="connsiteX2" fmla="*/ 4169302 w 4381009"/>
+              <a:gd name="connsiteY2" fmla="*/ 68659 h 5892104"/>
+              <a:gd name="connsiteX3" fmla="*/ 4191571 w 4381009"/>
+              <a:gd name="connsiteY3" fmla="*/ 205472 h 5892104"/>
+              <a:gd name="connsiteX4" fmla="*/ 4213368 w 4381009"/>
+              <a:gd name="connsiteY4" fmla="*/ 342890 h 5892104"/>
+              <a:gd name="connsiteX5" fmla="*/ 4232030 w 4381009"/>
+              <a:gd name="connsiteY5" fmla="*/ 480913 h 5892104"/>
+              <a:gd name="connsiteX6" fmla="*/ 4250848 w 4381009"/>
+              <a:gd name="connsiteY6" fmla="*/ 618332 h 5892104"/>
+              <a:gd name="connsiteX7" fmla="*/ 4268412 w 4381009"/>
+              <a:gd name="connsiteY7" fmla="*/ 756355 h 5892104"/>
+              <a:gd name="connsiteX8" fmla="*/ 4283467 w 4381009"/>
+              <a:gd name="connsiteY8" fmla="*/ 892563 h 5892104"/>
+              <a:gd name="connsiteX9" fmla="*/ 4297737 w 4381009"/>
+              <a:gd name="connsiteY9" fmla="*/ 1030587 h 5892104"/>
+              <a:gd name="connsiteX10" fmla="*/ 4310754 w 4381009"/>
+              <a:gd name="connsiteY10" fmla="*/ 1168005 h 5892104"/>
+              <a:gd name="connsiteX11" fmla="*/ 4322045 w 4381009"/>
+              <a:gd name="connsiteY11" fmla="*/ 1303002 h 5892104"/>
+              <a:gd name="connsiteX12" fmla="*/ 4333336 w 4381009"/>
+              <a:gd name="connsiteY12" fmla="*/ 1439815 h 5892104"/>
+              <a:gd name="connsiteX13" fmla="*/ 4342745 w 4381009"/>
+              <a:gd name="connsiteY13" fmla="*/ 1574812 h 5892104"/>
+              <a:gd name="connsiteX14" fmla="*/ 4350115 w 4381009"/>
+              <a:gd name="connsiteY14" fmla="*/ 1709808 h 5892104"/>
+              <a:gd name="connsiteX15" fmla="*/ 4357799 w 4381009"/>
+              <a:gd name="connsiteY15" fmla="*/ 1844200 h 5892104"/>
+              <a:gd name="connsiteX16" fmla="*/ 4364229 w 4381009"/>
+              <a:gd name="connsiteY16" fmla="*/ 1977381 h 5892104"/>
+              <a:gd name="connsiteX17" fmla="*/ 4368777 w 4381009"/>
+              <a:gd name="connsiteY17" fmla="*/ 2109351 h 5892104"/>
+              <a:gd name="connsiteX18" fmla="*/ 4372697 w 4381009"/>
+              <a:gd name="connsiteY18" fmla="*/ 2241321 h 5892104"/>
+              <a:gd name="connsiteX19" fmla="*/ 4376461 w 4381009"/>
+              <a:gd name="connsiteY19" fmla="*/ 2372080 h 5892104"/>
+              <a:gd name="connsiteX20" fmla="*/ 4378186 w 4381009"/>
+              <a:gd name="connsiteY20" fmla="*/ 2501023 h 5892104"/>
+              <a:gd name="connsiteX21" fmla="*/ 4380068 w 4381009"/>
+              <a:gd name="connsiteY21" fmla="*/ 2629966 h 5892104"/>
+              <a:gd name="connsiteX22" fmla="*/ 4381009 w 4381009"/>
+              <a:gd name="connsiteY22" fmla="*/ 2757093 h 5892104"/>
+              <a:gd name="connsiteX23" fmla="*/ 4380068 w 4381009"/>
+              <a:gd name="connsiteY23" fmla="*/ 2883010 h 5892104"/>
+              <a:gd name="connsiteX24" fmla="*/ 4380068 w 4381009"/>
+              <a:gd name="connsiteY24" fmla="*/ 3007715 h 5892104"/>
+              <a:gd name="connsiteX25" fmla="*/ 4378186 w 4381009"/>
+              <a:gd name="connsiteY25" fmla="*/ 3131210 h 5892104"/>
+              <a:gd name="connsiteX26" fmla="*/ 4375363 w 4381009"/>
+              <a:gd name="connsiteY26" fmla="*/ 3252283 h 5892104"/>
+              <a:gd name="connsiteX27" fmla="*/ 4372697 w 4381009"/>
+              <a:gd name="connsiteY27" fmla="*/ 3372146 h 5892104"/>
+              <a:gd name="connsiteX28" fmla="*/ 4369718 w 4381009"/>
+              <a:gd name="connsiteY28" fmla="*/ 3489587 h 5892104"/>
+              <a:gd name="connsiteX29" fmla="*/ 4365170 w 4381009"/>
+              <a:gd name="connsiteY29" fmla="*/ 3606423 h 5892104"/>
+              <a:gd name="connsiteX30" fmla="*/ 4360309 w 4381009"/>
+              <a:gd name="connsiteY30" fmla="*/ 3721443 h 5892104"/>
+              <a:gd name="connsiteX31" fmla="*/ 4355918 w 4381009"/>
+              <a:gd name="connsiteY31" fmla="*/ 3834041 h 5892104"/>
+              <a:gd name="connsiteX32" fmla="*/ 4343529 w 4381009"/>
+              <a:gd name="connsiteY32" fmla="*/ 4053789 h 5892104"/>
+              <a:gd name="connsiteX33" fmla="*/ 4330356 w 4381009"/>
+              <a:gd name="connsiteY33" fmla="*/ 4264457 h 5892104"/>
+              <a:gd name="connsiteX34" fmla="*/ 4316556 w 4381009"/>
+              <a:gd name="connsiteY34" fmla="*/ 4466650 h 5892104"/>
+              <a:gd name="connsiteX35" fmla="*/ 4301344 w 4381009"/>
+              <a:gd name="connsiteY35" fmla="*/ 4657946 h 5892104"/>
+              <a:gd name="connsiteX36" fmla="*/ 4285506 w 4381009"/>
+              <a:gd name="connsiteY36" fmla="*/ 4840767 h 5892104"/>
+              <a:gd name="connsiteX37" fmla="*/ 4268412 w 4381009"/>
+              <a:gd name="connsiteY37" fmla="*/ 5010269 h 5892104"/>
+              <a:gd name="connsiteX38" fmla="*/ 4251633 w 4381009"/>
+              <a:gd name="connsiteY38" fmla="*/ 5169481 h 5892104"/>
+              <a:gd name="connsiteX39" fmla="*/ 4234853 w 4381009"/>
+              <a:gd name="connsiteY39" fmla="*/ 5315980 h 5892104"/>
+              <a:gd name="connsiteX40" fmla="*/ 4219014 w 4381009"/>
+              <a:gd name="connsiteY40" fmla="*/ 5450371 h 5892104"/>
+              <a:gd name="connsiteX41" fmla="*/ 4203959 w 4381009"/>
+              <a:gd name="connsiteY41" fmla="*/ 5569628 h 5892104"/>
+              <a:gd name="connsiteX42" fmla="*/ 4189689 w 4381009"/>
+              <a:gd name="connsiteY42" fmla="*/ 5677384 h 5892104"/>
+              <a:gd name="connsiteX43" fmla="*/ 4177770 w 4381009"/>
+              <a:gd name="connsiteY43" fmla="*/ 5768189 h 5892104"/>
+              <a:gd name="connsiteX44" fmla="*/ 4166479 w 4381009"/>
+              <a:gd name="connsiteY44" fmla="*/ 5844465 h 5892104"/>
+              <a:gd name="connsiteX45" fmla="*/ 4159132 w 4381009"/>
+              <a:gd name="connsiteY45" fmla="*/ 5892104 h 5892104"/>
+              <a:gd name="connsiteX46" fmla="*/ 0 w 4381009"/>
+              <a:gd name="connsiteY46" fmla="*/ 5892104 h 5892104"/>
+            </a:gdLst>
+            <a:ahLst/>
+            <a:cxnLst>
+              <a:cxn ang="0">
+                <a:pos x="connsiteX0" y="connsiteY0"/>
+              </a:cxn>
+              <a:cxn ang="0">
+                <a:pos x="connsiteX1" y="connsiteY1"/>
+              </a:cxn>
+              <a:cxn ang="0">
+                <a:pos x="connsiteX2" y="connsiteY2"/>
+              </a:cxn>
+              <a:cxn ang="0">
+                <a:pos x="connsiteX3" y="connsiteY3"/>
+              </a:cxn>
+              <a:cxn ang="0">
+                <a:pos x="connsiteX4" y="connsiteY4"/>
+              </a:cxn>
+              <a:cxn ang="0">
+                <a:pos x="connsiteX5" y="connsiteY5"/>
+              </a:cxn>
+              <a:cxn ang="0">
+                <a:pos x="connsiteX6" y="connsiteY6"/>
+              </a:cxn>
+              <a:cxn ang="0">
+                <a:pos x="connsiteX7" y="connsiteY7"/>
+              </a:cxn>
+              <a:cxn ang="0">
+                <a:pos x="connsiteX8" y="connsiteY8"/>
+              </a:cxn>
+              <a:cxn ang="0">
+                <a:pos x="connsiteX9" y="connsiteY9"/>
+              </a:cxn>
+              <a:cxn ang="0">
+                <a:pos x="connsiteX10" y="connsiteY10"/>
+              </a:cxn>
+              <a:cxn ang="0">
+                <a:pos x="connsiteX11" y="connsiteY11"/>
+              </a:cxn>
+              <a:cxn ang="0">
+                <a:pos x="connsiteX12" y="connsiteY12"/>
+              </a:cxn>
+              <a:cxn ang="0">
+                <a:pos x="connsiteX13" y="connsiteY13"/>
+              </a:cxn>
+              <a:cxn ang="0">
+                <a:pos x="connsiteX14" y="connsiteY14"/>
+              </a:cxn>
+              <a:cxn ang="0">
+                <a:pos x="connsiteX15" y="connsiteY15"/>
+              </a:cxn>
+              <a:cxn ang="0">
+                <a:pos x="connsiteX16" y="connsiteY16"/>
+              </a:cxn>
+              <a:cxn ang="0">
+                <a:pos x="connsiteX17" y="connsiteY17"/>
+              </a:cxn>
+              <a:cxn ang="0">
+                <a:pos x="connsiteX18" y="connsiteY18"/>
+              </a:cxn>
+              <a:cxn ang="0">
+                <a:pos x="connsiteX19" y="connsiteY19"/>
+              </a:cxn>
+              <a:cxn ang="0">
+                <a:pos x="connsiteX20" y="connsiteY20"/>
+              </a:cxn>
+              <a:cxn ang="0">
+                <a:pos x="connsiteX21" y="connsiteY21"/>
+              </a:cxn>
+              <a:cxn ang="0">
+                <a:pos x="connsiteX22" y="connsiteY22"/>
+              </a:cxn>
+              <a:cxn ang="0">
+                <a:pos x="connsiteX23" y="connsiteY23"/>
+              </a:cxn>
+              <a:cxn ang="0">
+                <a:pos x="connsiteX24" y="connsiteY24"/>
+              </a:cxn>
+              <a:cxn ang="0">
+                <a:pos x="connsiteX25" y="connsiteY25"/>
+              </a:cxn>
+              <a:cxn ang="0">
+                <a:pos x="connsiteX26" y="connsiteY26"/>
+              </a:cxn>
+              <a:cxn ang="0">
+                <a:pos x="connsiteX27" y="connsiteY27"/>
+              </a:cxn>
+              <a:cxn ang="0">
+                <a:pos x="connsiteX28" y="connsiteY28"/>
+              </a:cxn>
+              <a:cxn ang="0">
+                <a:pos x="connsiteX29" y="connsiteY29"/>
+              </a:cxn>
+              <a:cxn ang="0">
+                <a:pos x="connsiteX30" y="connsiteY30"/>
+              </a:cxn>
+              <a:cxn ang="0">
+                <a:pos x="connsiteX31" y="connsiteY31"/>
+              </a:cxn>
+              <a:cxn ang="0">
+                <a:pos x="connsiteX32" y="connsiteY32"/>
+              </a:cxn>
+              <a:cxn ang="0">
+                <a:pos x="connsiteX33" y="connsiteY33"/>
+              </a:cxn>
+              <a:cxn ang="0">
+                <a:pos x="connsiteX34" y="connsiteY34"/>
+              </a:cxn>
+              <a:cxn ang="0">
+                <a:pos x="connsiteX35" y="connsiteY35"/>
+              </a:cxn>
+              <a:cxn ang="0">
+                <a:pos x="connsiteX36" y="connsiteY36"/>
+              </a:cxn>
+              <a:cxn ang="0">
+                <a:pos x="connsiteX37" y="connsiteY37"/>
+              </a:cxn>
+              <a:cxn ang="0">
+                <a:pos x="connsiteX38" y="connsiteY38"/>
+              </a:cxn>
+              <a:cxn ang="0">
+                <a:pos x="connsiteX39" y="connsiteY39"/>
+              </a:cxn>
+              <a:cxn ang="0">
+                <a:pos x="connsiteX40" y="connsiteY40"/>
+              </a:cxn>
+              <a:cxn ang="0">
+                <a:pos x="connsiteX41" y="connsiteY41"/>
+              </a:cxn>
+              <a:cxn ang="0">
+                <a:pos x="connsiteX42" y="connsiteY42"/>
+              </a:cxn>
+              <a:cxn ang="0">
+                <a:pos x="connsiteX43" y="connsiteY43"/>
+              </a:cxn>
+              <a:cxn ang="0">
+                <a:pos x="connsiteX44" y="connsiteY44"/>
+              </a:cxn>
+              <a:cxn ang="0">
+                <a:pos x="connsiteX45" y="connsiteY45"/>
+              </a:cxn>
+              <a:cxn ang="0">
+                <a:pos x="connsiteX46" y="connsiteY46"/>
+              </a:cxn>
+            </a:cxnLst>
+            <a:rect l="l" t="t" r="r" b="b"/>
+            <a:pathLst>
+              <a:path w="4381009" h="5892104">
+                <a:moveTo>
+                  <a:pt x="0" y="0"/>
+                </a:moveTo>
+                <a:lnTo>
+                  <a:pt x="4157628" y="0"/>
+                </a:lnTo>
+                <a:lnTo>
+                  <a:pt x="4169302" y="68659"/>
+                </a:lnTo>
+                <a:lnTo>
+                  <a:pt x="4191571" y="205472"/>
+                </a:lnTo>
+                <a:lnTo>
+                  <a:pt x="4213368" y="342890"/>
+                </a:lnTo>
+                <a:lnTo>
+                  <a:pt x="4232030" y="480913"/>
+                </a:lnTo>
+                <a:lnTo>
+                  <a:pt x="4250848" y="618332"/>
+                </a:lnTo>
+                <a:lnTo>
+                  <a:pt x="4268412" y="756355"/>
+                </a:lnTo>
+                <a:lnTo>
+                  <a:pt x="4283467" y="892563"/>
+                </a:lnTo>
+                <a:lnTo>
+                  <a:pt x="4297737" y="1030587"/>
+                </a:lnTo>
+                <a:lnTo>
+                  <a:pt x="4310754" y="1168005"/>
+                </a:lnTo>
+                <a:lnTo>
+                  <a:pt x="4322045" y="1303002"/>
+                </a:lnTo>
+                <a:lnTo>
+                  <a:pt x="4333336" y="1439815"/>
+                </a:lnTo>
+                <a:lnTo>
+                  <a:pt x="4342745" y="1574812"/>
+                </a:lnTo>
+                <a:lnTo>
+                  <a:pt x="4350115" y="1709808"/>
+                </a:lnTo>
+                <a:lnTo>
+                  <a:pt x="4357799" y="1844200"/>
+                </a:lnTo>
+                <a:lnTo>
+                  <a:pt x="4364229" y="1977381"/>
+                </a:lnTo>
+                <a:lnTo>
+                  <a:pt x="4368777" y="2109351"/>
+                </a:lnTo>
+                <a:lnTo>
+                  <a:pt x="4372697" y="2241321"/>
+                </a:lnTo>
+                <a:lnTo>
+                  <a:pt x="4376461" y="2372080"/>
+                </a:lnTo>
+                <a:lnTo>
+                  <a:pt x="4378186" y="2501023"/>
+                </a:lnTo>
+                <a:lnTo>
+                  <a:pt x="4380068" y="2629966"/>
+                </a:lnTo>
+                <a:lnTo>
+                  <a:pt x="4381009" y="2757093"/>
+                </a:lnTo>
+                <a:lnTo>
+                  <a:pt x="4380068" y="2883010"/>
+                </a:lnTo>
+                <a:lnTo>
+                  <a:pt x="4380068" y="3007715"/>
+                </a:lnTo>
+                <a:lnTo>
+                  <a:pt x="4378186" y="3131210"/>
+                </a:lnTo>
+                <a:lnTo>
+                  <a:pt x="4375363" y="3252283"/>
+                </a:lnTo>
+                <a:lnTo>
+                  <a:pt x="4372697" y="3372146"/>
+                </a:lnTo>
+                <a:lnTo>
+                  <a:pt x="4369718" y="3489587"/>
+                </a:lnTo>
+                <a:lnTo>
+                  <a:pt x="4365170" y="3606423"/>
+                </a:lnTo>
+                <a:lnTo>
+                  <a:pt x="4360309" y="3721443"/>
+                </a:lnTo>
+                <a:lnTo>
+                  <a:pt x="4355918" y="3834041"/>
+                </a:lnTo>
+                <a:lnTo>
+                  <a:pt x="4343529" y="4053789"/>
+                </a:lnTo>
+                <a:lnTo>
+                  <a:pt x="4330356" y="4264457"/>
+                </a:lnTo>
+                <a:lnTo>
+                  <a:pt x="4316556" y="4466650"/>
+                </a:lnTo>
+                <a:lnTo>
+                  <a:pt x="4301344" y="4657946"/>
+                </a:lnTo>
+                <a:lnTo>
+                  <a:pt x="4285506" y="4840767"/>
+                </a:lnTo>
+                <a:lnTo>
+                  <a:pt x="4268412" y="5010269"/>
+                </a:lnTo>
+                <a:lnTo>
+                  <a:pt x="4251633" y="5169481"/>
+                </a:lnTo>
+                <a:lnTo>
+                  <a:pt x="4234853" y="5315980"/>
+                </a:lnTo>
+                <a:lnTo>
+                  <a:pt x="4219014" y="5450371"/>
+                </a:lnTo>
+                <a:lnTo>
+                  <a:pt x="4203959" y="5569628"/>
+                </a:lnTo>
+                <a:lnTo>
+                  <a:pt x="4189689" y="5677384"/>
+                </a:lnTo>
+                <a:lnTo>
+                  <a:pt x="4177770" y="5768189"/>
+                </a:lnTo>
+                <a:lnTo>
+                  <a:pt x="4166479" y="5844465"/>
+                </a:lnTo>
+                <a:lnTo>
+                  <a:pt x="4159132" y="5892104"/>
+                </a:lnTo>
+                <a:lnTo>
+                  <a:pt x="0" y="5892104"/>
+                </a:lnTo>
+                <a:close/>
+              </a:path>
+            </a:pathLst>
+          </a:custGeom>
+          <a:solidFill>
+            <a:srgbClr val="404040"/>
+          </a:solidFill>
+          <a:ln>
+            <a:noFill/>
+          </a:ln>
+        </p:spPr>
+        <p:style>
+          <a:lnRef idx="2">
+            <a:schemeClr val="accent1">
+              <a:shade val="50000"/>
+            </a:schemeClr>
+          </a:lnRef>
+          <a:fillRef idx="1">
+            <a:schemeClr val="accent1"/>
+          </a:fillRef>
+          <a:effectRef idx="0">
+            <a:schemeClr val="accent1"/>
+          </a:effectRef>
+          <a:fontRef idx="minor">
+            <a:schemeClr val="lt1"/>
+          </a:fontRef>
+        </p:style>
+        <p:txBody>
+          <a:bodyPr wrap="square" rtlCol="0" anchor="ctr">
+            <a:noAutofit/>
+          </a:bodyPr>
+          <a:lstStyle/>
+          <a:p>
+            <a:pPr marL="0" marR="0" lvl="0" indent="0" algn="ctr" defTabSz="457200" rtl="0" eaLnBrk="1" fontAlgn="auto" latinLnBrk="0" hangingPunct="1">
+              <a:lnSpc>
+                <a:spcPct val="100000"/>
+              </a:lnSpc>
+              <a:spcBef>
+                <a:spcPts val="0"/>
+              </a:spcBef>
+              <a:spcAft>
+                <a:spcPts val="0"/>
+              </a:spcAft>
+              <a:buClrTx/>
+              <a:buSzTx/>
+              <a:buFontTx/>
+              <a:buNone/>
+              <a:tabLst/>
+              <a:defRPr/>
+            </a:pPr>
+            <a:endParaRPr kumimoji="0" lang="en-US" sz="1800" b="0" i="0" u="none" strike="noStrike" kern="1200" cap="none" spc="0" normalizeH="0" baseline="0" noProof="0">
+              <a:ln>
+                <a:noFill/>
+              </a:ln>
+              <a:solidFill>
+                <a:prstClr val="white"/>
+              </a:solidFill>
+              <a:effectLst/>
+              <a:uLnTx/>
+              <a:uFillTx/>
+              <a:latin typeface="Calibri" panose="020F0502020204030204"/>
+              <a:ea typeface="+mn-ea"/>
+              <a:cs typeface="+mn-cs"/>
+            </a:endParaRPr>
+          </a:p>
+        </p:txBody>
+      </p:sp>
+      <p:sp>
+        <p:nvSpPr>
+          <p:cNvPr id="2" name="Title 1">
+            <a:extLst>
+              <a:ext uri="{FF2B5EF4-FFF2-40B4-BE49-F238E27FC236}">
+                <a16:creationId xmlns:a16="http://schemas.microsoft.com/office/drawing/2014/main" id="{BB91D9D1-D779-4E78-AB73-BF922C999322}"/>
+              </a:ext>
+            </a:extLst>
+          </p:cNvPr>
+          <p:cNvSpPr>
+            <a:spLocks noGrp="1"/>
+          </p:cNvSpPr>
+          <p:nvPr>
+            <p:ph type="title"/>
+          </p:nvPr>
+        </p:nvSpPr>
+        <p:spPr>
+          <a:xfrm>
+            <a:off x="863029" y="1012004"/>
+            <a:ext cx="3416158" cy="4795408"/>
+          </a:xfrm>
+        </p:spPr>
+        <p:txBody>
+          <a:bodyPr>
+            <a:normAutofit/>
+          </a:bodyPr>
+          <a:lstStyle/>
+          <a:p>
+            <a:r>
+              <a:rPr lang="es-EC">
+                <a:solidFill>
+                  <a:srgbClr val="FFFFFF"/>
+                </a:solidFill>
+              </a:rPr>
+              <a:t>Conclusions</a:t>
+            </a:r>
+          </a:p>
+        </p:txBody>
+      </p:sp>
+      <p:graphicFrame>
+        <p:nvGraphicFramePr>
+          <p:cNvPr id="5" name="Content Placeholder 2">
+            <a:extLst>
+              <a:ext uri="{FF2B5EF4-FFF2-40B4-BE49-F238E27FC236}">
+                <a16:creationId xmlns:a16="http://schemas.microsoft.com/office/drawing/2014/main" id="{21B3ACC1-B3A4-41A7-9C1D-38F10059194F}"/>
+              </a:ext>
+            </a:extLst>
+          </p:cNvPr>
+          <p:cNvGraphicFramePr>
+            <a:graphicFrameLocks noGrp="1"/>
+          </p:cNvGraphicFramePr>
+          <p:nvPr>
+            <p:ph idx="1"/>
+            <p:extLst>
+              <p:ext uri="{D42A27DB-BD31-4B8C-83A1-F6EECF244321}">
+                <p14:modId xmlns:p14="http://schemas.microsoft.com/office/powerpoint/2010/main" val="2078640012"/>
+              </p:ext>
+            </p:extLst>
+          </p:nvPr>
+        </p:nvGraphicFramePr>
+        <p:xfrm>
+          <a:off x="5194300" y="470924"/>
+          <a:ext cx="6513604" cy="5885426"/>
+        </p:xfrm>
+        <a:graphic>
+          <a:graphicData uri="http://schemas.openxmlformats.org/drawingml/2006/diagram">
+            <dgm:relIds xmlns:dgm="http://schemas.openxmlformats.org/drawingml/2006/diagram" xmlns:r="http://schemas.openxmlformats.org/officeDocument/2006/relationships" r:dm="rId2" r:lo="rId3" r:qs="rId4" r:cs="rId5"/>
+          </a:graphicData>
+        </a:graphic>
+      </p:graphicFrame>
+    </p:spTree>
+    <p:extLst>
+      <p:ext uri="{BB962C8B-B14F-4D97-AF65-F5344CB8AC3E}">
+        <p14:creationId xmlns:p14="http://schemas.microsoft.com/office/powerpoint/2010/main" val="2148664333"/>
+      </p:ext>
+    </p:extLst>
+  </p:cSld>
+  <p:clrMapOvr>
+    <a:masterClrMapping/>
+  </p:clrMapOvr>
+</p:sld>
+</file>
+
 <file path=ppt/slides/slide2.xml><?xml version="1.0" encoding="utf-8"?>
 <p:sld xmlns:a="http://schemas.openxmlformats.org/drawingml/2006/main" xmlns:r="http://schemas.openxmlformats.org/officeDocument/2006/relationships" xmlns:p="http://schemas.openxmlformats.org/presentationml/2006/main">
   <p:cSld>

--- a/Data_Mining.pptx
+++ b/Data_Mining.pptx
@@ -16030,7 +16030,7 @@
           <a:p>
             <a:fld id="{8967A806-F23D-45A9-9035-27B86F863D70}" type="slidenum">
               <a:rPr lang="es-ES" smtClean="0"/>
-              <a:t>‹#›</a:t>
+              <a:t>‹Nº›</a:t>
             </a:fld>
             <a:endParaRPr lang="es-ES"/>
           </a:p>
@@ -16228,7 +16228,7 @@
           <a:p>
             <a:fld id="{8967A806-F23D-45A9-9035-27B86F863D70}" type="slidenum">
               <a:rPr lang="es-ES" smtClean="0"/>
-              <a:t>‹#›</a:t>
+              <a:t>‹Nº›</a:t>
             </a:fld>
             <a:endParaRPr lang="es-ES"/>
           </a:p>
@@ -16436,7 +16436,7 @@
           <a:p>
             <a:fld id="{8967A806-F23D-45A9-9035-27B86F863D70}" type="slidenum">
               <a:rPr lang="es-ES" smtClean="0"/>
-              <a:t>‹#›</a:t>
+              <a:t>‹Nº›</a:t>
             </a:fld>
             <a:endParaRPr lang="es-ES"/>
           </a:p>
@@ -16634,7 +16634,7 @@
           <a:p>
             <a:fld id="{8967A806-F23D-45A9-9035-27B86F863D70}" type="slidenum">
               <a:rPr lang="es-ES" smtClean="0"/>
-              <a:t>‹#›</a:t>
+              <a:t>‹Nº›</a:t>
             </a:fld>
             <a:endParaRPr lang="es-ES"/>
           </a:p>
@@ -16909,7 +16909,7 @@
           <a:p>
             <a:fld id="{8967A806-F23D-45A9-9035-27B86F863D70}" type="slidenum">
               <a:rPr lang="es-ES" smtClean="0"/>
-              <a:t>‹#›</a:t>
+              <a:t>‹Nº›</a:t>
             </a:fld>
             <a:endParaRPr lang="es-ES"/>
           </a:p>
@@ -17174,7 +17174,7 @@
           <a:p>
             <a:fld id="{8967A806-F23D-45A9-9035-27B86F863D70}" type="slidenum">
               <a:rPr lang="es-ES" smtClean="0"/>
-              <a:t>‹#›</a:t>
+              <a:t>‹Nº›</a:t>
             </a:fld>
             <a:endParaRPr lang="es-ES"/>
           </a:p>
@@ -17586,7 +17586,7 @@
           <a:p>
             <a:fld id="{8967A806-F23D-45A9-9035-27B86F863D70}" type="slidenum">
               <a:rPr lang="es-ES" smtClean="0"/>
-              <a:t>‹#›</a:t>
+              <a:t>‹Nº›</a:t>
             </a:fld>
             <a:endParaRPr lang="es-ES"/>
           </a:p>
@@ -17727,7 +17727,7 @@
           <a:p>
             <a:fld id="{8967A806-F23D-45A9-9035-27B86F863D70}" type="slidenum">
               <a:rPr lang="es-ES" smtClean="0"/>
-              <a:t>‹#›</a:t>
+              <a:t>‹Nº›</a:t>
             </a:fld>
             <a:endParaRPr lang="es-ES"/>
           </a:p>
@@ -17840,7 +17840,7 @@
           <a:p>
             <a:fld id="{8967A806-F23D-45A9-9035-27B86F863D70}" type="slidenum">
               <a:rPr lang="es-ES" smtClean="0"/>
-              <a:t>‹#›</a:t>
+              <a:t>‹Nº›</a:t>
             </a:fld>
             <a:endParaRPr lang="es-ES"/>
           </a:p>
@@ -18151,7 +18151,7 @@
           <a:p>
             <a:fld id="{8967A806-F23D-45A9-9035-27B86F863D70}" type="slidenum">
               <a:rPr lang="es-ES" smtClean="0"/>
-              <a:t>‹#›</a:t>
+              <a:t>‹Nº›</a:t>
             </a:fld>
             <a:endParaRPr lang="es-ES"/>
           </a:p>
@@ -18439,7 +18439,7 @@
           <a:p>
             <a:fld id="{8967A806-F23D-45A9-9035-27B86F863D70}" type="slidenum">
               <a:rPr lang="es-ES" smtClean="0"/>
-              <a:t>‹#›</a:t>
+              <a:t>‹Nº›</a:t>
             </a:fld>
             <a:endParaRPr lang="es-ES"/>
           </a:p>
@@ -18716,7 +18716,7 @@
           <a:p>
             <a:fld id="{8967A806-F23D-45A9-9035-27B86F863D70}" type="slidenum">
               <a:rPr lang="es-ES" smtClean="0"/>
-              <a:t>‹#›</a:t>
+              <a:t>‹Nº›</a:t>
             </a:fld>
             <a:endParaRPr lang="es-ES"/>
           </a:p>
@@ -23374,7 +23374,7 @@
       </p:grpSpPr>
       <p:sp>
         <p:nvSpPr>
-          <p:cNvPr id="9" name="Rectangle 8">
+          <p:cNvPr id="16" name="Rectangle 15">
             <a:extLst>
               <a:ext uri="{FF2B5EF4-FFF2-40B4-BE49-F238E27FC236}">
                 <a16:creationId xmlns:a16="http://schemas.microsoft.com/office/drawing/2014/main" id="{AB45A142-4255-493C-8284-5D566C121B10}"/>
@@ -23486,7 +23486,7 @@
       </p:sp>
       <p:cxnSp>
         <p:nvCxnSpPr>
-          <p:cNvPr id="11" name="Straight Connector 10">
+          <p:cNvPr id="18" name="Straight Connector 17">
             <a:extLst>
               <a:ext uri="{FF2B5EF4-FFF2-40B4-BE49-F238E27FC236}">
                 <a16:creationId xmlns:a16="http://schemas.microsoft.com/office/drawing/2014/main" id="{38FB9660-F42F-4313-BBC4-47C007FE484C}"/>
@@ -23538,10 +23538,10 @@
       </p:cxnSp>
       <p:pic>
         <p:nvPicPr>
-          <p:cNvPr id="4" name="Imagen 3">
+          <p:cNvPr id="3" name="Imagen 2" descr="Imagen que contiene captura de pantalla, mapa&#10;&#10;Descripción generada con confianza muy alta">
             <a:extLst>
               <a:ext uri="{FF2B5EF4-FFF2-40B4-BE49-F238E27FC236}">
-                <a16:creationId xmlns:a16="http://schemas.microsoft.com/office/drawing/2014/main" id="{DC1A840F-BB87-4135-BE21-AD682723CB7F}"/>
+                <a16:creationId xmlns:a16="http://schemas.microsoft.com/office/drawing/2014/main" id="{53991ACC-5AE6-44D2-BA1B-E204AD7C31F2}"/>
               </a:ext>
             </a:extLst>
           </p:cNvPr>
@@ -23552,13 +23552,13 @@
         </p:nvPicPr>
         <p:blipFill rotWithShape="1">
           <a:blip r:embed="rId2"/>
-          <a:srcRect l="16621" t="24641" r="13751"/>
+          <a:srcRect l="16723" t="25014" r="13923" b="3220"/>
           <a:stretch/>
         </p:blipFill>
         <p:spPr>
           <a:xfrm>
-            <a:off x="5153822" y="1438076"/>
-            <a:ext cx="6553545" cy="3989789"/>
+            <a:off x="5153822" y="1525685"/>
+            <a:ext cx="6553545" cy="3814572"/>
           </a:xfrm>
           <a:prstGeom prst="rect">
             <a:avLst/>

--- a/Data_Mining.pptx
+++ b/Data_Mining.pptx
@@ -20,6 +20,7 @@
     <p:sldId id="269" r:id="rId14"/>
     <p:sldId id="270" r:id="rId15"/>
     <p:sldId id="271" r:id="rId16"/>
+    <p:sldId id="272" r:id="rId17"/>
   </p:sldIdLst>
   <p:sldSz cx="12192000" cy="6858000"/>
   <p:notesSz cx="6858000" cy="9144000"/>
@@ -15976,7 +15977,7 @@
           <a:p>
             <a:fld id="{FBECE9C9-D874-4E87-A9C2-613A89DA3774}" type="datetimeFigureOut">
               <a:rPr lang="es-ES" smtClean="0"/>
-              <a:t>07/02/2019</a:t>
+              <a:t>08/02/2019</a:t>
             </a:fld>
             <a:endParaRPr lang="es-ES"/>
           </a:p>
@@ -16174,7 +16175,7 @@
           <a:p>
             <a:fld id="{FBECE9C9-D874-4E87-A9C2-613A89DA3774}" type="datetimeFigureOut">
               <a:rPr lang="es-ES" smtClean="0"/>
-              <a:t>07/02/2019</a:t>
+              <a:t>08/02/2019</a:t>
             </a:fld>
             <a:endParaRPr lang="es-ES"/>
           </a:p>
@@ -16382,7 +16383,7 @@
           <a:p>
             <a:fld id="{FBECE9C9-D874-4E87-A9C2-613A89DA3774}" type="datetimeFigureOut">
               <a:rPr lang="es-ES" smtClean="0"/>
-              <a:t>07/02/2019</a:t>
+              <a:t>08/02/2019</a:t>
             </a:fld>
             <a:endParaRPr lang="es-ES"/>
           </a:p>
@@ -16580,7 +16581,7 @@
           <a:p>
             <a:fld id="{FBECE9C9-D874-4E87-A9C2-613A89DA3774}" type="datetimeFigureOut">
               <a:rPr lang="es-ES" smtClean="0"/>
-              <a:t>07/02/2019</a:t>
+              <a:t>08/02/2019</a:t>
             </a:fld>
             <a:endParaRPr lang="es-ES"/>
           </a:p>
@@ -16855,7 +16856,7 @@
           <a:p>
             <a:fld id="{FBECE9C9-D874-4E87-A9C2-613A89DA3774}" type="datetimeFigureOut">
               <a:rPr lang="es-ES" smtClean="0"/>
-              <a:t>07/02/2019</a:t>
+              <a:t>08/02/2019</a:t>
             </a:fld>
             <a:endParaRPr lang="es-ES"/>
           </a:p>
@@ -17120,7 +17121,7 @@
           <a:p>
             <a:fld id="{FBECE9C9-D874-4E87-A9C2-613A89DA3774}" type="datetimeFigureOut">
               <a:rPr lang="es-ES" smtClean="0"/>
-              <a:t>07/02/2019</a:t>
+              <a:t>08/02/2019</a:t>
             </a:fld>
             <a:endParaRPr lang="es-ES"/>
           </a:p>
@@ -17532,7 +17533,7 @@
           <a:p>
             <a:fld id="{FBECE9C9-D874-4E87-A9C2-613A89DA3774}" type="datetimeFigureOut">
               <a:rPr lang="es-ES" smtClean="0"/>
-              <a:t>07/02/2019</a:t>
+              <a:t>08/02/2019</a:t>
             </a:fld>
             <a:endParaRPr lang="es-ES"/>
           </a:p>
@@ -17673,7 +17674,7 @@
           <a:p>
             <a:fld id="{FBECE9C9-D874-4E87-A9C2-613A89DA3774}" type="datetimeFigureOut">
               <a:rPr lang="es-ES" smtClean="0"/>
-              <a:t>07/02/2019</a:t>
+              <a:t>08/02/2019</a:t>
             </a:fld>
             <a:endParaRPr lang="es-ES"/>
           </a:p>
@@ -17786,7 +17787,7 @@
           <a:p>
             <a:fld id="{FBECE9C9-D874-4E87-A9C2-613A89DA3774}" type="datetimeFigureOut">
               <a:rPr lang="es-ES" smtClean="0"/>
-              <a:t>07/02/2019</a:t>
+              <a:t>08/02/2019</a:t>
             </a:fld>
             <a:endParaRPr lang="es-ES"/>
           </a:p>
@@ -18097,7 +18098,7 @@
           <a:p>
             <a:fld id="{FBECE9C9-D874-4E87-A9C2-613A89DA3774}" type="datetimeFigureOut">
               <a:rPr lang="es-ES" smtClean="0"/>
-              <a:t>07/02/2019</a:t>
+              <a:t>08/02/2019</a:t>
             </a:fld>
             <a:endParaRPr lang="es-ES"/>
           </a:p>
@@ -18385,7 +18386,7 @@
           <a:p>
             <a:fld id="{FBECE9C9-D874-4E87-A9C2-613A89DA3774}" type="datetimeFigureOut">
               <a:rPr lang="es-ES" smtClean="0"/>
-              <a:t>07/02/2019</a:t>
+              <a:t>08/02/2019</a:t>
             </a:fld>
             <a:endParaRPr lang="es-ES"/>
           </a:p>
@@ -18626,7 +18627,7 @@
           <a:p>
             <a:fld id="{FBECE9C9-D874-4E87-A9C2-613A89DA3774}" type="datetimeFigureOut">
               <a:rPr lang="es-ES" smtClean="0"/>
-              <a:t>07/02/2019</a:t>
+              <a:t>08/02/2019</a:t>
             </a:fld>
             <a:endParaRPr lang="es-ES"/>
           </a:p>
@@ -22367,6 +22368,623 @@
 </p:sld>
 </file>
 
+<file path=ppt/slides/slide16.xml><?xml version="1.0" encoding="utf-8"?>
+<p:sld xmlns:a="http://schemas.openxmlformats.org/drawingml/2006/main" xmlns:r="http://schemas.openxmlformats.org/officeDocument/2006/relationships" xmlns:p="http://schemas.openxmlformats.org/presentationml/2006/main">
+  <p:cSld>
+    <p:bg>
+      <p:bgPr>
+        <a:solidFill>
+          <a:schemeClr val="bg1"/>
+        </a:solidFill>
+        <a:effectLst/>
+      </p:bgPr>
+    </p:bg>
+    <p:spTree>
+      <p:nvGrpSpPr>
+        <p:cNvPr id="1" name=""/>
+        <p:cNvGrpSpPr/>
+        <p:nvPr/>
+      </p:nvGrpSpPr>
+      <p:grpSpPr>
+        <a:xfrm>
+          <a:off x="0" y="0"/>
+          <a:ext cx="0" cy="0"/>
+          <a:chOff x="0" y="0"/>
+          <a:chExt cx="0" cy="0"/>
+        </a:xfrm>
+      </p:grpSpPr>
+      <p:sp>
+        <p:nvSpPr>
+          <p:cNvPr id="2" name="Título 1">
+            <a:extLst>
+              <a:ext uri="{FF2B5EF4-FFF2-40B4-BE49-F238E27FC236}">
+                <a16:creationId xmlns:a16="http://schemas.microsoft.com/office/drawing/2014/main" id="{64C45D56-9331-4FF3-9D5B-BF393149B4AE}"/>
+              </a:ext>
+            </a:extLst>
+          </p:cNvPr>
+          <p:cNvSpPr>
+            <a:spLocks noGrp="1"/>
+          </p:cNvSpPr>
+          <p:nvPr>
+            <p:ph type="title"/>
+          </p:nvPr>
+        </p:nvSpPr>
+        <p:spPr>
+          <a:xfrm>
+            <a:off x="1136428" y="627564"/>
+            <a:ext cx="7474172" cy="1325563"/>
+          </a:xfrm>
+        </p:spPr>
+        <p:txBody>
+          <a:bodyPr>
+            <a:normAutofit/>
+          </a:bodyPr>
+          <a:lstStyle/>
+          <a:p>
+            <a:r>
+              <a:rPr lang="es-ES"/>
+              <a:t>References</a:t>
+            </a:r>
+          </a:p>
+        </p:txBody>
+      </p:sp>
+      <p:sp>
+        <p:nvSpPr>
+          <p:cNvPr id="3" name="Marcador de contenido 2">
+            <a:extLst>
+              <a:ext uri="{FF2B5EF4-FFF2-40B4-BE49-F238E27FC236}">
+                <a16:creationId xmlns:a16="http://schemas.microsoft.com/office/drawing/2014/main" id="{38B77B09-716B-401C-8C06-54031B223E1C}"/>
+              </a:ext>
+            </a:extLst>
+          </p:cNvPr>
+          <p:cNvSpPr>
+            <a:spLocks noGrp="1"/>
+          </p:cNvSpPr>
+          <p:nvPr>
+            <p:ph idx="1"/>
+          </p:nvPr>
+        </p:nvSpPr>
+        <p:spPr>
+          <a:xfrm>
+            <a:off x="1136429" y="2278173"/>
+            <a:ext cx="6467867" cy="3450613"/>
+          </a:xfrm>
+        </p:spPr>
+        <p:txBody>
+          <a:bodyPr anchor="ctr">
+            <a:normAutofit/>
+          </a:bodyPr>
+          <a:lstStyle/>
+          <a:p>
+            <a:r>
+              <a:rPr lang="en-US" sz="1100" dirty="0"/>
+              <a:t>Sarah Hewitt, T. </a:t>
+            </a:r>
+            <a:r>
+              <a:rPr lang="en-US" sz="1100" dirty="0" err="1"/>
+              <a:t>Tiropanis</a:t>
+            </a:r>
+            <a:r>
+              <a:rPr lang="en-US" sz="1100" dirty="0"/>
+              <a:t>, and C. </a:t>
+            </a:r>
+            <a:r>
+              <a:rPr lang="en-US" sz="1100" dirty="0" err="1"/>
+              <a:t>Bokhove</a:t>
+            </a:r>
+            <a:r>
+              <a:rPr lang="en-US" sz="1100" dirty="0"/>
+              <a:t>. 2016. The Problem </a:t>
+            </a:r>
+            <a:r>
+              <a:rPr lang="en-US" sz="1100" dirty="0" err="1"/>
+              <a:t>ofIdentifying</a:t>
+            </a:r>
+            <a:r>
+              <a:rPr lang="en-US" sz="1100" dirty="0"/>
+              <a:t> Misogynist Language on Twitter (and Other Online </a:t>
+            </a:r>
+            <a:r>
+              <a:rPr lang="en-US" sz="1100" dirty="0" err="1"/>
+              <a:t>SocialSpaces</a:t>
+            </a:r>
+            <a:r>
+              <a:rPr lang="en-US" sz="1100" dirty="0"/>
+              <a:t>). In Proceedings of the 8th ACM Conference on Web Science (Web-Sci ’16). ACM, New York, NY, USA, 333–335. </a:t>
+            </a:r>
+            <a:r>
+              <a:rPr lang="en-US" sz="1100" dirty="0">
+                <a:hlinkClick r:id="rId2"/>
+              </a:rPr>
+              <a:t>https://doi.org/10.1145/2908131.2908183</a:t>
+            </a:r>
+            <a:endParaRPr lang="en-US" sz="1100" dirty="0"/>
+          </a:p>
+          <a:p>
+            <a:r>
+              <a:rPr lang="en-US" sz="1100" dirty="0" err="1"/>
+              <a:t>Efthymios</a:t>
+            </a:r>
+            <a:r>
+              <a:rPr lang="en-US" sz="1100" dirty="0"/>
+              <a:t> </a:t>
+            </a:r>
+            <a:r>
+              <a:rPr lang="en-US" sz="1100" dirty="0" err="1"/>
+              <a:t>Kouloumpis</a:t>
+            </a:r>
+            <a:r>
+              <a:rPr lang="en-US" sz="1100" dirty="0"/>
+              <a:t>, Theresa Wilson, and Johanna D Moore. 2011.Twitter sentiment analysis: The good the bad and the omg! </a:t>
+            </a:r>
+            <a:r>
+              <a:rPr lang="en-US" sz="1100" dirty="0" err="1"/>
+              <a:t>Icwsm</a:t>
+            </a:r>
+            <a:r>
+              <a:rPr lang="en-US" sz="1100" dirty="0"/>
+              <a:t> 11,538-541 (2011), 164.</a:t>
+            </a:r>
+          </a:p>
+          <a:p>
+            <a:r>
+              <a:rPr lang="es-ES" sz="1100" dirty="0"/>
+              <a:t>Dr. James </a:t>
+            </a:r>
+            <a:r>
+              <a:rPr lang="es-ES" sz="1100" dirty="0" err="1"/>
+              <a:t>Lani</a:t>
+            </a:r>
+            <a:r>
+              <a:rPr lang="es-ES" sz="1100" dirty="0"/>
+              <a:t>. 2016. </a:t>
+            </a:r>
+            <a:r>
+              <a:rPr lang="es-ES" sz="1100" dirty="0" err="1"/>
+              <a:t>What</a:t>
+            </a:r>
+            <a:r>
+              <a:rPr lang="es-ES" sz="1100" dirty="0"/>
+              <a:t> </a:t>
+            </a:r>
+            <a:r>
+              <a:rPr lang="es-ES" sz="1100" dirty="0" err="1"/>
+              <a:t>is</a:t>
+            </a:r>
+            <a:r>
+              <a:rPr lang="es-ES" sz="1100" dirty="0"/>
+              <a:t> </a:t>
+            </a:r>
+            <a:r>
+              <a:rPr lang="es-ES" sz="1100" dirty="0" err="1"/>
+              <a:t>Logistic</a:t>
+            </a:r>
+            <a:r>
+              <a:rPr lang="es-ES" sz="1100" dirty="0"/>
+              <a:t> </a:t>
+            </a:r>
+            <a:r>
+              <a:rPr lang="es-ES" sz="1100" dirty="0" err="1"/>
+              <a:t>Regression</a:t>
+            </a:r>
+            <a:r>
+              <a:rPr lang="es-ES" sz="1100" dirty="0"/>
+              <a:t>? </a:t>
+            </a:r>
+            <a:r>
+              <a:rPr lang="es-ES" sz="1100" dirty="0" err="1"/>
+              <a:t>CompleteDissertation</a:t>
+            </a:r>
+            <a:r>
+              <a:rPr lang="es-ES" sz="1100" dirty="0"/>
+              <a:t> (2016). </a:t>
+            </a:r>
+            <a:r>
+              <a:rPr lang="es-ES" sz="1100" dirty="0">
+                <a:hlinkClick r:id="rId3"/>
+              </a:rPr>
+              <a:t>https://www.statisticssolutions.com/what-is-logistic-regression/</a:t>
+            </a:r>
+            <a:endParaRPr lang="es-ES" sz="1100" dirty="0"/>
+          </a:p>
+          <a:p>
+            <a:r>
+              <a:rPr lang="en-US" sz="1100" dirty="0"/>
+              <a:t>Sara Rosenthal, </a:t>
+            </a:r>
+            <a:r>
+              <a:rPr lang="en-US" sz="1100" dirty="0" err="1"/>
+              <a:t>Noura</a:t>
+            </a:r>
+            <a:r>
+              <a:rPr lang="en-US" sz="1100" dirty="0"/>
+              <a:t> </a:t>
+            </a:r>
+            <a:r>
+              <a:rPr lang="en-US" sz="1100" dirty="0" err="1"/>
+              <a:t>Farra</a:t>
+            </a:r>
+            <a:r>
+              <a:rPr lang="en-US" sz="1100" dirty="0"/>
+              <a:t>, and </a:t>
+            </a:r>
+            <a:r>
+              <a:rPr lang="en-US" sz="1100" dirty="0" err="1"/>
+              <a:t>Preslav</a:t>
+            </a:r>
+            <a:r>
+              <a:rPr lang="en-US" sz="1100" dirty="0"/>
+              <a:t> </a:t>
+            </a:r>
+            <a:r>
+              <a:rPr lang="en-US" sz="1100" dirty="0" err="1"/>
+              <a:t>Nakov</a:t>
+            </a:r>
+            <a:r>
+              <a:rPr lang="en-US" sz="1100" dirty="0"/>
+              <a:t>. 2017. SemEval-2017 task 4: Sentiment analysis in Twitter. In Proceedings of the 11th International Workshop on Semantic Evaluation (SemEval-2017). 502–518.</a:t>
+            </a:r>
+          </a:p>
+          <a:p>
+            <a:r>
+              <a:rPr lang="en-US" sz="1100" dirty="0" err="1"/>
+              <a:t>Nishtha</a:t>
+            </a:r>
+            <a:r>
+              <a:rPr lang="en-US" sz="1100" dirty="0"/>
+              <a:t> Saxena. 2018. Text Mining and Sentiment Analysis - A </a:t>
+            </a:r>
+            <a:r>
+              <a:rPr lang="en-US" sz="1100" dirty="0" err="1"/>
+              <a:t>Primer.Data</a:t>
+            </a:r>
+            <a:r>
+              <a:rPr lang="en-US" sz="1100" dirty="0"/>
+              <a:t> Science Central (2018). </a:t>
+            </a:r>
+            <a:r>
+              <a:rPr lang="en-US" sz="1100" dirty="0">
+                <a:hlinkClick r:id="rId4"/>
+              </a:rPr>
+              <a:t>https://www.datasciencecentral.com/profiles/blogs/text-mining-and-sentiment-analyses-a-primer</a:t>
+            </a:r>
+            <a:endParaRPr lang="en-US" sz="1100" dirty="0"/>
+          </a:p>
+          <a:p>
+            <a:r>
+              <a:rPr lang="en-US" sz="1100" dirty="0"/>
+              <a:t>George </a:t>
+            </a:r>
+            <a:r>
+              <a:rPr lang="en-US" sz="1100" dirty="0" err="1"/>
+              <a:t>Seif</a:t>
+            </a:r>
+            <a:r>
+              <a:rPr lang="en-US" sz="1100" dirty="0"/>
+              <a:t>. 2018. 5 Types of Regression and their </a:t>
+            </a:r>
+            <a:r>
+              <a:rPr lang="en-US" sz="1100" dirty="0" err="1"/>
+              <a:t>properties.Towards</a:t>
+            </a:r>
+            <a:r>
+              <a:rPr lang="en-US" sz="1100" dirty="0"/>
+              <a:t> Data Science (2018). </a:t>
+            </a:r>
+            <a:r>
+              <a:rPr lang="en-US" sz="1100" dirty="0">
+                <a:hlinkClick r:id="rId5"/>
+              </a:rPr>
+              <a:t>https://towardsdatascience.com/5-types-of-regression-and-their-properties-c5e1fa12d55e</a:t>
+            </a:r>
+            <a:endParaRPr lang="en-US" sz="1100" dirty="0"/>
+          </a:p>
+          <a:p>
+            <a:r>
+              <a:rPr lang="es-ES" sz="1100" dirty="0" err="1"/>
+              <a:t>Sanjana</a:t>
+            </a:r>
+            <a:r>
+              <a:rPr lang="es-ES" sz="1100" dirty="0"/>
+              <a:t> Sharma, </a:t>
+            </a:r>
+            <a:r>
+              <a:rPr lang="es-ES" sz="1100" dirty="0" err="1"/>
+              <a:t>Saksham</a:t>
+            </a:r>
+            <a:r>
+              <a:rPr lang="es-ES" sz="1100" dirty="0"/>
+              <a:t> </a:t>
+            </a:r>
+            <a:r>
+              <a:rPr lang="es-ES" sz="1100" dirty="0" err="1"/>
+              <a:t>Agrawal</a:t>
+            </a:r>
+            <a:r>
+              <a:rPr lang="es-ES" sz="1100" dirty="0"/>
+              <a:t>, and </a:t>
+            </a:r>
+            <a:r>
+              <a:rPr lang="es-ES" sz="1100" dirty="0" err="1"/>
+              <a:t>Manish</a:t>
+            </a:r>
+            <a:r>
+              <a:rPr lang="es-ES" sz="1100" dirty="0"/>
+              <a:t> </a:t>
+            </a:r>
+            <a:r>
+              <a:rPr lang="es-ES" sz="1100" dirty="0" err="1"/>
+              <a:t>Shrivastava</a:t>
+            </a:r>
+            <a:r>
+              <a:rPr lang="es-ES" sz="1100" dirty="0"/>
+              <a:t>. 2018. </a:t>
+            </a:r>
+            <a:r>
+              <a:rPr lang="es-ES" sz="1100" dirty="0" err="1"/>
+              <a:t>Degree</a:t>
+            </a:r>
+            <a:r>
+              <a:rPr lang="es-ES" sz="1100" dirty="0"/>
+              <a:t> </a:t>
+            </a:r>
+            <a:r>
+              <a:rPr lang="es-ES" sz="1100" dirty="0" err="1"/>
+              <a:t>based</a:t>
+            </a:r>
+            <a:r>
+              <a:rPr lang="es-ES" sz="1100" dirty="0"/>
+              <a:t> </a:t>
+            </a:r>
+            <a:r>
+              <a:rPr lang="es-ES" sz="1100" dirty="0" err="1"/>
+              <a:t>Classification</a:t>
+            </a:r>
+            <a:r>
+              <a:rPr lang="es-ES" sz="1100" dirty="0"/>
+              <a:t> </a:t>
+            </a:r>
+            <a:r>
+              <a:rPr lang="es-ES" sz="1100" dirty="0" err="1"/>
+              <a:t>of</a:t>
+            </a:r>
+            <a:r>
+              <a:rPr lang="es-ES" sz="1100" dirty="0"/>
+              <a:t> </a:t>
+            </a:r>
+            <a:r>
+              <a:rPr lang="es-ES" sz="1100" dirty="0" err="1"/>
+              <a:t>Harmful</a:t>
+            </a:r>
+            <a:r>
+              <a:rPr lang="es-ES" sz="1100" dirty="0"/>
+              <a:t> </a:t>
+            </a:r>
+            <a:r>
+              <a:rPr lang="es-ES" sz="1100" dirty="0" err="1"/>
+              <a:t>Speech</a:t>
+            </a:r>
+            <a:r>
+              <a:rPr lang="es-ES" sz="1100" dirty="0"/>
+              <a:t> </a:t>
+            </a:r>
+            <a:r>
+              <a:rPr lang="es-ES" sz="1100" dirty="0" err="1"/>
+              <a:t>using</a:t>
+            </a:r>
+            <a:r>
+              <a:rPr lang="es-ES" sz="1100" dirty="0"/>
+              <a:t> Twitter Data. </a:t>
+            </a:r>
+            <a:r>
+              <a:rPr lang="es-ES" sz="1100" dirty="0" err="1"/>
+              <a:t>CoRR</a:t>
+            </a:r>
+            <a:r>
+              <a:rPr lang="es-ES" sz="1100" dirty="0"/>
+              <a:t> </a:t>
+            </a:r>
+            <a:r>
+              <a:rPr lang="es-ES" sz="1100" dirty="0" err="1"/>
+              <a:t>abs</a:t>
+            </a:r>
+            <a:r>
+              <a:rPr lang="es-ES" sz="1100" dirty="0"/>
+              <a:t>/1806.04197 (2018). arXiv:1806.04197 </a:t>
+            </a:r>
+            <a:r>
+              <a:rPr lang="es-ES" sz="1100" dirty="0">
+                <a:hlinkClick r:id="rId6"/>
+              </a:rPr>
+              <a:t>http://arxiv.org/abs/1806.04197</a:t>
+            </a:r>
+            <a:endParaRPr lang="es-ES" sz="1100" dirty="0"/>
+          </a:p>
+          <a:p>
+            <a:endParaRPr lang="es-ES" sz="1100" dirty="0"/>
+          </a:p>
+        </p:txBody>
+      </p:sp>
+      <p:sp>
+        <p:nvSpPr>
+          <p:cNvPr id="14" name="Rectangle 9">
+            <a:extLst>
+              <a:ext uri="{FF2B5EF4-FFF2-40B4-BE49-F238E27FC236}">
+                <a16:creationId xmlns:a16="http://schemas.microsoft.com/office/drawing/2014/main" id="{59A309A7-1751-4ABE-A3C1-EEC40366AD89}"/>
+              </a:ext>
+              <a:ext uri="{C183D7F6-B498-43B3-948B-1728B52AA6E4}">
+                <adec:decorative xmlns:adec="http://schemas.microsoft.com/office/drawing/2017/decorative" val="1"/>
+              </a:ext>
+            </a:extLst>
+          </p:cNvPr>
+          <p:cNvSpPr>
+            <a:spLocks noGrp="1" noRot="1" noChangeAspect="1" noMove="1" noResize="1" noEditPoints="1" noAdjustHandles="1" noChangeArrowheads="1" noChangeShapeType="1" noTextEdit="1"/>
+          </p:cNvSpPr>
+          <p:nvPr>
+            <p:extLst>
+              <p:ext uri="{386F3935-93C4-4BCD-93E2-E3B085C9AB24}">
+                <p16:designElem xmlns:p16="http://schemas.microsoft.com/office/powerpoint/2015/main" val="1"/>
+              </p:ext>
+            </p:extLst>
+          </p:nvPr>
+        </p:nvSpPr>
+        <p:spPr>
+          <a:xfrm>
+            <a:off x="10088880" y="0"/>
+            <a:ext cx="2103120" cy="6858000"/>
+          </a:xfrm>
+          <a:prstGeom prst="rect">
+            <a:avLst/>
+          </a:prstGeom>
+          <a:solidFill>
+            <a:schemeClr val="accent1"/>
+          </a:solidFill>
+          <a:ln>
+            <a:noFill/>
+          </a:ln>
+        </p:spPr>
+        <p:style>
+          <a:lnRef idx="2">
+            <a:schemeClr val="accent1">
+              <a:shade val="50000"/>
+            </a:schemeClr>
+          </a:lnRef>
+          <a:fillRef idx="1">
+            <a:schemeClr val="accent1"/>
+          </a:fillRef>
+          <a:effectRef idx="0">
+            <a:schemeClr val="accent1"/>
+          </a:effectRef>
+          <a:fontRef idx="minor">
+            <a:schemeClr val="lt1"/>
+          </a:fontRef>
+        </p:style>
+        <p:txBody>
+          <a:bodyPr rtlCol="0" anchor="ctr"/>
+          <a:lstStyle/>
+          <a:p>
+            <a:pPr algn="ctr"/>
+            <a:endParaRPr lang="en-US"/>
+          </a:p>
+        </p:txBody>
+      </p:sp>
+      <p:sp>
+        <p:nvSpPr>
+          <p:cNvPr id="15" name="Oval 11">
+            <a:extLst>
+              <a:ext uri="{FF2B5EF4-FFF2-40B4-BE49-F238E27FC236}">
+                <a16:creationId xmlns:a16="http://schemas.microsoft.com/office/drawing/2014/main" id="{967D8EB6-EAE1-4F9C-B398-83321E287204}"/>
+              </a:ext>
+              <a:ext uri="{C183D7F6-B498-43B3-948B-1728B52AA6E4}">
+                <adec:decorative xmlns:adec="http://schemas.microsoft.com/office/drawing/2017/decorative" val="1"/>
+              </a:ext>
+            </a:extLst>
+          </p:cNvPr>
+          <p:cNvSpPr>
+            <a:spLocks noGrp="1" noRot="1" noChangeAspect="1" noMove="1" noResize="1" noEditPoints="1" noAdjustHandles="1" noChangeArrowheads="1" noChangeShapeType="1" noTextEdit="1"/>
+          </p:cNvSpPr>
+          <p:nvPr>
+            <p:extLst>
+              <p:ext uri="{386F3935-93C4-4BCD-93E2-E3B085C9AB24}">
+                <p16:designElem xmlns:p16="http://schemas.microsoft.com/office/powerpoint/2015/main" val="1"/>
+              </p:ext>
+            </p:extLst>
+          </p:nvPr>
+        </p:nvSpPr>
+        <p:spPr>
+          <a:xfrm>
+            <a:off x="8915400" y="2358913"/>
+            <a:ext cx="2140172" cy="2140172"/>
+          </a:xfrm>
+          <a:prstGeom prst="ellipse">
+            <a:avLst/>
+          </a:prstGeom>
+          <a:solidFill>
+            <a:srgbClr val="FFFFFF"/>
+          </a:solidFill>
+          <a:ln w="22225">
+            <a:solidFill>
+              <a:schemeClr val="accent1"/>
+            </a:solidFill>
+          </a:ln>
+        </p:spPr>
+        <p:style>
+          <a:lnRef idx="2">
+            <a:schemeClr val="accent1">
+              <a:shade val="50000"/>
+            </a:schemeClr>
+          </a:lnRef>
+          <a:fillRef idx="1">
+            <a:schemeClr val="accent1"/>
+          </a:fillRef>
+          <a:effectRef idx="0">
+            <a:schemeClr val="accent1"/>
+          </a:effectRef>
+          <a:fontRef idx="minor">
+            <a:schemeClr val="lt1"/>
+          </a:fontRef>
+        </p:style>
+        <p:txBody>
+          <a:bodyPr rtlCol="0" anchor="ctr"/>
+          <a:lstStyle/>
+          <a:p>
+            <a:pPr algn="ctr"/>
+            <a:endParaRPr lang="en-US"/>
+          </a:p>
+        </p:txBody>
+      </p:sp>
+      <p:pic>
+        <p:nvPicPr>
+          <p:cNvPr id="16" name="Graphic 6">
+            <a:extLst>
+              <a:ext uri="{FF2B5EF4-FFF2-40B4-BE49-F238E27FC236}">
+                <a16:creationId xmlns:a16="http://schemas.microsoft.com/office/drawing/2014/main" id="{270FB966-D800-4559-BE2E-27FC83E568B6}"/>
+              </a:ext>
+            </a:extLst>
+          </p:cNvPr>
+          <p:cNvPicPr>
+            <a:picLocks noChangeAspect="1"/>
+          </p:cNvPicPr>
+          <p:nvPr/>
+        </p:nvPicPr>
+        <p:blipFill>
+          <a:blip r:embed="rId7">
+            <a:extLst>
+              <a:ext uri="{28A0092B-C50C-407E-A947-70E740481C1C}">
+                <a14:useLocalDpi xmlns:a14="http://schemas.microsoft.com/office/drawing/2010/main" val="0"/>
+              </a:ext>
+              <a:ext uri="{96DAC541-7B7A-43D3-8B79-37D633B846F1}">
+                <asvg:svgBlip xmlns:asvg="http://schemas.microsoft.com/office/drawing/2016/SVG/main" r:embed="rId8"/>
+              </a:ext>
+            </a:extLst>
+          </a:blip>
+          <a:stretch>
+            <a:fillRect/>
+          </a:stretch>
+        </p:blipFill>
+        <p:spPr>
+          <a:xfrm>
+            <a:off x="9413987" y="2857501"/>
+            <a:ext cx="1142998" cy="1142998"/>
+          </a:xfrm>
+          <a:prstGeom prst="rect">
+            <a:avLst/>
+          </a:prstGeom>
+        </p:spPr>
+      </p:pic>
+    </p:spTree>
+    <p:extLst>
+      <p:ext uri="{BB962C8B-B14F-4D97-AF65-F5344CB8AC3E}">
+        <p14:creationId xmlns:p14="http://schemas.microsoft.com/office/powerpoint/2010/main" val="888095132"/>
+      </p:ext>
+    </p:extLst>
+  </p:cSld>
+  <p:clrMapOvr>
+    <a:masterClrMapping/>
+  </p:clrMapOvr>
+</p:sld>
+</file>
+
 <file path=ppt/slides/slide2.xml><?xml version="1.0" encoding="utf-8"?>
 <p:sld xmlns:a="http://schemas.openxmlformats.org/drawingml/2006/main" xmlns:r="http://schemas.openxmlformats.org/officeDocument/2006/relationships" xmlns:p="http://schemas.openxmlformats.org/presentationml/2006/main">
   <p:cSld>
